--- a/Presentation1.pptx
+++ b/Presentation1.pptx
@@ -25,22 +25,28 @@
     <p:sldId id="310" r:id="rId19"/>
     <p:sldId id="311" r:id="rId20"/>
     <p:sldId id="312" r:id="rId21"/>
-    <p:sldId id="258" r:id="rId22"/>
-    <p:sldId id="259" r:id="rId23"/>
-    <p:sldId id="260" r:id="rId24"/>
-    <p:sldId id="265" r:id="rId25"/>
-    <p:sldId id="267" r:id="rId26"/>
-    <p:sldId id="269" r:id="rId27"/>
-    <p:sldId id="270" r:id="rId28"/>
-    <p:sldId id="279" r:id="rId29"/>
-    <p:sldId id="280" r:id="rId30"/>
-    <p:sldId id="282" r:id="rId31"/>
-    <p:sldId id="283" r:id="rId32"/>
-    <p:sldId id="284" r:id="rId33"/>
-    <p:sldId id="295" r:id="rId34"/>
-    <p:sldId id="296" r:id="rId35"/>
-    <p:sldId id="305" r:id="rId36"/>
-    <p:sldId id="306" r:id="rId37"/>
+    <p:sldId id="313" r:id="rId22"/>
+    <p:sldId id="315" r:id="rId23"/>
+    <p:sldId id="316" r:id="rId24"/>
+    <p:sldId id="317" r:id="rId25"/>
+    <p:sldId id="318" r:id="rId26"/>
+    <p:sldId id="319" r:id="rId27"/>
+    <p:sldId id="258" r:id="rId28"/>
+    <p:sldId id="259" r:id="rId29"/>
+    <p:sldId id="260" r:id="rId30"/>
+    <p:sldId id="265" r:id="rId31"/>
+    <p:sldId id="267" r:id="rId32"/>
+    <p:sldId id="269" r:id="rId33"/>
+    <p:sldId id="270" r:id="rId34"/>
+    <p:sldId id="279" r:id="rId35"/>
+    <p:sldId id="280" r:id="rId36"/>
+    <p:sldId id="282" r:id="rId37"/>
+    <p:sldId id="283" r:id="rId38"/>
+    <p:sldId id="284" r:id="rId39"/>
+    <p:sldId id="295" r:id="rId40"/>
+    <p:sldId id="296" r:id="rId41"/>
+    <p:sldId id="305" r:id="rId42"/>
+    <p:sldId id="306" r:id="rId43"/>
   </p:sldIdLst>
   <p:sldSz cx="12192000" cy="6858000"/>
   <p:notesSz cx="6858000" cy="9144000"/>
@@ -21049,6 +21055,303 @@
   <p:clrMapOvr>
     <a:masterClrMapping/>
   </p:clrMapOvr>
+  <mc:AlternateContent xmlns:mc="http://schemas.openxmlformats.org/markup-compatibility/2006" xmlns:p159="http://schemas.microsoft.com/office/powerpoint/2015/09/main">
+    <mc:Choice Requires="p159">
+      <p:transition xmlns:p14="http://schemas.microsoft.com/office/powerpoint/2010/main" spd="slow" p14:dur="2000">
+        <p159:morph option="byObject"/>
+      </p:transition>
+    </mc:Choice>
+    <mc:Fallback xmlns="">
+      <p:transition spd="slow">
+        <p:fade/>
+      </p:transition>
+    </mc:Fallback>
+  </mc:AlternateContent>
+</p:sld>
+</file>
+
+<file path=ppt/slides/slide21.xml><?xml version="1.0" encoding="utf-8"?>
+<p:sld xmlns:a="http://schemas.openxmlformats.org/drawingml/2006/main" xmlns:r="http://schemas.openxmlformats.org/officeDocument/2006/relationships" xmlns:p="http://schemas.openxmlformats.org/presentationml/2006/main">
+  <p:cSld>
+    <p:bg>
+      <p:bgPr>
+        <a:blipFill dpi="0" rotWithShape="1">
+          <a:blip r:embed="rId2">
+            <a:extLst>
+              <a:ext uri="{BEBA8EAE-BF5A-486C-A8C5-ECC9F3942E4B}">
+                <a14:imgProps xmlns:a14="http://schemas.microsoft.com/office/drawing/2010/main">
+                  <a14:imgLayer r:embed="rId3">
+                    <a14:imgEffect>
+                      <a14:brightnessContrast bright="-20000"/>
+                    </a14:imgEffect>
+                  </a14:imgLayer>
+                </a14:imgProps>
+              </a:ext>
+            </a:extLst>
+          </a:blip>
+          <a:srcRect/>
+          <a:stretch>
+            <a:fillRect l="-9000" t="-39000" b="-11000"/>
+          </a:stretch>
+        </a:blipFill>
+        <a:effectLst/>
+      </p:bgPr>
+    </p:bg>
+    <p:spTree>
+      <p:nvGrpSpPr>
+        <p:cNvPr id="1" name=""/>
+        <p:cNvGrpSpPr/>
+        <p:nvPr/>
+      </p:nvGrpSpPr>
+      <p:grpSpPr>
+        <a:xfrm>
+          <a:off x="0" y="0"/>
+          <a:ext cx="0" cy="0"/>
+          <a:chOff x="0" y="0"/>
+          <a:chExt cx="0" cy="0"/>
+        </a:xfrm>
+      </p:grpSpPr>
+      <p:sp>
+        <p:nvSpPr>
+          <p:cNvPr id="4" name="TextBox 3">
+            <a:extLst>
+              <a:ext uri="{FF2B5EF4-FFF2-40B4-BE49-F238E27FC236}">
+                <a16:creationId xmlns:a16="http://schemas.microsoft.com/office/drawing/2014/main" id="{B216AF57-F29C-D05C-D5C9-C32762A12133}"/>
+              </a:ext>
+            </a:extLst>
+          </p:cNvPr>
+          <p:cNvSpPr txBox="1"/>
+          <p:nvPr/>
+        </p:nvSpPr>
+        <p:spPr>
+          <a:xfrm>
+            <a:off x="835743" y="526372"/>
+            <a:ext cx="7580670" cy="584775"/>
+          </a:xfrm>
+          <a:prstGeom prst="rect">
+            <a:avLst/>
+          </a:prstGeom>
+          <a:noFill/>
+        </p:spPr>
+        <p:txBody>
+          <a:bodyPr wrap="square" rtlCol="0">
+            <a:spAutoFit/>
+          </a:bodyPr>
+          <a:lstStyle/>
+          <a:p>
+            <a:r>
+              <a:rPr lang="en-US" sz="3200" b="1" dirty="0">
+                <a:solidFill>
+                  <a:schemeClr val="bg1"/>
+                </a:solidFill>
+              </a:rPr>
+              <a:t>What we input into our model:</a:t>
+            </a:r>
+            <a:r>
+              <a:rPr lang="en-US" sz="2800" b="1" dirty="0">
+                <a:solidFill>
+                  <a:schemeClr val="bg1"/>
+                </a:solidFill>
+              </a:rPr>
+              <a:t> </a:t>
+            </a:r>
+            <a:endParaRPr lang="en-ZA" sz="2800" b="1" dirty="0">
+              <a:solidFill>
+                <a:schemeClr val="bg1"/>
+              </a:solidFill>
+            </a:endParaRPr>
+          </a:p>
+        </p:txBody>
+      </p:sp>
+      <p:sp>
+        <p:nvSpPr>
+          <p:cNvPr id="2" name="TextBox 1">
+            <a:extLst>
+              <a:ext uri="{FF2B5EF4-FFF2-40B4-BE49-F238E27FC236}">
+                <a16:creationId xmlns:a16="http://schemas.microsoft.com/office/drawing/2014/main" id="{71B8FE5D-1EB9-87E1-3DBE-0522E40BD71E}"/>
+              </a:ext>
+            </a:extLst>
+          </p:cNvPr>
+          <p:cNvSpPr txBox="1"/>
+          <p:nvPr/>
+        </p:nvSpPr>
+        <p:spPr>
+          <a:xfrm>
+            <a:off x="3283974" y="2453826"/>
+            <a:ext cx="8239433" cy="461665"/>
+          </a:xfrm>
+          <a:prstGeom prst="rect">
+            <a:avLst/>
+          </a:prstGeom>
+          <a:noFill/>
+        </p:spPr>
+        <p:txBody>
+          <a:bodyPr wrap="square">
+            <a:spAutoFit/>
+          </a:bodyPr>
+          <a:lstStyle/>
+          <a:p>
+            <a:r>
+              <a:rPr lang="en-ZA" sz="2400" b="1" dirty="0">
+                <a:solidFill>
+                  <a:schemeClr val="bg1"/>
+                </a:solidFill>
+              </a:rPr>
+              <a:t>1. User-Action interaction matrix</a:t>
+            </a:r>
+          </a:p>
+        </p:txBody>
+      </p:sp>
+      <p:sp>
+        <p:nvSpPr>
+          <p:cNvPr id="8" name="TextBox 7">
+            <a:extLst>
+              <a:ext uri="{FF2B5EF4-FFF2-40B4-BE49-F238E27FC236}">
+                <a16:creationId xmlns:a16="http://schemas.microsoft.com/office/drawing/2014/main" id="{C0882B99-1574-09ED-8ED5-42D1D668A3BD}"/>
+              </a:ext>
+            </a:extLst>
+          </p:cNvPr>
+          <p:cNvSpPr txBox="1"/>
+          <p:nvPr/>
+        </p:nvSpPr>
+        <p:spPr>
+          <a:xfrm>
+            <a:off x="3283974" y="2915491"/>
+            <a:ext cx="6096000" cy="461665"/>
+          </a:xfrm>
+          <a:prstGeom prst="rect">
+            <a:avLst/>
+          </a:prstGeom>
+          <a:noFill/>
+        </p:spPr>
+        <p:txBody>
+          <a:bodyPr wrap="square">
+            <a:spAutoFit/>
+          </a:bodyPr>
+          <a:lstStyle/>
+          <a:p>
+            <a:pPr marR="0" lvl="0" algn="l" defTabSz="914400" rtl="0" eaLnBrk="1" fontAlgn="auto" latinLnBrk="0" hangingPunct="1">
+              <a:lnSpc>
+                <a:spcPct val="100000"/>
+              </a:lnSpc>
+              <a:spcBef>
+                <a:spcPts val="0"/>
+              </a:spcBef>
+              <a:spcAft>
+                <a:spcPts val="0"/>
+              </a:spcAft>
+              <a:buClrTx/>
+              <a:buSzTx/>
+              <a:tabLst/>
+              <a:defRPr/>
+            </a:pPr>
+            <a:r>
+              <a:rPr kumimoji="0" lang="en-ZA" sz="2400" b="1" i="0" u="none" strike="noStrike" kern="1200" cap="none" spc="0" normalizeH="0" baseline="0" noProof="0" dirty="0">
+                <a:ln>
+                  <a:noFill/>
+                </a:ln>
+                <a:solidFill>
+                  <a:prstClr val="white"/>
+                </a:solidFill>
+                <a:effectLst/>
+                <a:uLnTx/>
+                <a:uFillTx/>
+                <a:latin typeface="Aptos" panose="02110004020202020204"/>
+                <a:ea typeface="+mn-ea"/>
+                <a:cs typeface="+mn-cs"/>
+              </a:rPr>
+              <a:t>2. User Features</a:t>
+            </a:r>
+          </a:p>
+        </p:txBody>
+      </p:sp>
+      <p:sp>
+        <p:nvSpPr>
+          <p:cNvPr id="10" name="TextBox 9">
+            <a:extLst>
+              <a:ext uri="{FF2B5EF4-FFF2-40B4-BE49-F238E27FC236}">
+                <a16:creationId xmlns:a16="http://schemas.microsoft.com/office/drawing/2014/main" id="{23CF3E7A-ECD7-7CD8-E2D4-C69062F5E0B5}"/>
+              </a:ext>
+            </a:extLst>
+          </p:cNvPr>
+          <p:cNvSpPr txBox="1"/>
+          <p:nvPr/>
+        </p:nvSpPr>
+        <p:spPr>
+          <a:xfrm>
+            <a:off x="3283974" y="3377156"/>
+            <a:ext cx="6096000" cy="461665"/>
+          </a:xfrm>
+          <a:prstGeom prst="rect">
+            <a:avLst/>
+          </a:prstGeom>
+          <a:noFill/>
+        </p:spPr>
+        <p:txBody>
+          <a:bodyPr wrap="square">
+            <a:spAutoFit/>
+          </a:bodyPr>
+          <a:lstStyle/>
+          <a:p>
+            <a:pPr marR="0" lvl="0" algn="l" defTabSz="914400" rtl="0" eaLnBrk="1" fontAlgn="auto" latinLnBrk="0" hangingPunct="1">
+              <a:lnSpc>
+                <a:spcPct val="100000"/>
+              </a:lnSpc>
+              <a:spcBef>
+                <a:spcPts val="0"/>
+              </a:spcBef>
+              <a:spcAft>
+                <a:spcPts val="0"/>
+              </a:spcAft>
+              <a:buClrTx/>
+              <a:buSzTx/>
+              <a:tabLst/>
+              <a:defRPr/>
+            </a:pPr>
+            <a:r>
+              <a:rPr kumimoji="0" lang="en-ZA" sz="2400" b="1" i="0" u="none" strike="noStrike" kern="1200" cap="none" spc="0" normalizeH="0" baseline="0" noProof="0" dirty="0">
+                <a:ln>
+                  <a:noFill/>
+                </a:ln>
+                <a:solidFill>
+                  <a:prstClr val="white"/>
+                </a:solidFill>
+                <a:effectLst/>
+                <a:uLnTx/>
+                <a:uFillTx/>
+                <a:latin typeface="Aptos" panose="02110004020202020204"/>
+                <a:ea typeface="+mn-ea"/>
+                <a:cs typeface="+mn-cs"/>
+              </a:rPr>
+              <a:t>3. Item features</a:t>
+            </a:r>
+            <a:endParaRPr kumimoji="0" lang="en-ZA" sz="1800" b="0" i="0" u="none" strike="noStrike" kern="1200" cap="none" spc="0" normalizeH="0" baseline="0" noProof="0" dirty="0">
+              <a:ln>
+                <a:noFill/>
+              </a:ln>
+              <a:solidFill>
+                <a:prstClr val="white"/>
+              </a:solidFill>
+              <a:effectLst/>
+              <a:uLnTx/>
+              <a:uFillTx/>
+              <a:latin typeface="Aptos" panose="02110004020202020204"/>
+              <a:ea typeface="+mn-ea"/>
+              <a:cs typeface="+mn-cs"/>
+            </a:endParaRPr>
+          </a:p>
+        </p:txBody>
+      </p:sp>
+    </p:spTree>
+    <p:extLst>
+      <p:ext uri="{BB962C8B-B14F-4D97-AF65-F5344CB8AC3E}">
+        <p14:creationId xmlns:p14="http://schemas.microsoft.com/office/powerpoint/2010/main" val="2938795410"/>
+      </p:ext>
+    </p:extLst>
+  </p:cSld>
+  <p:clrMapOvr>
+    <a:masterClrMapping/>
+  </p:clrMapOvr>
   <mc:AlternateContent xmlns:mc="http://schemas.openxmlformats.org/markup-compatibility/2006">
     <mc:Choice xmlns:p159="http://schemas.microsoft.com/office/powerpoint/2015/09/main" Requires="p159">
       <p:transition xmlns:p14="http://schemas.microsoft.com/office/powerpoint/2010/main" spd="slow" p14:dur="2000">
@@ -21064,7 +21367,1172 @@
 </p:sld>
 </file>
 
-<file path=ppt/slides/slide21.xml><?xml version="1.0" encoding="utf-8"?>
+<file path=ppt/slides/slide22.xml><?xml version="1.0" encoding="utf-8"?>
+<p:sld xmlns:a="http://schemas.openxmlformats.org/drawingml/2006/main" xmlns:r="http://schemas.openxmlformats.org/officeDocument/2006/relationships" xmlns:p="http://schemas.openxmlformats.org/presentationml/2006/main">
+  <p:cSld>
+    <p:bg>
+      <p:bgPr>
+        <a:blipFill dpi="0" rotWithShape="1">
+          <a:blip r:embed="rId2">
+            <a:extLst>
+              <a:ext uri="{BEBA8EAE-BF5A-486C-A8C5-ECC9F3942E4B}">
+                <a14:imgProps xmlns:a14="http://schemas.microsoft.com/office/drawing/2010/main">
+                  <a14:imgLayer r:embed="rId3">
+                    <a14:imgEffect>
+                      <a14:brightnessContrast bright="-20000"/>
+                    </a14:imgEffect>
+                  </a14:imgLayer>
+                </a14:imgProps>
+              </a:ext>
+            </a:extLst>
+          </a:blip>
+          <a:srcRect/>
+          <a:stretch>
+            <a:fillRect l="-9000" t="-39000" b="-11000"/>
+          </a:stretch>
+        </a:blipFill>
+        <a:effectLst/>
+      </p:bgPr>
+    </p:bg>
+    <p:spTree>
+      <p:nvGrpSpPr>
+        <p:cNvPr id="1" name=""/>
+        <p:cNvGrpSpPr/>
+        <p:nvPr/>
+      </p:nvGrpSpPr>
+      <p:grpSpPr>
+        <a:xfrm>
+          <a:off x="0" y="0"/>
+          <a:ext cx="0" cy="0"/>
+          <a:chOff x="0" y="0"/>
+          <a:chExt cx="0" cy="0"/>
+        </a:xfrm>
+      </p:grpSpPr>
+      <p:sp>
+        <p:nvSpPr>
+          <p:cNvPr id="2" name="TextBox 1">
+            <a:extLst>
+              <a:ext uri="{FF2B5EF4-FFF2-40B4-BE49-F238E27FC236}">
+                <a16:creationId xmlns:a16="http://schemas.microsoft.com/office/drawing/2014/main" id="{71B8FE5D-1EB9-87E1-3DBE-0522E40BD71E}"/>
+              </a:ext>
+            </a:extLst>
+          </p:cNvPr>
+          <p:cNvSpPr txBox="1"/>
+          <p:nvPr/>
+        </p:nvSpPr>
+        <p:spPr>
+          <a:xfrm>
+            <a:off x="442452" y="280897"/>
+            <a:ext cx="8239433" cy="461665"/>
+          </a:xfrm>
+          <a:prstGeom prst="rect">
+            <a:avLst/>
+          </a:prstGeom>
+          <a:noFill/>
+        </p:spPr>
+        <p:txBody>
+          <a:bodyPr wrap="square">
+            <a:spAutoFit/>
+          </a:bodyPr>
+          <a:lstStyle/>
+          <a:p>
+            <a:r>
+              <a:rPr lang="en-ZA" sz="2400" b="1" dirty="0">
+                <a:solidFill>
+                  <a:schemeClr val="bg1"/>
+                </a:solidFill>
+              </a:rPr>
+              <a:t>1. User-Action interaction matrix</a:t>
+            </a:r>
+          </a:p>
+        </p:txBody>
+      </p:sp>
+      <p:sp>
+        <p:nvSpPr>
+          <p:cNvPr id="5" name="TextBox 4">
+            <a:extLst>
+              <a:ext uri="{FF2B5EF4-FFF2-40B4-BE49-F238E27FC236}">
+                <a16:creationId xmlns:a16="http://schemas.microsoft.com/office/drawing/2014/main" id="{295E13C2-E37F-CEA5-6CD4-B1E8DE50637A}"/>
+              </a:ext>
+            </a:extLst>
+          </p:cNvPr>
+          <p:cNvSpPr txBox="1"/>
+          <p:nvPr/>
+        </p:nvSpPr>
+        <p:spPr>
+          <a:xfrm>
+            <a:off x="717754" y="878715"/>
+            <a:ext cx="9429135" cy="369332"/>
+          </a:xfrm>
+          <a:prstGeom prst="rect">
+            <a:avLst/>
+          </a:prstGeom>
+          <a:noFill/>
+        </p:spPr>
+        <p:txBody>
+          <a:bodyPr wrap="square">
+            <a:spAutoFit/>
+          </a:bodyPr>
+          <a:lstStyle/>
+          <a:p>
+            <a:r>
+              <a:rPr lang="en-ZA" sz="1800" dirty="0">
+                <a:solidFill>
+                  <a:schemeClr val="bg1"/>
+                </a:solidFill>
+              </a:rPr>
+              <a:t>We input a user ID, item code and interaction score for each interaction.</a:t>
+            </a:r>
+            <a:endParaRPr lang="en-ZA" dirty="0"/>
+          </a:p>
+        </p:txBody>
+      </p:sp>
+      <p:sp>
+        <p:nvSpPr>
+          <p:cNvPr id="6" name="TextBox 5">
+            <a:extLst>
+              <a:ext uri="{FF2B5EF4-FFF2-40B4-BE49-F238E27FC236}">
+                <a16:creationId xmlns:a16="http://schemas.microsoft.com/office/drawing/2014/main" id="{3CEB7750-F2BC-0CAB-26B5-53C10AB4E698}"/>
+              </a:ext>
+            </a:extLst>
+          </p:cNvPr>
+          <p:cNvSpPr txBox="1"/>
+          <p:nvPr/>
+        </p:nvSpPr>
+        <p:spPr>
+          <a:xfrm>
+            <a:off x="717754" y="2886868"/>
+            <a:ext cx="6096000" cy="369332"/>
+          </a:xfrm>
+          <a:prstGeom prst="rect">
+            <a:avLst/>
+          </a:prstGeom>
+          <a:noFill/>
+        </p:spPr>
+        <p:txBody>
+          <a:bodyPr wrap="square">
+            <a:spAutoFit/>
+          </a:bodyPr>
+          <a:lstStyle/>
+          <a:p>
+            <a:r>
+              <a:rPr lang="en-ZA" dirty="0">
+                <a:solidFill>
+                  <a:schemeClr val="bg1"/>
+                </a:solidFill>
+              </a:rPr>
+              <a:t>The model builds a sparse </a:t>
+            </a:r>
+            <a:r>
+              <a:rPr lang="en-ZA">
+                <a:solidFill>
+                  <a:schemeClr val="bg1"/>
+                </a:solidFill>
+              </a:rPr>
+              <a:t>interaction matrix:</a:t>
+            </a:r>
+            <a:endParaRPr lang="en-ZA" dirty="0"/>
+          </a:p>
+        </p:txBody>
+      </p:sp>
+      <p:sp>
+        <p:nvSpPr>
+          <p:cNvPr id="7" name="TextBox 6">
+            <a:extLst>
+              <a:ext uri="{FF2B5EF4-FFF2-40B4-BE49-F238E27FC236}">
+                <a16:creationId xmlns:a16="http://schemas.microsoft.com/office/drawing/2014/main" id="{9C66CD0A-BE78-3BBC-D051-953A70F7F9FD}"/>
+              </a:ext>
+            </a:extLst>
+          </p:cNvPr>
+          <p:cNvSpPr txBox="1"/>
+          <p:nvPr/>
+        </p:nvSpPr>
+        <p:spPr>
+          <a:xfrm>
+            <a:off x="717754" y="1282627"/>
+            <a:ext cx="10972802" cy="1200329"/>
+          </a:xfrm>
+          <a:prstGeom prst="rect">
+            <a:avLst/>
+          </a:prstGeom>
+          <a:noFill/>
+        </p:spPr>
+        <p:txBody>
+          <a:bodyPr wrap="square">
+            <a:spAutoFit/>
+          </a:bodyPr>
+          <a:lstStyle/>
+          <a:p>
+            <a:r>
+              <a:rPr lang="en-ZA" sz="1800" dirty="0">
+                <a:solidFill>
+                  <a:schemeClr val="bg1"/>
+                </a:solidFill>
+              </a:rPr>
+              <a:t>The interaction score works as a weighting for different interaction types. We have already dropped the ‘DISPLAY’ items, but now emphasise ‘CHECKOUT’ items with the following weighting:</a:t>
+            </a:r>
+          </a:p>
+          <a:p>
+            <a:pPr marL="285750" indent="-285750">
+              <a:buFont typeface="Arial" panose="020B0604020202020204" pitchFamily="34" charset="0"/>
+              <a:buChar char="•"/>
+            </a:pPr>
+            <a:r>
+              <a:rPr lang="en-ZA" dirty="0">
+                <a:solidFill>
+                  <a:schemeClr val="bg1"/>
+                </a:solidFill>
+              </a:rPr>
+              <a:t>CLICK  -  1</a:t>
+            </a:r>
+          </a:p>
+          <a:p>
+            <a:pPr marL="285750" indent="-285750">
+              <a:buFont typeface="Arial" panose="020B0604020202020204" pitchFamily="34" charset="0"/>
+              <a:buChar char="•"/>
+            </a:pPr>
+            <a:r>
+              <a:rPr lang="en-ZA" dirty="0">
+                <a:solidFill>
+                  <a:schemeClr val="bg1"/>
+                </a:solidFill>
+              </a:rPr>
+              <a:t>CHECKOUT   -  2</a:t>
+            </a:r>
+          </a:p>
+        </p:txBody>
+      </p:sp>
+      <p:sp>
+        <p:nvSpPr>
+          <p:cNvPr id="11" name="TextBox 10">
+            <a:extLst>
+              <a:ext uri="{FF2B5EF4-FFF2-40B4-BE49-F238E27FC236}">
+                <a16:creationId xmlns:a16="http://schemas.microsoft.com/office/drawing/2014/main" id="{33592409-772E-4F39-E4C4-E6FF3434BD61}"/>
+              </a:ext>
+            </a:extLst>
+          </p:cNvPr>
+          <p:cNvSpPr txBox="1"/>
+          <p:nvPr/>
+        </p:nvSpPr>
+        <p:spPr>
+          <a:xfrm>
+            <a:off x="717754" y="2517536"/>
+            <a:ext cx="10215717" cy="369332"/>
+          </a:xfrm>
+          <a:prstGeom prst="rect">
+            <a:avLst/>
+          </a:prstGeom>
+          <a:noFill/>
+        </p:spPr>
+        <p:txBody>
+          <a:bodyPr wrap="square">
+            <a:spAutoFit/>
+          </a:bodyPr>
+          <a:lstStyle/>
+          <a:p>
+            <a:r>
+              <a:rPr lang="en-ZA" dirty="0">
+                <a:solidFill>
+                  <a:schemeClr val="bg1"/>
+                </a:solidFill>
+              </a:rPr>
+              <a:t>After the interactions are weighted the item column is normalized.</a:t>
+            </a:r>
+          </a:p>
+        </p:txBody>
+      </p:sp>
+    </p:spTree>
+    <p:extLst>
+      <p:ext uri="{BB962C8B-B14F-4D97-AF65-F5344CB8AC3E}">
+        <p14:creationId xmlns:p14="http://schemas.microsoft.com/office/powerpoint/2010/main" val="3749337137"/>
+      </p:ext>
+    </p:extLst>
+  </p:cSld>
+  <p:clrMapOvr>
+    <a:masterClrMapping/>
+  </p:clrMapOvr>
+  <mc:AlternateContent xmlns:mc="http://schemas.openxmlformats.org/markup-compatibility/2006">
+    <mc:Choice xmlns:p159="http://schemas.microsoft.com/office/powerpoint/2015/09/main" Requires="p159">
+      <p:transition xmlns:p14="http://schemas.microsoft.com/office/powerpoint/2010/main" spd="slow" p14:dur="2000">
+        <p159:morph option="byObject"/>
+      </p:transition>
+    </mc:Choice>
+    <mc:Fallback>
+      <p:transition spd="slow">
+        <p:fade/>
+      </p:transition>
+    </mc:Fallback>
+  </mc:AlternateContent>
+</p:sld>
+</file>
+
+<file path=ppt/slides/slide23.xml><?xml version="1.0" encoding="utf-8"?>
+<p:sld xmlns:a="http://schemas.openxmlformats.org/drawingml/2006/main" xmlns:r="http://schemas.openxmlformats.org/officeDocument/2006/relationships" xmlns:p="http://schemas.openxmlformats.org/presentationml/2006/main">
+  <p:cSld>
+    <p:bg>
+      <p:bgPr>
+        <a:blipFill dpi="0" rotWithShape="1">
+          <a:blip r:embed="rId2">
+            <a:extLst>
+              <a:ext uri="{BEBA8EAE-BF5A-486C-A8C5-ECC9F3942E4B}">
+                <a14:imgProps xmlns:a14="http://schemas.microsoft.com/office/drawing/2010/main">
+                  <a14:imgLayer r:embed="rId3">
+                    <a14:imgEffect>
+                      <a14:brightnessContrast bright="-20000"/>
+                    </a14:imgEffect>
+                  </a14:imgLayer>
+                </a14:imgProps>
+              </a:ext>
+            </a:extLst>
+          </a:blip>
+          <a:srcRect/>
+          <a:stretch>
+            <a:fillRect l="-9000" t="-39000" b="-11000"/>
+          </a:stretch>
+        </a:blipFill>
+        <a:effectLst/>
+      </p:bgPr>
+    </p:bg>
+    <p:spTree>
+      <p:nvGrpSpPr>
+        <p:cNvPr id="1" name=""/>
+        <p:cNvGrpSpPr/>
+        <p:nvPr/>
+      </p:nvGrpSpPr>
+      <p:grpSpPr>
+        <a:xfrm>
+          <a:off x="0" y="0"/>
+          <a:ext cx="0" cy="0"/>
+          <a:chOff x="0" y="0"/>
+          <a:chExt cx="0" cy="0"/>
+        </a:xfrm>
+      </p:grpSpPr>
+      <p:sp>
+        <p:nvSpPr>
+          <p:cNvPr id="4" name="TextBox 3">
+            <a:extLst>
+              <a:ext uri="{FF2B5EF4-FFF2-40B4-BE49-F238E27FC236}">
+                <a16:creationId xmlns:a16="http://schemas.microsoft.com/office/drawing/2014/main" id="{B216AF57-F29C-D05C-D5C9-C32762A12133}"/>
+              </a:ext>
+            </a:extLst>
+          </p:cNvPr>
+          <p:cNvSpPr txBox="1"/>
+          <p:nvPr/>
+        </p:nvSpPr>
+        <p:spPr>
+          <a:xfrm>
+            <a:off x="835743" y="526372"/>
+            <a:ext cx="7580670" cy="584775"/>
+          </a:xfrm>
+          <a:prstGeom prst="rect">
+            <a:avLst/>
+          </a:prstGeom>
+          <a:noFill/>
+        </p:spPr>
+        <p:txBody>
+          <a:bodyPr wrap="square" rtlCol="0">
+            <a:spAutoFit/>
+          </a:bodyPr>
+          <a:lstStyle/>
+          <a:p>
+            <a:r>
+              <a:rPr lang="en-US" sz="3200" b="1" dirty="0">
+                <a:solidFill>
+                  <a:schemeClr val="bg1"/>
+                </a:solidFill>
+              </a:rPr>
+              <a:t>What we input into our model:</a:t>
+            </a:r>
+            <a:r>
+              <a:rPr lang="en-US" sz="2800" b="1" dirty="0">
+                <a:solidFill>
+                  <a:schemeClr val="bg1"/>
+                </a:solidFill>
+              </a:rPr>
+              <a:t> </a:t>
+            </a:r>
+            <a:endParaRPr lang="en-ZA" sz="2800" b="1" dirty="0">
+              <a:solidFill>
+                <a:schemeClr val="bg1"/>
+              </a:solidFill>
+            </a:endParaRPr>
+          </a:p>
+        </p:txBody>
+      </p:sp>
+      <p:sp>
+        <p:nvSpPr>
+          <p:cNvPr id="2" name="TextBox 1">
+            <a:extLst>
+              <a:ext uri="{FF2B5EF4-FFF2-40B4-BE49-F238E27FC236}">
+                <a16:creationId xmlns:a16="http://schemas.microsoft.com/office/drawing/2014/main" id="{71B8FE5D-1EB9-87E1-3DBE-0522E40BD71E}"/>
+              </a:ext>
+            </a:extLst>
+          </p:cNvPr>
+          <p:cNvSpPr txBox="1"/>
+          <p:nvPr/>
+        </p:nvSpPr>
+        <p:spPr>
+          <a:xfrm>
+            <a:off x="3283974" y="2453826"/>
+            <a:ext cx="8239433" cy="461665"/>
+          </a:xfrm>
+          <a:prstGeom prst="rect">
+            <a:avLst/>
+          </a:prstGeom>
+          <a:noFill/>
+        </p:spPr>
+        <p:txBody>
+          <a:bodyPr wrap="square">
+            <a:spAutoFit/>
+          </a:bodyPr>
+          <a:lstStyle/>
+          <a:p>
+            <a:r>
+              <a:rPr lang="en-ZA" sz="2400" b="1" dirty="0">
+                <a:solidFill>
+                  <a:schemeClr val="bg1"/>
+                </a:solidFill>
+              </a:rPr>
+              <a:t>1. User-Action interaction matrix</a:t>
+            </a:r>
+          </a:p>
+        </p:txBody>
+      </p:sp>
+      <p:sp>
+        <p:nvSpPr>
+          <p:cNvPr id="8" name="TextBox 7">
+            <a:extLst>
+              <a:ext uri="{FF2B5EF4-FFF2-40B4-BE49-F238E27FC236}">
+                <a16:creationId xmlns:a16="http://schemas.microsoft.com/office/drawing/2014/main" id="{C0882B99-1574-09ED-8ED5-42D1D668A3BD}"/>
+              </a:ext>
+            </a:extLst>
+          </p:cNvPr>
+          <p:cNvSpPr txBox="1"/>
+          <p:nvPr/>
+        </p:nvSpPr>
+        <p:spPr>
+          <a:xfrm>
+            <a:off x="3283974" y="2915491"/>
+            <a:ext cx="6096000" cy="461665"/>
+          </a:xfrm>
+          <a:prstGeom prst="rect">
+            <a:avLst/>
+          </a:prstGeom>
+          <a:noFill/>
+        </p:spPr>
+        <p:txBody>
+          <a:bodyPr wrap="square">
+            <a:spAutoFit/>
+          </a:bodyPr>
+          <a:lstStyle/>
+          <a:p>
+            <a:pPr marR="0" lvl="0" algn="l" defTabSz="914400" rtl="0" eaLnBrk="1" fontAlgn="auto" latinLnBrk="0" hangingPunct="1">
+              <a:lnSpc>
+                <a:spcPct val="100000"/>
+              </a:lnSpc>
+              <a:spcBef>
+                <a:spcPts val="0"/>
+              </a:spcBef>
+              <a:spcAft>
+                <a:spcPts val="0"/>
+              </a:spcAft>
+              <a:buClrTx/>
+              <a:buSzTx/>
+              <a:tabLst/>
+              <a:defRPr/>
+            </a:pPr>
+            <a:r>
+              <a:rPr kumimoji="0" lang="en-ZA" sz="2400" b="1" i="0" u="none" strike="noStrike" kern="1200" cap="none" spc="0" normalizeH="0" baseline="0" noProof="0" dirty="0">
+                <a:ln>
+                  <a:noFill/>
+                </a:ln>
+                <a:solidFill>
+                  <a:prstClr val="white"/>
+                </a:solidFill>
+                <a:effectLst/>
+                <a:uLnTx/>
+                <a:uFillTx/>
+                <a:latin typeface="Aptos" panose="02110004020202020204"/>
+                <a:ea typeface="+mn-ea"/>
+                <a:cs typeface="+mn-cs"/>
+              </a:rPr>
+              <a:t>2. User Features</a:t>
+            </a:r>
+          </a:p>
+        </p:txBody>
+      </p:sp>
+      <p:sp>
+        <p:nvSpPr>
+          <p:cNvPr id="10" name="TextBox 9">
+            <a:extLst>
+              <a:ext uri="{FF2B5EF4-FFF2-40B4-BE49-F238E27FC236}">
+                <a16:creationId xmlns:a16="http://schemas.microsoft.com/office/drawing/2014/main" id="{23CF3E7A-ECD7-7CD8-E2D4-C69062F5E0B5}"/>
+              </a:ext>
+            </a:extLst>
+          </p:cNvPr>
+          <p:cNvSpPr txBox="1"/>
+          <p:nvPr/>
+        </p:nvSpPr>
+        <p:spPr>
+          <a:xfrm>
+            <a:off x="3283974" y="3377156"/>
+            <a:ext cx="6096000" cy="461665"/>
+          </a:xfrm>
+          <a:prstGeom prst="rect">
+            <a:avLst/>
+          </a:prstGeom>
+          <a:noFill/>
+        </p:spPr>
+        <p:txBody>
+          <a:bodyPr wrap="square">
+            <a:spAutoFit/>
+          </a:bodyPr>
+          <a:lstStyle/>
+          <a:p>
+            <a:pPr marR="0" lvl="0" algn="l" defTabSz="914400" rtl="0" eaLnBrk="1" fontAlgn="auto" latinLnBrk="0" hangingPunct="1">
+              <a:lnSpc>
+                <a:spcPct val="100000"/>
+              </a:lnSpc>
+              <a:spcBef>
+                <a:spcPts val="0"/>
+              </a:spcBef>
+              <a:spcAft>
+                <a:spcPts val="0"/>
+              </a:spcAft>
+              <a:buClrTx/>
+              <a:buSzTx/>
+              <a:tabLst/>
+              <a:defRPr/>
+            </a:pPr>
+            <a:r>
+              <a:rPr kumimoji="0" lang="en-ZA" sz="2400" b="1" i="0" u="none" strike="noStrike" kern="1200" cap="none" spc="0" normalizeH="0" baseline="0" noProof="0" dirty="0">
+                <a:ln>
+                  <a:noFill/>
+                </a:ln>
+                <a:solidFill>
+                  <a:prstClr val="white"/>
+                </a:solidFill>
+                <a:effectLst/>
+                <a:uLnTx/>
+                <a:uFillTx/>
+                <a:latin typeface="Aptos" panose="02110004020202020204"/>
+                <a:ea typeface="+mn-ea"/>
+                <a:cs typeface="+mn-cs"/>
+              </a:rPr>
+              <a:t>3. Item features</a:t>
+            </a:r>
+            <a:endParaRPr kumimoji="0" lang="en-ZA" sz="1800" b="0" i="0" u="none" strike="noStrike" kern="1200" cap="none" spc="0" normalizeH="0" baseline="0" noProof="0" dirty="0">
+              <a:ln>
+                <a:noFill/>
+              </a:ln>
+              <a:solidFill>
+                <a:prstClr val="white"/>
+              </a:solidFill>
+              <a:effectLst/>
+              <a:uLnTx/>
+              <a:uFillTx/>
+              <a:latin typeface="Aptos" panose="02110004020202020204"/>
+              <a:ea typeface="+mn-ea"/>
+              <a:cs typeface="+mn-cs"/>
+            </a:endParaRPr>
+          </a:p>
+        </p:txBody>
+      </p:sp>
+    </p:spTree>
+    <p:extLst>
+      <p:ext uri="{BB962C8B-B14F-4D97-AF65-F5344CB8AC3E}">
+        <p14:creationId xmlns:p14="http://schemas.microsoft.com/office/powerpoint/2010/main" val="469585785"/>
+      </p:ext>
+    </p:extLst>
+  </p:cSld>
+  <p:clrMapOvr>
+    <a:masterClrMapping/>
+  </p:clrMapOvr>
+  <mc:AlternateContent xmlns:mc="http://schemas.openxmlformats.org/markup-compatibility/2006">
+    <mc:Choice xmlns:p159="http://schemas.microsoft.com/office/powerpoint/2015/09/main" Requires="p159">
+      <p:transition xmlns:p14="http://schemas.microsoft.com/office/powerpoint/2010/main" spd="slow" p14:dur="2000">
+        <p159:morph option="byObject"/>
+      </p:transition>
+    </mc:Choice>
+    <mc:Fallback>
+      <p:transition spd="slow">
+        <p:fade/>
+      </p:transition>
+    </mc:Fallback>
+  </mc:AlternateContent>
+</p:sld>
+</file>
+
+<file path=ppt/slides/slide24.xml><?xml version="1.0" encoding="utf-8"?>
+<p:sld xmlns:a="http://schemas.openxmlformats.org/drawingml/2006/main" xmlns:r="http://schemas.openxmlformats.org/officeDocument/2006/relationships" xmlns:p="http://schemas.openxmlformats.org/presentationml/2006/main">
+  <p:cSld>
+    <p:bg>
+      <p:bgPr>
+        <a:blipFill dpi="0" rotWithShape="1">
+          <a:blip r:embed="rId2">
+            <a:extLst>
+              <a:ext uri="{BEBA8EAE-BF5A-486C-A8C5-ECC9F3942E4B}">
+                <a14:imgProps xmlns:a14="http://schemas.microsoft.com/office/drawing/2010/main">
+                  <a14:imgLayer r:embed="rId3">
+                    <a14:imgEffect>
+                      <a14:brightnessContrast bright="-20000"/>
+                    </a14:imgEffect>
+                  </a14:imgLayer>
+                </a14:imgProps>
+              </a:ext>
+            </a:extLst>
+          </a:blip>
+          <a:srcRect/>
+          <a:stretch>
+            <a:fillRect l="-9000" t="-39000" b="-11000"/>
+          </a:stretch>
+        </a:blipFill>
+        <a:effectLst/>
+      </p:bgPr>
+    </p:bg>
+    <p:spTree>
+      <p:nvGrpSpPr>
+        <p:cNvPr id="1" name=""/>
+        <p:cNvGrpSpPr/>
+        <p:nvPr/>
+      </p:nvGrpSpPr>
+      <p:grpSpPr>
+        <a:xfrm>
+          <a:off x="0" y="0"/>
+          <a:ext cx="0" cy="0"/>
+          <a:chOff x="0" y="0"/>
+          <a:chExt cx="0" cy="0"/>
+        </a:xfrm>
+      </p:grpSpPr>
+      <p:sp>
+        <p:nvSpPr>
+          <p:cNvPr id="8" name="TextBox 7">
+            <a:extLst>
+              <a:ext uri="{FF2B5EF4-FFF2-40B4-BE49-F238E27FC236}">
+                <a16:creationId xmlns:a16="http://schemas.microsoft.com/office/drawing/2014/main" id="{C0882B99-1574-09ED-8ED5-42D1D668A3BD}"/>
+              </a:ext>
+            </a:extLst>
+          </p:cNvPr>
+          <p:cNvSpPr txBox="1"/>
+          <p:nvPr/>
+        </p:nvSpPr>
+        <p:spPr>
+          <a:xfrm>
+            <a:off x="275303" y="211620"/>
+            <a:ext cx="6096000" cy="461665"/>
+          </a:xfrm>
+          <a:prstGeom prst="rect">
+            <a:avLst/>
+          </a:prstGeom>
+          <a:noFill/>
+        </p:spPr>
+        <p:txBody>
+          <a:bodyPr wrap="square">
+            <a:spAutoFit/>
+          </a:bodyPr>
+          <a:lstStyle/>
+          <a:p>
+            <a:pPr marR="0" lvl="0" algn="l" defTabSz="914400" rtl="0" eaLnBrk="1" fontAlgn="auto" latinLnBrk="0" hangingPunct="1">
+              <a:lnSpc>
+                <a:spcPct val="100000"/>
+              </a:lnSpc>
+              <a:spcBef>
+                <a:spcPts val="0"/>
+              </a:spcBef>
+              <a:spcAft>
+                <a:spcPts val="0"/>
+              </a:spcAft>
+              <a:buClrTx/>
+              <a:buSzTx/>
+              <a:tabLst/>
+              <a:defRPr/>
+            </a:pPr>
+            <a:r>
+              <a:rPr kumimoji="0" lang="en-ZA" sz="2400" b="1" i="0" u="none" strike="noStrike" kern="1200" cap="none" spc="0" normalizeH="0" baseline="0" noProof="0" dirty="0">
+                <a:ln>
+                  <a:noFill/>
+                </a:ln>
+                <a:solidFill>
+                  <a:prstClr val="white"/>
+                </a:solidFill>
+                <a:effectLst/>
+                <a:uLnTx/>
+                <a:uFillTx/>
+                <a:latin typeface="Aptos" panose="02110004020202020204"/>
+                <a:ea typeface="+mn-ea"/>
+                <a:cs typeface="+mn-cs"/>
+              </a:rPr>
+              <a:t>2. User Features</a:t>
+            </a:r>
+          </a:p>
+        </p:txBody>
+      </p:sp>
+    </p:spTree>
+    <p:extLst>
+      <p:ext uri="{BB962C8B-B14F-4D97-AF65-F5344CB8AC3E}">
+        <p14:creationId xmlns:p14="http://schemas.microsoft.com/office/powerpoint/2010/main" val="2303401413"/>
+      </p:ext>
+    </p:extLst>
+  </p:cSld>
+  <p:clrMapOvr>
+    <a:masterClrMapping/>
+  </p:clrMapOvr>
+  <mc:AlternateContent xmlns:mc="http://schemas.openxmlformats.org/markup-compatibility/2006">
+    <mc:Choice xmlns:p159="http://schemas.microsoft.com/office/powerpoint/2015/09/main" Requires="p159">
+      <p:transition xmlns:p14="http://schemas.microsoft.com/office/powerpoint/2010/main" spd="slow" p14:dur="2000">
+        <p159:morph option="byObject"/>
+      </p:transition>
+    </mc:Choice>
+    <mc:Fallback>
+      <p:transition spd="slow">
+        <p:fade/>
+      </p:transition>
+    </mc:Fallback>
+  </mc:AlternateContent>
+</p:sld>
+</file>
+
+<file path=ppt/slides/slide25.xml><?xml version="1.0" encoding="utf-8"?>
+<p:sld xmlns:a="http://schemas.openxmlformats.org/drawingml/2006/main" xmlns:r="http://schemas.openxmlformats.org/officeDocument/2006/relationships" xmlns:p="http://schemas.openxmlformats.org/presentationml/2006/main">
+  <p:cSld>
+    <p:bg>
+      <p:bgPr>
+        <a:blipFill dpi="0" rotWithShape="1">
+          <a:blip r:embed="rId2">
+            <a:extLst>
+              <a:ext uri="{BEBA8EAE-BF5A-486C-A8C5-ECC9F3942E4B}">
+                <a14:imgProps xmlns:a14="http://schemas.microsoft.com/office/drawing/2010/main">
+                  <a14:imgLayer r:embed="rId3">
+                    <a14:imgEffect>
+                      <a14:brightnessContrast bright="-20000"/>
+                    </a14:imgEffect>
+                  </a14:imgLayer>
+                </a14:imgProps>
+              </a:ext>
+            </a:extLst>
+          </a:blip>
+          <a:srcRect/>
+          <a:stretch>
+            <a:fillRect l="-9000" t="-39000" b="-11000"/>
+          </a:stretch>
+        </a:blipFill>
+        <a:effectLst/>
+      </p:bgPr>
+    </p:bg>
+    <p:spTree>
+      <p:nvGrpSpPr>
+        <p:cNvPr id="1" name=""/>
+        <p:cNvGrpSpPr/>
+        <p:nvPr/>
+      </p:nvGrpSpPr>
+      <p:grpSpPr>
+        <a:xfrm>
+          <a:off x="0" y="0"/>
+          <a:ext cx="0" cy="0"/>
+          <a:chOff x="0" y="0"/>
+          <a:chExt cx="0" cy="0"/>
+        </a:xfrm>
+      </p:grpSpPr>
+      <p:sp>
+        <p:nvSpPr>
+          <p:cNvPr id="4" name="TextBox 3">
+            <a:extLst>
+              <a:ext uri="{FF2B5EF4-FFF2-40B4-BE49-F238E27FC236}">
+                <a16:creationId xmlns:a16="http://schemas.microsoft.com/office/drawing/2014/main" id="{B216AF57-F29C-D05C-D5C9-C32762A12133}"/>
+              </a:ext>
+            </a:extLst>
+          </p:cNvPr>
+          <p:cNvSpPr txBox="1"/>
+          <p:nvPr/>
+        </p:nvSpPr>
+        <p:spPr>
+          <a:xfrm>
+            <a:off x="835743" y="526372"/>
+            <a:ext cx="7580670" cy="584775"/>
+          </a:xfrm>
+          <a:prstGeom prst="rect">
+            <a:avLst/>
+          </a:prstGeom>
+          <a:noFill/>
+        </p:spPr>
+        <p:txBody>
+          <a:bodyPr wrap="square" rtlCol="0">
+            <a:spAutoFit/>
+          </a:bodyPr>
+          <a:lstStyle/>
+          <a:p>
+            <a:r>
+              <a:rPr lang="en-US" sz="3200" b="1" dirty="0">
+                <a:solidFill>
+                  <a:schemeClr val="bg1"/>
+                </a:solidFill>
+              </a:rPr>
+              <a:t>What we input into our model:</a:t>
+            </a:r>
+            <a:r>
+              <a:rPr lang="en-US" sz="2800" b="1" dirty="0">
+                <a:solidFill>
+                  <a:schemeClr val="bg1"/>
+                </a:solidFill>
+              </a:rPr>
+              <a:t> </a:t>
+            </a:r>
+            <a:endParaRPr lang="en-ZA" sz="2800" b="1" dirty="0">
+              <a:solidFill>
+                <a:schemeClr val="bg1"/>
+              </a:solidFill>
+            </a:endParaRPr>
+          </a:p>
+        </p:txBody>
+      </p:sp>
+      <p:sp>
+        <p:nvSpPr>
+          <p:cNvPr id="2" name="TextBox 1">
+            <a:extLst>
+              <a:ext uri="{FF2B5EF4-FFF2-40B4-BE49-F238E27FC236}">
+                <a16:creationId xmlns:a16="http://schemas.microsoft.com/office/drawing/2014/main" id="{71B8FE5D-1EB9-87E1-3DBE-0522E40BD71E}"/>
+              </a:ext>
+            </a:extLst>
+          </p:cNvPr>
+          <p:cNvSpPr txBox="1"/>
+          <p:nvPr/>
+        </p:nvSpPr>
+        <p:spPr>
+          <a:xfrm>
+            <a:off x="3283974" y="2453826"/>
+            <a:ext cx="8239433" cy="461665"/>
+          </a:xfrm>
+          <a:prstGeom prst="rect">
+            <a:avLst/>
+          </a:prstGeom>
+          <a:noFill/>
+        </p:spPr>
+        <p:txBody>
+          <a:bodyPr wrap="square">
+            <a:spAutoFit/>
+          </a:bodyPr>
+          <a:lstStyle/>
+          <a:p>
+            <a:r>
+              <a:rPr lang="en-ZA" sz="2400" b="1" dirty="0">
+                <a:solidFill>
+                  <a:schemeClr val="bg1"/>
+                </a:solidFill>
+              </a:rPr>
+              <a:t>1. User-Action interaction matrix</a:t>
+            </a:r>
+          </a:p>
+        </p:txBody>
+      </p:sp>
+      <p:sp>
+        <p:nvSpPr>
+          <p:cNvPr id="8" name="TextBox 7">
+            <a:extLst>
+              <a:ext uri="{FF2B5EF4-FFF2-40B4-BE49-F238E27FC236}">
+                <a16:creationId xmlns:a16="http://schemas.microsoft.com/office/drawing/2014/main" id="{C0882B99-1574-09ED-8ED5-42D1D668A3BD}"/>
+              </a:ext>
+            </a:extLst>
+          </p:cNvPr>
+          <p:cNvSpPr txBox="1"/>
+          <p:nvPr/>
+        </p:nvSpPr>
+        <p:spPr>
+          <a:xfrm>
+            <a:off x="3283974" y="2915491"/>
+            <a:ext cx="6096000" cy="461665"/>
+          </a:xfrm>
+          <a:prstGeom prst="rect">
+            <a:avLst/>
+          </a:prstGeom>
+          <a:noFill/>
+        </p:spPr>
+        <p:txBody>
+          <a:bodyPr wrap="square">
+            <a:spAutoFit/>
+          </a:bodyPr>
+          <a:lstStyle/>
+          <a:p>
+            <a:pPr marR="0" lvl="0" algn="l" defTabSz="914400" rtl="0" eaLnBrk="1" fontAlgn="auto" latinLnBrk="0" hangingPunct="1">
+              <a:lnSpc>
+                <a:spcPct val="100000"/>
+              </a:lnSpc>
+              <a:spcBef>
+                <a:spcPts val="0"/>
+              </a:spcBef>
+              <a:spcAft>
+                <a:spcPts val="0"/>
+              </a:spcAft>
+              <a:buClrTx/>
+              <a:buSzTx/>
+              <a:tabLst/>
+              <a:defRPr/>
+            </a:pPr>
+            <a:r>
+              <a:rPr kumimoji="0" lang="en-ZA" sz="2400" b="1" i="0" u="none" strike="noStrike" kern="1200" cap="none" spc="0" normalizeH="0" baseline="0" noProof="0" dirty="0">
+                <a:ln>
+                  <a:noFill/>
+                </a:ln>
+                <a:solidFill>
+                  <a:prstClr val="white"/>
+                </a:solidFill>
+                <a:effectLst/>
+                <a:uLnTx/>
+                <a:uFillTx/>
+                <a:latin typeface="Aptos" panose="02110004020202020204"/>
+                <a:ea typeface="+mn-ea"/>
+                <a:cs typeface="+mn-cs"/>
+              </a:rPr>
+              <a:t>2. User Features</a:t>
+            </a:r>
+          </a:p>
+        </p:txBody>
+      </p:sp>
+      <p:sp>
+        <p:nvSpPr>
+          <p:cNvPr id="10" name="TextBox 9">
+            <a:extLst>
+              <a:ext uri="{FF2B5EF4-FFF2-40B4-BE49-F238E27FC236}">
+                <a16:creationId xmlns:a16="http://schemas.microsoft.com/office/drawing/2014/main" id="{23CF3E7A-ECD7-7CD8-E2D4-C69062F5E0B5}"/>
+              </a:ext>
+            </a:extLst>
+          </p:cNvPr>
+          <p:cNvSpPr txBox="1"/>
+          <p:nvPr/>
+        </p:nvSpPr>
+        <p:spPr>
+          <a:xfrm>
+            <a:off x="3283974" y="3377156"/>
+            <a:ext cx="6096000" cy="461665"/>
+          </a:xfrm>
+          <a:prstGeom prst="rect">
+            <a:avLst/>
+          </a:prstGeom>
+          <a:noFill/>
+        </p:spPr>
+        <p:txBody>
+          <a:bodyPr wrap="square">
+            <a:spAutoFit/>
+          </a:bodyPr>
+          <a:lstStyle/>
+          <a:p>
+            <a:pPr marR="0" lvl="0" algn="l" defTabSz="914400" rtl="0" eaLnBrk="1" fontAlgn="auto" latinLnBrk="0" hangingPunct="1">
+              <a:lnSpc>
+                <a:spcPct val="100000"/>
+              </a:lnSpc>
+              <a:spcBef>
+                <a:spcPts val="0"/>
+              </a:spcBef>
+              <a:spcAft>
+                <a:spcPts val="0"/>
+              </a:spcAft>
+              <a:buClrTx/>
+              <a:buSzTx/>
+              <a:tabLst/>
+              <a:defRPr/>
+            </a:pPr>
+            <a:r>
+              <a:rPr kumimoji="0" lang="en-ZA" sz="2400" b="1" i="0" u="none" strike="noStrike" kern="1200" cap="none" spc="0" normalizeH="0" baseline="0" noProof="0" dirty="0">
+                <a:ln>
+                  <a:noFill/>
+                </a:ln>
+                <a:solidFill>
+                  <a:prstClr val="white"/>
+                </a:solidFill>
+                <a:effectLst/>
+                <a:uLnTx/>
+                <a:uFillTx/>
+                <a:latin typeface="Aptos" panose="02110004020202020204"/>
+                <a:ea typeface="+mn-ea"/>
+                <a:cs typeface="+mn-cs"/>
+              </a:rPr>
+              <a:t>3. Item features</a:t>
+            </a:r>
+            <a:endParaRPr kumimoji="0" lang="en-ZA" sz="1800" b="0" i="0" u="none" strike="noStrike" kern="1200" cap="none" spc="0" normalizeH="0" baseline="0" noProof="0" dirty="0">
+              <a:ln>
+                <a:noFill/>
+              </a:ln>
+              <a:solidFill>
+                <a:prstClr val="white"/>
+              </a:solidFill>
+              <a:effectLst/>
+              <a:uLnTx/>
+              <a:uFillTx/>
+              <a:latin typeface="Aptos" panose="02110004020202020204"/>
+              <a:ea typeface="+mn-ea"/>
+              <a:cs typeface="+mn-cs"/>
+            </a:endParaRPr>
+          </a:p>
+        </p:txBody>
+      </p:sp>
+    </p:spTree>
+    <p:extLst>
+      <p:ext uri="{BB962C8B-B14F-4D97-AF65-F5344CB8AC3E}">
+        <p14:creationId xmlns:p14="http://schemas.microsoft.com/office/powerpoint/2010/main" val="270213799"/>
+      </p:ext>
+    </p:extLst>
+  </p:cSld>
+  <p:clrMapOvr>
+    <a:masterClrMapping/>
+  </p:clrMapOvr>
+  <mc:AlternateContent xmlns:mc="http://schemas.openxmlformats.org/markup-compatibility/2006">
+    <mc:Choice xmlns:p159="http://schemas.microsoft.com/office/powerpoint/2015/09/main" Requires="p159">
+      <p:transition xmlns:p14="http://schemas.microsoft.com/office/powerpoint/2010/main" spd="slow" p14:dur="2000">
+        <p159:morph option="byObject"/>
+      </p:transition>
+    </mc:Choice>
+    <mc:Fallback>
+      <p:transition spd="slow">
+        <p:fade/>
+      </p:transition>
+    </mc:Fallback>
+  </mc:AlternateContent>
+</p:sld>
+</file>
+
+<file path=ppt/slides/slide26.xml><?xml version="1.0" encoding="utf-8"?>
+<p:sld xmlns:a="http://schemas.openxmlformats.org/drawingml/2006/main" xmlns:r="http://schemas.openxmlformats.org/officeDocument/2006/relationships" xmlns:p="http://schemas.openxmlformats.org/presentationml/2006/main">
+  <p:cSld>
+    <p:bg>
+      <p:bgPr>
+        <a:blipFill dpi="0" rotWithShape="1">
+          <a:blip r:embed="rId2">
+            <a:extLst>
+              <a:ext uri="{BEBA8EAE-BF5A-486C-A8C5-ECC9F3942E4B}">
+                <a14:imgProps xmlns:a14="http://schemas.microsoft.com/office/drawing/2010/main">
+                  <a14:imgLayer r:embed="rId3">
+                    <a14:imgEffect>
+                      <a14:brightnessContrast bright="-20000"/>
+                    </a14:imgEffect>
+                  </a14:imgLayer>
+                </a14:imgProps>
+              </a:ext>
+            </a:extLst>
+          </a:blip>
+          <a:srcRect/>
+          <a:stretch>
+            <a:fillRect l="-9000" t="-39000" b="-11000"/>
+          </a:stretch>
+        </a:blipFill>
+        <a:effectLst/>
+      </p:bgPr>
+    </p:bg>
+    <p:spTree>
+      <p:nvGrpSpPr>
+        <p:cNvPr id="1" name=""/>
+        <p:cNvGrpSpPr/>
+        <p:nvPr/>
+      </p:nvGrpSpPr>
+      <p:grpSpPr>
+        <a:xfrm>
+          <a:off x="0" y="0"/>
+          <a:ext cx="0" cy="0"/>
+          <a:chOff x="0" y="0"/>
+          <a:chExt cx="0" cy="0"/>
+        </a:xfrm>
+      </p:grpSpPr>
+      <p:sp>
+        <p:nvSpPr>
+          <p:cNvPr id="10" name="TextBox 9">
+            <a:extLst>
+              <a:ext uri="{FF2B5EF4-FFF2-40B4-BE49-F238E27FC236}">
+                <a16:creationId xmlns:a16="http://schemas.microsoft.com/office/drawing/2014/main" id="{23CF3E7A-ECD7-7CD8-E2D4-C69062F5E0B5}"/>
+              </a:ext>
+            </a:extLst>
+          </p:cNvPr>
+          <p:cNvSpPr txBox="1"/>
+          <p:nvPr/>
+        </p:nvSpPr>
+        <p:spPr>
+          <a:xfrm>
+            <a:off x="235974" y="181672"/>
+            <a:ext cx="6096000" cy="461665"/>
+          </a:xfrm>
+          <a:prstGeom prst="rect">
+            <a:avLst/>
+          </a:prstGeom>
+          <a:noFill/>
+        </p:spPr>
+        <p:txBody>
+          <a:bodyPr wrap="square">
+            <a:spAutoFit/>
+          </a:bodyPr>
+          <a:lstStyle/>
+          <a:p>
+            <a:pPr marR="0" lvl="0" algn="l" defTabSz="914400" rtl="0" eaLnBrk="1" fontAlgn="auto" latinLnBrk="0" hangingPunct="1">
+              <a:lnSpc>
+                <a:spcPct val="100000"/>
+              </a:lnSpc>
+              <a:spcBef>
+                <a:spcPts val="0"/>
+              </a:spcBef>
+              <a:spcAft>
+                <a:spcPts val="0"/>
+              </a:spcAft>
+              <a:buClrTx/>
+              <a:buSzTx/>
+              <a:tabLst/>
+              <a:defRPr/>
+            </a:pPr>
+            <a:r>
+              <a:rPr kumimoji="0" lang="en-ZA" sz="2400" b="1" i="0" u="none" strike="noStrike" kern="1200" cap="none" spc="0" normalizeH="0" baseline="0" noProof="0" dirty="0">
+                <a:ln>
+                  <a:noFill/>
+                </a:ln>
+                <a:solidFill>
+                  <a:prstClr val="white"/>
+                </a:solidFill>
+                <a:effectLst/>
+                <a:uLnTx/>
+                <a:uFillTx/>
+                <a:latin typeface="Aptos" panose="02110004020202020204"/>
+                <a:ea typeface="+mn-ea"/>
+                <a:cs typeface="+mn-cs"/>
+              </a:rPr>
+              <a:t>3. Item features</a:t>
+            </a:r>
+            <a:endParaRPr kumimoji="0" lang="en-ZA" sz="1800" b="0" i="0" u="none" strike="noStrike" kern="1200" cap="none" spc="0" normalizeH="0" baseline="0" noProof="0" dirty="0">
+              <a:ln>
+                <a:noFill/>
+              </a:ln>
+              <a:solidFill>
+                <a:prstClr val="white"/>
+              </a:solidFill>
+              <a:effectLst/>
+              <a:uLnTx/>
+              <a:uFillTx/>
+              <a:latin typeface="Aptos" panose="02110004020202020204"/>
+              <a:ea typeface="+mn-ea"/>
+              <a:cs typeface="+mn-cs"/>
+            </a:endParaRPr>
+          </a:p>
+        </p:txBody>
+      </p:sp>
+    </p:spTree>
+    <p:extLst>
+      <p:ext uri="{BB962C8B-B14F-4D97-AF65-F5344CB8AC3E}">
+        <p14:creationId xmlns:p14="http://schemas.microsoft.com/office/powerpoint/2010/main" val="2224103638"/>
+      </p:ext>
+    </p:extLst>
+  </p:cSld>
+  <p:clrMapOvr>
+    <a:masterClrMapping/>
+  </p:clrMapOvr>
+  <mc:AlternateContent xmlns:mc="http://schemas.openxmlformats.org/markup-compatibility/2006">
+    <mc:Choice xmlns:p159="http://schemas.microsoft.com/office/powerpoint/2015/09/main" Requires="p159">
+      <p:transition xmlns:p14="http://schemas.microsoft.com/office/powerpoint/2010/main" spd="slow" p14:dur="2000">
+        <p159:morph option="byObject"/>
+      </p:transition>
+    </mc:Choice>
+    <mc:Fallback>
+      <p:transition spd="slow">
+        <p:fade/>
+      </p:transition>
+    </mc:Fallback>
+  </mc:AlternateContent>
+</p:sld>
+</file>
+
+<file path=ppt/slides/slide27.xml><?xml version="1.0" encoding="utf-8"?>
 <p:sld xmlns:a="http://schemas.openxmlformats.org/drawingml/2006/main" xmlns:r="http://schemas.openxmlformats.org/officeDocument/2006/relationships" xmlns:p="http://schemas.openxmlformats.org/presentationml/2006/main">
   <p:cSld>
     <p:spTree>
@@ -21159,7 +22627,7 @@
 </p:sld>
 </file>
 
-<file path=ppt/slides/slide22.xml><?xml version="1.0" encoding="utf-8"?>
+<file path=ppt/slides/slide28.xml><?xml version="1.0" encoding="utf-8"?>
 <p:sld xmlns:a="http://schemas.openxmlformats.org/drawingml/2006/main" xmlns:r="http://schemas.openxmlformats.org/officeDocument/2006/relationships" xmlns:p="http://schemas.openxmlformats.org/presentationml/2006/main">
   <p:cSld>
     <p:spTree>
@@ -21607,7 +23075,7 @@
 </p:sld>
 </file>
 
-<file path=ppt/slides/slide23.xml><?xml version="1.0" encoding="utf-8"?>
+<file path=ppt/slides/slide29.xml><?xml version="1.0" encoding="utf-8"?>
 <p:sld xmlns:a="http://schemas.openxmlformats.org/drawingml/2006/main" xmlns:r="http://schemas.openxmlformats.org/officeDocument/2006/relationships" xmlns:p="http://schemas.openxmlformats.org/presentationml/2006/main">
   <p:cSld>
     <p:spTree>
@@ -21641,443 +23109,6 @@
           <a:p>
             <a:r>
               <a:t>Normalized Frequency of Interactions for Each Item Type</a:t>
-            </a:r>
-          </a:p>
-        </p:txBody>
-      </p:sp>
-    </p:spTree>
-  </p:cSld>
-  <p:clrMapOvr>
-    <a:masterClrMapping/>
-  </p:clrMapOvr>
-</p:sld>
-</file>
-
-<file path=ppt/slides/slide24.xml><?xml version="1.0" encoding="utf-8"?>
-<p:sld xmlns:a="http://schemas.openxmlformats.org/drawingml/2006/main" xmlns:r="http://schemas.openxmlformats.org/officeDocument/2006/relationships" xmlns:p="http://schemas.openxmlformats.org/presentationml/2006/main">
-  <p:cSld>
-    <p:spTree>
-      <p:nvGrpSpPr>
-        <p:cNvPr id="1" name=""/>
-        <p:cNvGrpSpPr/>
-        <p:nvPr/>
-      </p:nvGrpSpPr>
-      <p:grpSpPr>
-        <a:xfrm>
-          <a:off x="0" y="0"/>
-          <a:ext cx="0" cy="0"/>
-          <a:chOff x="0" y="0"/>
-          <a:chExt cx="0" cy="0"/>
-        </a:xfrm>
-      </p:grpSpPr>
-      <p:sp>
-        <p:nvSpPr>
-          <p:cNvPr id="2" name="Title 1"/>
-          <p:cNvSpPr>
-            <a:spLocks noGrp="1"/>
-          </p:cNvSpPr>
-          <p:nvPr>
-            <p:ph type="title"/>
-          </p:nvPr>
-        </p:nvSpPr>
-        <p:spPr/>
-        <p:txBody>
-          <a:bodyPr/>
-          <a:lstStyle/>
-          <a:p>
-            <a:r>
-              <a:t>First 10 Rows of Data</a:t>
-            </a:r>
-          </a:p>
-        </p:txBody>
-      </p:sp>
-    </p:spTree>
-  </p:cSld>
-  <p:clrMapOvr>
-    <a:masterClrMapping/>
-  </p:clrMapOvr>
-</p:sld>
-</file>
-
-<file path=ppt/slides/slide25.xml><?xml version="1.0" encoding="utf-8"?>
-<p:sld xmlns:a="http://schemas.openxmlformats.org/drawingml/2006/main" xmlns:r="http://schemas.openxmlformats.org/officeDocument/2006/relationships" xmlns:p="http://schemas.openxmlformats.org/presentationml/2006/main">
-  <p:cSld>
-    <p:spTree>
-      <p:nvGrpSpPr>
-        <p:cNvPr id="1" name=""/>
-        <p:cNvGrpSpPr/>
-        <p:nvPr/>
-      </p:nvGrpSpPr>
-      <p:grpSpPr>
-        <a:xfrm>
-          <a:off x="0" y="0"/>
-          <a:ext cx="0" cy="0"/>
-          <a:chOff x="0" y="0"/>
-          <a:chExt cx="0" cy="0"/>
-        </a:xfrm>
-      </p:grpSpPr>
-      <p:sp>
-        <p:nvSpPr>
-          <p:cNvPr id="2" name="Title 1"/>
-          <p:cNvSpPr>
-            <a:spLocks noGrp="1"/>
-          </p:cNvSpPr>
-          <p:nvPr>
-            <p:ph type="title"/>
-          </p:nvPr>
-        </p:nvSpPr>
-        <p:spPr/>
-        <p:txBody>
-          <a:bodyPr/>
-          <a:lstStyle/>
-          <a:p>
-            <a:r>
-              <a:t>Top 10 Items by Normalized Frequency (Entire Dataset)</a:t>
-            </a:r>
-          </a:p>
-        </p:txBody>
-      </p:sp>
-      <p:graphicFrame>
-        <p:nvGraphicFramePr>
-          <p:cNvPr id="3" name="Chart 2"/>
-          <p:cNvGraphicFramePr>
-            <a:graphicFrameLocks noGrp="1"/>
-          </p:cNvGraphicFramePr>
-          <p:nvPr>
-            <p:extLst>
-              <p:ext uri="{D42A27DB-BD31-4B8C-83A1-F6EECF244321}">
-                <p14:modId xmlns:p14="http://schemas.microsoft.com/office/powerpoint/2010/main" val="2457672880"/>
-              </p:ext>
-            </p:extLst>
-          </p:nvPr>
-        </p:nvGraphicFramePr>
-        <p:xfrm>
-          <a:off x="914400" y="1828800"/>
-          <a:ext cx="8013290" cy="4114800"/>
-        </p:xfrm>
-        <a:graphic>
-          <a:graphicData uri="http://schemas.openxmlformats.org/drawingml/2006/chart">
-            <c:chart xmlns:c="http://schemas.openxmlformats.org/drawingml/2006/chart" xmlns:r="http://schemas.openxmlformats.org/officeDocument/2006/relationships" r:id="rId2"/>
-          </a:graphicData>
-        </a:graphic>
-      </p:graphicFrame>
-    </p:spTree>
-  </p:cSld>
-  <p:clrMapOvr>
-    <a:masterClrMapping/>
-  </p:clrMapOvr>
-</p:sld>
-</file>
-
-<file path=ppt/slides/slide26.xml><?xml version="1.0" encoding="utf-8"?>
-<p:sld xmlns:a="http://schemas.openxmlformats.org/drawingml/2006/main" xmlns:r="http://schemas.openxmlformats.org/officeDocument/2006/relationships" xmlns:p="http://schemas.openxmlformats.org/presentationml/2006/main">
-  <p:cSld>
-    <p:spTree>
-      <p:nvGrpSpPr>
-        <p:cNvPr id="1" name=""/>
-        <p:cNvGrpSpPr/>
-        <p:nvPr/>
-      </p:nvGrpSpPr>
-      <p:grpSpPr>
-        <a:xfrm>
-          <a:off x="0" y="0"/>
-          <a:ext cx="0" cy="0"/>
-          <a:chOff x="0" y="0"/>
-          <a:chExt cx="0" cy="0"/>
-        </a:xfrm>
-      </p:grpSpPr>
-      <p:sp>
-        <p:nvSpPr>
-          <p:cNvPr id="2" name="Title 1"/>
-          <p:cNvSpPr>
-            <a:spLocks noGrp="1"/>
-          </p:cNvSpPr>
-          <p:nvPr>
-            <p:ph type="title"/>
-          </p:nvPr>
-        </p:nvSpPr>
-        <p:spPr/>
-        <p:txBody>
-          <a:bodyPr/>
-          <a:lstStyle/>
-          <a:p>
-            <a:r>
-              <a:t>Number of Users in Each beh_Segment</a:t>
-            </a:r>
-          </a:p>
-        </p:txBody>
-      </p:sp>
-      <p:graphicFrame>
-        <p:nvGraphicFramePr>
-          <p:cNvPr id="3" name="Chart 2"/>
-          <p:cNvGraphicFramePr>
-            <a:graphicFrameLocks noGrp="1"/>
-          </p:cNvGraphicFramePr>
-          <p:nvPr/>
-        </p:nvGraphicFramePr>
-        <p:xfrm>
-          <a:off x="914400" y="1371600"/>
-          <a:ext cx="7315200" cy="5486400"/>
-        </p:xfrm>
-        <a:graphic>
-          <a:graphicData uri="http://schemas.openxmlformats.org/drawingml/2006/chart">
-            <c:chart xmlns:c="http://schemas.openxmlformats.org/drawingml/2006/chart" xmlns:r="http://schemas.openxmlformats.org/officeDocument/2006/relationships" r:id="rId2"/>
-          </a:graphicData>
-        </a:graphic>
-      </p:graphicFrame>
-    </p:spTree>
-  </p:cSld>
-  <p:clrMapOvr>
-    <a:masterClrMapping/>
-  </p:clrMapOvr>
-</p:sld>
-</file>
-
-<file path=ppt/slides/slide27.xml><?xml version="1.0" encoding="utf-8"?>
-<p:sld xmlns:a="http://schemas.openxmlformats.org/drawingml/2006/main" xmlns:r="http://schemas.openxmlformats.org/officeDocument/2006/relationships" xmlns:p="http://schemas.openxmlformats.org/presentationml/2006/main">
-  <p:cSld>
-    <p:spTree>
-      <p:nvGrpSpPr>
-        <p:cNvPr id="1" name=""/>
-        <p:cNvGrpSpPr/>
-        <p:nvPr/>
-      </p:nvGrpSpPr>
-      <p:grpSpPr>
-        <a:xfrm>
-          <a:off x="0" y="0"/>
-          <a:ext cx="0" cy="0"/>
-          <a:chOff x="0" y="0"/>
-          <a:chExt cx="0" cy="0"/>
-        </a:xfrm>
-      </p:grpSpPr>
-      <p:sp>
-        <p:nvSpPr>
-          <p:cNvPr id="2" name="Title 1"/>
-          <p:cNvSpPr>
-            <a:spLocks noGrp="1"/>
-          </p:cNvSpPr>
-          <p:nvPr>
-            <p:ph type="title"/>
-          </p:nvPr>
-        </p:nvSpPr>
-        <p:spPr/>
-        <p:txBody>
-          <a:bodyPr/>
-          <a:lstStyle/>
-          <a:p>
-            <a:r>
-              <a:t>Number of Users in Each beh_Segment</a:t>
-            </a:r>
-          </a:p>
-        </p:txBody>
-      </p:sp>
-      <p:graphicFrame>
-        <p:nvGraphicFramePr>
-          <p:cNvPr id="3" name="Chart 2"/>
-          <p:cNvGraphicFramePr>
-            <a:graphicFrameLocks noGrp="1"/>
-          </p:cNvGraphicFramePr>
-          <p:nvPr>
-            <p:extLst>
-              <p:ext uri="{D42A27DB-BD31-4B8C-83A1-F6EECF244321}">
-                <p14:modId xmlns:p14="http://schemas.microsoft.com/office/powerpoint/2010/main" val="1037809646"/>
-              </p:ext>
-            </p:extLst>
-          </p:nvPr>
-        </p:nvGraphicFramePr>
-        <p:xfrm>
-          <a:off x="914400" y="1371600"/>
-          <a:ext cx="7315200" cy="5486400"/>
-        </p:xfrm>
-        <a:graphic>
-          <a:graphicData uri="http://schemas.openxmlformats.org/drawingml/2006/chart">
-            <c:chart xmlns:c="http://schemas.openxmlformats.org/drawingml/2006/chart" xmlns:r="http://schemas.openxmlformats.org/officeDocument/2006/relationships" r:id="rId2"/>
-          </a:graphicData>
-        </a:graphic>
-      </p:graphicFrame>
-    </p:spTree>
-  </p:cSld>
-  <p:clrMapOvr>
-    <a:masterClrMapping/>
-  </p:clrMapOvr>
-</p:sld>
-</file>
-
-<file path=ppt/slides/slide28.xml><?xml version="1.0" encoding="utf-8"?>
-<p:sld xmlns:a="http://schemas.openxmlformats.org/drawingml/2006/main" xmlns:r="http://schemas.openxmlformats.org/officeDocument/2006/relationships" xmlns:p="http://schemas.openxmlformats.org/presentationml/2006/main">
-  <p:cSld>
-    <p:spTree>
-      <p:nvGrpSpPr>
-        <p:cNvPr id="1" name=""/>
-        <p:cNvGrpSpPr/>
-        <p:nvPr/>
-      </p:nvGrpSpPr>
-      <p:grpSpPr>
-        <a:xfrm>
-          <a:off x="0" y="0"/>
-          <a:ext cx="0" cy="0"/>
-          <a:chOff x="0" y="0"/>
-          <a:chExt cx="0" cy="0"/>
-        </a:xfrm>
-      </p:grpSpPr>
-      <p:sp>
-        <p:nvSpPr>
-          <p:cNvPr id="2" name="Title 1"/>
-          <p:cNvSpPr>
-            <a:spLocks noGrp="1"/>
-          </p:cNvSpPr>
-          <p:nvPr>
-            <p:ph type="title"/>
-          </p:nvPr>
-        </p:nvSpPr>
-        <p:spPr/>
-        <p:txBody>
-          <a:bodyPr/>
-          <a:lstStyle/>
-          <a:p>
-            <a:r>
-              <a:t>Top 10 Items by Normalized Frequency for Each Segment</a:t>
-            </a:r>
-          </a:p>
-        </p:txBody>
-      </p:sp>
-      <p:graphicFrame>
-        <p:nvGraphicFramePr>
-          <p:cNvPr id="3" name="Chart 2"/>
-          <p:cNvGraphicFramePr>
-            <a:graphicFrameLocks noGrp="1"/>
-          </p:cNvGraphicFramePr>
-          <p:nvPr/>
-        </p:nvGraphicFramePr>
-        <p:xfrm>
-          <a:off x="914400" y="1828800"/>
-          <a:ext cx="7315200" cy="4114800"/>
-        </p:xfrm>
-        <a:graphic>
-          <a:graphicData uri="http://schemas.openxmlformats.org/drawingml/2006/chart">
-            <c:chart xmlns:c="http://schemas.openxmlformats.org/drawingml/2006/chart" xmlns:r="http://schemas.openxmlformats.org/officeDocument/2006/relationships" r:id="rId2"/>
-          </a:graphicData>
-        </a:graphic>
-      </p:graphicFrame>
-      <p:graphicFrame>
-        <p:nvGraphicFramePr>
-          <p:cNvPr id="4" name="Chart 3"/>
-          <p:cNvGraphicFramePr>
-            <a:graphicFrameLocks noGrp="1"/>
-          </p:cNvGraphicFramePr>
-          <p:nvPr/>
-        </p:nvGraphicFramePr>
-        <p:xfrm>
-          <a:off x="914400" y="1828800"/>
-          <a:ext cx="7315200" cy="4114800"/>
-        </p:xfrm>
-        <a:graphic>
-          <a:graphicData uri="http://schemas.openxmlformats.org/drawingml/2006/chart">
-            <c:chart xmlns:c="http://schemas.openxmlformats.org/drawingml/2006/chart" xmlns:r="http://schemas.openxmlformats.org/officeDocument/2006/relationships" r:id="rId3"/>
-          </a:graphicData>
-        </a:graphic>
-      </p:graphicFrame>
-      <p:graphicFrame>
-        <p:nvGraphicFramePr>
-          <p:cNvPr id="5" name="Chart 4"/>
-          <p:cNvGraphicFramePr>
-            <a:graphicFrameLocks noGrp="1"/>
-          </p:cNvGraphicFramePr>
-          <p:nvPr/>
-        </p:nvGraphicFramePr>
-        <p:xfrm>
-          <a:off x="914400" y="1828800"/>
-          <a:ext cx="7315200" cy="4114800"/>
-        </p:xfrm>
-        <a:graphic>
-          <a:graphicData uri="http://schemas.openxmlformats.org/drawingml/2006/chart">
-            <c:chart xmlns:c="http://schemas.openxmlformats.org/drawingml/2006/chart" xmlns:r="http://schemas.openxmlformats.org/officeDocument/2006/relationships" r:id="rId4"/>
-          </a:graphicData>
-        </a:graphic>
-      </p:graphicFrame>
-      <p:graphicFrame>
-        <p:nvGraphicFramePr>
-          <p:cNvPr id="6" name="Chart 5"/>
-          <p:cNvGraphicFramePr>
-            <a:graphicFrameLocks noGrp="1"/>
-          </p:cNvGraphicFramePr>
-          <p:nvPr/>
-        </p:nvGraphicFramePr>
-        <p:xfrm>
-          <a:off x="914400" y="1828800"/>
-          <a:ext cx="7315200" cy="4114800"/>
-        </p:xfrm>
-        <a:graphic>
-          <a:graphicData uri="http://schemas.openxmlformats.org/drawingml/2006/chart">
-            <c:chart xmlns:c="http://schemas.openxmlformats.org/drawingml/2006/chart" xmlns:r="http://schemas.openxmlformats.org/officeDocument/2006/relationships" r:id="rId5"/>
-          </a:graphicData>
-        </a:graphic>
-      </p:graphicFrame>
-      <p:graphicFrame>
-        <p:nvGraphicFramePr>
-          <p:cNvPr id="7" name="Chart 6"/>
-          <p:cNvGraphicFramePr>
-            <a:graphicFrameLocks noGrp="1"/>
-          </p:cNvGraphicFramePr>
-          <p:nvPr/>
-        </p:nvGraphicFramePr>
-        <p:xfrm>
-          <a:off x="914400" y="1828800"/>
-          <a:ext cx="7315200" cy="4114800"/>
-        </p:xfrm>
-        <a:graphic>
-          <a:graphicData uri="http://schemas.openxmlformats.org/drawingml/2006/chart">
-            <c:chart xmlns:c="http://schemas.openxmlformats.org/drawingml/2006/chart" xmlns:r="http://schemas.openxmlformats.org/officeDocument/2006/relationships" r:id="rId6"/>
-          </a:graphicData>
-        </a:graphic>
-      </p:graphicFrame>
-    </p:spTree>
-  </p:cSld>
-  <p:clrMapOvr>
-    <a:masterClrMapping/>
-  </p:clrMapOvr>
-</p:sld>
-</file>
-
-<file path=ppt/slides/slide29.xml><?xml version="1.0" encoding="utf-8"?>
-<p:sld xmlns:a="http://schemas.openxmlformats.org/drawingml/2006/main" xmlns:r="http://schemas.openxmlformats.org/officeDocument/2006/relationships" xmlns:p="http://schemas.openxmlformats.org/presentationml/2006/main">
-  <p:cSld>
-    <p:spTree>
-      <p:nvGrpSpPr>
-        <p:cNvPr id="1" name=""/>
-        <p:cNvGrpSpPr/>
-        <p:nvPr/>
-      </p:nvGrpSpPr>
-      <p:grpSpPr>
-        <a:xfrm>
-          <a:off x="0" y="0"/>
-          <a:ext cx="0" cy="0"/>
-          <a:chOff x="0" y="0"/>
-          <a:chExt cx="0" cy="0"/>
-        </a:xfrm>
-      </p:grpSpPr>
-      <p:sp>
-        <p:nvSpPr>
-          <p:cNvPr id="2" name="Title 1"/>
-          <p:cNvSpPr>
-            <a:spLocks noGrp="1"/>
-          </p:cNvSpPr>
-          <p:nvPr>
-            <p:ph type="title"/>
-          </p:nvPr>
-        </p:nvSpPr>
-        <p:spPr>
-          <a:xfrm>
-            <a:off x="1339645" y="251618"/>
-            <a:ext cx="10515600" cy="1325563"/>
-          </a:xfrm>
-        </p:spPr>
-        <p:txBody>
-          <a:bodyPr/>
-          <a:lstStyle/>
-          <a:p>
-            <a:r>
-              <a:t>Top 10 Items by Normalized Frequency for Each Segment</a:t>
             </a:r>
           </a:p>
         </p:txBody>
@@ -23531,6 +24562,256 @@
           <a:lstStyle/>
           <a:p>
             <a:r>
+              <a:t>First 10 Rows of Data</a:t>
+            </a:r>
+          </a:p>
+        </p:txBody>
+      </p:sp>
+    </p:spTree>
+  </p:cSld>
+  <p:clrMapOvr>
+    <a:masterClrMapping/>
+  </p:clrMapOvr>
+</p:sld>
+</file>
+
+<file path=ppt/slides/slide31.xml><?xml version="1.0" encoding="utf-8"?>
+<p:sld xmlns:a="http://schemas.openxmlformats.org/drawingml/2006/main" xmlns:r="http://schemas.openxmlformats.org/officeDocument/2006/relationships" xmlns:p="http://schemas.openxmlformats.org/presentationml/2006/main">
+  <p:cSld>
+    <p:spTree>
+      <p:nvGrpSpPr>
+        <p:cNvPr id="1" name=""/>
+        <p:cNvGrpSpPr/>
+        <p:nvPr/>
+      </p:nvGrpSpPr>
+      <p:grpSpPr>
+        <a:xfrm>
+          <a:off x="0" y="0"/>
+          <a:ext cx="0" cy="0"/>
+          <a:chOff x="0" y="0"/>
+          <a:chExt cx="0" cy="0"/>
+        </a:xfrm>
+      </p:grpSpPr>
+      <p:sp>
+        <p:nvSpPr>
+          <p:cNvPr id="2" name="Title 1"/>
+          <p:cNvSpPr>
+            <a:spLocks noGrp="1"/>
+          </p:cNvSpPr>
+          <p:nvPr>
+            <p:ph type="title"/>
+          </p:nvPr>
+        </p:nvSpPr>
+        <p:spPr/>
+        <p:txBody>
+          <a:bodyPr/>
+          <a:lstStyle/>
+          <a:p>
+            <a:r>
+              <a:t>Top 10 Items by Normalized Frequency (Entire Dataset)</a:t>
+            </a:r>
+          </a:p>
+        </p:txBody>
+      </p:sp>
+      <p:graphicFrame>
+        <p:nvGraphicFramePr>
+          <p:cNvPr id="3" name="Chart 2"/>
+          <p:cNvGraphicFramePr>
+            <a:graphicFrameLocks noGrp="1"/>
+          </p:cNvGraphicFramePr>
+          <p:nvPr>
+            <p:extLst>
+              <p:ext uri="{D42A27DB-BD31-4B8C-83A1-F6EECF244321}">
+                <p14:modId xmlns:p14="http://schemas.microsoft.com/office/powerpoint/2010/main" val="2457672880"/>
+              </p:ext>
+            </p:extLst>
+          </p:nvPr>
+        </p:nvGraphicFramePr>
+        <p:xfrm>
+          <a:off x="914400" y="1828800"/>
+          <a:ext cx="8013290" cy="4114800"/>
+        </p:xfrm>
+        <a:graphic>
+          <a:graphicData uri="http://schemas.openxmlformats.org/drawingml/2006/chart">
+            <c:chart xmlns:c="http://schemas.openxmlformats.org/drawingml/2006/chart" xmlns:r="http://schemas.openxmlformats.org/officeDocument/2006/relationships" r:id="rId2"/>
+          </a:graphicData>
+        </a:graphic>
+      </p:graphicFrame>
+    </p:spTree>
+  </p:cSld>
+  <p:clrMapOvr>
+    <a:masterClrMapping/>
+  </p:clrMapOvr>
+</p:sld>
+</file>
+
+<file path=ppt/slides/slide32.xml><?xml version="1.0" encoding="utf-8"?>
+<p:sld xmlns:a="http://schemas.openxmlformats.org/drawingml/2006/main" xmlns:r="http://schemas.openxmlformats.org/officeDocument/2006/relationships" xmlns:p="http://schemas.openxmlformats.org/presentationml/2006/main">
+  <p:cSld>
+    <p:spTree>
+      <p:nvGrpSpPr>
+        <p:cNvPr id="1" name=""/>
+        <p:cNvGrpSpPr/>
+        <p:nvPr/>
+      </p:nvGrpSpPr>
+      <p:grpSpPr>
+        <a:xfrm>
+          <a:off x="0" y="0"/>
+          <a:ext cx="0" cy="0"/>
+          <a:chOff x="0" y="0"/>
+          <a:chExt cx="0" cy="0"/>
+        </a:xfrm>
+      </p:grpSpPr>
+      <p:sp>
+        <p:nvSpPr>
+          <p:cNvPr id="2" name="Title 1"/>
+          <p:cNvSpPr>
+            <a:spLocks noGrp="1"/>
+          </p:cNvSpPr>
+          <p:nvPr>
+            <p:ph type="title"/>
+          </p:nvPr>
+        </p:nvSpPr>
+        <p:spPr/>
+        <p:txBody>
+          <a:bodyPr/>
+          <a:lstStyle/>
+          <a:p>
+            <a:r>
+              <a:t>Number of Users in Each beh_Segment</a:t>
+            </a:r>
+          </a:p>
+        </p:txBody>
+      </p:sp>
+      <p:graphicFrame>
+        <p:nvGraphicFramePr>
+          <p:cNvPr id="3" name="Chart 2"/>
+          <p:cNvGraphicFramePr>
+            <a:graphicFrameLocks noGrp="1"/>
+          </p:cNvGraphicFramePr>
+          <p:nvPr/>
+        </p:nvGraphicFramePr>
+        <p:xfrm>
+          <a:off x="914400" y="1371600"/>
+          <a:ext cx="7315200" cy="5486400"/>
+        </p:xfrm>
+        <a:graphic>
+          <a:graphicData uri="http://schemas.openxmlformats.org/drawingml/2006/chart">
+            <c:chart xmlns:c="http://schemas.openxmlformats.org/drawingml/2006/chart" xmlns:r="http://schemas.openxmlformats.org/officeDocument/2006/relationships" r:id="rId2"/>
+          </a:graphicData>
+        </a:graphic>
+      </p:graphicFrame>
+    </p:spTree>
+  </p:cSld>
+  <p:clrMapOvr>
+    <a:masterClrMapping/>
+  </p:clrMapOvr>
+</p:sld>
+</file>
+
+<file path=ppt/slides/slide33.xml><?xml version="1.0" encoding="utf-8"?>
+<p:sld xmlns:a="http://schemas.openxmlformats.org/drawingml/2006/main" xmlns:r="http://schemas.openxmlformats.org/officeDocument/2006/relationships" xmlns:p="http://schemas.openxmlformats.org/presentationml/2006/main">
+  <p:cSld>
+    <p:spTree>
+      <p:nvGrpSpPr>
+        <p:cNvPr id="1" name=""/>
+        <p:cNvGrpSpPr/>
+        <p:nvPr/>
+      </p:nvGrpSpPr>
+      <p:grpSpPr>
+        <a:xfrm>
+          <a:off x="0" y="0"/>
+          <a:ext cx="0" cy="0"/>
+          <a:chOff x="0" y="0"/>
+          <a:chExt cx="0" cy="0"/>
+        </a:xfrm>
+      </p:grpSpPr>
+      <p:sp>
+        <p:nvSpPr>
+          <p:cNvPr id="2" name="Title 1"/>
+          <p:cNvSpPr>
+            <a:spLocks noGrp="1"/>
+          </p:cNvSpPr>
+          <p:nvPr>
+            <p:ph type="title"/>
+          </p:nvPr>
+        </p:nvSpPr>
+        <p:spPr/>
+        <p:txBody>
+          <a:bodyPr/>
+          <a:lstStyle/>
+          <a:p>
+            <a:r>
+              <a:t>Number of Users in Each beh_Segment</a:t>
+            </a:r>
+          </a:p>
+        </p:txBody>
+      </p:sp>
+      <p:graphicFrame>
+        <p:nvGraphicFramePr>
+          <p:cNvPr id="3" name="Chart 2"/>
+          <p:cNvGraphicFramePr>
+            <a:graphicFrameLocks noGrp="1"/>
+          </p:cNvGraphicFramePr>
+          <p:nvPr>
+            <p:extLst>
+              <p:ext uri="{D42A27DB-BD31-4B8C-83A1-F6EECF244321}">
+                <p14:modId xmlns:p14="http://schemas.microsoft.com/office/powerpoint/2010/main" val="1037809646"/>
+              </p:ext>
+            </p:extLst>
+          </p:nvPr>
+        </p:nvGraphicFramePr>
+        <p:xfrm>
+          <a:off x="914400" y="1371600"/>
+          <a:ext cx="7315200" cy="5486400"/>
+        </p:xfrm>
+        <a:graphic>
+          <a:graphicData uri="http://schemas.openxmlformats.org/drawingml/2006/chart">
+            <c:chart xmlns:c="http://schemas.openxmlformats.org/drawingml/2006/chart" xmlns:r="http://schemas.openxmlformats.org/officeDocument/2006/relationships" r:id="rId2"/>
+          </a:graphicData>
+        </a:graphic>
+      </p:graphicFrame>
+    </p:spTree>
+  </p:cSld>
+  <p:clrMapOvr>
+    <a:masterClrMapping/>
+  </p:clrMapOvr>
+</p:sld>
+</file>
+
+<file path=ppt/slides/slide34.xml><?xml version="1.0" encoding="utf-8"?>
+<p:sld xmlns:a="http://schemas.openxmlformats.org/drawingml/2006/main" xmlns:r="http://schemas.openxmlformats.org/officeDocument/2006/relationships" xmlns:p="http://schemas.openxmlformats.org/presentationml/2006/main">
+  <p:cSld>
+    <p:spTree>
+      <p:nvGrpSpPr>
+        <p:cNvPr id="1" name=""/>
+        <p:cNvGrpSpPr/>
+        <p:nvPr/>
+      </p:nvGrpSpPr>
+      <p:grpSpPr>
+        <a:xfrm>
+          <a:off x="0" y="0"/>
+          <a:ext cx="0" cy="0"/>
+          <a:chOff x="0" y="0"/>
+          <a:chExt cx="0" cy="0"/>
+        </a:xfrm>
+      </p:grpSpPr>
+      <p:sp>
+        <p:nvSpPr>
+          <p:cNvPr id="2" name="Title 1"/>
+          <p:cNvSpPr>
+            <a:spLocks noGrp="1"/>
+          </p:cNvSpPr>
+          <p:nvPr>
+            <p:ph type="title"/>
+          </p:nvPr>
+        </p:nvSpPr>
+        <p:spPr/>
+        <p:txBody>
+          <a:bodyPr/>
+          <a:lstStyle/>
+          <a:p>
+            <a:r>
               <a:t>Top 10 Items by Normalized Frequency for Each Segment</a:t>
             </a:r>
           </a:p>
@@ -23634,7 +24915,194 @@
 </p:sld>
 </file>
 
-<file path=ppt/slides/slide31.xml><?xml version="1.0" encoding="utf-8"?>
+<file path=ppt/slides/slide35.xml><?xml version="1.0" encoding="utf-8"?>
+<p:sld xmlns:a="http://schemas.openxmlformats.org/drawingml/2006/main" xmlns:r="http://schemas.openxmlformats.org/officeDocument/2006/relationships" xmlns:p="http://schemas.openxmlformats.org/presentationml/2006/main">
+  <p:cSld>
+    <p:spTree>
+      <p:nvGrpSpPr>
+        <p:cNvPr id="1" name=""/>
+        <p:cNvGrpSpPr/>
+        <p:nvPr/>
+      </p:nvGrpSpPr>
+      <p:grpSpPr>
+        <a:xfrm>
+          <a:off x="0" y="0"/>
+          <a:ext cx="0" cy="0"/>
+          <a:chOff x="0" y="0"/>
+          <a:chExt cx="0" cy="0"/>
+        </a:xfrm>
+      </p:grpSpPr>
+      <p:sp>
+        <p:nvSpPr>
+          <p:cNvPr id="2" name="Title 1"/>
+          <p:cNvSpPr>
+            <a:spLocks noGrp="1"/>
+          </p:cNvSpPr>
+          <p:nvPr>
+            <p:ph type="title"/>
+          </p:nvPr>
+        </p:nvSpPr>
+        <p:spPr>
+          <a:xfrm>
+            <a:off x="1339645" y="251618"/>
+            <a:ext cx="10515600" cy="1325563"/>
+          </a:xfrm>
+        </p:spPr>
+        <p:txBody>
+          <a:bodyPr/>
+          <a:lstStyle/>
+          <a:p>
+            <a:r>
+              <a:t>Top 10 Items by Normalized Frequency for Each Segment</a:t>
+            </a:r>
+          </a:p>
+        </p:txBody>
+      </p:sp>
+    </p:spTree>
+  </p:cSld>
+  <p:clrMapOvr>
+    <a:masterClrMapping/>
+  </p:clrMapOvr>
+</p:sld>
+</file>
+
+<file path=ppt/slides/slide36.xml><?xml version="1.0" encoding="utf-8"?>
+<p:sld xmlns:a="http://schemas.openxmlformats.org/drawingml/2006/main" xmlns:r="http://schemas.openxmlformats.org/officeDocument/2006/relationships" xmlns:p="http://schemas.openxmlformats.org/presentationml/2006/main">
+  <p:cSld>
+    <p:spTree>
+      <p:nvGrpSpPr>
+        <p:cNvPr id="1" name=""/>
+        <p:cNvGrpSpPr/>
+        <p:nvPr/>
+      </p:nvGrpSpPr>
+      <p:grpSpPr>
+        <a:xfrm>
+          <a:off x="0" y="0"/>
+          <a:ext cx="0" cy="0"/>
+          <a:chOff x="0" y="0"/>
+          <a:chExt cx="0" cy="0"/>
+        </a:xfrm>
+      </p:grpSpPr>
+      <p:sp>
+        <p:nvSpPr>
+          <p:cNvPr id="2" name="Title 1"/>
+          <p:cNvSpPr>
+            <a:spLocks noGrp="1"/>
+          </p:cNvSpPr>
+          <p:nvPr>
+            <p:ph type="title"/>
+          </p:nvPr>
+        </p:nvSpPr>
+        <p:spPr/>
+        <p:txBody>
+          <a:bodyPr/>
+          <a:lstStyle/>
+          <a:p>
+            <a:r>
+              <a:t>Top 10 Items by Normalized Frequency for Each Segment</a:t>
+            </a:r>
+          </a:p>
+        </p:txBody>
+      </p:sp>
+      <p:graphicFrame>
+        <p:nvGraphicFramePr>
+          <p:cNvPr id="3" name="Chart 2"/>
+          <p:cNvGraphicFramePr>
+            <a:graphicFrameLocks noGrp="1"/>
+          </p:cNvGraphicFramePr>
+          <p:nvPr/>
+        </p:nvGraphicFramePr>
+        <p:xfrm>
+          <a:off x="914400" y="1828800"/>
+          <a:ext cx="7315200" cy="4114800"/>
+        </p:xfrm>
+        <a:graphic>
+          <a:graphicData uri="http://schemas.openxmlformats.org/drawingml/2006/chart">
+            <c:chart xmlns:c="http://schemas.openxmlformats.org/drawingml/2006/chart" xmlns:r="http://schemas.openxmlformats.org/officeDocument/2006/relationships" r:id="rId2"/>
+          </a:graphicData>
+        </a:graphic>
+      </p:graphicFrame>
+      <p:graphicFrame>
+        <p:nvGraphicFramePr>
+          <p:cNvPr id="4" name="Chart 3"/>
+          <p:cNvGraphicFramePr>
+            <a:graphicFrameLocks noGrp="1"/>
+          </p:cNvGraphicFramePr>
+          <p:nvPr/>
+        </p:nvGraphicFramePr>
+        <p:xfrm>
+          <a:off x="914400" y="1828800"/>
+          <a:ext cx="7315200" cy="4114800"/>
+        </p:xfrm>
+        <a:graphic>
+          <a:graphicData uri="http://schemas.openxmlformats.org/drawingml/2006/chart">
+            <c:chart xmlns:c="http://schemas.openxmlformats.org/drawingml/2006/chart" xmlns:r="http://schemas.openxmlformats.org/officeDocument/2006/relationships" r:id="rId3"/>
+          </a:graphicData>
+        </a:graphic>
+      </p:graphicFrame>
+      <p:graphicFrame>
+        <p:nvGraphicFramePr>
+          <p:cNvPr id="5" name="Chart 4"/>
+          <p:cNvGraphicFramePr>
+            <a:graphicFrameLocks noGrp="1"/>
+          </p:cNvGraphicFramePr>
+          <p:nvPr/>
+        </p:nvGraphicFramePr>
+        <p:xfrm>
+          <a:off x="914400" y="1828800"/>
+          <a:ext cx="7315200" cy="4114800"/>
+        </p:xfrm>
+        <a:graphic>
+          <a:graphicData uri="http://schemas.openxmlformats.org/drawingml/2006/chart">
+            <c:chart xmlns:c="http://schemas.openxmlformats.org/drawingml/2006/chart" xmlns:r="http://schemas.openxmlformats.org/officeDocument/2006/relationships" r:id="rId4"/>
+          </a:graphicData>
+        </a:graphic>
+      </p:graphicFrame>
+      <p:graphicFrame>
+        <p:nvGraphicFramePr>
+          <p:cNvPr id="6" name="Chart 5"/>
+          <p:cNvGraphicFramePr>
+            <a:graphicFrameLocks noGrp="1"/>
+          </p:cNvGraphicFramePr>
+          <p:nvPr/>
+        </p:nvGraphicFramePr>
+        <p:xfrm>
+          <a:off x="914400" y="1828800"/>
+          <a:ext cx="7315200" cy="4114800"/>
+        </p:xfrm>
+        <a:graphic>
+          <a:graphicData uri="http://schemas.openxmlformats.org/drawingml/2006/chart">
+            <c:chart xmlns:c="http://schemas.openxmlformats.org/drawingml/2006/chart" xmlns:r="http://schemas.openxmlformats.org/officeDocument/2006/relationships" r:id="rId5"/>
+          </a:graphicData>
+        </a:graphic>
+      </p:graphicFrame>
+      <p:graphicFrame>
+        <p:nvGraphicFramePr>
+          <p:cNvPr id="7" name="Chart 6"/>
+          <p:cNvGraphicFramePr>
+            <a:graphicFrameLocks noGrp="1"/>
+          </p:cNvGraphicFramePr>
+          <p:nvPr/>
+        </p:nvGraphicFramePr>
+        <p:xfrm>
+          <a:off x="914400" y="1828800"/>
+          <a:ext cx="7315200" cy="4114800"/>
+        </p:xfrm>
+        <a:graphic>
+          <a:graphicData uri="http://schemas.openxmlformats.org/drawingml/2006/chart">
+            <c:chart xmlns:c="http://schemas.openxmlformats.org/drawingml/2006/chart" xmlns:r="http://schemas.openxmlformats.org/officeDocument/2006/relationships" r:id="rId6"/>
+          </a:graphicData>
+        </a:graphic>
+      </p:graphicFrame>
+    </p:spTree>
+  </p:cSld>
+  <p:clrMapOvr>
+    <a:masterClrMapping/>
+  </p:clrMapOvr>
+</p:sld>
+</file>
+
+<file path=ppt/slides/slide37.xml><?xml version="1.0" encoding="utf-8"?>
 <p:sld xmlns:a="http://schemas.openxmlformats.org/drawingml/2006/main" xmlns:r="http://schemas.openxmlformats.org/officeDocument/2006/relationships" xmlns:p="http://schemas.openxmlformats.org/presentationml/2006/main">
   <p:cSld>
     <p:spTree>
@@ -23680,7 +25148,7 @@
 </p:sld>
 </file>
 
-<file path=ppt/slides/slide32.xml><?xml version="1.0" encoding="utf-8"?>
+<file path=ppt/slides/slide38.xml><?xml version="1.0" encoding="utf-8"?>
 <p:sld xmlns:a="http://schemas.openxmlformats.org/drawingml/2006/main" xmlns:r="http://schemas.openxmlformats.org/officeDocument/2006/relationships" xmlns:p="http://schemas.openxmlformats.org/presentationml/2006/main">
   <p:cSld>
     <p:spTree>
@@ -23798,7 +25266,7 @@
 </p:sld>
 </file>
 
-<file path=ppt/slides/slide33.xml><?xml version="1.0" encoding="utf-8"?>
+<file path=ppt/slides/slide39.xml><?xml version="1.0" encoding="utf-8"?>
 <p:sld xmlns:a="http://schemas.openxmlformats.org/drawingml/2006/main" xmlns:r="http://schemas.openxmlformats.org/officeDocument/2006/relationships" xmlns:p="http://schemas.openxmlformats.org/presentationml/2006/main">
   <p:cSld>
     <p:spTree>
@@ -23854,270 +25322,6 @@
           </a:graphicData>
         </a:graphic>
       </p:graphicFrame>
-    </p:spTree>
-  </p:cSld>
-  <p:clrMapOvr>
-    <a:masterClrMapping/>
-  </p:clrMapOvr>
-</p:sld>
-</file>
-
-<file path=ppt/slides/slide34.xml><?xml version="1.0" encoding="utf-8"?>
-<p:sld xmlns:a="http://schemas.openxmlformats.org/drawingml/2006/main" xmlns:r="http://schemas.openxmlformats.org/officeDocument/2006/relationships" xmlns:p="http://schemas.openxmlformats.org/presentationml/2006/main">
-  <p:cSld>
-    <p:spTree>
-      <p:nvGrpSpPr>
-        <p:cNvPr id="1" name=""/>
-        <p:cNvGrpSpPr/>
-        <p:nvPr/>
-      </p:nvGrpSpPr>
-      <p:grpSpPr>
-        <a:xfrm>
-          <a:off x="0" y="0"/>
-          <a:ext cx="0" cy="0"/>
-          <a:chOff x="0" y="0"/>
-          <a:chExt cx="0" cy="0"/>
-        </a:xfrm>
-      </p:grpSpPr>
-      <p:sp>
-        <p:nvSpPr>
-          <p:cNvPr id="2" name="Title 1"/>
-          <p:cNvSpPr>
-            <a:spLocks noGrp="1"/>
-          </p:cNvSpPr>
-          <p:nvPr>
-            <p:ph type="title"/>
-          </p:nvPr>
-        </p:nvSpPr>
-        <p:spPr/>
-        <p:txBody>
-          <a:bodyPr/>
-          <a:lstStyle/>
-          <a:p>
-            <a:r>
-              <a:t>Top 10 Items by Unique Users on Each Day of the Week</a:t>
-            </a:r>
-          </a:p>
-        </p:txBody>
-      </p:sp>
-      <p:graphicFrame>
-        <p:nvGraphicFramePr>
-          <p:cNvPr id="3" name="Chart 2"/>
-          <p:cNvGraphicFramePr>
-            <a:graphicFrameLocks noGrp="1"/>
-          </p:cNvGraphicFramePr>
-          <p:nvPr/>
-        </p:nvGraphicFramePr>
-        <p:xfrm>
-          <a:off x="914400" y="1828800"/>
-          <a:ext cx="7315200" cy="4114800"/>
-        </p:xfrm>
-        <a:graphic>
-          <a:graphicData uri="http://schemas.openxmlformats.org/drawingml/2006/chart">
-            <c:chart xmlns:c="http://schemas.openxmlformats.org/drawingml/2006/chart" xmlns:r="http://schemas.openxmlformats.org/officeDocument/2006/relationships" r:id="rId2"/>
-          </a:graphicData>
-        </a:graphic>
-      </p:graphicFrame>
-      <p:graphicFrame>
-        <p:nvGraphicFramePr>
-          <p:cNvPr id="4" name="Chart 3"/>
-          <p:cNvGraphicFramePr>
-            <a:graphicFrameLocks noGrp="1"/>
-          </p:cNvGraphicFramePr>
-          <p:nvPr/>
-        </p:nvGraphicFramePr>
-        <p:xfrm>
-          <a:off x="914400" y="1828800"/>
-          <a:ext cx="7315200" cy="4114800"/>
-        </p:xfrm>
-        <a:graphic>
-          <a:graphicData uri="http://schemas.openxmlformats.org/drawingml/2006/chart">
-            <c:chart xmlns:c="http://schemas.openxmlformats.org/drawingml/2006/chart" xmlns:r="http://schemas.openxmlformats.org/officeDocument/2006/relationships" r:id="rId3"/>
-          </a:graphicData>
-        </a:graphic>
-      </p:graphicFrame>
-      <p:graphicFrame>
-        <p:nvGraphicFramePr>
-          <p:cNvPr id="5" name="Chart 4"/>
-          <p:cNvGraphicFramePr>
-            <a:graphicFrameLocks noGrp="1"/>
-          </p:cNvGraphicFramePr>
-          <p:nvPr/>
-        </p:nvGraphicFramePr>
-        <p:xfrm>
-          <a:off x="914400" y="1828800"/>
-          <a:ext cx="7315200" cy="4114800"/>
-        </p:xfrm>
-        <a:graphic>
-          <a:graphicData uri="http://schemas.openxmlformats.org/drawingml/2006/chart">
-            <c:chart xmlns:c="http://schemas.openxmlformats.org/drawingml/2006/chart" xmlns:r="http://schemas.openxmlformats.org/officeDocument/2006/relationships" r:id="rId4"/>
-          </a:graphicData>
-        </a:graphic>
-      </p:graphicFrame>
-      <p:graphicFrame>
-        <p:nvGraphicFramePr>
-          <p:cNvPr id="6" name="Chart 5"/>
-          <p:cNvGraphicFramePr>
-            <a:graphicFrameLocks noGrp="1"/>
-          </p:cNvGraphicFramePr>
-          <p:nvPr/>
-        </p:nvGraphicFramePr>
-        <p:xfrm>
-          <a:off x="914400" y="1828800"/>
-          <a:ext cx="7315200" cy="4114800"/>
-        </p:xfrm>
-        <a:graphic>
-          <a:graphicData uri="http://schemas.openxmlformats.org/drawingml/2006/chart">
-            <c:chart xmlns:c="http://schemas.openxmlformats.org/drawingml/2006/chart" xmlns:r="http://schemas.openxmlformats.org/officeDocument/2006/relationships" r:id="rId5"/>
-          </a:graphicData>
-        </a:graphic>
-      </p:graphicFrame>
-      <p:graphicFrame>
-        <p:nvGraphicFramePr>
-          <p:cNvPr id="7" name="Chart 6"/>
-          <p:cNvGraphicFramePr>
-            <a:graphicFrameLocks noGrp="1"/>
-          </p:cNvGraphicFramePr>
-          <p:nvPr/>
-        </p:nvGraphicFramePr>
-        <p:xfrm>
-          <a:off x="914400" y="1828800"/>
-          <a:ext cx="7315200" cy="4114800"/>
-        </p:xfrm>
-        <a:graphic>
-          <a:graphicData uri="http://schemas.openxmlformats.org/drawingml/2006/chart">
-            <c:chart xmlns:c="http://schemas.openxmlformats.org/drawingml/2006/chart" xmlns:r="http://schemas.openxmlformats.org/officeDocument/2006/relationships" r:id="rId6"/>
-          </a:graphicData>
-        </a:graphic>
-      </p:graphicFrame>
-      <p:graphicFrame>
-        <p:nvGraphicFramePr>
-          <p:cNvPr id="8" name="Chart 7"/>
-          <p:cNvGraphicFramePr>
-            <a:graphicFrameLocks noGrp="1"/>
-          </p:cNvGraphicFramePr>
-          <p:nvPr/>
-        </p:nvGraphicFramePr>
-        <p:xfrm>
-          <a:off x="914400" y="1828800"/>
-          <a:ext cx="7315200" cy="4114800"/>
-        </p:xfrm>
-        <a:graphic>
-          <a:graphicData uri="http://schemas.openxmlformats.org/drawingml/2006/chart">
-            <c:chart xmlns:c="http://schemas.openxmlformats.org/drawingml/2006/chart" xmlns:r="http://schemas.openxmlformats.org/officeDocument/2006/relationships" r:id="rId7"/>
-          </a:graphicData>
-        </a:graphic>
-      </p:graphicFrame>
-      <p:graphicFrame>
-        <p:nvGraphicFramePr>
-          <p:cNvPr id="9" name="Chart 8"/>
-          <p:cNvGraphicFramePr>
-            <a:graphicFrameLocks noGrp="1"/>
-          </p:cNvGraphicFramePr>
-          <p:nvPr/>
-        </p:nvGraphicFramePr>
-        <p:xfrm>
-          <a:off x="914400" y="1828800"/>
-          <a:ext cx="7315200" cy="4114800"/>
-        </p:xfrm>
-        <a:graphic>
-          <a:graphicData uri="http://schemas.openxmlformats.org/drawingml/2006/chart">
-            <c:chart xmlns:c="http://schemas.openxmlformats.org/drawingml/2006/chart" xmlns:r="http://schemas.openxmlformats.org/officeDocument/2006/relationships" r:id="rId8"/>
-          </a:graphicData>
-        </a:graphic>
-      </p:graphicFrame>
-    </p:spTree>
-  </p:cSld>
-  <p:clrMapOvr>
-    <a:masterClrMapping/>
-  </p:clrMapOvr>
-</p:sld>
-</file>
-
-<file path=ppt/slides/slide35.xml><?xml version="1.0" encoding="utf-8"?>
-<p:sld xmlns:a="http://schemas.openxmlformats.org/drawingml/2006/main" xmlns:r="http://schemas.openxmlformats.org/officeDocument/2006/relationships" xmlns:p="http://schemas.openxmlformats.org/presentationml/2006/main">
-  <p:cSld>
-    <p:spTree>
-      <p:nvGrpSpPr>
-        <p:cNvPr id="1" name=""/>
-        <p:cNvGrpSpPr/>
-        <p:nvPr/>
-      </p:nvGrpSpPr>
-      <p:grpSpPr>
-        <a:xfrm>
-          <a:off x="0" y="0"/>
-          <a:ext cx="0" cy="0"/>
-          <a:chOff x="0" y="0"/>
-          <a:chExt cx="0" cy="0"/>
-        </a:xfrm>
-      </p:grpSpPr>
-      <p:sp>
-        <p:nvSpPr>
-          <p:cNvPr id="2" name="Title 1"/>
-          <p:cNvSpPr>
-            <a:spLocks noGrp="1"/>
-          </p:cNvSpPr>
-          <p:nvPr>
-            <p:ph type="title"/>
-          </p:nvPr>
-        </p:nvSpPr>
-        <p:spPr/>
-        <p:txBody>
-          <a:bodyPr/>
-          <a:lstStyle/>
-          <a:p>
-            <a:r>
-              <a:t>Top 10 Items by Unique Users at Evening</a:t>
-            </a:r>
-          </a:p>
-        </p:txBody>
-      </p:sp>
-    </p:spTree>
-  </p:cSld>
-  <p:clrMapOvr>
-    <a:masterClrMapping/>
-  </p:clrMapOvr>
-</p:sld>
-</file>
-
-<file path=ppt/slides/slide36.xml><?xml version="1.0" encoding="utf-8"?>
-<p:sld xmlns:a="http://schemas.openxmlformats.org/drawingml/2006/main" xmlns:r="http://schemas.openxmlformats.org/officeDocument/2006/relationships" xmlns:p="http://schemas.openxmlformats.org/presentationml/2006/main">
-  <p:cSld>
-    <p:spTree>
-      <p:nvGrpSpPr>
-        <p:cNvPr id="1" name=""/>
-        <p:cNvGrpSpPr/>
-        <p:nvPr/>
-      </p:nvGrpSpPr>
-      <p:grpSpPr>
-        <a:xfrm>
-          <a:off x="0" y="0"/>
-          <a:ext cx="0" cy="0"/>
-          <a:chOff x="0" y="0"/>
-          <a:chExt cx="0" cy="0"/>
-        </a:xfrm>
-      </p:grpSpPr>
-      <p:sp>
-        <p:nvSpPr>
-          <p:cNvPr id="2" name="Title 1"/>
-          <p:cNvSpPr>
-            <a:spLocks noGrp="1"/>
-          </p:cNvSpPr>
-          <p:nvPr>
-            <p:ph type="title"/>
-          </p:nvPr>
-        </p:nvSpPr>
-        <p:spPr/>
-        <p:txBody>
-          <a:bodyPr/>
-          <a:lstStyle/>
-          <a:p>
-            <a:r>
-              <a:t>Top 10 Items by Unique Users at Early</a:t>
-            </a:r>
-          </a:p>
-        </p:txBody>
-      </p:sp>
     </p:spTree>
   </p:cSld>
   <p:clrMapOvr>
@@ -24308,6 +25512,270 @@
         <p14:creationId xmlns:p14="http://schemas.microsoft.com/office/powerpoint/2010/main" val="1621264595"/>
       </p:ext>
     </p:extLst>
+  </p:cSld>
+  <p:clrMapOvr>
+    <a:masterClrMapping/>
+  </p:clrMapOvr>
+</p:sld>
+</file>
+
+<file path=ppt/slides/slide40.xml><?xml version="1.0" encoding="utf-8"?>
+<p:sld xmlns:a="http://schemas.openxmlformats.org/drawingml/2006/main" xmlns:r="http://schemas.openxmlformats.org/officeDocument/2006/relationships" xmlns:p="http://schemas.openxmlformats.org/presentationml/2006/main">
+  <p:cSld>
+    <p:spTree>
+      <p:nvGrpSpPr>
+        <p:cNvPr id="1" name=""/>
+        <p:cNvGrpSpPr/>
+        <p:nvPr/>
+      </p:nvGrpSpPr>
+      <p:grpSpPr>
+        <a:xfrm>
+          <a:off x="0" y="0"/>
+          <a:ext cx="0" cy="0"/>
+          <a:chOff x="0" y="0"/>
+          <a:chExt cx="0" cy="0"/>
+        </a:xfrm>
+      </p:grpSpPr>
+      <p:sp>
+        <p:nvSpPr>
+          <p:cNvPr id="2" name="Title 1"/>
+          <p:cNvSpPr>
+            <a:spLocks noGrp="1"/>
+          </p:cNvSpPr>
+          <p:nvPr>
+            <p:ph type="title"/>
+          </p:nvPr>
+        </p:nvSpPr>
+        <p:spPr/>
+        <p:txBody>
+          <a:bodyPr/>
+          <a:lstStyle/>
+          <a:p>
+            <a:r>
+              <a:t>Top 10 Items by Unique Users on Each Day of the Week</a:t>
+            </a:r>
+          </a:p>
+        </p:txBody>
+      </p:sp>
+      <p:graphicFrame>
+        <p:nvGraphicFramePr>
+          <p:cNvPr id="3" name="Chart 2"/>
+          <p:cNvGraphicFramePr>
+            <a:graphicFrameLocks noGrp="1"/>
+          </p:cNvGraphicFramePr>
+          <p:nvPr/>
+        </p:nvGraphicFramePr>
+        <p:xfrm>
+          <a:off x="914400" y="1828800"/>
+          <a:ext cx="7315200" cy="4114800"/>
+        </p:xfrm>
+        <a:graphic>
+          <a:graphicData uri="http://schemas.openxmlformats.org/drawingml/2006/chart">
+            <c:chart xmlns:c="http://schemas.openxmlformats.org/drawingml/2006/chart" xmlns:r="http://schemas.openxmlformats.org/officeDocument/2006/relationships" r:id="rId2"/>
+          </a:graphicData>
+        </a:graphic>
+      </p:graphicFrame>
+      <p:graphicFrame>
+        <p:nvGraphicFramePr>
+          <p:cNvPr id="4" name="Chart 3"/>
+          <p:cNvGraphicFramePr>
+            <a:graphicFrameLocks noGrp="1"/>
+          </p:cNvGraphicFramePr>
+          <p:nvPr/>
+        </p:nvGraphicFramePr>
+        <p:xfrm>
+          <a:off x="914400" y="1828800"/>
+          <a:ext cx="7315200" cy="4114800"/>
+        </p:xfrm>
+        <a:graphic>
+          <a:graphicData uri="http://schemas.openxmlformats.org/drawingml/2006/chart">
+            <c:chart xmlns:c="http://schemas.openxmlformats.org/drawingml/2006/chart" xmlns:r="http://schemas.openxmlformats.org/officeDocument/2006/relationships" r:id="rId3"/>
+          </a:graphicData>
+        </a:graphic>
+      </p:graphicFrame>
+      <p:graphicFrame>
+        <p:nvGraphicFramePr>
+          <p:cNvPr id="5" name="Chart 4"/>
+          <p:cNvGraphicFramePr>
+            <a:graphicFrameLocks noGrp="1"/>
+          </p:cNvGraphicFramePr>
+          <p:nvPr/>
+        </p:nvGraphicFramePr>
+        <p:xfrm>
+          <a:off x="914400" y="1828800"/>
+          <a:ext cx="7315200" cy="4114800"/>
+        </p:xfrm>
+        <a:graphic>
+          <a:graphicData uri="http://schemas.openxmlformats.org/drawingml/2006/chart">
+            <c:chart xmlns:c="http://schemas.openxmlformats.org/drawingml/2006/chart" xmlns:r="http://schemas.openxmlformats.org/officeDocument/2006/relationships" r:id="rId4"/>
+          </a:graphicData>
+        </a:graphic>
+      </p:graphicFrame>
+      <p:graphicFrame>
+        <p:nvGraphicFramePr>
+          <p:cNvPr id="6" name="Chart 5"/>
+          <p:cNvGraphicFramePr>
+            <a:graphicFrameLocks noGrp="1"/>
+          </p:cNvGraphicFramePr>
+          <p:nvPr/>
+        </p:nvGraphicFramePr>
+        <p:xfrm>
+          <a:off x="914400" y="1828800"/>
+          <a:ext cx="7315200" cy="4114800"/>
+        </p:xfrm>
+        <a:graphic>
+          <a:graphicData uri="http://schemas.openxmlformats.org/drawingml/2006/chart">
+            <c:chart xmlns:c="http://schemas.openxmlformats.org/drawingml/2006/chart" xmlns:r="http://schemas.openxmlformats.org/officeDocument/2006/relationships" r:id="rId5"/>
+          </a:graphicData>
+        </a:graphic>
+      </p:graphicFrame>
+      <p:graphicFrame>
+        <p:nvGraphicFramePr>
+          <p:cNvPr id="7" name="Chart 6"/>
+          <p:cNvGraphicFramePr>
+            <a:graphicFrameLocks noGrp="1"/>
+          </p:cNvGraphicFramePr>
+          <p:nvPr/>
+        </p:nvGraphicFramePr>
+        <p:xfrm>
+          <a:off x="914400" y="1828800"/>
+          <a:ext cx="7315200" cy="4114800"/>
+        </p:xfrm>
+        <a:graphic>
+          <a:graphicData uri="http://schemas.openxmlformats.org/drawingml/2006/chart">
+            <c:chart xmlns:c="http://schemas.openxmlformats.org/drawingml/2006/chart" xmlns:r="http://schemas.openxmlformats.org/officeDocument/2006/relationships" r:id="rId6"/>
+          </a:graphicData>
+        </a:graphic>
+      </p:graphicFrame>
+      <p:graphicFrame>
+        <p:nvGraphicFramePr>
+          <p:cNvPr id="8" name="Chart 7"/>
+          <p:cNvGraphicFramePr>
+            <a:graphicFrameLocks noGrp="1"/>
+          </p:cNvGraphicFramePr>
+          <p:nvPr/>
+        </p:nvGraphicFramePr>
+        <p:xfrm>
+          <a:off x="914400" y="1828800"/>
+          <a:ext cx="7315200" cy="4114800"/>
+        </p:xfrm>
+        <a:graphic>
+          <a:graphicData uri="http://schemas.openxmlformats.org/drawingml/2006/chart">
+            <c:chart xmlns:c="http://schemas.openxmlformats.org/drawingml/2006/chart" xmlns:r="http://schemas.openxmlformats.org/officeDocument/2006/relationships" r:id="rId7"/>
+          </a:graphicData>
+        </a:graphic>
+      </p:graphicFrame>
+      <p:graphicFrame>
+        <p:nvGraphicFramePr>
+          <p:cNvPr id="9" name="Chart 8"/>
+          <p:cNvGraphicFramePr>
+            <a:graphicFrameLocks noGrp="1"/>
+          </p:cNvGraphicFramePr>
+          <p:nvPr/>
+        </p:nvGraphicFramePr>
+        <p:xfrm>
+          <a:off x="914400" y="1828800"/>
+          <a:ext cx="7315200" cy="4114800"/>
+        </p:xfrm>
+        <a:graphic>
+          <a:graphicData uri="http://schemas.openxmlformats.org/drawingml/2006/chart">
+            <c:chart xmlns:c="http://schemas.openxmlformats.org/drawingml/2006/chart" xmlns:r="http://schemas.openxmlformats.org/officeDocument/2006/relationships" r:id="rId8"/>
+          </a:graphicData>
+        </a:graphic>
+      </p:graphicFrame>
+    </p:spTree>
+  </p:cSld>
+  <p:clrMapOvr>
+    <a:masterClrMapping/>
+  </p:clrMapOvr>
+</p:sld>
+</file>
+
+<file path=ppt/slides/slide41.xml><?xml version="1.0" encoding="utf-8"?>
+<p:sld xmlns:a="http://schemas.openxmlformats.org/drawingml/2006/main" xmlns:r="http://schemas.openxmlformats.org/officeDocument/2006/relationships" xmlns:p="http://schemas.openxmlformats.org/presentationml/2006/main">
+  <p:cSld>
+    <p:spTree>
+      <p:nvGrpSpPr>
+        <p:cNvPr id="1" name=""/>
+        <p:cNvGrpSpPr/>
+        <p:nvPr/>
+      </p:nvGrpSpPr>
+      <p:grpSpPr>
+        <a:xfrm>
+          <a:off x="0" y="0"/>
+          <a:ext cx="0" cy="0"/>
+          <a:chOff x="0" y="0"/>
+          <a:chExt cx="0" cy="0"/>
+        </a:xfrm>
+      </p:grpSpPr>
+      <p:sp>
+        <p:nvSpPr>
+          <p:cNvPr id="2" name="Title 1"/>
+          <p:cNvSpPr>
+            <a:spLocks noGrp="1"/>
+          </p:cNvSpPr>
+          <p:nvPr>
+            <p:ph type="title"/>
+          </p:nvPr>
+        </p:nvSpPr>
+        <p:spPr/>
+        <p:txBody>
+          <a:bodyPr/>
+          <a:lstStyle/>
+          <a:p>
+            <a:r>
+              <a:t>Top 10 Items by Unique Users at Evening</a:t>
+            </a:r>
+          </a:p>
+        </p:txBody>
+      </p:sp>
+    </p:spTree>
+  </p:cSld>
+  <p:clrMapOvr>
+    <a:masterClrMapping/>
+  </p:clrMapOvr>
+</p:sld>
+</file>
+
+<file path=ppt/slides/slide42.xml><?xml version="1.0" encoding="utf-8"?>
+<p:sld xmlns:a="http://schemas.openxmlformats.org/drawingml/2006/main" xmlns:r="http://schemas.openxmlformats.org/officeDocument/2006/relationships" xmlns:p="http://schemas.openxmlformats.org/presentationml/2006/main">
+  <p:cSld>
+    <p:spTree>
+      <p:nvGrpSpPr>
+        <p:cNvPr id="1" name=""/>
+        <p:cNvGrpSpPr/>
+        <p:nvPr/>
+      </p:nvGrpSpPr>
+      <p:grpSpPr>
+        <a:xfrm>
+          <a:off x="0" y="0"/>
+          <a:ext cx="0" cy="0"/>
+          <a:chOff x="0" y="0"/>
+          <a:chExt cx="0" cy="0"/>
+        </a:xfrm>
+      </p:grpSpPr>
+      <p:sp>
+        <p:nvSpPr>
+          <p:cNvPr id="2" name="Title 1"/>
+          <p:cNvSpPr>
+            <a:spLocks noGrp="1"/>
+          </p:cNvSpPr>
+          <p:nvPr>
+            <p:ph type="title"/>
+          </p:nvPr>
+        </p:nvSpPr>
+        <p:spPr/>
+        <p:txBody>
+          <a:bodyPr/>
+          <a:lstStyle/>
+          <a:p>
+            <a:r>
+              <a:t>Top 10 Items by Unique Users at Early</a:t>
+            </a:r>
+          </a:p>
+        </p:txBody>
+      </p:sp>
+    </p:spTree>
   </p:cSld>
   <p:clrMapOvr>
     <a:masterClrMapping/>

--- a/Presentation1.pptx
+++ b/Presentation1.pptx
@@ -47,6 +47,7 @@
     <p:sldId id="296" r:id="rId41"/>
     <p:sldId id="305" r:id="rId42"/>
     <p:sldId id="306" r:id="rId43"/>
+    <p:sldId id="320" r:id="rId44"/>
   </p:sldIdLst>
   <p:sldSz cx="12192000" cy="6858000"/>
   <p:notesSz cx="6858000" cy="9144000"/>
@@ -21352,13 +21353,13 @@
   <p:clrMapOvr>
     <a:masterClrMapping/>
   </p:clrMapOvr>
-  <mc:AlternateContent xmlns:mc="http://schemas.openxmlformats.org/markup-compatibility/2006">
-    <mc:Choice xmlns:p159="http://schemas.microsoft.com/office/powerpoint/2015/09/main" Requires="p159">
+  <mc:AlternateContent xmlns:mc="http://schemas.openxmlformats.org/markup-compatibility/2006" xmlns:p159="http://schemas.microsoft.com/office/powerpoint/2015/09/main">
+    <mc:Choice Requires="p159">
       <p:transition xmlns:p14="http://schemas.microsoft.com/office/powerpoint/2010/main" spd="slow" p14:dur="2000">
         <p159:morph option="byObject"/>
       </p:transition>
     </mc:Choice>
-    <mc:Fallback>
+    <mc:Fallback xmlns="">
       <p:transition spd="slow">
         <p:fade/>
       </p:transition>
@@ -21641,6 +21642,1914 @@
           </a:p>
         </p:txBody>
       </p:sp>
+      <p:graphicFrame>
+        <p:nvGraphicFramePr>
+          <p:cNvPr id="8" name="Table 7"/>
+          <p:cNvGraphicFramePr>
+            <a:graphicFrameLocks noGrp="1"/>
+          </p:cNvGraphicFramePr>
+          <p:nvPr>
+            <p:extLst>
+              <p:ext uri="{D42A27DB-BD31-4B8C-83A1-F6EECF244321}">
+                <p14:modId xmlns:p14="http://schemas.microsoft.com/office/powerpoint/2010/main" val="2195008394"/>
+              </p:ext>
+            </p:extLst>
+          </p:nvPr>
+        </p:nvGraphicFramePr>
+        <p:xfrm>
+          <a:off x="1810131" y="1882791"/>
+          <a:ext cx="4514267" cy="4023360"/>
+        </p:xfrm>
+        <a:graphic>
+          <a:graphicData uri="http://schemas.openxmlformats.org/drawingml/2006/table">
+            <a:tbl>
+              <a:tblPr firstRow="1" bandRow="1">
+                <a:tableStyleId>{5C22544A-7EE6-4342-B048-85BDC9FD1C3A}</a:tableStyleId>
+              </a:tblPr>
+              <a:tblGrid>
+                <a:gridCol w="910527">
+                  <a:extLst>
+                    <a:ext uri="{9D8B030D-6E8A-4147-A177-3AD203B41FA5}">
+                      <a16:colId xmlns:a16="http://schemas.microsoft.com/office/drawing/2014/main" val="20000"/>
+                    </a:ext>
+                  </a:extLst>
+                </a:gridCol>
+                <a:gridCol w="360374">
+                  <a:extLst>
+                    <a:ext uri="{9D8B030D-6E8A-4147-A177-3AD203B41FA5}">
+                      <a16:colId xmlns:a16="http://schemas.microsoft.com/office/drawing/2014/main" val="20001"/>
+                    </a:ext>
+                  </a:extLst>
+                </a:gridCol>
+                <a:gridCol w="360374">
+                  <a:extLst>
+                    <a:ext uri="{9D8B030D-6E8A-4147-A177-3AD203B41FA5}">
+                      <a16:colId xmlns:a16="http://schemas.microsoft.com/office/drawing/2014/main" val="20002"/>
+                    </a:ext>
+                  </a:extLst>
+                </a:gridCol>
+                <a:gridCol w="360374">
+                  <a:extLst>
+                    <a:ext uri="{9D8B030D-6E8A-4147-A177-3AD203B41FA5}">
+                      <a16:colId xmlns:a16="http://schemas.microsoft.com/office/drawing/2014/main" val="20003"/>
+                    </a:ext>
+                  </a:extLst>
+                </a:gridCol>
+                <a:gridCol w="360374">
+                  <a:extLst>
+                    <a:ext uri="{9D8B030D-6E8A-4147-A177-3AD203B41FA5}">
+                      <a16:colId xmlns:a16="http://schemas.microsoft.com/office/drawing/2014/main" val="20004"/>
+                    </a:ext>
+                  </a:extLst>
+                </a:gridCol>
+                <a:gridCol w="360374">
+                  <a:extLst>
+                    <a:ext uri="{9D8B030D-6E8A-4147-A177-3AD203B41FA5}">
+                      <a16:colId xmlns:a16="http://schemas.microsoft.com/office/drawing/2014/main" val="20005"/>
+                    </a:ext>
+                  </a:extLst>
+                </a:gridCol>
+                <a:gridCol w="360374">
+                  <a:extLst>
+                    <a:ext uri="{9D8B030D-6E8A-4147-A177-3AD203B41FA5}">
+                      <a16:colId xmlns:a16="http://schemas.microsoft.com/office/drawing/2014/main" val="20006"/>
+                    </a:ext>
+                  </a:extLst>
+                </a:gridCol>
+                <a:gridCol w="360374">
+                  <a:extLst>
+                    <a:ext uri="{9D8B030D-6E8A-4147-A177-3AD203B41FA5}">
+                      <a16:colId xmlns:a16="http://schemas.microsoft.com/office/drawing/2014/main" val="20007"/>
+                    </a:ext>
+                  </a:extLst>
+                </a:gridCol>
+                <a:gridCol w="360374">
+                  <a:extLst>
+                    <a:ext uri="{9D8B030D-6E8A-4147-A177-3AD203B41FA5}">
+                      <a16:colId xmlns:a16="http://schemas.microsoft.com/office/drawing/2014/main" val="20008"/>
+                    </a:ext>
+                  </a:extLst>
+                </a:gridCol>
+                <a:gridCol w="360374">
+                  <a:extLst>
+                    <a:ext uri="{9D8B030D-6E8A-4147-A177-3AD203B41FA5}">
+                      <a16:colId xmlns:a16="http://schemas.microsoft.com/office/drawing/2014/main" val="20009"/>
+                    </a:ext>
+                  </a:extLst>
+                </a:gridCol>
+                <a:gridCol w="360374">
+                  <a:extLst>
+                    <a:ext uri="{9D8B030D-6E8A-4147-A177-3AD203B41FA5}">
+                      <a16:colId xmlns:a16="http://schemas.microsoft.com/office/drawing/2014/main" val="20010"/>
+                    </a:ext>
+                  </a:extLst>
+                </a:gridCol>
+              </a:tblGrid>
+              <a:tr h="281218">
+                <a:tc>
+                  <a:txBody>
+                    <a:bodyPr/>
+                    <a:lstStyle/>
+                    <a:p>
+                      <a:r>
+                        <a:rPr sz="1600" dirty="0" err="1"/>
+                        <a:t>item_id</a:t>
+                      </a:r>
+                      <a:endParaRPr sz="1600" dirty="0"/>
+                    </a:p>
+                  </a:txBody>
+                  <a:tcPr/>
+                </a:tc>
+                <a:tc>
+                  <a:txBody>
+                    <a:bodyPr/>
+                    <a:lstStyle/>
+                    <a:p>
+                      <a:r>
+                        <a:rPr sz="1600"/>
+                        <a:t>0</a:t>
+                      </a:r>
+                    </a:p>
+                  </a:txBody>
+                  <a:tcPr/>
+                </a:tc>
+                <a:tc>
+                  <a:txBody>
+                    <a:bodyPr/>
+                    <a:lstStyle/>
+                    <a:p>
+                      <a:r>
+                        <a:rPr sz="1600"/>
+                        <a:t>1</a:t>
+                      </a:r>
+                    </a:p>
+                  </a:txBody>
+                  <a:tcPr/>
+                </a:tc>
+                <a:tc>
+                  <a:txBody>
+                    <a:bodyPr/>
+                    <a:lstStyle/>
+                    <a:p>
+                      <a:r>
+                        <a:rPr sz="1600"/>
+                        <a:t>2</a:t>
+                      </a:r>
+                    </a:p>
+                  </a:txBody>
+                  <a:tcPr/>
+                </a:tc>
+                <a:tc>
+                  <a:txBody>
+                    <a:bodyPr/>
+                    <a:lstStyle/>
+                    <a:p>
+                      <a:r>
+                        <a:rPr sz="1600"/>
+                        <a:t>3</a:t>
+                      </a:r>
+                    </a:p>
+                  </a:txBody>
+                  <a:tcPr/>
+                </a:tc>
+                <a:tc>
+                  <a:txBody>
+                    <a:bodyPr/>
+                    <a:lstStyle/>
+                    <a:p>
+                      <a:r>
+                        <a:rPr sz="1600"/>
+                        <a:t>4</a:t>
+                      </a:r>
+                    </a:p>
+                  </a:txBody>
+                  <a:tcPr/>
+                </a:tc>
+                <a:tc>
+                  <a:txBody>
+                    <a:bodyPr/>
+                    <a:lstStyle/>
+                    <a:p>
+                      <a:r>
+                        <a:rPr sz="1600"/>
+                        <a:t>5</a:t>
+                      </a:r>
+                    </a:p>
+                  </a:txBody>
+                  <a:tcPr/>
+                </a:tc>
+                <a:tc>
+                  <a:txBody>
+                    <a:bodyPr/>
+                    <a:lstStyle/>
+                    <a:p>
+                      <a:r>
+                        <a:rPr sz="1600"/>
+                        <a:t>6</a:t>
+                      </a:r>
+                    </a:p>
+                  </a:txBody>
+                  <a:tcPr/>
+                </a:tc>
+                <a:tc>
+                  <a:txBody>
+                    <a:bodyPr/>
+                    <a:lstStyle/>
+                    <a:p>
+                      <a:r>
+                        <a:rPr sz="1600"/>
+                        <a:t>7</a:t>
+                      </a:r>
+                    </a:p>
+                  </a:txBody>
+                  <a:tcPr/>
+                </a:tc>
+                <a:tc>
+                  <a:txBody>
+                    <a:bodyPr/>
+                    <a:lstStyle/>
+                    <a:p>
+                      <a:r>
+                        <a:rPr sz="1600"/>
+                        <a:t>8</a:t>
+                      </a:r>
+                    </a:p>
+                  </a:txBody>
+                  <a:tcPr/>
+                </a:tc>
+                <a:tc>
+                  <a:txBody>
+                    <a:bodyPr/>
+                    <a:lstStyle/>
+                    <a:p>
+                      <a:r>
+                        <a:rPr sz="1600"/>
+                        <a:t>9</a:t>
+                      </a:r>
+                    </a:p>
+                  </a:txBody>
+                  <a:tcPr/>
+                </a:tc>
+                <a:extLst>
+                  <a:ext uri="{0D108BD9-81ED-4DB2-BD59-A6C34878D82A}">
+                    <a16:rowId xmlns:a16="http://schemas.microsoft.com/office/drawing/2014/main" val="10000"/>
+                  </a:ext>
+                </a:extLst>
+              </a:tr>
+              <a:tr h="281218">
+                <a:tc>
+                  <a:txBody>
+                    <a:bodyPr/>
+                    <a:lstStyle/>
+                    <a:p>
+                      <a:r>
+                        <a:rPr sz="1600"/>
+                        <a:t>4521</a:t>
+                      </a:r>
+                    </a:p>
+                  </a:txBody>
+                  <a:tcPr/>
+                </a:tc>
+                <a:tc>
+                  <a:txBody>
+                    <a:bodyPr/>
+                    <a:lstStyle/>
+                    <a:p>
+                      <a:r>
+                        <a:rPr sz="1600"/>
+                        <a:t>1</a:t>
+                      </a:r>
+                    </a:p>
+                  </a:txBody>
+                  <a:tcPr/>
+                </a:tc>
+                <a:tc>
+                  <a:txBody>
+                    <a:bodyPr/>
+                    <a:lstStyle/>
+                    <a:p>
+                      <a:r>
+                        <a:rPr sz="1600"/>
+                        <a:t>0</a:t>
+                      </a:r>
+                    </a:p>
+                  </a:txBody>
+                  <a:tcPr/>
+                </a:tc>
+                <a:tc>
+                  <a:txBody>
+                    <a:bodyPr/>
+                    <a:lstStyle/>
+                    <a:p>
+                      <a:r>
+                        <a:rPr sz="1600"/>
+                        <a:t>0</a:t>
+                      </a:r>
+                    </a:p>
+                  </a:txBody>
+                  <a:tcPr/>
+                </a:tc>
+                <a:tc>
+                  <a:txBody>
+                    <a:bodyPr/>
+                    <a:lstStyle/>
+                    <a:p>
+                      <a:r>
+                        <a:rPr sz="1600"/>
+                        <a:t>0</a:t>
+                      </a:r>
+                    </a:p>
+                  </a:txBody>
+                  <a:tcPr/>
+                </a:tc>
+                <a:tc>
+                  <a:txBody>
+                    <a:bodyPr/>
+                    <a:lstStyle/>
+                    <a:p>
+                      <a:r>
+                        <a:rPr sz="1600"/>
+                        <a:t>0</a:t>
+                      </a:r>
+                    </a:p>
+                  </a:txBody>
+                  <a:tcPr/>
+                </a:tc>
+                <a:tc>
+                  <a:txBody>
+                    <a:bodyPr/>
+                    <a:lstStyle/>
+                    <a:p>
+                      <a:r>
+                        <a:rPr sz="1600"/>
+                        <a:t>0</a:t>
+                      </a:r>
+                    </a:p>
+                  </a:txBody>
+                  <a:tcPr/>
+                </a:tc>
+                <a:tc>
+                  <a:txBody>
+                    <a:bodyPr/>
+                    <a:lstStyle/>
+                    <a:p>
+                      <a:r>
+                        <a:rPr sz="1600"/>
+                        <a:t>0</a:t>
+                      </a:r>
+                    </a:p>
+                  </a:txBody>
+                  <a:tcPr/>
+                </a:tc>
+                <a:tc>
+                  <a:txBody>
+                    <a:bodyPr/>
+                    <a:lstStyle/>
+                    <a:p>
+                      <a:r>
+                        <a:rPr sz="1600"/>
+                        <a:t>0</a:t>
+                      </a:r>
+                    </a:p>
+                  </a:txBody>
+                  <a:tcPr/>
+                </a:tc>
+                <a:tc>
+                  <a:txBody>
+                    <a:bodyPr/>
+                    <a:lstStyle/>
+                    <a:p>
+                      <a:r>
+                        <a:rPr sz="1600"/>
+                        <a:t>0</a:t>
+                      </a:r>
+                    </a:p>
+                  </a:txBody>
+                  <a:tcPr/>
+                </a:tc>
+                <a:tc>
+                  <a:txBody>
+                    <a:bodyPr/>
+                    <a:lstStyle/>
+                    <a:p>
+                      <a:r>
+                        <a:rPr sz="1600"/>
+                        <a:t>0</a:t>
+                      </a:r>
+                    </a:p>
+                  </a:txBody>
+                  <a:tcPr/>
+                </a:tc>
+                <a:extLst>
+                  <a:ext uri="{0D108BD9-81ED-4DB2-BD59-A6C34878D82A}">
+                    <a16:rowId xmlns:a16="http://schemas.microsoft.com/office/drawing/2014/main" val="10001"/>
+                  </a:ext>
+                </a:extLst>
+              </a:tr>
+              <a:tr h="281218">
+                <a:tc>
+                  <a:txBody>
+                    <a:bodyPr/>
+                    <a:lstStyle/>
+                    <a:p>
+                      <a:r>
+                        <a:rPr sz="1600"/>
+                        <a:t>14454</a:t>
+                      </a:r>
+                    </a:p>
+                  </a:txBody>
+                  <a:tcPr/>
+                </a:tc>
+                <a:tc>
+                  <a:txBody>
+                    <a:bodyPr/>
+                    <a:lstStyle/>
+                    <a:p>
+                      <a:r>
+                        <a:rPr sz="1600"/>
+                        <a:t>0</a:t>
+                      </a:r>
+                    </a:p>
+                  </a:txBody>
+                  <a:tcPr/>
+                </a:tc>
+                <a:tc>
+                  <a:txBody>
+                    <a:bodyPr/>
+                    <a:lstStyle/>
+                    <a:p>
+                      <a:r>
+                        <a:rPr sz="1600"/>
+                        <a:t>1</a:t>
+                      </a:r>
+                    </a:p>
+                  </a:txBody>
+                  <a:tcPr/>
+                </a:tc>
+                <a:tc>
+                  <a:txBody>
+                    <a:bodyPr/>
+                    <a:lstStyle/>
+                    <a:p>
+                      <a:r>
+                        <a:rPr sz="1600"/>
+                        <a:t>0</a:t>
+                      </a:r>
+                    </a:p>
+                  </a:txBody>
+                  <a:tcPr/>
+                </a:tc>
+                <a:tc>
+                  <a:txBody>
+                    <a:bodyPr/>
+                    <a:lstStyle/>
+                    <a:p>
+                      <a:r>
+                        <a:rPr sz="1600"/>
+                        <a:t>0</a:t>
+                      </a:r>
+                    </a:p>
+                  </a:txBody>
+                  <a:tcPr/>
+                </a:tc>
+                <a:tc>
+                  <a:txBody>
+                    <a:bodyPr/>
+                    <a:lstStyle/>
+                    <a:p>
+                      <a:r>
+                        <a:rPr sz="1600"/>
+                        <a:t>0</a:t>
+                      </a:r>
+                    </a:p>
+                  </a:txBody>
+                  <a:tcPr/>
+                </a:tc>
+                <a:tc>
+                  <a:txBody>
+                    <a:bodyPr/>
+                    <a:lstStyle/>
+                    <a:p>
+                      <a:r>
+                        <a:rPr sz="1600"/>
+                        <a:t>0</a:t>
+                      </a:r>
+                    </a:p>
+                  </a:txBody>
+                  <a:tcPr/>
+                </a:tc>
+                <a:tc>
+                  <a:txBody>
+                    <a:bodyPr/>
+                    <a:lstStyle/>
+                    <a:p>
+                      <a:r>
+                        <a:rPr sz="1600"/>
+                        <a:t>0</a:t>
+                      </a:r>
+                    </a:p>
+                  </a:txBody>
+                  <a:tcPr/>
+                </a:tc>
+                <a:tc>
+                  <a:txBody>
+                    <a:bodyPr/>
+                    <a:lstStyle/>
+                    <a:p>
+                      <a:r>
+                        <a:rPr sz="1600"/>
+                        <a:t>0</a:t>
+                      </a:r>
+                    </a:p>
+                  </a:txBody>
+                  <a:tcPr/>
+                </a:tc>
+                <a:tc>
+                  <a:txBody>
+                    <a:bodyPr/>
+                    <a:lstStyle/>
+                    <a:p>
+                      <a:r>
+                        <a:rPr sz="1600"/>
+                        <a:t>0</a:t>
+                      </a:r>
+                    </a:p>
+                  </a:txBody>
+                  <a:tcPr/>
+                </a:tc>
+                <a:tc>
+                  <a:txBody>
+                    <a:bodyPr/>
+                    <a:lstStyle/>
+                    <a:p>
+                      <a:r>
+                        <a:rPr sz="1600"/>
+                        <a:t>0</a:t>
+                      </a:r>
+                    </a:p>
+                  </a:txBody>
+                  <a:tcPr/>
+                </a:tc>
+                <a:extLst>
+                  <a:ext uri="{0D108BD9-81ED-4DB2-BD59-A6C34878D82A}">
+                    <a16:rowId xmlns:a16="http://schemas.microsoft.com/office/drawing/2014/main" val="10002"/>
+                  </a:ext>
+                </a:extLst>
+              </a:tr>
+              <a:tr h="281218">
+                <a:tc>
+                  <a:txBody>
+                    <a:bodyPr/>
+                    <a:lstStyle/>
+                    <a:p>
+                      <a:r>
+                        <a:rPr sz="1600"/>
+                        <a:t>15000</a:t>
+                      </a:r>
+                    </a:p>
+                  </a:txBody>
+                  <a:tcPr/>
+                </a:tc>
+                <a:tc>
+                  <a:txBody>
+                    <a:bodyPr/>
+                    <a:lstStyle/>
+                    <a:p>
+                      <a:r>
+                        <a:rPr sz="1600"/>
+                        <a:t>0</a:t>
+                      </a:r>
+                    </a:p>
+                  </a:txBody>
+                  <a:tcPr/>
+                </a:tc>
+                <a:tc>
+                  <a:txBody>
+                    <a:bodyPr/>
+                    <a:lstStyle/>
+                    <a:p>
+                      <a:r>
+                        <a:rPr sz="1600"/>
+                        <a:t>0</a:t>
+                      </a:r>
+                    </a:p>
+                  </a:txBody>
+                  <a:tcPr/>
+                </a:tc>
+                <a:tc>
+                  <a:txBody>
+                    <a:bodyPr/>
+                    <a:lstStyle/>
+                    <a:p>
+                      <a:r>
+                        <a:rPr sz="1600"/>
+                        <a:t>1</a:t>
+                      </a:r>
+                    </a:p>
+                  </a:txBody>
+                  <a:tcPr/>
+                </a:tc>
+                <a:tc>
+                  <a:txBody>
+                    <a:bodyPr/>
+                    <a:lstStyle/>
+                    <a:p>
+                      <a:r>
+                        <a:rPr sz="1600"/>
+                        <a:t>0</a:t>
+                      </a:r>
+                    </a:p>
+                  </a:txBody>
+                  <a:tcPr/>
+                </a:tc>
+                <a:tc>
+                  <a:txBody>
+                    <a:bodyPr/>
+                    <a:lstStyle/>
+                    <a:p>
+                      <a:r>
+                        <a:rPr sz="1600"/>
+                        <a:t>0</a:t>
+                      </a:r>
+                    </a:p>
+                  </a:txBody>
+                  <a:tcPr/>
+                </a:tc>
+                <a:tc>
+                  <a:txBody>
+                    <a:bodyPr/>
+                    <a:lstStyle/>
+                    <a:p>
+                      <a:r>
+                        <a:rPr sz="1600"/>
+                        <a:t>0</a:t>
+                      </a:r>
+                    </a:p>
+                  </a:txBody>
+                  <a:tcPr/>
+                </a:tc>
+                <a:tc>
+                  <a:txBody>
+                    <a:bodyPr/>
+                    <a:lstStyle/>
+                    <a:p>
+                      <a:r>
+                        <a:rPr sz="1600"/>
+                        <a:t>0</a:t>
+                      </a:r>
+                    </a:p>
+                  </a:txBody>
+                  <a:tcPr/>
+                </a:tc>
+                <a:tc>
+                  <a:txBody>
+                    <a:bodyPr/>
+                    <a:lstStyle/>
+                    <a:p>
+                      <a:r>
+                        <a:rPr sz="1600"/>
+                        <a:t>0</a:t>
+                      </a:r>
+                    </a:p>
+                  </a:txBody>
+                  <a:tcPr/>
+                </a:tc>
+                <a:tc>
+                  <a:txBody>
+                    <a:bodyPr/>
+                    <a:lstStyle/>
+                    <a:p>
+                      <a:r>
+                        <a:rPr sz="1600"/>
+                        <a:t>0</a:t>
+                      </a:r>
+                    </a:p>
+                  </a:txBody>
+                  <a:tcPr/>
+                </a:tc>
+                <a:tc>
+                  <a:txBody>
+                    <a:bodyPr/>
+                    <a:lstStyle/>
+                    <a:p>
+                      <a:r>
+                        <a:rPr sz="1600"/>
+                        <a:t>0</a:t>
+                      </a:r>
+                    </a:p>
+                  </a:txBody>
+                  <a:tcPr/>
+                </a:tc>
+                <a:extLst>
+                  <a:ext uri="{0D108BD9-81ED-4DB2-BD59-A6C34878D82A}">
+                    <a16:rowId xmlns:a16="http://schemas.microsoft.com/office/drawing/2014/main" val="10003"/>
+                  </a:ext>
+                </a:extLst>
+              </a:tr>
+              <a:tr h="281218">
+                <a:tc>
+                  <a:txBody>
+                    <a:bodyPr/>
+                    <a:lstStyle/>
+                    <a:p>
+                      <a:r>
+                        <a:rPr sz="1600"/>
+                        <a:t>22924</a:t>
+                      </a:r>
+                    </a:p>
+                  </a:txBody>
+                  <a:tcPr/>
+                </a:tc>
+                <a:tc>
+                  <a:txBody>
+                    <a:bodyPr/>
+                    <a:lstStyle/>
+                    <a:p>
+                      <a:r>
+                        <a:rPr sz="1600"/>
+                        <a:t>0</a:t>
+                      </a:r>
+                    </a:p>
+                  </a:txBody>
+                  <a:tcPr/>
+                </a:tc>
+                <a:tc>
+                  <a:txBody>
+                    <a:bodyPr/>
+                    <a:lstStyle/>
+                    <a:p>
+                      <a:r>
+                        <a:rPr sz="1600"/>
+                        <a:t>0</a:t>
+                      </a:r>
+                    </a:p>
+                  </a:txBody>
+                  <a:tcPr/>
+                </a:tc>
+                <a:tc>
+                  <a:txBody>
+                    <a:bodyPr/>
+                    <a:lstStyle/>
+                    <a:p>
+                      <a:r>
+                        <a:rPr sz="1600"/>
+                        <a:t>0</a:t>
+                      </a:r>
+                    </a:p>
+                  </a:txBody>
+                  <a:tcPr/>
+                </a:tc>
+                <a:tc>
+                  <a:txBody>
+                    <a:bodyPr/>
+                    <a:lstStyle/>
+                    <a:p>
+                      <a:r>
+                        <a:rPr sz="1600"/>
+                        <a:t>1</a:t>
+                      </a:r>
+                    </a:p>
+                  </a:txBody>
+                  <a:tcPr/>
+                </a:tc>
+                <a:tc>
+                  <a:txBody>
+                    <a:bodyPr/>
+                    <a:lstStyle/>
+                    <a:p>
+                      <a:r>
+                        <a:rPr sz="1600"/>
+                        <a:t>0</a:t>
+                      </a:r>
+                    </a:p>
+                  </a:txBody>
+                  <a:tcPr/>
+                </a:tc>
+                <a:tc>
+                  <a:txBody>
+                    <a:bodyPr/>
+                    <a:lstStyle/>
+                    <a:p>
+                      <a:r>
+                        <a:rPr sz="1600"/>
+                        <a:t>0</a:t>
+                      </a:r>
+                    </a:p>
+                  </a:txBody>
+                  <a:tcPr/>
+                </a:tc>
+                <a:tc>
+                  <a:txBody>
+                    <a:bodyPr/>
+                    <a:lstStyle/>
+                    <a:p>
+                      <a:r>
+                        <a:rPr sz="1600"/>
+                        <a:t>0</a:t>
+                      </a:r>
+                    </a:p>
+                  </a:txBody>
+                  <a:tcPr/>
+                </a:tc>
+                <a:tc>
+                  <a:txBody>
+                    <a:bodyPr/>
+                    <a:lstStyle/>
+                    <a:p>
+                      <a:r>
+                        <a:rPr sz="1600"/>
+                        <a:t>0</a:t>
+                      </a:r>
+                    </a:p>
+                  </a:txBody>
+                  <a:tcPr/>
+                </a:tc>
+                <a:tc>
+                  <a:txBody>
+                    <a:bodyPr/>
+                    <a:lstStyle/>
+                    <a:p>
+                      <a:r>
+                        <a:rPr sz="1600"/>
+                        <a:t>0</a:t>
+                      </a:r>
+                    </a:p>
+                  </a:txBody>
+                  <a:tcPr/>
+                </a:tc>
+                <a:tc>
+                  <a:txBody>
+                    <a:bodyPr/>
+                    <a:lstStyle/>
+                    <a:p>
+                      <a:r>
+                        <a:rPr sz="1600"/>
+                        <a:t>0</a:t>
+                      </a:r>
+                    </a:p>
+                  </a:txBody>
+                  <a:tcPr/>
+                </a:tc>
+                <a:extLst>
+                  <a:ext uri="{0D108BD9-81ED-4DB2-BD59-A6C34878D82A}">
+                    <a16:rowId xmlns:a16="http://schemas.microsoft.com/office/drawing/2014/main" val="10004"/>
+                  </a:ext>
+                </a:extLst>
+              </a:tr>
+              <a:tr h="281218">
+                <a:tc>
+                  <a:txBody>
+                    <a:bodyPr/>
+                    <a:lstStyle/>
+                    <a:p>
+                      <a:r>
+                        <a:rPr sz="1600"/>
+                        <a:t>23484</a:t>
+                      </a:r>
+                    </a:p>
+                  </a:txBody>
+                  <a:tcPr/>
+                </a:tc>
+                <a:tc>
+                  <a:txBody>
+                    <a:bodyPr/>
+                    <a:lstStyle/>
+                    <a:p>
+                      <a:r>
+                        <a:rPr sz="1600"/>
+                        <a:t>0</a:t>
+                      </a:r>
+                    </a:p>
+                  </a:txBody>
+                  <a:tcPr/>
+                </a:tc>
+                <a:tc>
+                  <a:txBody>
+                    <a:bodyPr/>
+                    <a:lstStyle/>
+                    <a:p>
+                      <a:r>
+                        <a:rPr sz="1600"/>
+                        <a:t>0</a:t>
+                      </a:r>
+                    </a:p>
+                  </a:txBody>
+                  <a:tcPr/>
+                </a:tc>
+                <a:tc>
+                  <a:txBody>
+                    <a:bodyPr/>
+                    <a:lstStyle/>
+                    <a:p>
+                      <a:r>
+                        <a:rPr sz="1600"/>
+                        <a:t>0</a:t>
+                      </a:r>
+                    </a:p>
+                  </a:txBody>
+                  <a:tcPr/>
+                </a:tc>
+                <a:tc>
+                  <a:txBody>
+                    <a:bodyPr/>
+                    <a:lstStyle/>
+                    <a:p>
+                      <a:r>
+                        <a:rPr sz="1600"/>
+                        <a:t>0</a:t>
+                      </a:r>
+                    </a:p>
+                  </a:txBody>
+                  <a:tcPr/>
+                </a:tc>
+                <a:tc>
+                  <a:txBody>
+                    <a:bodyPr/>
+                    <a:lstStyle/>
+                    <a:p>
+                      <a:r>
+                        <a:rPr sz="1600"/>
+                        <a:t>1</a:t>
+                      </a:r>
+                    </a:p>
+                  </a:txBody>
+                  <a:tcPr/>
+                </a:tc>
+                <a:tc>
+                  <a:txBody>
+                    <a:bodyPr/>
+                    <a:lstStyle/>
+                    <a:p>
+                      <a:r>
+                        <a:rPr sz="1600"/>
+                        <a:t>0</a:t>
+                      </a:r>
+                    </a:p>
+                  </a:txBody>
+                  <a:tcPr/>
+                </a:tc>
+                <a:tc>
+                  <a:txBody>
+                    <a:bodyPr/>
+                    <a:lstStyle/>
+                    <a:p>
+                      <a:r>
+                        <a:rPr sz="1600"/>
+                        <a:t>0</a:t>
+                      </a:r>
+                    </a:p>
+                  </a:txBody>
+                  <a:tcPr/>
+                </a:tc>
+                <a:tc>
+                  <a:txBody>
+                    <a:bodyPr/>
+                    <a:lstStyle/>
+                    <a:p>
+                      <a:r>
+                        <a:rPr sz="1600"/>
+                        <a:t>0</a:t>
+                      </a:r>
+                    </a:p>
+                  </a:txBody>
+                  <a:tcPr/>
+                </a:tc>
+                <a:tc>
+                  <a:txBody>
+                    <a:bodyPr/>
+                    <a:lstStyle/>
+                    <a:p>
+                      <a:r>
+                        <a:rPr sz="1600"/>
+                        <a:t>0</a:t>
+                      </a:r>
+                    </a:p>
+                  </a:txBody>
+                  <a:tcPr/>
+                </a:tc>
+                <a:tc>
+                  <a:txBody>
+                    <a:bodyPr/>
+                    <a:lstStyle/>
+                    <a:p>
+                      <a:r>
+                        <a:rPr sz="1600"/>
+                        <a:t>0</a:t>
+                      </a:r>
+                    </a:p>
+                  </a:txBody>
+                  <a:tcPr/>
+                </a:tc>
+                <a:extLst>
+                  <a:ext uri="{0D108BD9-81ED-4DB2-BD59-A6C34878D82A}">
+                    <a16:rowId xmlns:a16="http://schemas.microsoft.com/office/drawing/2014/main" val="10005"/>
+                  </a:ext>
+                </a:extLst>
+              </a:tr>
+              <a:tr h="281218">
+                <a:tc>
+                  <a:txBody>
+                    <a:bodyPr/>
+                    <a:lstStyle/>
+                    <a:p>
+                      <a:r>
+                        <a:rPr sz="1600"/>
+                        <a:t>24982</a:t>
+                      </a:r>
+                    </a:p>
+                  </a:txBody>
+                  <a:tcPr/>
+                </a:tc>
+                <a:tc>
+                  <a:txBody>
+                    <a:bodyPr/>
+                    <a:lstStyle/>
+                    <a:p>
+                      <a:r>
+                        <a:rPr sz="1600"/>
+                        <a:t>0</a:t>
+                      </a:r>
+                    </a:p>
+                  </a:txBody>
+                  <a:tcPr/>
+                </a:tc>
+                <a:tc>
+                  <a:txBody>
+                    <a:bodyPr/>
+                    <a:lstStyle/>
+                    <a:p>
+                      <a:r>
+                        <a:rPr sz="1600"/>
+                        <a:t>0</a:t>
+                      </a:r>
+                    </a:p>
+                  </a:txBody>
+                  <a:tcPr/>
+                </a:tc>
+                <a:tc>
+                  <a:txBody>
+                    <a:bodyPr/>
+                    <a:lstStyle/>
+                    <a:p>
+                      <a:r>
+                        <a:rPr sz="1600"/>
+                        <a:t>0</a:t>
+                      </a:r>
+                    </a:p>
+                  </a:txBody>
+                  <a:tcPr/>
+                </a:tc>
+                <a:tc>
+                  <a:txBody>
+                    <a:bodyPr/>
+                    <a:lstStyle/>
+                    <a:p>
+                      <a:r>
+                        <a:rPr sz="1600"/>
+                        <a:t>0</a:t>
+                      </a:r>
+                    </a:p>
+                  </a:txBody>
+                  <a:tcPr/>
+                </a:tc>
+                <a:tc>
+                  <a:txBody>
+                    <a:bodyPr/>
+                    <a:lstStyle/>
+                    <a:p>
+                      <a:r>
+                        <a:rPr sz="1600"/>
+                        <a:t>0</a:t>
+                      </a:r>
+                    </a:p>
+                  </a:txBody>
+                  <a:tcPr/>
+                </a:tc>
+                <a:tc>
+                  <a:txBody>
+                    <a:bodyPr/>
+                    <a:lstStyle/>
+                    <a:p>
+                      <a:r>
+                        <a:rPr sz="1600"/>
+                        <a:t>1</a:t>
+                      </a:r>
+                    </a:p>
+                  </a:txBody>
+                  <a:tcPr/>
+                </a:tc>
+                <a:tc>
+                  <a:txBody>
+                    <a:bodyPr/>
+                    <a:lstStyle/>
+                    <a:p>
+                      <a:r>
+                        <a:rPr sz="1600"/>
+                        <a:t>0</a:t>
+                      </a:r>
+                    </a:p>
+                  </a:txBody>
+                  <a:tcPr/>
+                </a:tc>
+                <a:tc>
+                  <a:txBody>
+                    <a:bodyPr/>
+                    <a:lstStyle/>
+                    <a:p>
+                      <a:r>
+                        <a:rPr sz="1600"/>
+                        <a:t>0</a:t>
+                      </a:r>
+                    </a:p>
+                  </a:txBody>
+                  <a:tcPr/>
+                </a:tc>
+                <a:tc>
+                  <a:txBody>
+                    <a:bodyPr/>
+                    <a:lstStyle/>
+                    <a:p>
+                      <a:r>
+                        <a:rPr sz="1600"/>
+                        <a:t>0</a:t>
+                      </a:r>
+                    </a:p>
+                  </a:txBody>
+                  <a:tcPr/>
+                </a:tc>
+                <a:tc>
+                  <a:txBody>
+                    <a:bodyPr/>
+                    <a:lstStyle/>
+                    <a:p>
+                      <a:r>
+                        <a:rPr sz="1600"/>
+                        <a:t>0</a:t>
+                      </a:r>
+                    </a:p>
+                  </a:txBody>
+                  <a:tcPr/>
+                </a:tc>
+                <a:extLst>
+                  <a:ext uri="{0D108BD9-81ED-4DB2-BD59-A6C34878D82A}">
+                    <a16:rowId xmlns:a16="http://schemas.microsoft.com/office/drawing/2014/main" val="10006"/>
+                  </a:ext>
+                </a:extLst>
+              </a:tr>
+              <a:tr h="281218">
+                <a:tc>
+                  <a:txBody>
+                    <a:bodyPr/>
+                    <a:lstStyle/>
+                    <a:p>
+                      <a:r>
+                        <a:rPr sz="1600"/>
+                        <a:t>25577</a:t>
+                      </a:r>
+                    </a:p>
+                  </a:txBody>
+                  <a:tcPr/>
+                </a:tc>
+                <a:tc>
+                  <a:txBody>
+                    <a:bodyPr/>
+                    <a:lstStyle/>
+                    <a:p>
+                      <a:r>
+                        <a:rPr sz="1600"/>
+                        <a:t>0</a:t>
+                      </a:r>
+                    </a:p>
+                  </a:txBody>
+                  <a:tcPr/>
+                </a:tc>
+                <a:tc>
+                  <a:txBody>
+                    <a:bodyPr/>
+                    <a:lstStyle/>
+                    <a:p>
+                      <a:r>
+                        <a:rPr sz="1600"/>
+                        <a:t>0</a:t>
+                      </a:r>
+                    </a:p>
+                  </a:txBody>
+                  <a:tcPr/>
+                </a:tc>
+                <a:tc>
+                  <a:txBody>
+                    <a:bodyPr/>
+                    <a:lstStyle/>
+                    <a:p>
+                      <a:r>
+                        <a:rPr sz="1600"/>
+                        <a:t>0</a:t>
+                      </a:r>
+                    </a:p>
+                  </a:txBody>
+                  <a:tcPr/>
+                </a:tc>
+                <a:tc>
+                  <a:txBody>
+                    <a:bodyPr/>
+                    <a:lstStyle/>
+                    <a:p>
+                      <a:r>
+                        <a:rPr sz="1600"/>
+                        <a:t>0</a:t>
+                      </a:r>
+                    </a:p>
+                  </a:txBody>
+                  <a:tcPr/>
+                </a:tc>
+                <a:tc>
+                  <a:txBody>
+                    <a:bodyPr/>
+                    <a:lstStyle/>
+                    <a:p>
+                      <a:r>
+                        <a:rPr sz="1600"/>
+                        <a:t>0</a:t>
+                      </a:r>
+                    </a:p>
+                  </a:txBody>
+                  <a:tcPr/>
+                </a:tc>
+                <a:tc>
+                  <a:txBody>
+                    <a:bodyPr/>
+                    <a:lstStyle/>
+                    <a:p>
+                      <a:r>
+                        <a:rPr sz="1600"/>
+                        <a:t>0</a:t>
+                      </a:r>
+                    </a:p>
+                  </a:txBody>
+                  <a:tcPr/>
+                </a:tc>
+                <a:tc>
+                  <a:txBody>
+                    <a:bodyPr/>
+                    <a:lstStyle/>
+                    <a:p>
+                      <a:r>
+                        <a:rPr sz="1600"/>
+                        <a:t>1</a:t>
+                      </a:r>
+                    </a:p>
+                  </a:txBody>
+                  <a:tcPr/>
+                </a:tc>
+                <a:tc>
+                  <a:txBody>
+                    <a:bodyPr/>
+                    <a:lstStyle/>
+                    <a:p>
+                      <a:r>
+                        <a:rPr sz="1600"/>
+                        <a:t>0</a:t>
+                      </a:r>
+                    </a:p>
+                  </a:txBody>
+                  <a:tcPr/>
+                </a:tc>
+                <a:tc>
+                  <a:txBody>
+                    <a:bodyPr/>
+                    <a:lstStyle/>
+                    <a:p>
+                      <a:r>
+                        <a:rPr sz="1600"/>
+                        <a:t>0</a:t>
+                      </a:r>
+                    </a:p>
+                  </a:txBody>
+                  <a:tcPr/>
+                </a:tc>
+                <a:tc>
+                  <a:txBody>
+                    <a:bodyPr/>
+                    <a:lstStyle/>
+                    <a:p>
+                      <a:r>
+                        <a:rPr sz="1600"/>
+                        <a:t>0</a:t>
+                      </a:r>
+                    </a:p>
+                  </a:txBody>
+                  <a:tcPr/>
+                </a:tc>
+                <a:extLst>
+                  <a:ext uri="{0D108BD9-81ED-4DB2-BD59-A6C34878D82A}">
+                    <a16:rowId xmlns:a16="http://schemas.microsoft.com/office/drawing/2014/main" val="10007"/>
+                  </a:ext>
+                </a:extLst>
+              </a:tr>
+              <a:tr h="281218">
+                <a:tc>
+                  <a:txBody>
+                    <a:bodyPr/>
+                    <a:lstStyle/>
+                    <a:p>
+                      <a:r>
+                        <a:rPr sz="1600"/>
+                        <a:t>27824</a:t>
+                      </a:r>
+                    </a:p>
+                  </a:txBody>
+                  <a:tcPr/>
+                </a:tc>
+                <a:tc>
+                  <a:txBody>
+                    <a:bodyPr/>
+                    <a:lstStyle/>
+                    <a:p>
+                      <a:r>
+                        <a:rPr sz="1600"/>
+                        <a:t>0</a:t>
+                      </a:r>
+                    </a:p>
+                  </a:txBody>
+                  <a:tcPr/>
+                </a:tc>
+                <a:tc>
+                  <a:txBody>
+                    <a:bodyPr/>
+                    <a:lstStyle/>
+                    <a:p>
+                      <a:r>
+                        <a:rPr sz="1600"/>
+                        <a:t>0</a:t>
+                      </a:r>
+                    </a:p>
+                  </a:txBody>
+                  <a:tcPr/>
+                </a:tc>
+                <a:tc>
+                  <a:txBody>
+                    <a:bodyPr/>
+                    <a:lstStyle/>
+                    <a:p>
+                      <a:r>
+                        <a:rPr sz="1600"/>
+                        <a:t>0</a:t>
+                      </a:r>
+                    </a:p>
+                  </a:txBody>
+                  <a:tcPr/>
+                </a:tc>
+                <a:tc>
+                  <a:txBody>
+                    <a:bodyPr/>
+                    <a:lstStyle/>
+                    <a:p>
+                      <a:r>
+                        <a:rPr sz="1600"/>
+                        <a:t>0</a:t>
+                      </a:r>
+                    </a:p>
+                  </a:txBody>
+                  <a:tcPr/>
+                </a:tc>
+                <a:tc>
+                  <a:txBody>
+                    <a:bodyPr/>
+                    <a:lstStyle/>
+                    <a:p>
+                      <a:r>
+                        <a:rPr sz="1600"/>
+                        <a:t>0</a:t>
+                      </a:r>
+                    </a:p>
+                  </a:txBody>
+                  <a:tcPr/>
+                </a:tc>
+                <a:tc>
+                  <a:txBody>
+                    <a:bodyPr/>
+                    <a:lstStyle/>
+                    <a:p>
+                      <a:r>
+                        <a:rPr sz="1600"/>
+                        <a:t>0</a:t>
+                      </a:r>
+                    </a:p>
+                  </a:txBody>
+                  <a:tcPr/>
+                </a:tc>
+                <a:tc>
+                  <a:txBody>
+                    <a:bodyPr/>
+                    <a:lstStyle/>
+                    <a:p>
+                      <a:r>
+                        <a:rPr sz="1600"/>
+                        <a:t>0</a:t>
+                      </a:r>
+                    </a:p>
+                  </a:txBody>
+                  <a:tcPr/>
+                </a:tc>
+                <a:tc>
+                  <a:txBody>
+                    <a:bodyPr/>
+                    <a:lstStyle/>
+                    <a:p>
+                      <a:r>
+                        <a:rPr sz="1600"/>
+                        <a:t>1</a:t>
+                      </a:r>
+                    </a:p>
+                  </a:txBody>
+                  <a:tcPr/>
+                </a:tc>
+                <a:tc>
+                  <a:txBody>
+                    <a:bodyPr/>
+                    <a:lstStyle/>
+                    <a:p>
+                      <a:r>
+                        <a:rPr sz="1600"/>
+                        <a:t>0</a:t>
+                      </a:r>
+                    </a:p>
+                  </a:txBody>
+                  <a:tcPr/>
+                </a:tc>
+                <a:tc>
+                  <a:txBody>
+                    <a:bodyPr/>
+                    <a:lstStyle/>
+                    <a:p>
+                      <a:r>
+                        <a:rPr sz="1600"/>
+                        <a:t>0</a:t>
+                      </a:r>
+                    </a:p>
+                  </a:txBody>
+                  <a:tcPr/>
+                </a:tc>
+                <a:extLst>
+                  <a:ext uri="{0D108BD9-81ED-4DB2-BD59-A6C34878D82A}">
+                    <a16:rowId xmlns:a16="http://schemas.microsoft.com/office/drawing/2014/main" val="10008"/>
+                  </a:ext>
+                </a:extLst>
+              </a:tr>
+              <a:tr h="281218">
+                <a:tc>
+                  <a:txBody>
+                    <a:bodyPr/>
+                    <a:lstStyle/>
+                    <a:p>
+                      <a:r>
+                        <a:rPr sz="1600"/>
+                        <a:t>28951</a:t>
+                      </a:r>
+                    </a:p>
+                  </a:txBody>
+                  <a:tcPr/>
+                </a:tc>
+                <a:tc>
+                  <a:txBody>
+                    <a:bodyPr/>
+                    <a:lstStyle/>
+                    <a:p>
+                      <a:r>
+                        <a:rPr sz="1600"/>
+                        <a:t>0</a:t>
+                      </a:r>
+                    </a:p>
+                  </a:txBody>
+                  <a:tcPr/>
+                </a:tc>
+                <a:tc>
+                  <a:txBody>
+                    <a:bodyPr/>
+                    <a:lstStyle/>
+                    <a:p>
+                      <a:r>
+                        <a:rPr sz="1600"/>
+                        <a:t>0</a:t>
+                      </a:r>
+                    </a:p>
+                  </a:txBody>
+                  <a:tcPr/>
+                </a:tc>
+                <a:tc>
+                  <a:txBody>
+                    <a:bodyPr/>
+                    <a:lstStyle/>
+                    <a:p>
+                      <a:r>
+                        <a:rPr sz="1600"/>
+                        <a:t>0</a:t>
+                      </a:r>
+                    </a:p>
+                  </a:txBody>
+                  <a:tcPr/>
+                </a:tc>
+                <a:tc>
+                  <a:txBody>
+                    <a:bodyPr/>
+                    <a:lstStyle/>
+                    <a:p>
+                      <a:r>
+                        <a:rPr sz="1600"/>
+                        <a:t>0</a:t>
+                      </a:r>
+                    </a:p>
+                  </a:txBody>
+                  <a:tcPr/>
+                </a:tc>
+                <a:tc>
+                  <a:txBody>
+                    <a:bodyPr/>
+                    <a:lstStyle/>
+                    <a:p>
+                      <a:r>
+                        <a:rPr sz="1600"/>
+                        <a:t>0</a:t>
+                      </a:r>
+                    </a:p>
+                  </a:txBody>
+                  <a:tcPr/>
+                </a:tc>
+                <a:tc>
+                  <a:txBody>
+                    <a:bodyPr/>
+                    <a:lstStyle/>
+                    <a:p>
+                      <a:r>
+                        <a:rPr sz="1600"/>
+                        <a:t>0</a:t>
+                      </a:r>
+                    </a:p>
+                  </a:txBody>
+                  <a:tcPr/>
+                </a:tc>
+                <a:tc>
+                  <a:txBody>
+                    <a:bodyPr/>
+                    <a:lstStyle/>
+                    <a:p>
+                      <a:r>
+                        <a:rPr sz="1600"/>
+                        <a:t>0</a:t>
+                      </a:r>
+                    </a:p>
+                  </a:txBody>
+                  <a:tcPr/>
+                </a:tc>
+                <a:tc>
+                  <a:txBody>
+                    <a:bodyPr/>
+                    <a:lstStyle/>
+                    <a:p>
+                      <a:r>
+                        <a:rPr sz="1600"/>
+                        <a:t>0</a:t>
+                      </a:r>
+                    </a:p>
+                  </a:txBody>
+                  <a:tcPr/>
+                </a:tc>
+                <a:tc>
+                  <a:txBody>
+                    <a:bodyPr/>
+                    <a:lstStyle/>
+                    <a:p>
+                      <a:r>
+                        <a:rPr sz="1600"/>
+                        <a:t>1</a:t>
+                      </a:r>
+                    </a:p>
+                  </a:txBody>
+                  <a:tcPr/>
+                </a:tc>
+                <a:tc>
+                  <a:txBody>
+                    <a:bodyPr/>
+                    <a:lstStyle/>
+                    <a:p>
+                      <a:r>
+                        <a:rPr sz="1600"/>
+                        <a:t>1</a:t>
+                      </a:r>
+                    </a:p>
+                  </a:txBody>
+                  <a:tcPr/>
+                </a:tc>
+                <a:extLst>
+                  <a:ext uri="{0D108BD9-81ED-4DB2-BD59-A6C34878D82A}">
+                    <a16:rowId xmlns:a16="http://schemas.microsoft.com/office/drawing/2014/main" val="10009"/>
+                  </a:ext>
+                </a:extLst>
+              </a:tr>
+              <a:tr h="281218">
+                <a:tc>
+                  <a:txBody>
+                    <a:bodyPr/>
+                    <a:lstStyle/>
+                    <a:p>
+                      <a:r>
+                        <a:rPr sz="1600"/>
+                        <a:t>29630</a:t>
+                      </a:r>
+                    </a:p>
+                  </a:txBody>
+                  <a:tcPr/>
+                </a:tc>
+                <a:tc>
+                  <a:txBody>
+                    <a:bodyPr/>
+                    <a:lstStyle/>
+                    <a:p>
+                      <a:r>
+                        <a:rPr sz="1600"/>
+                        <a:t>0</a:t>
+                      </a:r>
+                    </a:p>
+                  </a:txBody>
+                  <a:tcPr/>
+                </a:tc>
+                <a:tc>
+                  <a:txBody>
+                    <a:bodyPr/>
+                    <a:lstStyle/>
+                    <a:p>
+                      <a:r>
+                        <a:rPr sz="1600"/>
+                        <a:t>0</a:t>
+                      </a:r>
+                    </a:p>
+                  </a:txBody>
+                  <a:tcPr/>
+                </a:tc>
+                <a:tc>
+                  <a:txBody>
+                    <a:bodyPr/>
+                    <a:lstStyle/>
+                    <a:p>
+                      <a:r>
+                        <a:rPr sz="1600"/>
+                        <a:t>0</a:t>
+                      </a:r>
+                    </a:p>
+                  </a:txBody>
+                  <a:tcPr/>
+                </a:tc>
+                <a:tc>
+                  <a:txBody>
+                    <a:bodyPr/>
+                    <a:lstStyle/>
+                    <a:p>
+                      <a:r>
+                        <a:rPr sz="1600"/>
+                        <a:t>0</a:t>
+                      </a:r>
+                    </a:p>
+                  </a:txBody>
+                  <a:tcPr/>
+                </a:tc>
+                <a:tc>
+                  <a:txBody>
+                    <a:bodyPr/>
+                    <a:lstStyle/>
+                    <a:p>
+                      <a:r>
+                        <a:rPr sz="1600"/>
+                        <a:t>0</a:t>
+                      </a:r>
+                    </a:p>
+                  </a:txBody>
+                  <a:tcPr/>
+                </a:tc>
+                <a:tc>
+                  <a:txBody>
+                    <a:bodyPr/>
+                    <a:lstStyle/>
+                    <a:p>
+                      <a:r>
+                        <a:rPr sz="1600"/>
+                        <a:t>0</a:t>
+                      </a:r>
+                    </a:p>
+                  </a:txBody>
+                  <a:tcPr/>
+                </a:tc>
+                <a:tc>
+                  <a:txBody>
+                    <a:bodyPr/>
+                    <a:lstStyle/>
+                    <a:p>
+                      <a:r>
+                        <a:rPr sz="1600"/>
+                        <a:t>0</a:t>
+                      </a:r>
+                    </a:p>
+                  </a:txBody>
+                  <a:tcPr/>
+                </a:tc>
+                <a:tc>
+                  <a:txBody>
+                    <a:bodyPr/>
+                    <a:lstStyle/>
+                    <a:p>
+                      <a:r>
+                        <a:rPr sz="1600"/>
+                        <a:t>0</a:t>
+                      </a:r>
+                    </a:p>
+                  </a:txBody>
+                  <a:tcPr/>
+                </a:tc>
+                <a:tc>
+                  <a:txBody>
+                    <a:bodyPr/>
+                    <a:lstStyle/>
+                    <a:p>
+                      <a:r>
+                        <a:rPr sz="1600"/>
+                        <a:t>0</a:t>
+                      </a:r>
+                    </a:p>
+                  </a:txBody>
+                  <a:tcPr/>
+                </a:tc>
+                <a:tc>
+                  <a:txBody>
+                    <a:bodyPr/>
+                    <a:lstStyle/>
+                    <a:p>
+                      <a:r>
+                        <a:rPr sz="1600"/>
+                        <a:t>0</a:t>
+                      </a:r>
+                    </a:p>
+                  </a:txBody>
+                  <a:tcPr/>
+                </a:tc>
+                <a:extLst>
+                  <a:ext uri="{0D108BD9-81ED-4DB2-BD59-A6C34878D82A}">
+                    <a16:rowId xmlns:a16="http://schemas.microsoft.com/office/drawing/2014/main" val="10010"/>
+                  </a:ext>
+                </a:extLst>
+              </a:tr>
+              <a:tr h="281218">
+                <a:tc>
+                  <a:txBody>
+                    <a:bodyPr/>
+                    <a:lstStyle/>
+                    <a:p>
+                      <a:r>
+                        <a:rPr sz="1600"/>
+                        <a:t>32647</a:t>
+                      </a:r>
+                    </a:p>
+                  </a:txBody>
+                  <a:tcPr/>
+                </a:tc>
+                <a:tc>
+                  <a:txBody>
+                    <a:bodyPr/>
+                    <a:lstStyle/>
+                    <a:p>
+                      <a:r>
+                        <a:rPr sz="1600"/>
+                        <a:t>0</a:t>
+                      </a:r>
+                    </a:p>
+                  </a:txBody>
+                  <a:tcPr/>
+                </a:tc>
+                <a:tc>
+                  <a:txBody>
+                    <a:bodyPr/>
+                    <a:lstStyle/>
+                    <a:p>
+                      <a:r>
+                        <a:rPr sz="1600"/>
+                        <a:t>0</a:t>
+                      </a:r>
+                    </a:p>
+                  </a:txBody>
+                  <a:tcPr/>
+                </a:tc>
+                <a:tc>
+                  <a:txBody>
+                    <a:bodyPr/>
+                    <a:lstStyle/>
+                    <a:p>
+                      <a:r>
+                        <a:rPr sz="1600"/>
+                        <a:t>0</a:t>
+                      </a:r>
+                    </a:p>
+                  </a:txBody>
+                  <a:tcPr/>
+                </a:tc>
+                <a:tc>
+                  <a:txBody>
+                    <a:bodyPr/>
+                    <a:lstStyle/>
+                    <a:p>
+                      <a:r>
+                        <a:rPr sz="1600"/>
+                        <a:t>1</a:t>
+                      </a:r>
+                    </a:p>
+                  </a:txBody>
+                  <a:tcPr/>
+                </a:tc>
+                <a:tc>
+                  <a:txBody>
+                    <a:bodyPr/>
+                    <a:lstStyle/>
+                    <a:p>
+                      <a:r>
+                        <a:rPr sz="1600"/>
+                        <a:t>0</a:t>
+                      </a:r>
+                    </a:p>
+                  </a:txBody>
+                  <a:tcPr/>
+                </a:tc>
+                <a:tc>
+                  <a:txBody>
+                    <a:bodyPr/>
+                    <a:lstStyle/>
+                    <a:p>
+                      <a:r>
+                        <a:rPr sz="1600"/>
+                        <a:t>0</a:t>
+                      </a:r>
+                    </a:p>
+                  </a:txBody>
+                  <a:tcPr/>
+                </a:tc>
+                <a:tc>
+                  <a:txBody>
+                    <a:bodyPr/>
+                    <a:lstStyle/>
+                    <a:p>
+                      <a:r>
+                        <a:rPr sz="1600"/>
+                        <a:t>0</a:t>
+                      </a:r>
+                    </a:p>
+                  </a:txBody>
+                  <a:tcPr/>
+                </a:tc>
+                <a:tc>
+                  <a:txBody>
+                    <a:bodyPr/>
+                    <a:lstStyle/>
+                    <a:p>
+                      <a:r>
+                        <a:rPr sz="1600"/>
+                        <a:t>0</a:t>
+                      </a:r>
+                    </a:p>
+                  </a:txBody>
+                  <a:tcPr/>
+                </a:tc>
+                <a:tc>
+                  <a:txBody>
+                    <a:bodyPr/>
+                    <a:lstStyle/>
+                    <a:p>
+                      <a:r>
+                        <a:rPr sz="1600"/>
+                        <a:t>0</a:t>
+                      </a:r>
+                    </a:p>
+                  </a:txBody>
+                  <a:tcPr/>
+                </a:tc>
+                <a:tc>
+                  <a:txBody>
+                    <a:bodyPr/>
+                    <a:lstStyle/>
+                    <a:p>
+                      <a:r>
+                        <a:rPr sz="1600" dirty="0"/>
+                        <a:t>0</a:t>
+                      </a:r>
+                    </a:p>
+                  </a:txBody>
+                  <a:tcPr/>
+                </a:tc>
+                <a:extLst>
+                  <a:ext uri="{0D108BD9-81ED-4DB2-BD59-A6C34878D82A}">
+                    <a16:rowId xmlns:a16="http://schemas.microsoft.com/office/drawing/2014/main" val="10011"/>
+                  </a:ext>
+                </a:extLst>
+              </a:tr>
+            </a:tbl>
+          </a:graphicData>
+        </a:graphic>
+      </p:graphicFrame>
     </p:spTree>
     <p:extLst>
       <p:ext uri="{BB962C8B-B14F-4D97-AF65-F5344CB8AC3E}">
@@ -21651,13 +23560,13 @@
   <p:clrMapOvr>
     <a:masterClrMapping/>
   </p:clrMapOvr>
-  <mc:AlternateContent xmlns:mc="http://schemas.openxmlformats.org/markup-compatibility/2006">
-    <mc:Choice xmlns:p159="http://schemas.microsoft.com/office/powerpoint/2015/09/main" Requires="p159">
+  <mc:AlternateContent xmlns:mc="http://schemas.openxmlformats.org/markup-compatibility/2006" xmlns:p159="http://schemas.microsoft.com/office/powerpoint/2015/09/main">
+    <mc:Choice Requires="p159">
       <p:transition xmlns:p14="http://schemas.microsoft.com/office/powerpoint/2010/main" spd="slow" p14:dur="2000">
         <p159:morph option="byObject"/>
       </p:transition>
     </mc:Choice>
-    <mc:Fallback>
+    <mc:Fallback xmlns="">
       <p:transition spd="slow">
         <p:fade/>
       </p:transition>
@@ -21948,13 +23857,13 @@
   <p:clrMapOvr>
     <a:masterClrMapping/>
   </p:clrMapOvr>
-  <mc:AlternateContent xmlns:mc="http://schemas.openxmlformats.org/markup-compatibility/2006">
-    <mc:Choice xmlns:p159="http://schemas.microsoft.com/office/powerpoint/2015/09/main" Requires="p159">
+  <mc:AlternateContent xmlns:mc="http://schemas.openxmlformats.org/markup-compatibility/2006" xmlns:p159="http://schemas.microsoft.com/office/powerpoint/2015/09/main">
+    <mc:Choice Requires="p159">
       <p:transition xmlns:p14="http://schemas.microsoft.com/office/powerpoint/2010/main" spd="slow" p14:dur="2000">
         <p159:morph option="byObject"/>
       </p:transition>
     </mc:Choice>
-    <mc:Fallback>
+    <mc:Fallback xmlns="">
       <p:transition spd="slow">
         <p:fade/>
       </p:transition>
@@ -22077,13 +23986,13 @@
   <p:clrMapOvr>
     <a:masterClrMapping/>
   </p:clrMapOvr>
-  <mc:AlternateContent xmlns:mc="http://schemas.openxmlformats.org/markup-compatibility/2006">
-    <mc:Choice xmlns:p159="http://schemas.microsoft.com/office/powerpoint/2015/09/main" Requires="p159">
+  <mc:AlternateContent xmlns:mc="http://schemas.openxmlformats.org/markup-compatibility/2006" xmlns:p159="http://schemas.microsoft.com/office/powerpoint/2015/09/main">
+    <mc:Choice Requires="p159">
       <p:transition xmlns:p14="http://schemas.microsoft.com/office/powerpoint/2010/main" spd="slow" p14:dur="2000">
         <p159:morph option="byObject"/>
       </p:transition>
     </mc:Choice>
-    <mc:Fallback>
+    <mc:Fallback xmlns="">
       <p:transition spd="slow">
         <p:fade/>
       </p:transition>
@@ -22374,13 +24283,13 @@
   <p:clrMapOvr>
     <a:masterClrMapping/>
   </p:clrMapOvr>
-  <mc:AlternateContent xmlns:mc="http://schemas.openxmlformats.org/markup-compatibility/2006">
-    <mc:Choice xmlns:p159="http://schemas.microsoft.com/office/powerpoint/2015/09/main" Requires="p159">
+  <mc:AlternateContent xmlns:mc="http://schemas.openxmlformats.org/markup-compatibility/2006" xmlns:p159="http://schemas.microsoft.com/office/powerpoint/2015/09/main">
+    <mc:Choice Requires="p159">
       <p:transition xmlns:p14="http://schemas.microsoft.com/office/powerpoint/2010/main" spd="slow" p14:dur="2000">
         <p159:morph option="byObject"/>
       </p:transition>
     </mc:Choice>
-    <mc:Fallback>
+    <mc:Fallback xmlns="">
       <p:transition spd="slow">
         <p:fade/>
       </p:transition>
@@ -22517,13 +24426,13 @@
   <p:clrMapOvr>
     <a:masterClrMapping/>
   </p:clrMapOvr>
-  <mc:AlternateContent xmlns:mc="http://schemas.openxmlformats.org/markup-compatibility/2006">
-    <mc:Choice xmlns:p159="http://schemas.microsoft.com/office/powerpoint/2015/09/main" Requires="p159">
+  <mc:AlternateContent xmlns:mc="http://schemas.openxmlformats.org/markup-compatibility/2006" xmlns:p159="http://schemas.microsoft.com/office/powerpoint/2015/09/main">
+    <mc:Choice Requires="p159">
       <p:transition xmlns:p14="http://schemas.microsoft.com/office/powerpoint/2010/main" spd="slow" p14:dur="2000">
         <p159:morph option="byObject"/>
       </p:transition>
     </mc:Choice>
-    <mc:Fallback>
+    <mc:Fallback xmlns="">
       <p:transition spd="slow">
         <p:fade/>
       </p:transition>
@@ -25783,6 +27692,52 @@
 </p:sld>
 </file>
 
+<file path=ppt/slides/slide43.xml><?xml version="1.0" encoding="utf-8"?>
+<p:sld xmlns:a="http://schemas.openxmlformats.org/drawingml/2006/main" xmlns:r="http://schemas.openxmlformats.org/officeDocument/2006/relationships" xmlns:p="http://schemas.openxmlformats.org/presentationml/2006/main">
+  <p:cSld>
+    <p:spTree>
+      <p:nvGrpSpPr>
+        <p:cNvPr id="1" name=""/>
+        <p:cNvGrpSpPr/>
+        <p:nvPr/>
+      </p:nvGrpSpPr>
+      <p:grpSpPr>
+        <a:xfrm>
+          <a:off x="0" y="0"/>
+          <a:ext cx="0" cy="0"/>
+          <a:chOff x="0" y="0"/>
+          <a:chExt cx="0" cy="0"/>
+        </a:xfrm>
+      </p:grpSpPr>
+      <p:sp>
+        <p:nvSpPr>
+          <p:cNvPr id="2" name="Title 1"/>
+          <p:cNvSpPr>
+            <a:spLocks noGrp="1"/>
+          </p:cNvSpPr>
+          <p:nvPr>
+            <p:ph type="title"/>
+          </p:nvPr>
+        </p:nvSpPr>
+        <p:spPr/>
+        <p:txBody>
+          <a:bodyPr/>
+          <a:lstStyle/>
+          <a:p>
+            <a:r>
+              <a:t>Table of Items</a:t>
+            </a:r>
+          </a:p>
+        </p:txBody>
+      </p:sp>
+    </p:spTree>
+  </p:cSld>
+  <p:clrMapOvr>
+    <a:masterClrMapping/>
+  </p:clrMapOvr>
+</p:sld>
+</file>
+
 <file path=ppt/slides/slide5.xml><?xml version="1.0" encoding="utf-8"?>
 <p:sld xmlns:a="http://schemas.openxmlformats.org/drawingml/2006/main" xmlns:r="http://schemas.openxmlformats.org/officeDocument/2006/relationships" xmlns:p="http://schemas.openxmlformats.org/presentationml/2006/main">
   <p:cSld>

--- a/Presentation1.pptx
+++ b/Presentation1.pptx
@@ -12,13 +12,13 @@
     <p:sldId id="288" r:id="rId6"/>
     <p:sldId id="263" r:id="rId7"/>
     <p:sldId id="274" r:id="rId8"/>
-    <p:sldId id="289" r:id="rId9"/>
-    <p:sldId id="271" r:id="rId10"/>
-    <p:sldId id="281" r:id="rId11"/>
-    <p:sldId id="264" r:id="rId12"/>
-    <p:sldId id="285" r:id="rId13"/>
-    <p:sldId id="307" r:id="rId14"/>
-    <p:sldId id="294" r:id="rId15"/>
+    <p:sldId id="271" r:id="rId9"/>
+    <p:sldId id="281" r:id="rId10"/>
+    <p:sldId id="264" r:id="rId11"/>
+    <p:sldId id="285" r:id="rId12"/>
+    <p:sldId id="346" r:id="rId13"/>
+    <p:sldId id="294" r:id="rId14"/>
+    <p:sldId id="307" r:id="rId15"/>
     <p:sldId id="287" r:id="rId16"/>
     <p:sldId id="308" r:id="rId17"/>
     <p:sldId id="309" r:id="rId18"/>
@@ -2102,7 +2102,11 @@
           <a:lstStyle/>
           <a:p>
             <a:r>
-              <a:rPr lang="en-ZA"/>
+              <a:rPr lang="en-ZA">
+                <a:solidFill>
+                  <a:schemeClr val="bg1"/>
+                </a:solidFill>
+              </a:rPr>
               <a:t>B01</a:t>
             </a:r>
           </a:p>
@@ -2261,7 +2265,11 @@
     <a:lstStyle/>
     <a:p>
       <a:pPr>
-        <a:defRPr sz="1800"/>
+        <a:defRPr sz="1800">
+          <a:solidFill>
+            <a:schemeClr val="bg1"/>
+          </a:solidFill>
+        </a:defRPr>
       </a:pPr>
       <a:endParaRPr lang="en-US"/>
     </a:p>
@@ -2293,7 +2301,11 @@
           <a:lstStyle/>
           <a:p>
             <a:r>
-              <a:rPr lang="en-ZA"/>
+              <a:rPr lang="en-ZA">
+                <a:solidFill>
+                  <a:schemeClr val="bg1"/>
+                </a:solidFill>
+              </a:rPr>
               <a:t>B02</a:t>
             </a:r>
           </a:p>
@@ -2452,7 +2464,11 @@
     <a:lstStyle/>
     <a:p>
       <a:pPr>
-        <a:defRPr sz="1800"/>
+        <a:defRPr sz="1800">
+          <a:solidFill>
+            <a:schemeClr val="bg1"/>
+          </a:solidFill>
+        </a:defRPr>
       </a:pPr>
       <a:endParaRPr lang="en-US"/>
     </a:p>
@@ -2484,7 +2500,11 @@
           <a:lstStyle/>
           <a:p>
             <a:r>
-              <a:rPr lang="en-ZA"/>
+              <a:rPr lang="en-ZA">
+                <a:solidFill>
+                  <a:schemeClr val="bg1"/>
+                </a:solidFill>
+              </a:rPr>
               <a:t>B08</a:t>
             </a:r>
           </a:p>
@@ -2643,7 +2663,11 @@
     <a:lstStyle/>
     <a:p>
       <a:pPr>
-        <a:defRPr sz="1800"/>
+        <a:defRPr sz="1800">
+          <a:solidFill>
+            <a:schemeClr val="bg1"/>
+          </a:solidFill>
+        </a:defRPr>
       </a:pPr>
       <a:endParaRPr lang="en-US"/>
     </a:p>
@@ -2675,7 +2699,11 @@
           <a:lstStyle/>
           <a:p>
             <a:r>
-              <a:rPr lang="en-ZA"/>
+              <a:rPr lang="en-ZA">
+                <a:solidFill>
+                  <a:schemeClr val="bg1"/>
+                </a:solidFill>
+              </a:rPr>
               <a:t>B18</a:t>
             </a:r>
           </a:p>
@@ -2834,7 +2862,11 @@
     <a:lstStyle/>
     <a:p>
       <a:pPr>
-        <a:defRPr sz="1800"/>
+        <a:defRPr sz="1800">
+          <a:solidFill>
+            <a:schemeClr val="bg1"/>
+          </a:solidFill>
+        </a:defRPr>
       </a:pPr>
       <a:endParaRPr lang="en-US"/>
     </a:p>
@@ -2866,7 +2898,11 @@
           <a:lstStyle/>
           <a:p>
             <a:r>
-              <a:rPr lang="en-ZA"/>
+              <a:rPr lang="en-ZA">
+                <a:solidFill>
+                  <a:schemeClr val="bg1"/>
+                </a:solidFill>
+              </a:rPr>
               <a:t>B07</a:t>
             </a:r>
           </a:p>
@@ -3025,7 +3061,11 @@
     <a:lstStyle/>
     <a:p>
       <a:pPr>
-        <a:defRPr sz="1800"/>
+        <a:defRPr sz="1800">
+          <a:solidFill>
+            <a:schemeClr val="bg1"/>
+          </a:solidFill>
+        </a:defRPr>
       </a:pPr>
       <a:endParaRPr lang="en-US"/>
     </a:p>
@@ -5462,27 +5502,73 @@
     <c:title>
       <c:tx>
         <c:rich>
-          <a:bodyPr/>
+          <a:bodyPr rot="0" spcFirstLastPara="1" vertOverflow="ellipsis" vert="horz" wrap="square" anchor="ctr" anchorCtr="1"/>
           <a:lstStyle/>
           <a:p>
             <a:pPr>
-              <a:defRPr sz="1400"/>
+              <a:defRPr sz="2128" b="0" i="0" u="none" strike="noStrike" kern="1200" baseline="0">
+                <a:solidFill>
+                  <a:schemeClr val="bg1"/>
+                </a:solidFill>
+                <a:latin typeface="+mn-lt"/>
+                <a:ea typeface="+mn-ea"/>
+                <a:cs typeface="+mn-cs"/>
+              </a:defRPr>
             </a:pPr>
             <a:r>
-              <a:rPr lang="en-US"/>
-              <a:t>Top 10 Items by Unique Users at Afternoon</a:t>
-            </a:r>
+              <a:rPr lang="en-US" b="0" dirty="0">
+                <a:solidFill>
+                  <a:schemeClr val="bg1"/>
+                </a:solidFill>
+              </a:rPr>
+              <a:t>Number </a:t>
+            </a:r>
+            <a:r>
+              <a:rPr lang="en-US" b="0">
+                <a:solidFill>
+                  <a:schemeClr val="bg1"/>
+                </a:solidFill>
+              </a:rPr>
+              <a:t>of interactions</a:t>
+            </a:r>
+            <a:endParaRPr lang="en-US" b="0" dirty="0">
+              <a:solidFill>
+                <a:schemeClr val="bg1"/>
+              </a:solidFill>
+            </a:endParaRPr>
           </a:p>
         </c:rich>
       </c:tx>
       <c:overlay val="0"/>
+      <c:spPr>
+        <a:noFill/>
+        <a:ln>
+          <a:noFill/>
+        </a:ln>
+        <a:effectLst/>
+      </c:spPr>
+      <c:txPr>
+        <a:bodyPr rot="0" spcFirstLastPara="1" vertOverflow="ellipsis" vert="horz" wrap="square" anchor="ctr" anchorCtr="1"/>
+        <a:lstStyle/>
+        <a:p>
+          <a:pPr>
+            <a:defRPr sz="2128" b="0" i="0" u="none" strike="noStrike" kern="1200" baseline="0">
+              <a:solidFill>
+                <a:schemeClr val="bg1"/>
+              </a:solidFill>
+              <a:latin typeface="+mn-lt"/>
+              <a:ea typeface="+mn-ea"/>
+              <a:cs typeface="+mn-cs"/>
+            </a:defRPr>
+          </a:pPr>
+          <a:endParaRPr lang="en-US"/>
+        </a:p>
+      </c:txPr>
     </c:title>
     <c:autoTitleDeleted val="0"/>
     <c:plotArea>
       <c:layout/>
-      <c:barChart>
-        <c:barDir val="col"/>
-        <c:grouping val="clustered"/>
+      <c:pieChart>
         <c:varyColors val="1"/>
         <c:ser>
           <c:idx val="0"/>
@@ -5493,179 +5579,582 @@
               <c:strCache>
                 <c:ptCount val="1"/>
                 <c:pt idx="0">
-                  <c:v>Unique Users</c:v>
+                  <c:v>Number of Interactions</c:v>
                 </c:pt>
               </c:strCache>
             </c:strRef>
           </c:tx>
-          <c:invertIfNegative val="1"/>
+          <c:dPt>
+            <c:idx val="0"/>
+            <c:bubble3D val="0"/>
+            <c:spPr>
+              <a:gradFill rotWithShape="1">
+                <a:gsLst>
+                  <a:gs pos="0">
+                    <a:schemeClr val="accent1">
+                      <a:satMod val="103000"/>
+                      <a:lumMod val="102000"/>
+                      <a:tint val="94000"/>
+                    </a:schemeClr>
+                  </a:gs>
+                  <a:gs pos="50000">
+                    <a:schemeClr val="accent1">
+                      <a:satMod val="110000"/>
+                      <a:lumMod val="100000"/>
+                      <a:shade val="100000"/>
+                    </a:schemeClr>
+                  </a:gs>
+                  <a:gs pos="100000">
+                    <a:schemeClr val="accent1">
+                      <a:lumMod val="99000"/>
+                      <a:satMod val="120000"/>
+                      <a:shade val="78000"/>
+                    </a:schemeClr>
+                  </a:gs>
+                </a:gsLst>
+                <a:lin ang="5400000" scaled="0"/>
+              </a:gradFill>
+              <a:ln>
+                <a:noFill/>
+              </a:ln>
+              <a:effectLst>
+                <a:outerShdw blurRad="57150" dist="19050" dir="5400000" algn="ctr" rotWithShape="0">
+                  <a:srgbClr val="000000">
+                    <a:alpha val="63000"/>
+                  </a:srgbClr>
+                </a:outerShdw>
+              </a:effectLst>
+            </c:spPr>
+            <c:extLst>
+              <c:ext xmlns:c16="http://schemas.microsoft.com/office/drawing/2014/chart" uri="{C3380CC4-5D6E-409C-BE32-E72D297353CC}">
+                <c16:uniqueId val="{00000002-875B-4995-96A2-82CA42D1FD27}"/>
+              </c:ext>
+            </c:extLst>
+          </c:dPt>
+          <c:dPt>
+            <c:idx val="1"/>
+            <c:bubble3D val="0"/>
+            <c:spPr>
+              <a:gradFill rotWithShape="1">
+                <a:gsLst>
+                  <a:gs pos="0">
+                    <a:schemeClr val="accent2">
+                      <a:satMod val="103000"/>
+                      <a:lumMod val="102000"/>
+                      <a:tint val="94000"/>
+                    </a:schemeClr>
+                  </a:gs>
+                  <a:gs pos="50000">
+                    <a:schemeClr val="accent2">
+                      <a:satMod val="110000"/>
+                      <a:lumMod val="100000"/>
+                      <a:shade val="100000"/>
+                    </a:schemeClr>
+                  </a:gs>
+                  <a:gs pos="100000">
+                    <a:schemeClr val="accent2">
+                      <a:lumMod val="99000"/>
+                      <a:satMod val="120000"/>
+                      <a:shade val="78000"/>
+                    </a:schemeClr>
+                  </a:gs>
+                </a:gsLst>
+                <a:lin ang="5400000" scaled="0"/>
+              </a:gradFill>
+              <a:ln>
+                <a:noFill/>
+              </a:ln>
+              <a:effectLst>
+                <a:outerShdw blurRad="57150" dist="19050" dir="5400000" algn="ctr" rotWithShape="0">
+                  <a:srgbClr val="000000">
+                    <a:alpha val="63000"/>
+                  </a:srgbClr>
+                </a:outerShdw>
+              </a:effectLst>
+            </c:spPr>
+          </c:dPt>
+          <c:dPt>
+            <c:idx val="2"/>
+            <c:bubble3D val="0"/>
+            <c:spPr>
+              <a:gradFill rotWithShape="1">
+                <a:gsLst>
+                  <a:gs pos="0">
+                    <a:schemeClr val="accent3">
+                      <a:satMod val="103000"/>
+                      <a:lumMod val="102000"/>
+                      <a:tint val="94000"/>
+                    </a:schemeClr>
+                  </a:gs>
+                  <a:gs pos="50000">
+                    <a:schemeClr val="accent3">
+                      <a:satMod val="110000"/>
+                      <a:lumMod val="100000"/>
+                      <a:shade val="100000"/>
+                    </a:schemeClr>
+                  </a:gs>
+                  <a:gs pos="100000">
+                    <a:schemeClr val="accent3">
+                      <a:lumMod val="99000"/>
+                      <a:satMod val="120000"/>
+                      <a:shade val="78000"/>
+                    </a:schemeClr>
+                  </a:gs>
+                </a:gsLst>
+                <a:lin ang="5400000" scaled="0"/>
+              </a:gradFill>
+              <a:ln>
+                <a:noFill/>
+              </a:ln>
+              <a:effectLst>
+                <a:outerShdw blurRad="57150" dist="19050" dir="5400000" algn="ctr" rotWithShape="0">
+                  <a:srgbClr val="000000">
+                    <a:alpha val="63000"/>
+                  </a:srgbClr>
+                </a:outerShdw>
+              </a:effectLst>
+            </c:spPr>
+            <c:extLst>
+              <c:ext xmlns:c16="http://schemas.microsoft.com/office/drawing/2014/chart" uri="{C3380CC4-5D6E-409C-BE32-E72D297353CC}">
+                <c16:uniqueId val="{00000000-875B-4995-96A2-82CA42D1FD27}"/>
+              </c:ext>
+            </c:extLst>
+          </c:dPt>
+          <c:dPt>
+            <c:idx val="3"/>
+            <c:bubble3D val="0"/>
+            <c:spPr>
+              <a:gradFill rotWithShape="1">
+                <a:gsLst>
+                  <a:gs pos="0">
+                    <a:schemeClr val="accent4">
+                      <a:satMod val="103000"/>
+                      <a:lumMod val="102000"/>
+                      <a:tint val="94000"/>
+                    </a:schemeClr>
+                  </a:gs>
+                  <a:gs pos="50000">
+                    <a:schemeClr val="accent4">
+                      <a:satMod val="110000"/>
+                      <a:lumMod val="100000"/>
+                      <a:shade val="100000"/>
+                    </a:schemeClr>
+                  </a:gs>
+                  <a:gs pos="100000">
+                    <a:schemeClr val="accent4">
+                      <a:lumMod val="99000"/>
+                      <a:satMod val="120000"/>
+                      <a:shade val="78000"/>
+                    </a:schemeClr>
+                  </a:gs>
+                </a:gsLst>
+                <a:lin ang="5400000" scaled="0"/>
+              </a:gradFill>
+              <a:ln>
+                <a:noFill/>
+              </a:ln>
+              <a:effectLst>
+                <a:outerShdw blurRad="57150" dist="19050" dir="5400000" algn="ctr" rotWithShape="0">
+                  <a:srgbClr val="000000">
+                    <a:alpha val="63000"/>
+                  </a:srgbClr>
+                </a:outerShdw>
+              </a:effectLst>
+            </c:spPr>
+            <c:extLst>
+              <c:ext xmlns:c16="http://schemas.microsoft.com/office/drawing/2014/chart" uri="{C3380CC4-5D6E-409C-BE32-E72D297353CC}">
+                <c16:uniqueId val="{00000003-875B-4995-96A2-82CA42D1FD27}"/>
+              </c:ext>
+            </c:extLst>
+          </c:dPt>
+          <c:dPt>
+            <c:idx val="4"/>
+            <c:bubble3D val="0"/>
+            <c:spPr>
+              <a:gradFill rotWithShape="1">
+                <a:gsLst>
+                  <a:gs pos="0">
+                    <a:schemeClr val="accent5">
+                      <a:satMod val="103000"/>
+                      <a:lumMod val="102000"/>
+                      <a:tint val="94000"/>
+                    </a:schemeClr>
+                  </a:gs>
+                  <a:gs pos="50000">
+                    <a:schemeClr val="accent5">
+                      <a:satMod val="110000"/>
+                      <a:lumMod val="100000"/>
+                      <a:shade val="100000"/>
+                    </a:schemeClr>
+                  </a:gs>
+                  <a:gs pos="100000">
+                    <a:schemeClr val="accent5">
+                      <a:lumMod val="99000"/>
+                      <a:satMod val="120000"/>
+                      <a:shade val="78000"/>
+                    </a:schemeClr>
+                  </a:gs>
+                </a:gsLst>
+                <a:lin ang="5400000" scaled="0"/>
+              </a:gradFill>
+              <a:ln>
+                <a:noFill/>
+              </a:ln>
+              <a:effectLst>
+                <a:outerShdw blurRad="57150" dist="19050" dir="5400000" algn="ctr" rotWithShape="0">
+                  <a:srgbClr val="000000">
+                    <a:alpha val="63000"/>
+                  </a:srgbClr>
+                </a:outerShdw>
+              </a:effectLst>
+            </c:spPr>
+          </c:dPt>
+          <c:dPt>
+            <c:idx val="5"/>
+            <c:bubble3D val="0"/>
+            <c:spPr>
+              <a:gradFill rotWithShape="1">
+                <a:gsLst>
+                  <a:gs pos="0">
+                    <a:schemeClr val="accent6">
+                      <a:satMod val="103000"/>
+                      <a:lumMod val="102000"/>
+                      <a:tint val="94000"/>
+                    </a:schemeClr>
+                  </a:gs>
+                  <a:gs pos="50000">
+                    <a:schemeClr val="accent6">
+                      <a:satMod val="110000"/>
+                      <a:lumMod val="100000"/>
+                      <a:shade val="100000"/>
+                    </a:schemeClr>
+                  </a:gs>
+                  <a:gs pos="100000">
+                    <a:schemeClr val="accent6">
+                      <a:lumMod val="99000"/>
+                      <a:satMod val="120000"/>
+                      <a:shade val="78000"/>
+                    </a:schemeClr>
+                  </a:gs>
+                </a:gsLst>
+                <a:lin ang="5400000" scaled="0"/>
+              </a:gradFill>
+              <a:ln>
+                <a:noFill/>
+              </a:ln>
+              <a:effectLst>
+                <a:outerShdw blurRad="57150" dist="19050" dir="5400000" algn="ctr" rotWithShape="0">
+                  <a:srgbClr val="000000">
+                    <a:alpha val="63000"/>
+                  </a:srgbClr>
+                </a:outerShdw>
+              </a:effectLst>
+            </c:spPr>
+          </c:dPt>
+          <c:dPt>
+            <c:idx val="6"/>
+            <c:bubble3D val="0"/>
+            <c:spPr>
+              <a:gradFill rotWithShape="1">
+                <a:gsLst>
+                  <a:gs pos="0">
+                    <a:schemeClr val="accent1">
+                      <a:lumMod val="60000"/>
+                      <a:satMod val="103000"/>
+                      <a:lumMod val="102000"/>
+                      <a:tint val="94000"/>
+                    </a:schemeClr>
+                  </a:gs>
+                  <a:gs pos="50000">
+                    <a:schemeClr val="accent1">
+                      <a:lumMod val="60000"/>
+                      <a:satMod val="110000"/>
+                      <a:lumMod val="100000"/>
+                      <a:shade val="100000"/>
+                    </a:schemeClr>
+                  </a:gs>
+                  <a:gs pos="100000">
+                    <a:schemeClr val="accent1">
+                      <a:lumMod val="60000"/>
+                      <a:lumMod val="99000"/>
+                      <a:satMod val="120000"/>
+                      <a:shade val="78000"/>
+                    </a:schemeClr>
+                  </a:gs>
+                </a:gsLst>
+                <a:lin ang="5400000" scaled="0"/>
+              </a:gradFill>
+              <a:ln>
+                <a:noFill/>
+              </a:ln>
+              <a:effectLst>
+                <a:outerShdw blurRad="57150" dist="19050" dir="5400000" algn="ctr" rotWithShape="0">
+                  <a:srgbClr val="000000">
+                    <a:alpha val="63000"/>
+                  </a:srgbClr>
+                </a:outerShdw>
+              </a:effectLst>
+            </c:spPr>
+            <c:extLst>
+              <c:ext xmlns:c16="http://schemas.microsoft.com/office/drawing/2014/chart" uri="{C3380CC4-5D6E-409C-BE32-E72D297353CC}">
+                <c16:uniqueId val="{00000001-875B-4995-96A2-82CA42D1FD27}"/>
+              </c:ext>
+            </c:extLst>
+          </c:dPt>
+          <c:dLbls>
+            <c:dLbl>
+              <c:idx val="0"/>
+              <c:layout>
+                <c:manualLayout>
+                  <c:x val="-0.15138761612944021"/>
+                  <c:y val="0.11377745739375528"/>
+                </c:manualLayout>
+              </c:layout>
+              <c:dLblPos val="bestFit"/>
+              <c:showLegendKey val="0"/>
+              <c:showVal val="0"/>
+              <c:showCatName val="1"/>
+              <c:showSerName val="0"/>
+              <c:showPercent val="0"/>
+              <c:showBubbleSize val="0"/>
+              <c:extLst>
+                <c:ext xmlns:c15="http://schemas.microsoft.com/office/drawing/2012/chart" uri="{CE6537A1-D6FC-4f65-9D91-7224C49458BB}"/>
+                <c:ext xmlns:c16="http://schemas.microsoft.com/office/drawing/2014/chart" uri="{C3380CC4-5D6E-409C-BE32-E72D297353CC}">
+                  <c16:uniqueId val="{00000002-875B-4995-96A2-82CA42D1FD27}"/>
+                </c:ext>
+              </c:extLst>
+            </c:dLbl>
+            <c:dLbl>
+              <c:idx val="2"/>
+              <c:layout>
+                <c:manualLayout>
+                  <c:x val="-0.16063821823429048"/>
+                  <c:y val="-0.14563968087329029"/>
+                </c:manualLayout>
+              </c:layout>
+              <c:dLblPos val="bestFit"/>
+              <c:showLegendKey val="0"/>
+              <c:showVal val="0"/>
+              <c:showCatName val="1"/>
+              <c:showSerName val="0"/>
+              <c:showPercent val="0"/>
+              <c:showBubbleSize val="0"/>
+              <c:extLst>
+                <c:ext xmlns:c15="http://schemas.microsoft.com/office/drawing/2012/chart" uri="{CE6537A1-D6FC-4f65-9D91-7224C49458BB}">
+                  <c15:layout>
+                    <c:manualLayout>
+                      <c:w val="0.24628553580232893"/>
+                      <c:h val="0.13275123507175549"/>
+                    </c:manualLayout>
+                  </c15:layout>
+                </c:ext>
+                <c:ext xmlns:c16="http://schemas.microsoft.com/office/drawing/2014/chart" uri="{C3380CC4-5D6E-409C-BE32-E72D297353CC}">
+                  <c16:uniqueId val="{00000000-875B-4995-96A2-82CA42D1FD27}"/>
+                </c:ext>
+              </c:extLst>
+            </c:dLbl>
+            <c:dLbl>
+              <c:idx val="3"/>
+              <c:layout>
+                <c:manualLayout>
+                  <c:x val="0.1078158759496219"/>
+                  <c:y val="-0.11169467287306174"/>
+                </c:manualLayout>
+              </c:layout>
+              <c:dLblPos val="bestFit"/>
+              <c:showLegendKey val="0"/>
+              <c:showVal val="0"/>
+              <c:showCatName val="1"/>
+              <c:showSerName val="0"/>
+              <c:showPercent val="0"/>
+              <c:showBubbleSize val="0"/>
+              <c:extLst>
+                <c:ext xmlns:c15="http://schemas.microsoft.com/office/drawing/2012/chart" uri="{CE6537A1-D6FC-4f65-9D91-7224C49458BB}"/>
+                <c:ext xmlns:c16="http://schemas.microsoft.com/office/drawing/2014/chart" uri="{C3380CC4-5D6E-409C-BE32-E72D297353CC}">
+                  <c16:uniqueId val="{00000003-875B-4995-96A2-82CA42D1FD27}"/>
+                </c:ext>
+              </c:extLst>
+            </c:dLbl>
+            <c:dLbl>
+              <c:idx val="6"/>
+              <c:layout>
+                <c:manualLayout>
+                  <c:x val="0.14475684773265254"/>
+                  <c:y val="0.11352408438586406"/>
+                </c:manualLayout>
+              </c:layout>
+              <c:dLblPos val="bestFit"/>
+              <c:showLegendKey val="0"/>
+              <c:showVal val="0"/>
+              <c:showCatName val="1"/>
+              <c:showSerName val="0"/>
+              <c:showPercent val="0"/>
+              <c:showBubbleSize val="0"/>
+              <c:extLst>
+                <c:ext xmlns:c15="http://schemas.microsoft.com/office/drawing/2012/chart" uri="{CE6537A1-D6FC-4f65-9D91-7224C49458BB}"/>
+                <c:ext xmlns:c16="http://schemas.microsoft.com/office/drawing/2014/chart" uri="{C3380CC4-5D6E-409C-BE32-E72D297353CC}">
+                  <c16:uniqueId val="{00000001-875B-4995-96A2-82CA42D1FD27}"/>
+                </c:ext>
+              </c:extLst>
+            </c:dLbl>
+            <c:spPr>
+              <a:noFill/>
+              <a:ln>
+                <a:noFill/>
+              </a:ln>
+              <a:effectLst/>
+            </c:spPr>
+            <c:txPr>
+              <a:bodyPr rot="0" spcFirstLastPara="1" vertOverflow="ellipsis" vert="horz" wrap="square" lIns="38100" tIns="19050" rIns="38100" bIns="19050" anchor="ctr" anchorCtr="1">
+                <a:spAutoFit/>
+              </a:bodyPr>
+              <a:lstStyle/>
+              <a:p>
+                <a:pPr>
+                  <a:defRPr sz="1197" b="0" i="0" u="none" strike="noStrike" kern="1200" baseline="0">
+                    <a:solidFill>
+                      <a:schemeClr val="bg1"/>
+                    </a:solidFill>
+                    <a:latin typeface="+mn-lt"/>
+                    <a:ea typeface="+mn-ea"/>
+                    <a:cs typeface="+mn-cs"/>
+                  </a:defRPr>
+                </a:pPr>
+                <a:endParaRPr lang="en-US"/>
+              </a:p>
+            </c:txPr>
+            <c:dLblPos val="inEnd"/>
+            <c:showLegendKey val="0"/>
+            <c:showVal val="0"/>
+            <c:showCatName val="1"/>
+            <c:showSerName val="0"/>
+            <c:showPercent val="0"/>
+            <c:showBubbleSize val="0"/>
+            <c:showLeaderLines val="1"/>
+            <c:leaderLines>
+              <c:spPr>
+                <a:ln w="9525" cap="flat" cmpd="sng" algn="ctr">
+                  <a:solidFill>
+                    <a:schemeClr val="tx1">
+                      <a:lumMod val="35000"/>
+                      <a:lumOff val="65000"/>
+                    </a:schemeClr>
+                  </a:solidFill>
+                  <a:round/>
+                </a:ln>
+                <a:effectLst/>
+              </c:spPr>
+            </c:leaderLines>
+            <c:extLst>
+              <c:ext xmlns:c15="http://schemas.microsoft.com/office/drawing/2012/chart" uri="{CE6537A1-D6FC-4f65-9D91-7224C49458BB}"/>
+            </c:extLst>
+          </c:dLbls>
           <c:cat>
             <c:strRef>
-              <c:f>Sheet1!$A$2:$A$11</c:f>
+              <c:f>Sheet1!$A$2:$A$8</c:f>
               <c:strCache>
-                <c:ptCount val="10"/>
+                <c:ptCount val="7"/>
                 <c:pt idx="0">
-                  <c:v>CTLN</c:v>
+                  <c:v>Monday</c:v>
                 </c:pt>
                 <c:pt idx="1">
-                  <c:v>IBAA</c:v>
+                  <c:v>Tuesday</c:v>
                 </c:pt>
                 <c:pt idx="2">
-                  <c:v>IBAB</c:v>
+                  <c:v>Wednesday</c:v>
                 </c:pt>
                 <c:pt idx="3">
-                  <c:v>FIHC</c:v>
+                  <c:v>Thursday</c:v>
                 </c:pt>
                 <c:pt idx="4">
-                  <c:v>CUPL</c:v>
+                  <c:v>Friday</c:v>
                 </c:pt>
                 <c:pt idx="5">
-                  <c:v>FIWL</c:v>
+                  <c:v>Saturday</c:v>
                 </c:pt>
                 <c:pt idx="6">
-                  <c:v>IBAC</c:v>
-                </c:pt>
-                <c:pt idx="7">
-                  <c:v>CACU</c:v>
-                </c:pt>
-                <c:pt idx="8">
-                  <c:v>FILS</c:v>
-                </c:pt>
-                <c:pt idx="9">
-                  <c:v>CBPA</c:v>
+                  <c:v>Sunday</c:v>
                 </c:pt>
               </c:strCache>
             </c:strRef>
           </c:cat>
           <c:val>
             <c:numRef>
-              <c:f>Sheet1!$B$2:$B$11</c:f>
+              <c:f>Sheet1!$B$2:$B$8</c:f>
               <c:numCache>
                 <c:formatCode>General</c:formatCode>
-                <c:ptCount val="10"/>
+                <c:ptCount val="7"/>
                 <c:pt idx="0">
-                  <c:v>3047</c:v>
+                  <c:v>41410</c:v>
                 </c:pt>
                 <c:pt idx="1">
-                  <c:v>1676</c:v>
+                  <c:v>37462</c:v>
                 </c:pt>
                 <c:pt idx="2">
-                  <c:v>1469</c:v>
+                  <c:v>32657</c:v>
                 </c:pt>
                 <c:pt idx="3">
-                  <c:v>1468</c:v>
+                  <c:v>31308</c:v>
                 </c:pt>
                 <c:pt idx="4">
-                  <c:v>1189</c:v>
+                  <c:v>23648</c:v>
                 </c:pt>
                 <c:pt idx="5">
-                  <c:v>1130</c:v>
+                  <c:v>17342</c:v>
                 </c:pt>
                 <c:pt idx="6">
-                  <c:v>1109</c:v>
-                </c:pt>
-                <c:pt idx="7">
-                  <c:v>1067</c:v>
-                </c:pt>
-                <c:pt idx="8">
-                  <c:v>1062</c:v>
-                </c:pt>
-                <c:pt idx="9">
-                  <c:v>949</c:v>
+                  <c:v>42535</c:v>
                 </c:pt>
               </c:numCache>
             </c:numRef>
           </c:val>
           <c:extLst>
             <c:ext xmlns:c16="http://schemas.microsoft.com/office/drawing/2014/chart" uri="{C3380CC4-5D6E-409C-BE32-E72D297353CC}">
-              <c16:uniqueId val="{00000000-D607-41BF-A37C-E488C34B10C7}"/>
+              <c16:uniqueId val="{00000000-705E-42F6-ACAB-3A257E9A301B}"/>
             </c:ext>
           </c:extLst>
         </c:ser>
         <c:dLbls>
           <c:showLegendKey val="0"/>
-          <c:showVal val="0"/>
+          <c:showVal val="1"/>
           <c:showCatName val="0"/>
           <c:showSerName val="0"/>
           <c:showPercent val="0"/>
           <c:showBubbleSize val="0"/>
+          <c:showLeaderLines val="1"/>
         </c:dLbls>
-        <c:gapWidth val="50"/>
-        <c:axId val="-2068027336"/>
-        <c:axId val="-2113994440"/>
-      </c:barChart>
-      <c:catAx>
-        <c:axId val="-2068027336"/>
-        <c:scaling>
-          <c:orientation val="minMax"/>
-        </c:scaling>
-        <c:delete val="0"/>
-        <c:axPos val="b"/>
-        <c:numFmt formatCode="General" sourceLinked="0"/>
-        <c:majorTickMark val="out"/>
-        <c:minorTickMark val="none"/>
-        <c:tickLblPos val="nextTo"/>
-        <c:txPr>
-          <a:bodyPr/>
-          <a:lstStyle/>
-          <a:p>
-            <a:pPr>
-              <a:defRPr sz="1400"/>
-            </a:pPr>
-            <a:endParaRPr lang="en-US"/>
-          </a:p>
-        </c:txPr>
-        <c:crossAx val="-2113994440"/>
-        <c:crosses val="autoZero"/>
-        <c:auto val="1"/>
-        <c:lblAlgn val="ctr"/>
-        <c:lblOffset val="100"/>
-        <c:noMultiLvlLbl val="0"/>
-      </c:catAx>
-      <c:valAx>
-        <c:axId val="-2113994440"/>
-        <c:scaling>
-          <c:orientation val="minMax"/>
-          <c:max val="3351.7000000000003"/>
-          <c:min val="0"/>
-        </c:scaling>
-        <c:delete val="0"/>
-        <c:axPos val="l"/>
-        <c:majorGridlines/>
-        <c:numFmt formatCode="General" sourceLinked="1"/>
-        <c:majorTickMark val="out"/>
-        <c:minorTickMark val="none"/>
-        <c:tickLblPos val="nextTo"/>
-        <c:txPr>
-          <a:bodyPr/>
-          <a:lstStyle/>
-          <a:p>
-            <a:pPr>
-              <a:defRPr sz="1400"/>
-            </a:pPr>
-            <a:endParaRPr lang="en-US"/>
-          </a:p>
-        </c:txPr>
-        <c:crossAx val="-2068027336"/>
-        <c:crosses val="autoZero"/>
-        <c:crossBetween val="between"/>
-      </c:valAx>
+        <c:firstSliceAng val="0"/>
+      </c:pieChart>
+      <c:spPr>
+        <a:noFill/>
+        <a:ln>
+          <a:noFill/>
+        </a:ln>
+        <a:effectLst/>
+      </c:spPr>
     </c:plotArea>
     <c:plotVisOnly val="1"/>
     <c:dispBlanksAs val="gap"/>
     <c:showDLblsOverMax val="1"/>
   </c:chart>
+  <c:spPr>
+    <a:noFill/>
+    <a:ln>
+      <a:noFill/>
+    </a:ln>
+    <a:effectLst/>
+  </c:spPr>
   <c:txPr>
     <a:bodyPr/>
     <a:lstStyle/>
     <a:p>
       <a:pPr>
-        <a:defRPr sz="1800"/>
+        <a:defRPr/>
       </a:pPr>
       <a:endParaRPr lang="en-US"/>
     </a:p>
   </c:txPr>
-  <c:externalData r:id="rId1">
+  <c:externalData r:id="rId3">
     <c:autoUpdate val="0"/>
   </c:externalData>
 </c:chartSpace>
@@ -5691,12 +6180,13 @@
           <a:bodyPr/>
           <a:lstStyle/>
           <a:p>
-            <a:pPr>
-              <a:defRPr sz="1400"/>
-            </a:pPr>
-            <a:r>
-              <a:rPr lang="en-US"/>
-              <a:t>Top 10 Items by Unique Users at Morning</a:t>
+            <a:r>
+              <a:rPr lang="en-ZA" sz="1600">
+                <a:solidFill>
+                  <a:schemeClr val="bg1"/>
+                </a:solidFill>
+              </a:rPr>
+              <a:t>Monday</a:t>
             </a:r>
           </a:p>
         </c:rich>
@@ -5724,818 +6214,11 @@
               </c:strCache>
             </c:strRef>
           </c:tx>
-          <c:invertIfNegative val="1"/>
-          <c:cat>
-            <c:strRef>
-              <c:f>Sheet1!$A$2:$A$11</c:f>
-              <c:strCache>
-                <c:ptCount val="10"/>
-                <c:pt idx="0">
-                  <c:v>CTLN</c:v>
-                </c:pt>
-                <c:pt idx="1">
-                  <c:v>IBAA</c:v>
-                </c:pt>
-                <c:pt idx="2">
-                  <c:v>IBAB</c:v>
-                </c:pt>
-                <c:pt idx="3">
-                  <c:v>FIHC</c:v>
-                </c:pt>
-                <c:pt idx="4">
-                  <c:v>CUPL</c:v>
-                </c:pt>
-                <c:pt idx="5">
-                  <c:v>FIWL</c:v>
-                </c:pt>
-                <c:pt idx="6">
-                  <c:v>CACU</c:v>
-                </c:pt>
-                <c:pt idx="7">
-                  <c:v>IBAC</c:v>
-                </c:pt>
-                <c:pt idx="8">
-                  <c:v>FILS</c:v>
-                </c:pt>
-                <c:pt idx="9">
-                  <c:v>CBPA</c:v>
-                </c:pt>
-              </c:strCache>
-            </c:strRef>
-          </c:cat>
-          <c:val>
-            <c:numRef>
-              <c:f>Sheet1!$B$2:$B$11</c:f>
-              <c:numCache>
-                <c:formatCode>General</c:formatCode>
-                <c:ptCount val="10"/>
-                <c:pt idx="0">
-                  <c:v>3143</c:v>
-                </c:pt>
-                <c:pt idx="1">
-                  <c:v>1496</c:v>
-                </c:pt>
-                <c:pt idx="2">
-                  <c:v>1217</c:v>
-                </c:pt>
-                <c:pt idx="3">
-                  <c:v>1196</c:v>
-                </c:pt>
-                <c:pt idx="4">
-                  <c:v>1147</c:v>
-                </c:pt>
-                <c:pt idx="5">
-                  <c:v>1051</c:v>
-                </c:pt>
-                <c:pt idx="6">
-                  <c:v>1031</c:v>
-                </c:pt>
-                <c:pt idx="7">
-                  <c:v>984</c:v>
-                </c:pt>
-                <c:pt idx="8">
-                  <c:v>972</c:v>
-                </c:pt>
-                <c:pt idx="9">
-                  <c:v>850</c:v>
-                </c:pt>
-              </c:numCache>
-            </c:numRef>
-          </c:val>
-          <c:extLst>
-            <c:ext xmlns:c16="http://schemas.microsoft.com/office/drawing/2014/chart" uri="{C3380CC4-5D6E-409C-BE32-E72D297353CC}">
-              <c16:uniqueId val="{00000000-989F-4BD5-93B4-D916E1D0095B}"/>
-            </c:ext>
-          </c:extLst>
-        </c:ser>
-        <c:dLbls>
-          <c:showLegendKey val="0"/>
-          <c:showVal val="0"/>
-          <c:showCatName val="0"/>
-          <c:showSerName val="0"/>
-          <c:showPercent val="0"/>
-          <c:showBubbleSize val="0"/>
-        </c:dLbls>
-        <c:gapWidth val="50"/>
-        <c:axId val="-2068027336"/>
-        <c:axId val="-2113994440"/>
-      </c:barChart>
-      <c:catAx>
-        <c:axId val="-2068027336"/>
-        <c:scaling>
-          <c:orientation val="minMax"/>
-        </c:scaling>
-        <c:delete val="0"/>
-        <c:axPos val="b"/>
-        <c:numFmt formatCode="General" sourceLinked="0"/>
-        <c:majorTickMark val="out"/>
-        <c:minorTickMark val="none"/>
-        <c:tickLblPos val="nextTo"/>
-        <c:txPr>
-          <a:bodyPr/>
-          <a:lstStyle/>
-          <a:p>
-            <a:pPr>
-              <a:defRPr sz="1400"/>
-            </a:pPr>
-            <a:endParaRPr lang="en-US"/>
-          </a:p>
-        </c:txPr>
-        <c:crossAx val="-2113994440"/>
-        <c:crosses val="autoZero"/>
-        <c:auto val="1"/>
-        <c:lblAlgn val="ctr"/>
-        <c:lblOffset val="100"/>
-        <c:noMultiLvlLbl val="0"/>
-      </c:catAx>
-      <c:valAx>
-        <c:axId val="-2113994440"/>
-        <c:scaling>
-          <c:orientation val="minMax"/>
-          <c:max val="3457.3"/>
-          <c:min val="0"/>
-        </c:scaling>
-        <c:delete val="0"/>
-        <c:axPos val="l"/>
-        <c:majorGridlines/>
-        <c:numFmt formatCode="General" sourceLinked="1"/>
-        <c:majorTickMark val="out"/>
-        <c:minorTickMark val="none"/>
-        <c:tickLblPos val="nextTo"/>
-        <c:txPr>
-          <a:bodyPr/>
-          <a:lstStyle/>
-          <a:p>
-            <a:pPr>
-              <a:defRPr sz="1400"/>
-            </a:pPr>
-            <a:endParaRPr lang="en-US"/>
-          </a:p>
-        </c:txPr>
-        <c:crossAx val="-2068027336"/>
-        <c:crosses val="autoZero"/>
-        <c:crossBetween val="between"/>
-      </c:valAx>
-    </c:plotArea>
-    <c:plotVisOnly val="1"/>
-    <c:dispBlanksAs val="gap"/>
-    <c:showDLblsOverMax val="1"/>
-  </c:chart>
-  <c:txPr>
-    <a:bodyPr/>
-    <a:lstStyle/>
-    <a:p>
-      <a:pPr>
-        <a:defRPr sz="1800"/>
-      </a:pPr>
-      <a:endParaRPr lang="en-US"/>
-    </a:p>
-  </c:txPr>
-  <c:externalData r:id="rId1">
-    <c:autoUpdate val="0"/>
-  </c:externalData>
-</c:chartSpace>
-</file>
-
-<file path=ppt/charts/chart26.xml><?xml version="1.0" encoding="utf-8"?>
-<c:chartSpace xmlns:c="http://schemas.openxmlformats.org/drawingml/2006/chart" xmlns:a="http://schemas.openxmlformats.org/drawingml/2006/main" xmlns:r="http://schemas.openxmlformats.org/officeDocument/2006/relationships" xmlns:c16r2="http://schemas.microsoft.com/office/drawing/2015/06/chart">
-  <c:date1904 val="0"/>
-  <c:lang val="en-US"/>
-  <c:roundedCorners val="1"/>
-  <mc:AlternateContent xmlns:mc="http://schemas.openxmlformats.org/markup-compatibility/2006">
-    <mc:Choice xmlns:c14="http://schemas.microsoft.com/office/drawing/2007/8/2/chart" Requires="c14">
-      <c14:style val="102"/>
-    </mc:Choice>
-    <mc:Fallback>
-      <c:style val="2"/>
-    </mc:Fallback>
-  </mc:AlternateContent>
-  <c:chart>
-    <c:title>
-      <c:tx>
-        <c:rich>
-          <a:bodyPr/>
-          <a:lstStyle/>
-          <a:p>
-            <a:pPr>
-              <a:defRPr sz="1400"/>
-            </a:pPr>
-            <a:r>
-              <a:rPr lang="en-US"/>
-              <a:t>Top 10 Items by Unique Users at Evening</a:t>
-            </a:r>
-          </a:p>
-        </c:rich>
-      </c:tx>
-      <c:overlay val="0"/>
-    </c:title>
-    <c:autoTitleDeleted val="0"/>
-    <c:plotArea>
-      <c:layout/>
-      <c:barChart>
-        <c:barDir val="col"/>
-        <c:grouping val="clustered"/>
-        <c:varyColors val="1"/>
-        <c:ser>
-          <c:idx val="0"/>
-          <c:order val="0"/>
-          <c:tx>
-            <c:strRef>
-              <c:f>Sheet1!$B$1</c:f>
-              <c:strCache>
-                <c:ptCount val="1"/>
-                <c:pt idx="0">
-                  <c:v>Unique Users</c:v>
-                </c:pt>
-              </c:strCache>
-            </c:strRef>
-          </c:tx>
-          <c:invertIfNegative val="1"/>
-          <c:cat>
-            <c:strRef>
-              <c:f>Sheet1!$A$2:$A$11</c:f>
-              <c:strCache>
-                <c:ptCount val="10"/>
-                <c:pt idx="0">
-                  <c:v>CTLN</c:v>
-                </c:pt>
-                <c:pt idx="1">
-                  <c:v>IBAA</c:v>
-                </c:pt>
-                <c:pt idx="2">
-                  <c:v>FIHC</c:v>
-                </c:pt>
-                <c:pt idx="3">
-                  <c:v>IBAB</c:v>
-                </c:pt>
-                <c:pt idx="4">
-                  <c:v>CUPL</c:v>
-                </c:pt>
-                <c:pt idx="5">
-                  <c:v>FIWL</c:v>
-                </c:pt>
-                <c:pt idx="6">
-                  <c:v>CACU</c:v>
-                </c:pt>
-                <c:pt idx="7">
-                  <c:v>IBAC</c:v>
-                </c:pt>
-                <c:pt idx="8">
-                  <c:v>CBPA</c:v>
-                </c:pt>
-                <c:pt idx="9">
-                  <c:v>FILS</c:v>
-                </c:pt>
-              </c:strCache>
-            </c:strRef>
-          </c:cat>
-          <c:val>
-            <c:numRef>
-              <c:f>Sheet1!$B$2:$B$11</c:f>
-              <c:numCache>
-                <c:formatCode>General</c:formatCode>
-                <c:ptCount val="10"/>
-                <c:pt idx="0">
-                  <c:v>1810</c:v>
-                </c:pt>
-                <c:pt idx="1">
-                  <c:v>1044</c:v>
-                </c:pt>
-                <c:pt idx="2">
-                  <c:v>828</c:v>
-                </c:pt>
-                <c:pt idx="3">
-                  <c:v>766</c:v>
-                </c:pt>
-                <c:pt idx="4">
-                  <c:v>707</c:v>
-                </c:pt>
-                <c:pt idx="5">
-                  <c:v>672</c:v>
-                </c:pt>
-                <c:pt idx="6">
-                  <c:v>661</c:v>
-                </c:pt>
-                <c:pt idx="7">
-                  <c:v>644</c:v>
-                </c:pt>
-                <c:pt idx="8">
-                  <c:v>631</c:v>
-                </c:pt>
-                <c:pt idx="9">
-                  <c:v>611</c:v>
-                </c:pt>
-              </c:numCache>
-            </c:numRef>
-          </c:val>
-          <c:extLst>
-            <c:ext xmlns:c16="http://schemas.microsoft.com/office/drawing/2014/chart" uri="{C3380CC4-5D6E-409C-BE32-E72D297353CC}">
-              <c16:uniqueId val="{00000000-4A4E-4A9D-829F-BB138C2337AD}"/>
-            </c:ext>
-          </c:extLst>
-        </c:ser>
-        <c:dLbls>
-          <c:showLegendKey val="0"/>
-          <c:showVal val="0"/>
-          <c:showCatName val="0"/>
-          <c:showSerName val="0"/>
-          <c:showPercent val="0"/>
-          <c:showBubbleSize val="0"/>
-        </c:dLbls>
-        <c:gapWidth val="50"/>
-        <c:axId val="-2068027336"/>
-        <c:axId val="-2113994440"/>
-      </c:barChart>
-      <c:catAx>
-        <c:axId val="-2068027336"/>
-        <c:scaling>
-          <c:orientation val="minMax"/>
-        </c:scaling>
-        <c:delete val="0"/>
-        <c:axPos val="b"/>
-        <c:numFmt formatCode="General" sourceLinked="0"/>
-        <c:majorTickMark val="out"/>
-        <c:minorTickMark val="none"/>
-        <c:tickLblPos val="nextTo"/>
-        <c:txPr>
-          <a:bodyPr/>
-          <a:lstStyle/>
-          <a:p>
-            <a:pPr>
-              <a:defRPr sz="1400"/>
-            </a:pPr>
-            <a:endParaRPr lang="en-US"/>
-          </a:p>
-        </c:txPr>
-        <c:crossAx val="-2113994440"/>
-        <c:crosses val="autoZero"/>
-        <c:auto val="1"/>
-        <c:lblAlgn val="ctr"/>
-        <c:lblOffset val="100"/>
-        <c:noMultiLvlLbl val="0"/>
-      </c:catAx>
-      <c:valAx>
-        <c:axId val="-2113994440"/>
-        <c:scaling>
-          <c:orientation val="minMax"/>
-          <c:max val="1991.0000000000002"/>
-          <c:min val="0"/>
-        </c:scaling>
-        <c:delete val="0"/>
-        <c:axPos val="l"/>
-        <c:majorGridlines/>
-        <c:numFmt formatCode="General" sourceLinked="1"/>
-        <c:majorTickMark val="out"/>
-        <c:minorTickMark val="none"/>
-        <c:tickLblPos val="nextTo"/>
-        <c:txPr>
-          <a:bodyPr/>
-          <a:lstStyle/>
-          <a:p>
-            <a:pPr>
-              <a:defRPr sz="1400"/>
-            </a:pPr>
-            <a:endParaRPr lang="en-US"/>
-          </a:p>
-        </c:txPr>
-        <c:crossAx val="-2068027336"/>
-        <c:crosses val="autoZero"/>
-        <c:crossBetween val="between"/>
-      </c:valAx>
-    </c:plotArea>
-    <c:plotVisOnly val="1"/>
-    <c:dispBlanksAs val="gap"/>
-    <c:showDLblsOverMax val="1"/>
-  </c:chart>
-  <c:txPr>
-    <a:bodyPr/>
-    <a:lstStyle/>
-    <a:p>
-      <a:pPr>
-        <a:defRPr sz="1800"/>
-      </a:pPr>
-      <a:endParaRPr lang="en-US"/>
-    </a:p>
-  </c:txPr>
-  <c:externalData r:id="rId1">
-    <c:autoUpdate val="0"/>
-  </c:externalData>
-</c:chartSpace>
-</file>
-
-<file path=ppt/charts/chart27.xml><?xml version="1.0" encoding="utf-8"?>
-<c:chartSpace xmlns:c="http://schemas.openxmlformats.org/drawingml/2006/chart" xmlns:a="http://schemas.openxmlformats.org/drawingml/2006/main" xmlns:r="http://schemas.openxmlformats.org/officeDocument/2006/relationships" xmlns:c16r2="http://schemas.microsoft.com/office/drawing/2015/06/chart">
-  <c:date1904 val="0"/>
-  <c:lang val="en-US"/>
-  <c:roundedCorners val="1"/>
-  <mc:AlternateContent xmlns:mc="http://schemas.openxmlformats.org/markup-compatibility/2006">
-    <mc:Choice xmlns:c14="http://schemas.microsoft.com/office/drawing/2007/8/2/chart" Requires="c14">
-      <c14:style val="102"/>
-    </mc:Choice>
-    <mc:Fallback>
-      <c:style val="2"/>
-    </mc:Fallback>
-  </mc:AlternateContent>
-  <c:chart>
-    <c:title>
-      <c:tx>
-        <c:rich>
-          <a:bodyPr/>
-          <a:lstStyle/>
-          <a:p>
-            <a:pPr>
-              <a:defRPr sz="1400"/>
-            </a:pPr>
-            <a:r>
-              <a:rPr lang="en-US"/>
-              <a:t>Top 10 Items by Unique Users at Early</a:t>
-            </a:r>
-          </a:p>
-        </c:rich>
-      </c:tx>
-      <c:overlay val="0"/>
-    </c:title>
-    <c:autoTitleDeleted val="0"/>
-    <c:plotArea>
-      <c:layout/>
-      <c:barChart>
-        <c:barDir val="col"/>
-        <c:grouping val="clustered"/>
-        <c:varyColors val="1"/>
-        <c:ser>
-          <c:idx val="0"/>
-          <c:order val="0"/>
-          <c:tx>
-            <c:strRef>
-              <c:f>Sheet1!$B$1</c:f>
-              <c:strCache>
-                <c:ptCount val="1"/>
-                <c:pt idx="0">
-                  <c:v>Unique Users</c:v>
-                </c:pt>
-              </c:strCache>
-            </c:strRef>
-          </c:tx>
-          <c:invertIfNegative val="1"/>
-          <c:cat>
-            <c:strRef>
-              <c:f>Sheet1!$A$2:$A$11</c:f>
-              <c:strCache>
-                <c:ptCount val="10"/>
-                <c:pt idx="0">
-                  <c:v>CTLN</c:v>
-                </c:pt>
-                <c:pt idx="1">
-                  <c:v>IBAA</c:v>
-                </c:pt>
-                <c:pt idx="2">
-                  <c:v>IBAB</c:v>
-                </c:pt>
-                <c:pt idx="3">
-                  <c:v>FIHC</c:v>
-                </c:pt>
-                <c:pt idx="4">
-                  <c:v>CACU</c:v>
-                </c:pt>
-                <c:pt idx="5">
-                  <c:v>FIWL</c:v>
-                </c:pt>
-                <c:pt idx="6">
-                  <c:v>CBPA</c:v>
-                </c:pt>
-                <c:pt idx="7">
-                  <c:v>CUPL</c:v>
-                </c:pt>
-                <c:pt idx="8">
-                  <c:v>FILS</c:v>
-                </c:pt>
-                <c:pt idx="9">
-                  <c:v>EBSH</c:v>
-                </c:pt>
-              </c:strCache>
-            </c:strRef>
-          </c:cat>
-          <c:val>
-            <c:numRef>
-              <c:f>Sheet1!$B$2:$B$11</c:f>
-              <c:numCache>
-                <c:formatCode>General</c:formatCode>
-                <c:ptCount val="10"/>
-                <c:pt idx="0">
-                  <c:v>696</c:v>
-                </c:pt>
-                <c:pt idx="1">
-                  <c:v>306</c:v>
-                </c:pt>
-                <c:pt idx="2">
-                  <c:v>242</c:v>
-                </c:pt>
-                <c:pt idx="3">
-                  <c:v>242</c:v>
-                </c:pt>
-                <c:pt idx="4">
-                  <c:v>212</c:v>
-                </c:pt>
-                <c:pt idx="5">
-                  <c:v>195</c:v>
-                </c:pt>
-                <c:pt idx="6">
-                  <c:v>193</c:v>
-                </c:pt>
-                <c:pt idx="7">
-                  <c:v>189</c:v>
-                </c:pt>
-                <c:pt idx="8">
-                  <c:v>170</c:v>
-                </c:pt>
-                <c:pt idx="9">
-                  <c:v>166</c:v>
-                </c:pt>
-              </c:numCache>
-            </c:numRef>
-          </c:val>
-          <c:extLst>
-            <c:ext xmlns:c16="http://schemas.microsoft.com/office/drawing/2014/chart" uri="{C3380CC4-5D6E-409C-BE32-E72D297353CC}">
-              <c16:uniqueId val="{00000000-8B8B-455D-8C9E-C3F0612A0DE4}"/>
-            </c:ext>
-          </c:extLst>
-        </c:ser>
-        <c:dLbls>
-          <c:showLegendKey val="0"/>
-          <c:showVal val="0"/>
-          <c:showCatName val="0"/>
-          <c:showSerName val="0"/>
-          <c:showPercent val="0"/>
-          <c:showBubbleSize val="0"/>
-        </c:dLbls>
-        <c:gapWidth val="50"/>
-        <c:axId val="-2068027336"/>
-        <c:axId val="-2113994440"/>
-      </c:barChart>
-      <c:catAx>
-        <c:axId val="-2068027336"/>
-        <c:scaling>
-          <c:orientation val="minMax"/>
-        </c:scaling>
-        <c:delete val="0"/>
-        <c:axPos val="b"/>
-        <c:numFmt formatCode="General" sourceLinked="0"/>
-        <c:majorTickMark val="out"/>
-        <c:minorTickMark val="none"/>
-        <c:tickLblPos val="nextTo"/>
-        <c:txPr>
-          <a:bodyPr/>
-          <a:lstStyle/>
-          <a:p>
-            <a:pPr>
-              <a:defRPr sz="1400"/>
-            </a:pPr>
-            <a:endParaRPr lang="en-US"/>
-          </a:p>
-        </c:txPr>
-        <c:crossAx val="-2113994440"/>
-        <c:crosses val="autoZero"/>
-        <c:auto val="1"/>
-        <c:lblAlgn val="ctr"/>
-        <c:lblOffset val="100"/>
-        <c:noMultiLvlLbl val="0"/>
-      </c:catAx>
-      <c:valAx>
-        <c:axId val="-2113994440"/>
-        <c:scaling>
-          <c:orientation val="minMax"/>
-          <c:max val="765.6"/>
-          <c:min val="0"/>
-        </c:scaling>
-        <c:delete val="0"/>
-        <c:axPos val="l"/>
-        <c:majorGridlines/>
-        <c:numFmt formatCode="General" sourceLinked="1"/>
-        <c:majorTickMark val="out"/>
-        <c:minorTickMark val="none"/>
-        <c:tickLblPos val="nextTo"/>
-        <c:txPr>
-          <a:bodyPr/>
-          <a:lstStyle/>
-          <a:p>
-            <a:pPr>
-              <a:defRPr sz="1400"/>
-            </a:pPr>
-            <a:endParaRPr lang="en-US"/>
-          </a:p>
-        </c:txPr>
-        <c:crossAx val="-2068027336"/>
-        <c:crosses val="autoZero"/>
-        <c:crossBetween val="between"/>
-      </c:valAx>
-    </c:plotArea>
-    <c:plotVisOnly val="1"/>
-    <c:dispBlanksAs val="gap"/>
-    <c:showDLblsOverMax val="1"/>
-  </c:chart>
-  <c:txPr>
-    <a:bodyPr/>
-    <a:lstStyle/>
-    <a:p>
-      <a:pPr>
-        <a:defRPr sz="1800"/>
-      </a:pPr>
-      <a:endParaRPr lang="en-US"/>
-    </a:p>
-  </c:txPr>
-  <c:externalData r:id="rId1">
-    <c:autoUpdate val="0"/>
-  </c:externalData>
-</c:chartSpace>
-</file>
-
-<file path=ppt/charts/chart28.xml><?xml version="1.0" encoding="utf-8"?>
-<c:chartSpace xmlns:c="http://schemas.openxmlformats.org/drawingml/2006/chart" xmlns:a="http://schemas.openxmlformats.org/drawingml/2006/main" xmlns:r="http://schemas.openxmlformats.org/officeDocument/2006/relationships" xmlns:c16r2="http://schemas.microsoft.com/office/drawing/2015/06/chart">
-  <c:date1904 val="0"/>
-  <c:lang val="en-US"/>
-  <c:roundedCorners val="1"/>
-  <mc:AlternateContent xmlns:mc="http://schemas.openxmlformats.org/markup-compatibility/2006">
-    <mc:Choice xmlns:c14="http://schemas.microsoft.com/office/drawing/2007/8/2/chart" Requires="c14">
-      <c14:style val="102"/>
-    </mc:Choice>
-    <mc:Fallback>
-      <c:style val="2"/>
-    </mc:Fallback>
-  </mc:AlternateContent>
-  <c:chart>
-    <c:title>
-      <c:overlay val="0"/>
-    </c:title>
-    <c:autoTitleDeleted val="0"/>
-    <c:plotArea>
-      <c:layout/>
-      <c:pieChart>
-        <c:varyColors val="1"/>
-        <c:ser>
-          <c:idx val="0"/>
-          <c:order val="0"/>
-          <c:tx>
-            <c:strRef>
-              <c:f>Sheet1!$B$1</c:f>
-              <c:strCache>
-                <c:ptCount val="1"/>
-                <c:pt idx="0">
-                  <c:v>Number of Interactions</c:v>
-                </c:pt>
-              </c:strCache>
-            </c:strRef>
-          </c:tx>
-          <c:cat>
-            <c:strRef>
-              <c:f>Sheet1!$A$2:$A$8</c:f>
-              <c:strCache>
-                <c:ptCount val="7"/>
-                <c:pt idx="0">
-                  <c:v>Monday</c:v>
-                </c:pt>
-                <c:pt idx="1">
-                  <c:v>Tuesday</c:v>
-                </c:pt>
-                <c:pt idx="2">
-                  <c:v>Wednesday</c:v>
-                </c:pt>
-                <c:pt idx="3">
-                  <c:v>Thursday</c:v>
-                </c:pt>
-                <c:pt idx="4">
-                  <c:v>Friday</c:v>
-                </c:pt>
-                <c:pt idx="5">
-                  <c:v>Saturday</c:v>
-                </c:pt>
-                <c:pt idx="6">
-                  <c:v>Sunday</c:v>
-                </c:pt>
-              </c:strCache>
-            </c:strRef>
-          </c:cat>
-          <c:val>
-            <c:numRef>
-              <c:f>Sheet1!$B$2:$B$8</c:f>
-              <c:numCache>
-                <c:formatCode>General</c:formatCode>
-                <c:ptCount val="7"/>
-                <c:pt idx="0">
-                  <c:v>41410</c:v>
-                </c:pt>
-                <c:pt idx="1">
-                  <c:v>37462</c:v>
-                </c:pt>
-                <c:pt idx="2">
-                  <c:v>32657</c:v>
-                </c:pt>
-                <c:pt idx="3">
-                  <c:v>31308</c:v>
-                </c:pt>
-                <c:pt idx="4">
-                  <c:v>23648</c:v>
-                </c:pt>
-                <c:pt idx="5">
-                  <c:v>17342</c:v>
-                </c:pt>
-                <c:pt idx="6">
-                  <c:v>42535</c:v>
-                </c:pt>
-              </c:numCache>
-            </c:numRef>
-          </c:val>
-          <c:extLst>
-            <c:ext xmlns:c16="http://schemas.microsoft.com/office/drawing/2014/chart" uri="{C3380CC4-5D6E-409C-BE32-E72D297353CC}">
-              <c16:uniqueId val="{00000000-705E-42F6-ACAB-3A257E9A301B}"/>
-            </c:ext>
-          </c:extLst>
-        </c:ser>
-        <c:dLbls>
-          <c:showLegendKey val="0"/>
-          <c:showVal val="0"/>
-          <c:showCatName val="0"/>
-          <c:showSerName val="0"/>
-          <c:showPercent val="0"/>
-          <c:showBubbleSize val="0"/>
-          <c:showLeaderLines val="1"/>
-        </c:dLbls>
-        <c:firstSliceAng val="0"/>
-      </c:pieChart>
-    </c:plotArea>
-    <c:legend>
-      <c:legendPos val="r"/>
-      <c:overlay val="0"/>
-    </c:legend>
-    <c:plotVisOnly val="1"/>
-    <c:dispBlanksAs val="gap"/>
-    <c:showDLblsOverMax val="1"/>
-  </c:chart>
-  <c:txPr>
-    <a:bodyPr/>
-    <a:lstStyle/>
-    <a:p>
-      <a:pPr>
-        <a:defRPr sz="1800"/>
-      </a:pPr>
-      <a:endParaRPr lang="en-US"/>
-    </a:p>
-  </c:txPr>
-  <c:externalData r:id="rId1">
-    <c:autoUpdate val="0"/>
-  </c:externalData>
-</c:chartSpace>
-</file>
-
-<file path=ppt/charts/chart29.xml><?xml version="1.0" encoding="utf-8"?>
-<c:chartSpace xmlns:c="http://schemas.openxmlformats.org/drawingml/2006/chart" xmlns:a="http://schemas.openxmlformats.org/drawingml/2006/main" xmlns:r="http://schemas.openxmlformats.org/officeDocument/2006/relationships" xmlns:c16r2="http://schemas.microsoft.com/office/drawing/2015/06/chart">
-  <c:date1904 val="0"/>
-  <c:lang val="en-US"/>
-  <c:roundedCorners val="1"/>
-  <mc:AlternateContent xmlns:mc="http://schemas.openxmlformats.org/markup-compatibility/2006">
-    <mc:Choice xmlns:c14="http://schemas.microsoft.com/office/drawing/2007/8/2/chart" Requires="c14">
-      <c14:style val="102"/>
-    </mc:Choice>
-    <mc:Fallback>
-      <c:style val="2"/>
-    </mc:Fallback>
-  </mc:AlternateContent>
-  <c:chart>
-    <c:title>
-      <c:tx>
-        <c:rich>
-          <a:bodyPr/>
-          <a:lstStyle/>
-          <a:p>
-            <a:r>
-              <a:rPr lang="en-ZA"/>
-              <a:t>Monday</a:t>
-            </a:r>
-          </a:p>
-        </c:rich>
-      </c:tx>
-      <c:overlay val="0"/>
-    </c:title>
-    <c:autoTitleDeleted val="0"/>
-    <c:plotArea>
-      <c:layout/>
-      <c:barChart>
-        <c:barDir val="col"/>
-        <c:grouping val="clustered"/>
-        <c:varyColors val="1"/>
-        <c:ser>
-          <c:idx val="0"/>
-          <c:order val="0"/>
-          <c:tx>
-            <c:strRef>
-              <c:f>Sheet1!$B$1</c:f>
-              <c:strCache>
-                <c:ptCount val="1"/>
-                <c:pt idx="0">
-                  <c:v>Unique Users</c:v>
-                </c:pt>
-              </c:strCache>
-            </c:strRef>
-          </c:tx>
+          <c:spPr>
+            <a:solidFill>
+              <a:srgbClr val="405BC5"/>
+            </a:solidFill>
+          </c:spPr>
           <c:invertIfNegative val="1"/>
           <c:cat>
             <c:strRef>
@@ -6585,6 +6268,15 @@
             </c:numRef>
           </c:val>
           <c:extLst>
+            <c:ext xmlns:c14="http://schemas.microsoft.com/office/drawing/2007/8/2/chart" uri="{6F2FDCE9-48DA-4B69-8628-5D25D57E5C99}">
+              <c14:invertSolidFillFmt>
+                <c14:spPr xmlns:c14="http://schemas.microsoft.com/office/drawing/2007/8/2/chart">
+                  <a:solidFill>
+                    <a:srgbClr val="FFFFFF"/>
+                  </a:solidFill>
+                </c14:spPr>
+              </c14:invertSolidFillFmt>
+            </c:ext>
             <c:ext xmlns:c16="http://schemas.microsoft.com/office/drawing/2014/chart" uri="{C3380CC4-5D6E-409C-BE32-E72D297353CC}">
               <c16:uniqueId val="{00000000-E378-4FBB-84C1-22A8031AA308}"/>
             </c:ext>
@@ -6598,7 +6290,7 @@
           <c:showPercent val="0"/>
           <c:showBubbleSize val="0"/>
         </c:dLbls>
-        <c:gapWidth val="150"/>
+        <c:gapWidth val="50"/>
         <c:axId val="-2068027336"/>
         <c:axId val="-2113994440"/>
       </c:barChart>
@@ -6646,7 +6338,783 @@
     <a:lstStyle/>
     <a:p>
       <a:pPr>
-        <a:defRPr sz="1800"/>
+        <a:defRPr sz="1600">
+          <a:solidFill>
+            <a:schemeClr val="bg1"/>
+          </a:solidFill>
+        </a:defRPr>
+      </a:pPr>
+      <a:endParaRPr lang="en-US"/>
+    </a:p>
+  </c:txPr>
+  <c:externalData r:id="rId1">
+    <c:autoUpdate val="0"/>
+  </c:externalData>
+</c:chartSpace>
+</file>
+
+<file path=ppt/charts/chart26.xml><?xml version="1.0" encoding="utf-8"?>
+<c:chartSpace xmlns:c="http://schemas.openxmlformats.org/drawingml/2006/chart" xmlns:a="http://schemas.openxmlformats.org/drawingml/2006/main" xmlns:r="http://schemas.openxmlformats.org/officeDocument/2006/relationships" xmlns:c16r2="http://schemas.microsoft.com/office/drawing/2015/06/chart">
+  <c:date1904 val="0"/>
+  <c:lang val="en-US"/>
+  <c:roundedCorners val="1"/>
+  <mc:AlternateContent xmlns:mc="http://schemas.openxmlformats.org/markup-compatibility/2006">
+    <mc:Choice xmlns:c14="http://schemas.microsoft.com/office/drawing/2007/8/2/chart" Requires="c14">
+      <c14:style val="102"/>
+    </mc:Choice>
+    <mc:Fallback>
+      <c:style val="2"/>
+    </mc:Fallback>
+  </mc:AlternateContent>
+  <c:chart>
+    <c:title>
+      <c:tx>
+        <c:rich>
+          <a:bodyPr/>
+          <a:lstStyle/>
+          <a:p>
+            <a:r>
+              <a:rPr lang="en-ZA" sz="1600">
+                <a:solidFill>
+                  <a:schemeClr val="bg1"/>
+                </a:solidFill>
+              </a:rPr>
+              <a:t>Tuesday</a:t>
+            </a:r>
+          </a:p>
+        </c:rich>
+      </c:tx>
+      <c:overlay val="0"/>
+    </c:title>
+    <c:autoTitleDeleted val="0"/>
+    <c:plotArea>
+      <c:layout/>
+      <c:barChart>
+        <c:barDir val="col"/>
+        <c:grouping val="clustered"/>
+        <c:varyColors val="1"/>
+        <c:ser>
+          <c:idx val="0"/>
+          <c:order val="0"/>
+          <c:tx>
+            <c:strRef>
+              <c:f>Sheet1!$B$1</c:f>
+              <c:strCache>
+                <c:ptCount val="1"/>
+                <c:pt idx="0">
+                  <c:v>Unique Users</c:v>
+                </c:pt>
+              </c:strCache>
+            </c:strRef>
+          </c:tx>
+          <c:spPr>
+            <a:solidFill>
+              <a:srgbClr val="62D1F8"/>
+            </a:solidFill>
+          </c:spPr>
+          <c:invertIfNegative val="1"/>
+          <c:cat>
+            <c:strRef>
+              <c:f>Sheet1!$A$2:$A$6</c:f>
+              <c:strCache>
+                <c:ptCount val="5"/>
+                <c:pt idx="0">
+                  <c:v>CTLN</c:v>
+                </c:pt>
+                <c:pt idx="1">
+                  <c:v>IBAA</c:v>
+                </c:pt>
+                <c:pt idx="2">
+                  <c:v>IBAB</c:v>
+                </c:pt>
+                <c:pt idx="3">
+                  <c:v>FIHC</c:v>
+                </c:pt>
+                <c:pt idx="4">
+                  <c:v>CUPL</c:v>
+                </c:pt>
+              </c:strCache>
+            </c:strRef>
+          </c:cat>
+          <c:val>
+            <c:numRef>
+              <c:f>Sheet1!$B$2:$B$6</c:f>
+              <c:numCache>
+                <c:formatCode>General</c:formatCode>
+                <c:ptCount val="5"/>
+                <c:pt idx="0">
+                  <c:v>1560</c:v>
+                </c:pt>
+                <c:pt idx="1">
+                  <c:v>841</c:v>
+                </c:pt>
+                <c:pt idx="2">
+                  <c:v>672</c:v>
+                </c:pt>
+                <c:pt idx="3">
+                  <c:v>639</c:v>
+                </c:pt>
+                <c:pt idx="4">
+                  <c:v>556</c:v>
+                </c:pt>
+              </c:numCache>
+            </c:numRef>
+          </c:val>
+          <c:extLst>
+            <c:ext xmlns:c14="http://schemas.microsoft.com/office/drawing/2007/8/2/chart" uri="{6F2FDCE9-48DA-4B69-8628-5D25D57E5C99}">
+              <c14:invertSolidFillFmt>
+                <c14:spPr xmlns:c14="http://schemas.microsoft.com/office/drawing/2007/8/2/chart">
+                  <a:solidFill>
+                    <a:srgbClr val="FFFFFF"/>
+                  </a:solidFill>
+                </c14:spPr>
+              </c14:invertSolidFillFmt>
+            </c:ext>
+            <c:ext xmlns:c16="http://schemas.microsoft.com/office/drawing/2014/chart" uri="{C3380CC4-5D6E-409C-BE32-E72D297353CC}">
+              <c16:uniqueId val="{00000000-D87C-41A1-AF74-B3978649824A}"/>
+            </c:ext>
+          </c:extLst>
+        </c:ser>
+        <c:dLbls>
+          <c:showLegendKey val="0"/>
+          <c:showVal val="0"/>
+          <c:showCatName val="0"/>
+          <c:showSerName val="0"/>
+          <c:showPercent val="0"/>
+          <c:showBubbleSize val="0"/>
+        </c:dLbls>
+        <c:gapWidth val="50"/>
+        <c:axId val="-2068027336"/>
+        <c:axId val="-2113994440"/>
+      </c:barChart>
+      <c:catAx>
+        <c:axId val="-2068027336"/>
+        <c:scaling>
+          <c:orientation val="minMax"/>
+        </c:scaling>
+        <c:delete val="0"/>
+        <c:axPos val="b"/>
+        <c:numFmt formatCode="General" sourceLinked="0"/>
+        <c:majorTickMark val="out"/>
+        <c:minorTickMark val="none"/>
+        <c:tickLblPos val="nextTo"/>
+        <c:crossAx val="-2113994440"/>
+        <c:crosses val="autoZero"/>
+        <c:auto val="1"/>
+        <c:lblAlgn val="ctr"/>
+        <c:lblOffset val="100"/>
+        <c:noMultiLvlLbl val="0"/>
+      </c:catAx>
+      <c:valAx>
+        <c:axId val="-2113994440"/>
+        <c:scaling>
+          <c:orientation val="minMax"/>
+        </c:scaling>
+        <c:delete val="0"/>
+        <c:axPos val="l"/>
+        <c:majorGridlines/>
+        <c:numFmt formatCode="General" sourceLinked="1"/>
+        <c:majorTickMark val="out"/>
+        <c:minorTickMark val="none"/>
+        <c:tickLblPos val="nextTo"/>
+        <c:crossAx val="-2068027336"/>
+        <c:crosses val="autoZero"/>
+        <c:crossBetween val="between"/>
+      </c:valAx>
+    </c:plotArea>
+    <c:plotVisOnly val="1"/>
+    <c:dispBlanksAs val="gap"/>
+    <c:showDLblsOverMax val="1"/>
+  </c:chart>
+  <c:txPr>
+    <a:bodyPr/>
+    <a:lstStyle/>
+    <a:p>
+      <a:pPr>
+        <a:defRPr sz="1600">
+          <a:solidFill>
+            <a:schemeClr val="bg1"/>
+          </a:solidFill>
+        </a:defRPr>
+      </a:pPr>
+      <a:endParaRPr lang="en-US"/>
+    </a:p>
+  </c:txPr>
+  <c:externalData r:id="rId1">
+    <c:autoUpdate val="0"/>
+  </c:externalData>
+</c:chartSpace>
+</file>
+
+<file path=ppt/charts/chart27.xml><?xml version="1.0" encoding="utf-8"?>
+<c:chartSpace xmlns:c="http://schemas.openxmlformats.org/drawingml/2006/chart" xmlns:a="http://schemas.openxmlformats.org/drawingml/2006/main" xmlns:r="http://schemas.openxmlformats.org/officeDocument/2006/relationships" xmlns:c16r2="http://schemas.microsoft.com/office/drawing/2015/06/chart">
+  <c:date1904 val="0"/>
+  <c:lang val="en-US"/>
+  <c:roundedCorners val="1"/>
+  <mc:AlternateContent xmlns:mc="http://schemas.openxmlformats.org/markup-compatibility/2006">
+    <mc:Choice xmlns:c14="http://schemas.microsoft.com/office/drawing/2007/8/2/chart" Requires="c14">
+      <c14:style val="102"/>
+    </mc:Choice>
+    <mc:Fallback>
+      <c:style val="2"/>
+    </mc:Fallback>
+  </mc:AlternateContent>
+  <c:chart>
+    <c:title>
+      <c:tx>
+        <c:rich>
+          <a:bodyPr/>
+          <a:lstStyle/>
+          <a:p>
+            <a:r>
+              <a:rPr lang="en-ZA" sz="1600">
+                <a:solidFill>
+                  <a:schemeClr val="bg1"/>
+                </a:solidFill>
+              </a:rPr>
+              <a:t>Wednesday</a:t>
+            </a:r>
+          </a:p>
+        </c:rich>
+      </c:tx>
+      <c:overlay val="0"/>
+    </c:title>
+    <c:autoTitleDeleted val="0"/>
+    <c:plotArea>
+      <c:layout/>
+      <c:barChart>
+        <c:barDir val="col"/>
+        <c:grouping val="clustered"/>
+        <c:varyColors val="1"/>
+        <c:ser>
+          <c:idx val="0"/>
+          <c:order val="0"/>
+          <c:tx>
+            <c:strRef>
+              <c:f>Sheet1!$B$1</c:f>
+              <c:strCache>
+                <c:ptCount val="1"/>
+                <c:pt idx="0">
+                  <c:v>Unique Users</c:v>
+                </c:pt>
+              </c:strCache>
+            </c:strRef>
+          </c:tx>
+          <c:spPr>
+            <a:solidFill>
+              <a:srgbClr val="A9F14F"/>
+            </a:solidFill>
+          </c:spPr>
+          <c:invertIfNegative val="1"/>
+          <c:cat>
+            <c:strRef>
+              <c:f>Sheet1!$A$2:$A$6</c:f>
+              <c:strCache>
+                <c:ptCount val="5"/>
+                <c:pt idx="0">
+                  <c:v>CTLN</c:v>
+                </c:pt>
+                <c:pt idx="1">
+                  <c:v>IBAA</c:v>
+                </c:pt>
+                <c:pt idx="2">
+                  <c:v>FIHC</c:v>
+                </c:pt>
+                <c:pt idx="3">
+                  <c:v>IBAB</c:v>
+                </c:pt>
+                <c:pt idx="4">
+                  <c:v>CUPL</c:v>
+                </c:pt>
+              </c:strCache>
+            </c:strRef>
+          </c:cat>
+          <c:val>
+            <c:numRef>
+              <c:f>Sheet1!$B$2:$B$6</c:f>
+              <c:numCache>
+                <c:formatCode>General</c:formatCode>
+                <c:ptCount val="5"/>
+                <c:pt idx="0">
+                  <c:v>1429</c:v>
+                </c:pt>
+                <c:pt idx="1">
+                  <c:v>705</c:v>
+                </c:pt>
+                <c:pt idx="2">
+                  <c:v>648</c:v>
+                </c:pt>
+                <c:pt idx="3">
+                  <c:v>603</c:v>
+                </c:pt>
+                <c:pt idx="4">
+                  <c:v>525</c:v>
+                </c:pt>
+              </c:numCache>
+            </c:numRef>
+          </c:val>
+          <c:extLst>
+            <c:ext xmlns:c14="http://schemas.microsoft.com/office/drawing/2007/8/2/chart" uri="{6F2FDCE9-48DA-4B69-8628-5D25D57E5C99}">
+              <c14:invertSolidFillFmt>
+                <c14:spPr xmlns:c14="http://schemas.microsoft.com/office/drawing/2007/8/2/chart">
+                  <a:solidFill>
+                    <a:srgbClr val="FFFFFF"/>
+                  </a:solidFill>
+                </c14:spPr>
+              </c14:invertSolidFillFmt>
+            </c:ext>
+            <c:ext xmlns:c16="http://schemas.microsoft.com/office/drawing/2014/chart" uri="{C3380CC4-5D6E-409C-BE32-E72D297353CC}">
+              <c16:uniqueId val="{00000000-50AB-48FB-8B4D-325EE9DF2B98}"/>
+            </c:ext>
+          </c:extLst>
+        </c:ser>
+        <c:dLbls>
+          <c:showLegendKey val="0"/>
+          <c:showVal val="0"/>
+          <c:showCatName val="0"/>
+          <c:showSerName val="0"/>
+          <c:showPercent val="0"/>
+          <c:showBubbleSize val="0"/>
+        </c:dLbls>
+        <c:gapWidth val="50"/>
+        <c:axId val="-2068027336"/>
+        <c:axId val="-2113994440"/>
+      </c:barChart>
+      <c:catAx>
+        <c:axId val="-2068027336"/>
+        <c:scaling>
+          <c:orientation val="minMax"/>
+        </c:scaling>
+        <c:delete val="0"/>
+        <c:axPos val="b"/>
+        <c:numFmt formatCode="General" sourceLinked="0"/>
+        <c:majorTickMark val="out"/>
+        <c:minorTickMark val="none"/>
+        <c:tickLblPos val="nextTo"/>
+        <c:crossAx val="-2113994440"/>
+        <c:crosses val="autoZero"/>
+        <c:auto val="1"/>
+        <c:lblAlgn val="ctr"/>
+        <c:lblOffset val="100"/>
+        <c:noMultiLvlLbl val="0"/>
+      </c:catAx>
+      <c:valAx>
+        <c:axId val="-2113994440"/>
+        <c:scaling>
+          <c:orientation val="minMax"/>
+        </c:scaling>
+        <c:delete val="0"/>
+        <c:axPos val="l"/>
+        <c:majorGridlines/>
+        <c:numFmt formatCode="General" sourceLinked="1"/>
+        <c:majorTickMark val="out"/>
+        <c:minorTickMark val="none"/>
+        <c:tickLblPos val="nextTo"/>
+        <c:crossAx val="-2068027336"/>
+        <c:crosses val="autoZero"/>
+        <c:crossBetween val="between"/>
+      </c:valAx>
+    </c:plotArea>
+    <c:plotVisOnly val="1"/>
+    <c:dispBlanksAs val="gap"/>
+    <c:showDLblsOverMax val="1"/>
+  </c:chart>
+  <c:txPr>
+    <a:bodyPr/>
+    <a:lstStyle/>
+    <a:p>
+      <a:pPr>
+        <a:defRPr sz="1600">
+          <a:solidFill>
+            <a:schemeClr val="bg1"/>
+          </a:solidFill>
+        </a:defRPr>
+      </a:pPr>
+      <a:endParaRPr lang="en-US"/>
+    </a:p>
+  </c:txPr>
+  <c:externalData r:id="rId1">
+    <c:autoUpdate val="0"/>
+  </c:externalData>
+</c:chartSpace>
+</file>
+
+<file path=ppt/charts/chart28.xml><?xml version="1.0" encoding="utf-8"?>
+<c:chartSpace xmlns:c="http://schemas.openxmlformats.org/drawingml/2006/chart" xmlns:a="http://schemas.openxmlformats.org/drawingml/2006/main" xmlns:r="http://schemas.openxmlformats.org/officeDocument/2006/relationships" xmlns:c16r2="http://schemas.microsoft.com/office/drawing/2015/06/chart">
+  <c:date1904 val="0"/>
+  <c:lang val="en-US"/>
+  <c:roundedCorners val="1"/>
+  <mc:AlternateContent xmlns:mc="http://schemas.openxmlformats.org/markup-compatibility/2006">
+    <mc:Choice xmlns:c14="http://schemas.microsoft.com/office/drawing/2007/8/2/chart" Requires="c14">
+      <c14:style val="102"/>
+    </mc:Choice>
+    <mc:Fallback>
+      <c:style val="2"/>
+    </mc:Fallback>
+  </mc:AlternateContent>
+  <c:chart>
+    <c:title>
+      <c:tx>
+        <c:rich>
+          <a:bodyPr/>
+          <a:lstStyle/>
+          <a:p>
+            <a:r>
+              <a:rPr lang="en-ZA" sz="1600">
+                <a:solidFill>
+                  <a:schemeClr val="bg1"/>
+                </a:solidFill>
+              </a:rPr>
+              <a:t>Thursday</a:t>
+            </a:r>
+          </a:p>
+        </c:rich>
+      </c:tx>
+      <c:overlay val="0"/>
+    </c:title>
+    <c:autoTitleDeleted val="0"/>
+    <c:plotArea>
+      <c:layout/>
+      <c:barChart>
+        <c:barDir val="col"/>
+        <c:grouping val="clustered"/>
+        <c:varyColors val="1"/>
+        <c:ser>
+          <c:idx val="0"/>
+          <c:order val="0"/>
+          <c:tx>
+            <c:strRef>
+              <c:f>Sheet1!$B$1</c:f>
+              <c:strCache>
+                <c:ptCount val="1"/>
+                <c:pt idx="0">
+                  <c:v>Unique Users</c:v>
+                </c:pt>
+              </c:strCache>
+            </c:strRef>
+          </c:tx>
+          <c:spPr>
+            <a:solidFill>
+              <a:srgbClr val="5BD4B3"/>
+            </a:solidFill>
+          </c:spPr>
+          <c:invertIfNegative val="1"/>
+          <c:cat>
+            <c:strRef>
+              <c:f>Sheet1!$A$2:$A$6</c:f>
+              <c:strCache>
+                <c:ptCount val="5"/>
+                <c:pt idx="0">
+                  <c:v>CTLN</c:v>
+                </c:pt>
+                <c:pt idx="1">
+                  <c:v>IBAA</c:v>
+                </c:pt>
+                <c:pt idx="2">
+                  <c:v>FIHC</c:v>
+                </c:pt>
+                <c:pt idx="3">
+                  <c:v>IBAB</c:v>
+                </c:pt>
+                <c:pt idx="4">
+                  <c:v>IBAC</c:v>
+                </c:pt>
+              </c:strCache>
+            </c:strRef>
+          </c:cat>
+          <c:val>
+            <c:numRef>
+              <c:f>Sheet1!$B$2:$B$6</c:f>
+              <c:numCache>
+                <c:formatCode>General</c:formatCode>
+                <c:ptCount val="5"/>
+                <c:pt idx="0">
+                  <c:v>1316</c:v>
+                </c:pt>
+                <c:pt idx="1">
+                  <c:v>728</c:v>
+                </c:pt>
+                <c:pt idx="2">
+                  <c:v>631</c:v>
+                </c:pt>
+                <c:pt idx="3">
+                  <c:v>621</c:v>
+                </c:pt>
+                <c:pt idx="4">
+                  <c:v>493</c:v>
+                </c:pt>
+              </c:numCache>
+            </c:numRef>
+          </c:val>
+          <c:extLst>
+            <c:ext xmlns:c14="http://schemas.microsoft.com/office/drawing/2007/8/2/chart" uri="{6F2FDCE9-48DA-4B69-8628-5D25D57E5C99}">
+              <c14:invertSolidFillFmt>
+                <c14:spPr xmlns:c14="http://schemas.microsoft.com/office/drawing/2007/8/2/chart">
+                  <a:solidFill>
+                    <a:srgbClr val="FFFFFF"/>
+                  </a:solidFill>
+                </c14:spPr>
+              </c14:invertSolidFillFmt>
+            </c:ext>
+            <c:ext xmlns:c16="http://schemas.microsoft.com/office/drawing/2014/chart" uri="{C3380CC4-5D6E-409C-BE32-E72D297353CC}">
+              <c16:uniqueId val="{00000000-3E11-4808-8AB6-8CF4B750CBF5}"/>
+            </c:ext>
+          </c:extLst>
+        </c:ser>
+        <c:dLbls>
+          <c:showLegendKey val="0"/>
+          <c:showVal val="0"/>
+          <c:showCatName val="0"/>
+          <c:showSerName val="0"/>
+          <c:showPercent val="0"/>
+          <c:showBubbleSize val="0"/>
+        </c:dLbls>
+        <c:gapWidth val="50"/>
+        <c:axId val="-2068027336"/>
+        <c:axId val="-2113994440"/>
+      </c:barChart>
+      <c:catAx>
+        <c:axId val="-2068027336"/>
+        <c:scaling>
+          <c:orientation val="minMax"/>
+        </c:scaling>
+        <c:delete val="0"/>
+        <c:axPos val="b"/>
+        <c:numFmt formatCode="General" sourceLinked="0"/>
+        <c:majorTickMark val="out"/>
+        <c:minorTickMark val="none"/>
+        <c:tickLblPos val="nextTo"/>
+        <c:crossAx val="-2113994440"/>
+        <c:crosses val="autoZero"/>
+        <c:auto val="1"/>
+        <c:lblAlgn val="ctr"/>
+        <c:lblOffset val="100"/>
+        <c:noMultiLvlLbl val="0"/>
+      </c:catAx>
+      <c:valAx>
+        <c:axId val="-2113994440"/>
+        <c:scaling>
+          <c:orientation val="minMax"/>
+        </c:scaling>
+        <c:delete val="0"/>
+        <c:axPos val="l"/>
+        <c:majorGridlines/>
+        <c:numFmt formatCode="General" sourceLinked="1"/>
+        <c:majorTickMark val="out"/>
+        <c:minorTickMark val="none"/>
+        <c:tickLblPos val="nextTo"/>
+        <c:crossAx val="-2068027336"/>
+        <c:crosses val="autoZero"/>
+        <c:crossBetween val="between"/>
+      </c:valAx>
+    </c:plotArea>
+    <c:plotVisOnly val="1"/>
+    <c:dispBlanksAs val="gap"/>
+    <c:showDLblsOverMax val="1"/>
+  </c:chart>
+  <c:txPr>
+    <a:bodyPr/>
+    <a:lstStyle/>
+    <a:p>
+      <a:pPr>
+        <a:defRPr sz="1600">
+          <a:solidFill>
+            <a:schemeClr val="bg1"/>
+          </a:solidFill>
+        </a:defRPr>
+      </a:pPr>
+      <a:endParaRPr lang="en-US"/>
+    </a:p>
+  </c:txPr>
+  <c:externalData r:id="rId1">
+    <c:autoUpdate val="0"/>
+  </c:externalData>
+</c:chartSpace>
+</file>
+
+<file path=ppt/charts/chart29.xml><?xml version="1.0" encoding="utf-8"?>
+<c:chartSpace xmlns:c="http://schemas.openxmlformats.org/drawingml/2006/chart" xmlns:a="http://schemas.openxmlformats.org/drawingml/2006/main" xmlns:r="http://schemas.openxmlformats.org/officeDocument/2006/relationships" xmlns:c16r2="http://schemas.microsoft.com/office/drawing/2015/06/chart">
+  <c:date1904 val="0"/>
+  <c:lang val="en-US"/>
+  <c:roundedCorners val="1"/>
+  <mc:AlternateContent xmlns:mc="http://schemas.openxmlformats.org/markup-compatibility/2006">
+    <mc:Choice xmlns:c14="http://schemas.microsoft.com/office/drawing/2007/8/2/chart" Requires="c14">
+      <c14:style val="102"/>
+    </mc:Choice>
+    <mc:Fallback>
+      <c:style val="2"/>
+    </mc:Fallback>
+  </mc:AlternateContent>
+  <c:chart>
+    <c:title>
+      <c:tx>
+        <c:rich>
+          <a:bodyPr/>
+          <a:lstStyle/>
+          <a:p>
+            <a:r>
+              <a:rPr lang="en-ZA" sz="1600">
+                <a:solidFill>
+                  <a:schemeClr val="bg1"/>
+                </a:solidFill>
+              </a:rPr>
+              <a:t>Friday</a:t>
+            </a:r>
+          </a:p>
+        </c:rich>
+      </c:tx>
+      <c:overlay val="0"/>
+    </c:title>
+    <c:autoTitleDeleted val="0"/>
+    <c:plotArea>
+      <c:layout/>
+      <c:barChart>
+        <c:barDir val="col"/>
+        <c:grouping val="clustered"/>
+        <c:varyColors val="1"/>
+        <c:ser>
+          <c:idx val="0"/>
+          <c:order val="0"/>
+          <c:tx>
+            <c:strRef>
+              <c:f>Sheet1!$B$1</c:f>
+              <c:strCache>
+                <c:ptCount val="1"/>
+                <c:pt idx="0">
+                  <c:v>Unique Users</c:v>
+                </c:pt>
+              </c:strCache>
+            </c:strRef>
+          </c:tx>
+          <c:spPr>
+            <a:solidFill>
+              <a:srgbClr val="FF842B"/>
+            </a:solidFill>
+          </c:spPr>
+          <c:invertIfNegative val="1"/>
+          <c:cat>
+            <c:strRef>
+              <c:f>Sheet1!$A$2:$A$6</c:f>
+              <c:strCache>
+                <c:ptCount val="5"/>
+                <c:pt idx="0">
+                  <c:v>CTLN</c:v>
+                </c:pt>
+                <c:pt idx="1">
+                  <c:v>IBAA</c:v>
+                </c:pt>
+                <c:pt idx="2">
+                  <c:v>FIHC</c:v>
+                </c:pt>
+                <c:pt idx="3">
+                  <c:v>IBAB</c:v>
+                </c:pt>
+                <c:pt idx="4">
+                  <c:v>CUPL</c:v>
+                </c:pt>
+              </c:strCache>
+            </c:strRef>
+          </c:cat>
+          <c:val>
+            <c:numRef>
+              <c:f>Sheet1!$B$2:$B$6</c:f>
+              <c:numCache>
+                <c:formatCode>General</c:formatCode>
+                <c:ptCount val="5"/>
+                <c:pt idx="0">
+                  <c:v>1039</c:v>
+                </c:pt>
+                <c:pt idx="1">
+                  <c:v>553</c:v>
+                </c:pt>
+                <c:pt idx="2">
+                  <c:v>469</c:v>
+                </c:pt>
+                <c:pt idx="3">
+                  <c:v>464</c:v>
+                </c:pt>
+                <c:pt idx="4">
+                  <c:v>366</c:v>
+                </c:pt>
+              </c:numCache>
+            </c:numRef>
+          </c:val>
+          <c:extLst>
+            <c:ext xmlns:c14="http://schemas.microsoft.com/office/drawing/2007/8/2/chart" uri="{6F2FDCE9-48DA-4B69-8628-5D25D57E5C99}">
+              <c14:invertSolidFillFmt>
+                <c14:spPr xmlns:c14="http://schemas.microsoft.com/office/drawing/2007/8/2/chart">
+                  <a:solidFill>
+                    <a:srgbClr val="FFFFFF"/>
+                  </a:solidFill>
+                </c14:spPr>
+              </c14:invertSolidFillFmt>
+            </c:ext>
+            <c:ext xmlns:c16="http://schemas.microsoft.com/office/drawing/2014/chart" uri="{C3380CC4-5D6E-409C-BE32-E72D297353CC}">
+              <c16:uniqueId val="{00000000-7B19-4D48-887D-05A4D5F6685E}"/>
+            </c:ext>
+          </c:extLst>
+        </c:ser>
+        <c:dLbls>
+          <c:showLegendKey val="0"/>
+          <c:showVal val="0"/>
+          <c:showCatName val="0"/>
+          <c:showSerName val="0"/>
+          <c:showPercent val="0"/>
+          <c:showBubbleSize val="0"/>
+        </c:dLbls>
+        <c:gapWidth val="50"/>
+        <c:axId val="-2068027336"/>
+        <c:axId val="-2113994440"/>
+      </c:barChart>
+      <c:catAx>
+        <c:axId val="-2068027336"/>
+        <c:scaling>
+          <c:orientation val="minMax"/>
+        </c:scaling>
+        <c:delete val="0"/>
+        <c:axPos val="b"/>
+        <c:numFmt formatCode="General" sourceLinked="0"/>
+        <c:majorTickMark val="out"/>
+        <c:minorTickMark val="none"/>
+        <c:tickLblPos val="nextTo"/>
+        <c:crossAx val="-2113994440"/>
+        <c:crosses val="autoZero"/>
+        <c:auto val="1"/>
+        <c:lblAlgn val="ctr"/>
+        <c:lblOffset val="100"/>
+        <c:noMultiLvlLbl val="0"/>
+      </c:catAx>
+      <c:valAx>
+        <c:axId val="-2113994440"/>
+        <c:scaling>
+          <c:orientation val="minMax"/>
+        </c:scaling>
+        <c:delete val="0"/>
+        <c:axPos val="l"/>
+        <c:majorGridlines/>
+        <c:numFmt formatCode="General" sourceLinked="1"/>
+        <c:majorTickMark val="out"/>
+        <c:minorTickMark val="none"/>
+        <c:tickLblPos val="nextTo"/>
+        <c:crossAx val="-2068027336"/>
+        <c:crosses val="autoZero"/>
+        <c:crossBetween val="between"/>
+      </c:valAx>
+    </c:plotArea>
+    <c:plotVisOnly val="1"/>
+    <c:dispBlanksAs val="gap"/>
+    <c:showDLblsOverMax val="1"/>
+  </c:chart>
+  <c:txPr>
+    <a:bodyPr/>
+    <a:lstStyle/>
+    <a:p>
+      <a:pPr>
+        <a:defRPr sz="1600">
+          <a:solidFill>
+            <a:schemeClr val="bg1"/>
+          </a:solidFill>
+        </a:defRPr>
       </a:pPr>
       <a:endParaRPr lang="en-US"/>
     </a:p>
@@ -7095,8 +7563,12 @@
           <a:lstStyle/>
           <a:p>
             <a:r>
-              <a:rPr lang="en-ZA"/>
-              <a:t>Tuesday</a:t>
+              <a:rPr lang="en-ZA" sz="1600">
+                <a:solidFill>
+                  <a:schemeClr val="bg1"/>
+                </a:solidFill>
+              </a:rPr>
+              <a:t>Saturday</a:t>
             </a:r>
           </a:p>
         </c:rich>
@@ -7124,6 +7596,11 @@
               </c:strCache>
             </c:strRef>
           </c:tx>
+          <c:spPr>
+            <a:solidFill>
+              <a:srgbClr val="F9452A"/>
+            </a:solidFill>
+          </c:spPr>
           <c:invertIfNegative val="1"/>
           <c:cat>
             <c:strRef>
@@ -7137,13 +7614,13 @@
                   <c:v>IBAA</c:v>
                 </c:pt>
                 <c:pt idx="2">
+                  <c:v>FIHC</c:v>
+                </c:pt>
+                <c:pt idx="3">
                   <c:v>IBAB</c:v>
                 </c:pt>
-                <c:pt idx="3">
-                  <c:v>FIHC</c:v>
-                </c:pt>
                 <c:pt idx="4">
-                  <c:v>CUPL</c:v>
+                  <c:v>IBAC</c:v>
                 </c:pt>
               </c:strCache>
             </c:strRef>
@@ -7155,26 +7632,35 @@
                 <c:formatCode>General</c:formatCode>
                 <c:ptCount val="5"/>
                 <c:pt idx="0">
-                  <c:v>1560</c:v>
+                  <c:v>872</c:v>
                 </c:pt>
                 <c:pt idx="1">
-                  <c:v>841</c:v>
+                  <c:v>320</c:v>
                 </c:pt>
                 <c:pt idx="2">
-                  <c:v>672</c:v>
+                  <c:v>295</c:v>
                 </c:pt>
                 <c:pt idx="3">
-                  <c:v>639</c:v>
+                  <c:v>270</c:v>
                 </c:pt>
                 <c:pt idx="4">
-                  <c:v>556</c:v>
+                  <c:v>255</c:v>
                 </c:pt>
               </c:numCache>
             </c:numRef>
           </c:val>
           <c:extLst>
+            <c:ext xmlns:c14="http://schemas.microsoft.com/office/drawing/2007/8/2/chart" uri="{6F2FDCE9-48DA-4B69-8628-5D25D57E5C99}">
+              <c14:invertSolidFillFmt>
+                <c14:spPr xmlns:c14="http://schemas.microsoft.com/office/drawing/2007/8/2/chart">
+                  <a:solidFill>
+                    <a:srgbClr val="FFFFFF"/>
+                  </a:solidFill>
+                </c14:spPr>
+              </c14:invertSolidFillFmt>
+            </c:ext>
             <c:ext xmlns:c16="http://schemas.microsoft.com/office/drawing/2014/chart" uri="{C3380CC4-5D6E-409C-BE32-E72D297353CC}">
-              <c16:uniqueId val="{00000000-D87C-41A1-AF74-B3978649824A}"/>
+              <c16:uniqueId val="{00000000-907C-49D4-9C6A-7094D14CC33C}"/>
             </c:ext>
           </c:extLst>
         </c:ser>
@@ -7186,7 +7672,7 @@
           <c:showPercent val="0"/>
           <c:showBubbleSize val="0"/>
         </c:dLbls>
-        <c:gapWidth val="150"/>
+        <c:gapWidth val="50"/>
         <c:axId val="-2068027336"/>
         <c:axId val="-2113994440"/>
       </c:barChart>
@@ -7234,7 +7720,11 @@
     <a:lstStyle/>
     <a:p>
       <a:pPr>
-        <a:defRPr sz="1800"/>
+        <a:defRPr sz="1600">
+          <a:solidFill>
+            <a:schemeClr val="bg1"/>
+          </a:solidFill>
+        </a:defRPr>
       </a:pPr>
       <a:endParaRPr lang="en-US"/>
     </a:p>
@@ -7266,8 +7756,12 @@
           <a:lstStyle/>
           <a:p>
             <a:r>
-              <a:rPr lang="en-ZA"/>
-              <a:t>Wednesday</a:t>
+              <a:rPr lang="en-ZA" sz="1600">
+                <a:solidFill>
+                  <a:schemeClr val="bg1"/>
+                </a:solidFill>
+              </a:rPr>
+              <a:t>Sunday</a:t>
             </a:r>
           </a:p>
         </c:rich>
@@ -7295,6 +7789,11 @@
               </c:strCache>
             </c:strRef>
           </c:tx>
+          <c:spPr>
+            <a:solidFill>
+              <a:srgbClr val="203380"/>
+            </a:solidFill>
+          </c:spPr>
           <c:invertIfNegative val="1"/>
           <c:cat>
             <c:strRef>
@@ -7308,13 +7807,13 @@
                   <c:v>IBAA</c:v>
                 </c:pt>
                 <c:pt idx="2">
-                  <c:v>FIHC</c:v>
+                  <c:v>CUPL</c:v>
                 </c:pt>
                 <c:pt idx="3">
                   <c:v>IBAB</c:v>
                 </c:pt>
                 <c:pt idx="4">
-                  <c:v>CUPL</c:v>
+                  <c:v>CACU</c:v>
                 </c:pt>
               </c:strCache>
             </c:strRef>
@@ -7326,26 +7825,35 @@
                 <c:formatCode>General</c:formatCode>
                 <c:ptCount val="5"/>
                 <c:pt idx="0">
-                  <c:v>1429</c:v>
+                  <c:v>1915</c:v>
                 </c:pt>
                 <c:pt idx="1">
-                  <c:v>705</c:v>
+                  <c:v>773</c:v>
                 </c:pt>
                 <c:pt idx="2">
-                  <c:v>648</c:v>
+                  <c:v>631</c:v>
                 </c:pt>
                 <c:pt idx="3">
-                  <c:v>603</c:v>
+                  <c:v>605</c:v>
                 </c:pt>
                 <c:pt idx="4">
-                  <c:v>525</c:v>
+                  <c:v>592</c:v>
                 </c:pt>
               </c:numCache>
             </c:numRef>
           </c:val>
           <c:extLst>
+            <c:ext xmlns:c14="http://schemas.microsoft.com/office/drawing/2007/8/2/chart" uri="{6F2FDCE9-48DA-4B69-8628-5D25D57E5C99}">
+              <c14:invertSolidFillFmt>
+                <c14:spPr xmlns:c14="http://schemas.microsoft.com/office/drawing/2007/8/2/chart">
+                  <a:solidFill>
+                    <a:srgbClr val="FFFFFF"/>
+                  </a:solidFill>
+                </c14:spPr>
+              </c14:invertSolidFillFmt>
+            </c:ext>
             <c:ext xmlns:c16="http://schemas.microsoft.com/office/drawing/2014/chart" uri="{C3380CC4-5D6E-409C-BE32-E72D297353CC}">
-              <c16:uniqueId val="{00000000-50AB-48FB-8B4D-325EE9DF2B98}"/>
+              <c16:uniqueId val="{00000000-96B4-4A9C-B9DD-805A851A77EB}"/>
             </c:ext>
           </c:extLst>
         </c:ser>
@@ -7357,7 +7865,7 @@
           <c:showPercent val="0"/>
           <c:showBubbleSize val="0"/>
         </c:dLbls>
-        <c:gapWidth val="150"/>
+        <c:gapWidth val="50"/>
         <c:axId val="-2068027336"/>
         <c:axId val="-2113994440"/>
       </c:barChart>
@@ -7405,7 +7913,11 @@
     <a:lstStyle/>
     <a:p>
       <a:pPr>
-        <a:defRPr sz="1800"/>
+        <a:defRPr sz="1600">
+          <a:solidFill>
+            <a:schemeClr val="bg1"/>
+          </a:solidFill>
+        </a:defRPr>
       </a:pPr>
       <a:endParaRPr lang="en-US"/>
     </a:p>
@@ -7436,9 +7948,12 @@
           <a:bodyPr/>
           <a:lstStyle/>
           <a:p>
-            <a:r>
-              <a:rPr lang="en-ZA"/>
-              <a:t>Thursday</a:t>
+            <a:pPr>
+              <a:defRPr b="0"/>
+            </a:pPr>
+            <a:r>
+              <a:rPr lang="en-US" b="0"/>
+              <a:t>Afternoon</a:t>
             </a:r>
           </a:p>
         </c:rich>
@@ -7469,9 +7984,9 @@
           <c:invertIfNegative val="1"/>
           <c:cat>
             <c:strRef>
-              <c:f>Sheet1!$A$2:$A$6</c:f>
+              <c:f>Sheet1!$A$2:$A$11</c:f>
               <c:strCache>
-                <c:ptCount val="5"/>
+                <c:ptCount val="10"/>
                 <c:pt idx="0">
                   <c:v>CTLN</c:v>
                 </c:pt>
@@ -7479,44 +7994,74 @@
                   <c:v>IBAA</c:v>
                 </c:pt>
                 <c:pt idx="2">
+                  <c:v>IBAB</c:v>
+                </c:pt>
+                <c:pt idx="3">
                   <c:v>FIHC</c:v>
                 </c:pt>
-                <c:pt idx="3">
-                  <c:v>IBAB</c:v>
-                </c:pt>
                 <c:pt idx="4">
+                  <c:v>CUPL</c:v>
+                </c:pt>
+                <c:pt idx="5">
+                  <c:v>FIWL</c:v>
+                </c:pt>
+                <c:pt idx="6">
                   <c:v>IBAC</c:v>
+                </c:pt>
+                <c:pt idx="7">
+                  <c:v>CACU</c:v>
+                </c:pt>
+                <c:pt idx="8">
+                  <c:v>FILS</c:v>
+                </c:pt>
+                <c:pt idx="9">
+                  <c:v>CBPA</c:v>
                 </c:pt>
               </c:strCache>
             </c:strRef>
           </c:cat>
           <c:val>
             <c:numRef>
-              <c:f>Sheet1!$B$2:$B$6</c:f>
+              <c:f>Sheet1!$B$2:$B$11</c:f>
               <c:numCache>
                 <c:formatCode>General</c:formatCode>
-                <c:ptCount val="5"/>
+                <c:ptCount val="10"/>
                 <c:pt idx="0">
-                  <c:v>1316</c:v>
+                  <c:v>3047</c:v>
                 </c:pt>
                 <c:pt idx="1">
-                  <c:v>728</c:v>
+                  <c:v>1676</c:v>
                 </c:pt>
                 <c:pt idx="2">
-                  <c:v>631</c:v>
+                  <c:v>1469</c:v>
                 </c:pt>
                 <c:pt idx="3">
-                  <c:v>621</c:v>
+                  <c:v>1468</c:v>
                 </c:pt>
                 <c:pt idx="4">
-                  <c:v>493</c:v>
+                  <c:v>1189</c:v>
+                </c:pt>
+                <c:pt idx="5">
+                  <c:v>1130</c:v>
+                </c:pt>
+                <c:pt idx="6">
+                  <c:v>1109</c:v>
+                </c:pt>
+                <c:pt idx="7">
+                  <c:v>1067</c:v>
+                </c:pt>
+                <c:pt idx="8">
+                  <c:v>1062</c:v>
+                </c:pt>
+                <c:pt idx="9">
+                  <c:v>949</c:v>
                 </c:pt>
               </c:numCache>
             </c:numRef>
           </c:val>
           <c:extLst>
             <c:ext xmlns:c16="http://schemas.microsoft.com/office/drawing/2014/chart" uri="{C3380CC4-5D6E-409C-BE32-E72D297353CC}">
-              <c16:uniqueId val="{00000000-3E11-4808-8AB6-8CF4B750CBF5}"/>
+              <c16:uniqueId val="{00000000-D607-41BF-A37C-E488C34B10C7}"/>
             </c:ext>
           </c:extLst>
         </c:ser>
@@ -7528,7 +8073,7 @@
           <c:showPercent val="0"/>
           <c:showBubbleSize val="0"/>
         </c:dLbls>
-        <c:gapWidth val="150"/>
+        <c:gapWidth val="50"/>
         <c:axId val="-2068027336"/>
         <c:axId val="-2113994440"/>
       </c:barChart>
@@ -7554,6 +8099,8 @@
         <c:axId val="-2113994440"/>
         <c:scaling>
           <c:orientation val="minMax"/>
+          <c:max val="3351.7000000000003"/>
+          <c:min val="0"/>
         </c:scaling>
         <c:delete val="0"/>
         <c:axPos val="l"/>
@@ -7576,7 +8123,11 @@
     <a:lstStyle/>
     <a:p>
       <a:pPr>
-        <a:defRPr sz="1800"/>
+        <a:defRPr sz="1800">
+          <a:solidFill>
+            <a:schemeClr val="bg1"/>
+          </a:solidFill>
+        </a:defRPr>
       </a:pPr>
       <a:endParaRPr lang="en-US"/>
     </a:p>
@@ -7607,9 +8158,12 @@
           <a:bodyPr/>
           <a:lstStyle/>
           <a:p>
-            <a:r>
-              <a:rPr lang="en-ZA"/>
-              <a:t>Friday</a:t>
+            <a:pPr>
+              <a:defRPr b="0"/>
+            </a:pPr>
+            <a:r>
+              <a:rPr lang="en-US" b="0"/>
+              <a:t>Morning</a:t>
             </a:r>
           </a:p>
         </c:rich>
@@ -7640,9 +8194,9 @@
           <c:invertIfNegative val="1"/>
           <c:cat>
             <c:strRef>
-              <c:f>Sheet1!$A$2:$A$6</c:f>
+              <c:f>Sheet1!$A$2:$A$11</c:f>
               <c:strCache>
-                <c:ptCount val="5"/>
+                <c:ptCount val="10"/>
                 <c:pt idx="0">
                   <c:v>CTLN</c:v>
                 </c:pt>
@@ -7650,44 +8204,74 @@
                   <c:v>IBAA</c:v>
                 </c:pt>
                 <c:pt idx="2">
+                  <c:v>IBAB</c:v>
+                </c:pt>
+                <c:pt idx="3">
                   <c:v>FIHC</c:v>
-                </c:pt>
-                <c:pt idx="3">
-                  <c:v>IBAB</c:v>
                 </c:pt>
                 <c:pt idx="4">
                   <c:v>CUPL</c:v>
+                </c:pt>
+                <c:pt idx="5">
+                  <c:v>FIWL</c:v>
+                </c:pt>
+                <c:pt idx="6">
+                  <c:v>CACU</c:v>
+                </c:pt>
+                <c:pt idx="7">
+                  <c:v>IBAC</c:v>
+                </c:pt>
+                <c:pt idx="8">
+                  <c:v>FILS</c:v>
+                </c:pt>
+                <c:pt idx="9">
+                  <c:v>CBPA</c:v>
                 </c:pt>
               </c:strCache>
             </c:strRef>
           </c:cat>
           <c:val>
             <c:numRef>
-              <c:f>Sheet1!$B$2:$B$6</c:f>
+              <c:f>Sheet1!$B$2:$B$11</c:f>
               <c:numCache>
                 <c:formatCode>General</c:formatCode>
-                <c:ptCount val="5"/>
+                <c:ptCount val="10"/>
                 <c:pt idx="0">
-                  <c:v>1039</c:v>
+                  <c:v>3143</c:v>
                 </c:pt>
                 <c:pt idx="1">
-                  <c:v>553</c:v>
+                  <c:v>1496</c:v>
                 </c:pt>
                 <c:pt idx="2">
-                  <c:v>469</c:v>
+                  <c:v>1217</c:v>
                 </c:pt>
                 <c:pt idx="3">
-                  <c:v>464</c:v>
+                  <c:v>1196</c:v>
                 </c:pt>
                 <c:pt idx="4">
-                  <c:v>366</c:v>
+                  <c:v>1147</c:v>
+                </c:pt>
+                <c:pt idx="5">
+                  <c:v>1051</c:v>
+                </c:pt>
+                <c:pt idx="6">
+                  <c:v>1031</c:v>
+                </c:pt>
+                <c:pt idx="7">
+                  <c:v>984</c:v>
+                </c:pt>
+                <c:pt idx="8">
+                  <c:v>972</c:v>
+                </c:pt>
+                <c:pt idx="9">
+                  <c:v>850</c:v>
                 </c:pt>
               </c:numCache>
             </c:numRef>
           </c:val>
           <c:extLst>
             <c:ext xmlns:c16="http://schemas.microsoft.com/office/drawing/2014/chart" uri="{C3380CC4-5D6E-409C-BE32-E72D297353CC}">
-              <c16:uniqueId val="{00000000-7B19-4D48-887D-05A4D5F6685E}"/>
+              <c16:uniqueId val="{00000000-989F-4BD5-93B4-D916E1D0095B}"/>
             </c:ext>
           </c:extLst>
         </c:ser>
@@ -7699,7 +8283,7 @@
           <c:showPercent val="0"/>
           <c:showBubbleSize val="0"/>
         </c:dLbls>
-        <c:gapWidth val="150"/>
+        <c:gapWidth val="50"/>
         <c:axId val="-2068027336"/>
         <c:axId val="-2113994440"/>
       </c:barChart>
@@ -7725,6 +8309,8 @@
         <c:axId val="-2113994440"/>
         <c:scaling>
           <c:orientation val="minMax"/>
+          <c:max val="3457.3"/>
+          <c:min val="0"/>
         </c:scaling>
         <c:delete val="0"/>
         <c:axPos val="l"/>
@@ -7747,7 +8333,11 @@
     <a:lstStyle/>
     <a:p>
       <a:pPr>
-        <a:defRPr sz="1800"/>
+        <a:defRPr sz="1800">
+          <a:solidFill>
+            <a:schemeClr val="bg1"/>
+          </a:solidFill>
+        </a:defRPr>
       </a:pPr>
       <a:endParaRPr lang="en-US"/>
     </a:p>
@@ -7778,9 +8368,12 @@
           <a:bodyPr/>
           <a:lstStyle/>
           <a:p>
-            <a:r>
-              <a:rPr lang="en-ZA"/>
-              <a:t>Saturday</a:t>
+            <a:pPr>
+              <a:defRPr b="0"/>
+            </a:pPr>
+            <a:r>
+              <a:rPr lang="en-US" b="0"/>
+              <a:t>Evening</a:t>
             </a:r>
           </a:p>
         </c:rich>
@@ -7811,9 +8404,9 @@
           <c:invertIfNegative val="1"/>
           <c:cat>
             <c:strRef>
-              <c:f>Sheet1!$A$2:$A$6</c:f>
+              <c:f>Sheet1!$A$2:$A$11</c:f>
               <c:strCache>
-                <c:ptCount val="5"/>
+                <c:ptCount val="10"/>
                 <c:pt idx="0">
                   <c:v>CTLN</c:v>
                 </c:pt>
@@ -7827,38 +8420,68 @@
                   <c:v>IBAB</c:v>
                 </c:pt>
                 <c:pt idx="4">
+                  <c:v>CUPL</c:v>
+                </c:pt>
+                <c:pt idx="5">
+                  <c:v>FIWL</c:v>
+                </c:pt>
+                <c:pt idx="6">
+                  <c:v>CACU</c:v>
+                </c:pt>
+                <c:pt idx="7">
                   <c:v>IBAC</c:v>
+                </c:pt>
+                <c:pt idx="8">
+                  <c:v>CBPA</c:v>
+                </c:pt>
+                <c:pt idx="9">
+                  <c:v>FILS</c:v>
                 </c:pt>
               </c:strCache>
             </c:strRef>
           </c:cat>
           <c:val>
             <c:numRef>
-              <c:f>Sheet1!$B$2:$B$6</c:f>
+              <c:f>Sheet1!$B$2:$B$11</c:f>
               <c:numCache>
                 <c:formatCode>General</c:formatCode>
-                <c:ptCount val="5"/>
+                <c:ptCount val="10"/>
                 <c:pt idx="0">
-                  <c:v>872</c:v>
+                  <c:v>1810</c:v>
                 </c:pt>
                 <c:pt idx="1">
-                  <c:v>320</c:v>
+                  <c:v>1044</c:v>
                 </c:pt>
                 <c:pt idx="2">
-                  <c:v>295</c:v>
+                  <c:v>828</c:v>
                 </c:pt>
                 <c:pt idx="3">
-                  <c:v>270</c:v>
+                  <c:v>766</c:v>
                 </c:pt>
                 <c:pt idx="4">
-                  <c:v>255</c:v>
+                  <c:v>707</c:v>
+                </c:pt>
+                <c:pt idx="5">
+                  <c:v>672</c:v>
+                </c:pt>
+                <c:pt idx="6">
+                  <c:v>661</c:v>
+                </c:pt>
+                <c:pt idx="7">
+                  <c:v>644</c:v>
+                </c:pt>
+                <c:pt idx="8">
+                  <c:v>631</c:v>
+                </c:pt>
+                <c:pt idx="9">
+                  <c:v>611</c:v>
                 </c:pt>
               </c:numCache>
             </c:numRef>
           </c:val>
           <c:extLst>
             <c:ext xmlns:c16="http://schemas.microsoft.com/office/drawing/2014/chart" uri="{C3380CC4-5D6E-409C-BE32-E72D297353CC}">
-              <c16:uniqueId val="{00000000-907C-49D4-9C6A-7094D14CC33C}"/>
+              <c16:uniqueId val="{00000000-4A4E-4A9D-829F-BB138C2337AD}"/>
             </c:ext>
           </c:extLst>
         </c:ser>
@@ -7870,7 +8493,7 @@
           <c:showPercent val="0"/>
           <c:showBubbleSize val="0"/>
         </c:dLbls>
-        <c:gapWidth val="150"/>
+        <c:gapWidth val="50"/>
         <c:axId val="-2068027336"/>
         <c:axId val="-2113994440"/>
       </c:barChart>
@@ -7896,6 +8519,8 @@
         <c:axId val="-2113994440"/>
         <c:scaling>
           <c:orientation val="minMax"/>
+          <c:max val="1991.0000000000002"/>
+          <c:min val="0"/>
         </c:scaling>
         <c:delete val="0"/>
         <c:axPos val="l"/>
@@ -7918,7 +8543,11 @@
     <a:lstStyle/>
     <a:p>
       <a:pPr>
-        <a:defRPr sz="1800"/>
+        <a:defRPr sz="1800">
+          <a:solidFill>
+            <a:schemeClr val="bg1"/>
+          </a:solidFill>
+        </a:defRPr>
       </a:pPr>
       <a:endParaRPr lang="en-US"/>
     </a:p>
@@ -7949,9 +8578,12 @@
           <a:bodyPr/>
           <a:lstStyle/>
           <a:p>
-            <a:r>
-              <a:rPr lang="en-ZA"/>
-              <a:t>Sunday</a:t>
+            <a:pPr>
+              <a:defRPr b="0"/>
+            </a:pPr>
+            <a:r>
+              <a:rPr lang="en-US" b="0"/>
+              <a:t>Early</a:t>
             </a:r>
           </a:p>
         </c:rich>
@@ -7982,9 +8614,9 @@
           <c:invertIfNegative val="1"/>
           <c:cat>
             <c:strRef>
-              <c:f>Sheet1!$A$2:$A$6</c:f>
+              <c:f>Sheet1!$A$2:$A$11</c:f>
               <c:strCache>
-                <c:ptCount val="5"/>
+                <c:ptCount val="10"/>
                 <c:pt idx="0">
                   <c:v>CTLN</c:v>
                 </c:pt>
@@ -7992,44 +8624,74 @@
                   <c:v>IBAA</c:v>
                 </c:pt>
                 <c:pt idx="2">
-                  <c:v>CUPL</c:v>
+                  <c:v>IBAB</c:v>
                 </c:pt>
                 <c:pt idx="3">
-                  <c:v>IBAB</c:v>
+                  <c:v>FIHC</c:v>
                 </c:pt>
                 <c:pt idx="4">
                   <c:v>CACU</c:v>
+                </c:pt>
+                <c:pt idx="5">
+                  <c:v>FIWL</c:v>
+                </c:pt>
+                <c:pt idx="6">
+                  <c:v>CBPA</c:v>
+                </c:pt>
+                <c:pt idx="7">
+                  <c:v>CUPL</c:v>
+                </c:pt>
+                <c:pt idx="8">
+                  <c:v>FILS</c:v>
+                </c:pt>
+                <c:pt idx="9">
+                  <c:v>EBSH</c:v>
                 </c:pt>
               </c:strCache>
             </c:strRef>
           </c:cat>
           <c:val>
             <c:numRef>
-              <c:f>Sheet1!$B$2:$B$6</c:f>
+              <c:f>Sheet1!$B$2:$B$11</c:f>
               <c:numCache>
                 <c:formatCode>General</c:formatCode>
-                <c:ptCount val="5"/>
+                <c:ptCount val="10"/>
                 <c:pt idx="0">
-                  <c:v>1915</c:v>
+                  <c:v>696</c:v>
                 </c:pt>
                 <c:pt idx="1">
-                  <c:v>773</c:v>
+                  <c:v>306</c:v>
                 </c:pt>
                 <c:pt idx="2">
-                  <c:v>631</c:v>
+                  <c:v>242</c:v>
                 </c:pt>
                 <c:pt idx="3">
-                  <c:v>605</c:v>
+                  <c:v>242</c:v>
                 </c:pt>
                 <c:pt idx="4">
-                  <c:v>592</c:v>
+                  <c:v>212</c:v>
+                </c:pt>
+                <c:pt idx="5">
+                  <c:v>195</c:v>
+                </c:pt>
+                <c:pt idx="6">
+                  <c:v>193</c:v>
+                </c:pt>
+                <c:pt idx="7">
+                  <c:v>189</c:v>
+                </c:pt>
+                <c:pt idx="8">
+                  <c:v>170</c:v>
+                </c:pt>
+                <c:pt idx="9">
+                  <c:v>166</c:v>
                 </c:pt>
               </c:numCache>
             </c:numRef>
           </c:val>
           <c:extLst>
             <c:ext xmlns:c16="http://schemas.microsoft.com/office/drawing/2014/chart" uri="{C3380CC4-5D6E-409C-BE32-E72D297353CC}">
-              <c16:uniqueId val="{00000000-96B4-4A9C-B9DD-805A851A77EB}"/>
+              <c16:uniqueId val="{00000000-8B8B-455D-8C9E-C3F0612A0DE4}"/>
             </c:ext>
           </c:extLst>
         </c:ser>
@@ -8041,7 +8703,7 @@
           <c:showPercent val="0"/>
           <c:showBubbleSize val="0"/>
         </c:dLbls>
-        <c:gapWidth val="150"/>
+        <c:gapWidth val="50"/>
         <c:axId val="-2068027336"/>
         <c:axId val="-2113994440"/>
       </c:barChart>
@@ -8067,6 +8729,8 @@
         <c:axId val="-2113994440"/>
         <c:scaling>
           <c:orientation val="minMax"/>
+          <c:max val="765.6"/>
+          <c:min val="0"/>
         </c:scaling>
         <c:delete val="0"/>
         <c:axPos val="l"/>
@@ -8089,7 +8753,11 @@
     <a:lstStyle/>
     <a:p>
       <a:pPr>
-        <a:defRPr sz="1800"/>
+        <a:defRPr sz="1800">
+          <a:solidFill>
+            <a:schemeClr val="bg1"/>
+          </a:solidFill>
+        </a:defRPr>
       </a:pPr>
       <a:endParaRPr lang="en-US"/>
     </a:p>
@@ -9488,6 +10156,46 @@
   <a:schemeClr val="accent6"/>
   <a:schemeClr val="accent5"/>
   <a:schemeClr val="accent4"/>
+  <cs:variation/>
+  <cs:variation>
+    <a:lumMod val="60000"/>
+  </cs:variation>
+  <cs:variation>
+    <a:lumMod val="80000"/>
+    <a:lumOff val="20000"/>
+  </cs:variation>
+  <cs:variation>
+    <a:lumMod val="80000"/>
+  </cs:variation>
+  <cs:variation>
+    <a:lumMod val="60000"/>
+    <a:lumOff val="40000"/>
+  </cs:variation>
+  <cs:variation>
+    <a:lumMod val="50000"/>
+  </cs:variation>
+  <cs:variation>
+    <a:lumMod val="70000"/>
+    <a:lumOff val="30000"/>
+  </cs:variation>
+  <cs:variation>
+    <a:lumMod val="70000"/>
+  </cs:variation>
+  <cs:variation>
+    <a:lumMod val="50000"/>
+    <a:lumOff val="50000"/>
+  </cs:variation>
+</cs:colorStyle>
+</file>
+
+<file path=ppt/charts/colors2.xml><?xml version="1.0" encoding="utf-8"?>
+<cs:colorStyle xmlns:cs="http://schemas.microsoft.com/office/drawing/2012/chartStyle" xmlns:a="http://schemas.openxmlformats.org/drawingml/2006/main" meth="cycle" id="10">
+  <a:schemeClr val="accent1"/>
+  <a:schemeClr val="accent2"/>
+  <a:schemeClr val="accent3"/>
+  <a:schemeClr val="accent4"/>
+  <a:schemeClr val="accent5"/>
+  <a:schemeClr val="accent6"/>
   <cs:variation/>
   <cs:variation>
     <a:lumMod val="60000"/>
@@ -9960,6 +10668,508 @@
 </cs:chartStyle>
 </file>
 
+<file path=ppt/charts/style2.xml><?xml version="1.0" encoding="utf-8"?>
+<cs:chartStyle xmlns:cs="http://schemas.microsoft.com/office/drawing/2012/chartStyle" xmlns:a="http://schemas.openxmlformats.org/drawingml/2006/main" id="344">
+  <cs:axisTitle>
+    <cs:lnRef idx="0"/>
+    <cs:fillRef idx="0"/>
+    <cs:effectRef idx="0"/>
+    <cs:fontRef idx="minor">
+      <a:schemeClr val="tx1">
+        <a:lumMod val="65000"/>
+        <a:lumOff val="35000"/>
+      </a:schemeClr>
+    </cs:fontRef>
+    <cs:defRPr sz="1197" kern="1200"/>
+  </cs:axisTitle>
+  <cs:categoryAxis>
+    <cs:lnRef idx="0"/>
+    <cs:fillRef idx="0"/>
+    <cs:effectRef idx="0"/>
+    <cs:fontRef idx="minor">
+      <a:schemeClr val="tx1">
+        <a:lumMod val="65000"/>
+        <a:lumOff val="35000"/>
+      </a:schemeClr>
+    </cs:fontRef>
+    <cs:spPr>
+      <a:ln w="12700" cap="flat" cmpd="sng" algn="ctr">
+        <a:solidFill>
+          <a:schemeClr val="tx1">
+            <a:lumMod val="15000"/>
+            <a:lumOff val="85000"/>
+          </a:schemeClr>
+        </a:solidFill>
+        <a:round/>
+      </a:ln>
+    </cs:spPr>
+    <cs:defRPr sz="1197" kern="1200"/>
+  </cs:categoryAxis>
+  <cs:chartArea mods="allowNoFillOverride allowNoLineOverride">
+    <cs:lnRef idx="0"/>
+    <cs:fillRef idx="0"/>
+    <cs:effectRef idx="0"/>
+    <cs:fontRef idx="minor">
+      <a:schemeClr val="tx2"/>
+    </cs:fontRef>
+    <cs:spPr>
+      <a:solidFill>
+        <a:schemeClr val="bg1"/>
+      </a:solidFill>
+      <a:ln w="9525" cap="flat" cmpd="sng" algn="ctr">
+        <a:solidFill>
+          <a:schemeClr val="tx1">
+            <a:lumMod val="15000"/>
+            <a:lumOff val="85000"/>
+          </a:schemeClr>
+        </a:solidFill>
+        <a:round/>
+      </a:ln>
+    </cs:spPr>
+    <cs:defRPr sz="1197" kern="1200"/>
+  </cs:chartArea>
+  <cs:dataLabel>
+    <cs:lnRef idx="0"/>
+    <cs:fillRef idx="0"/>
+    <cs:effectRef idx="0"/>
+    <cs:fontRef idx="minor">
+      <a:schemeClr val="tx1">
+        <a:lumMod val="75000"/>
+        <a:lumOff val="25000"/>
+      </a:schemeClr>
+    </cs:fontRef>
+    <cs:defRPr sz="1197" kern="1200"/>
+  </cs:dataLabel>
+  <cs:dataLabelCallout>
+    <cs:lnRef idx="0"/>
+    <cs:fillRef idx="0"/>
+    <cs:effectRef idx="0"/>
+    <cs:fontRef idx="minor">
+      <a:schemeClr val="dk1">
+        <a:lumMod val="65000"/>
+        <a:lumOff val="35000"/>
+      </a:schemeClr>
+    </cs:fontRef>
+    <cs:spPr>
+      <a:solidFill>
+        <a:schemeClr val="lt1"/>
+      </a:solidFill>
+      <a:ln>
+        <a:solidFill>
+          <a:schemeClr val="dk1">
+            <a:lumMod val="25000"/>
+            <a:lumOff val="75000"/>
+          </a:schemeClr>
+        </a:solidFill>
+      </a:ln>
+    </cs:spPr>
+    <cs:defRPr sz="1197" kern="1200"/>
+    <cs:bodyPr rot="0" spcFirstLastPara="1" vertOverflow="clip" horzOverflow="clip" vert="horz" wrap="square" lIns="36576" tIns="18288" rIns="36576" bIns="18288" anchor="ctr" anchorCtr="1">
+      <a:spAutoFit/>
+    </cs:bodyPr>
+  </cs:dataLabelCallout>
+  <cs:dataPoint>
+    <cs:lnRef idx="0"/>
+    <cs:fillRef idx="3">
+      <cs:styleClr val="auto"/>
+    </cs:fillRef>
+    <cs:effectRef idx="3"/>
+    <cs:fontRef idx="minor">
+      <a:schemeClr val="tx1"/>
+    </cs:fontRef>
+  </cs:dataPoint>
+  <cs:dataPoint3D>
+    <cs:lnRef idx="0"/>
+    <cs:fillRef idx="3">
+      <cs:styleClr val="auto"/>
+    </cs:fillRef>
+    <cs:effectRef idx="3"/>
+    <cs:fontRef idx="minor">
+      <a:schemeClr val="tx1"/>
+    </cs:fontRef>
+  </cs:dataPoint3D>
+  <cs:dataPointLine>
+    <cs:lnRef idx="0">
+      <cs:styleClr val="auto"/>
+    </cs:lnRef>
+    <cs:fillRef idx="3"/>
+    <cs:effectRef idx="3"/>
+    <cs:fontRef idx="minor">
+      <a:schemeClr val="tx1"/>
+    </cs:fontRef>
+    <cs:spPr>
+      <a:ln w="34925" cap="rnd">
+        <a:solidFill>
+          <a:schemeClr val="phClr"/>
+        </a:solidFill>
+        <a:round/>
+      </a:ln>
+    </cs:spPr>
+  </cs:dataPointLine>
+  <cs:dataPointMarker>
+    <cs:lnRef idx="0">
+      <cs:styleClr val="auto"/>
+    </cs:lnRef>
+    <cs:fillRef idx="3">
+      <cs:styleClr val="auto"/>
+    </cs:fillRef>
+    <cs:effectRef idx="3"/>
+    <cs:fontRef idx="minor">
+      <a:schemeClr val="tx1"/>
+    </cs:fontRef>
+    <cs:spPr>
+      <a:ln w="9525">
+        <a:solidFill>
+          <a:schemeClr val="phClr"/>
+        </a:solidFill>
+        <a:round/>
+      </a:ln>
+    </cs:spPr>
+  </cs:dataPointMarker>
+  <cs:dataPointMarkerLayout symbol="circle" size="6"/>
+  <cs:dataPointWireframe>
+    <cs:lnRef idx="0">
+      <cs:styleClr val="auto"/>
+    </cs:lnRef>
+    <cs:fillRef idx="3"/>
+    <cs:effectRef idx="3"/>
+    <cs:fontRef idx="minor">
+      <a:schemeClr val="tx1"/>
+    </cs:fontRef>
+    <cs:spPr>
+      <a:ln w="9525" cap="rnd">
+        <a:solidFill>
+          <a:schemeClr val="phClr"/>
+        </a:solidFill>
+        <a:round/>
+      </a:ln>
+    </cs:spPr>
+  </cs:dataPointWireframe>
+  <cs:dataTable>
+    <cs:lnRef idx="0"/>
+    <cs:fillRef idx="0"/>
+    <cs:effectRef idx="0"/>
+    <cs:fontRef idx="minor">
+      <a:schemeClr val="tx1">
+        <a:lumMod val="65000"/>
+        <a:lumOff val="35000"/>
+      </a:schemeClr>
+    </cs:fontRef>
+    <cs:spPr>
+      <a:noFill/>
+      <a:ln w="9525" cap="flat" cmpd="sng" algn="ctr">
+        <a:solidFill>
+          <a:schemeClr val="tx1">
+            <a:lumMod val="15000"/>
+            <a:lumOff val="85000"/>
+          </a:schemeClr>
+        </a:solidFill>
+        <a:round/>
+      </a:ln>
+    </cs:spPr>
+    <cs:defRPr sz="1197" kern="1200"/>
+  </cs:dataTable>
+  <cs:downBar>
+    <cs:lnRef idx="0"/>
+    <cs:fillRef idx="0"/>
+    <cs:effectRef idx="0"/>
+    <cs:fontRef idx="minor">
+      <a:schemeClr val="dk1"/>
+    </cs:fontRef>
+    <cs:spPr>
+      <a:solidFill>
+        <a:schemeClr val="dk1">
+          <a:lumMod val="65000"/>
+          <a:lumOff val="35000"/>
+        </a:schemeClr>
+      </a:solidFill>
+      <a:ln w="9525">
+        <a:solidFill>
+          <a:schemeClr val="tx1">
+            <a:lumMod val="65000"/>
+            <a:lumOff val="35000"/>
+          </a:schemeClr>
+        </a:solidFill>
+      </a:ln>
+    </cs:spPr>
+  </cs:downBar>
+  <cs:dropLine>
+    <cs:lnRef idx="0"/>
+    <cs:fillRef idx="0"/>
+    <cs:effectRef idx="0"/>
+    <cs:fontRef idx="minor">
+      <a:schemeClr val="tx1"/>
+    </cs:fontRef>
+    <cs:spPr>
+      <a:ln w="9525" cap="flat" cmpd="sng" algn="ctr">
+        <a:solidFill>
+          <a:schemeClr val="tx1">
+            <a:lumMod val="35000"/>
+            <a:lumOff val="65000"/>
+          </a:schemeClr>
+        </a:solidFill>
+        <a:round/>
+      </a:ln>
+    </cs:spPr>
+  </cs:dropLine>
+  <cs:errorBar>
+    <cs:lnRef idx="0"/>
+    <cs:fillRef idx="0"/>
+    <cs:effectRef idx="0"/>
+    <cs:fontRef idx="minor">
+      <a:schemeClr val="tx1"/>
+    </cs:fontRef>
+    <cs:spPr>
+      <a:ln w="9525" cap="flat" cmpd="sng" algn="ctr">
+        <a:solidFill>
+          <a:schemeClr val="tx1">
+            <a:lumMod val="65000"/>
+            <a:lumOff val="35000"/>
+          </a:schemeClr>
+        </a:solidFill>
+        <a:round/>
+      </a:ln>
+    </cs:spPr>
+  </cs:errorBar>
+  <cs:floor>
+    <cs:lnRef idx="0"/>
+    <cs:fillRef idx="0"/>
+    <cs:effectRef idx="0"/>
+    <cs:fontRef idx="minor">
+      <a:schemeClr val="lt1"/>
+    </cs:fontRef>
+  </cs:floor>
+  <cs:gridlineMajor>
+    <cs:lnRef idx="0"/>
+    <cs:fillRef idx="0"/>
+    <cs:effectRef idx="0"/>
+    <cs:fontRef idx="minor">
+      <a:schemeClr val="tx1"/>
+    </cs:fontRef>
+    <cs:spPr>
+      <a:ln w="9525" cap="flat" cmpd="sng" algn="ctr">
+        <a:solidFill>
+          <a:schemeClr val="tx1">
+            <a:lumMod val="15000"/>
+            <a:lumOff val="85000"/>
+          </a:schemeClr>
+        </a:solidFill>
+        <a:round/>
+      </a:ln>
+    </cs:spPr>
+  </cs:gridlineMajor>
+  <cs:gridlineMinor>
+    <cs:lnRef idx="0"/>
+    <cs:fillRef idx="0"/>
+    <cs:effectRef idx="0"/>
+    <cs:fontRef idx="minor">
+      <a:schemeClr val="tx1"/>
+    </cs:fontRef>
+    <cs:spPr>
+      <a:ln w="9525" cap="flat" cmpd="sng" algn="ctr">
+        <a:solidFill>
+          <a:schemeClr val="tx1">
+            <a:lumMod val="5000"/>
+            <a:lumOff val="95000"/>
+          </a:schemeClr>
+        </a:solidFill>
+        <a:round/>
+      </a:ln>
+    </cs:spPr>
+  </cs:gridlineMinor>
+  <cs:hiLoLine>
+    <cs:lnRef idx="0"/>
+    <cs:fillRef idx="0"/>
+    <cs:effectRef idx="0"/>
+    <cs:fontRef idx="minor">
+      <a:schemeClr val="tx1"/>
+    </cs:fontRef>
+    <cs:spPr>
+      <a:ln w="9525" cap="flat" cmpd="sng" algn="ctr">
+        <a:solidFill>
+          <a:schemeClr val="tx1">
+            <a:lumMod val="75000"/>
+            <a:lumOff val="25000"/>
+          </a:schemeClr>
+        </a:solidFill>
+        <a:round/>
+      </a:ln>
+    </cs:spPr>
+  </cs:hiLoLine>
+  <cs:leaderLine>
+    <cs:lnRef idx="0"/>
+    <cs:fillRef idx="0"/>
+    <cs:effectRef idx="0"/>
+    <cs:fontRef idx="minor">
+      <a:schemeClr val="tx1"/>
+    </cs:fontRef>
+    <cs:spPr>
+      <a:ln w="9525" cap="flat" cmpd="sng" algn="ctr">
+        <a:solidFill>
+          <a:schemeClr val="tx1">
+            <a:lumMod val="35000"/>
+            <a:lumOff val="65000"/>
+          </a:schemeClr>
+        </a:solidFill>
+        <a:round/>
+      </a:ln>
+    </cs:spPr>
+  </cs:leaderLine>
+  <cs:legend>
+    <cs:lnRef idx="0"/>
+    <cs:fillRef idx="0"/>
+    <cs:effectRef idx="0"/>
+    <cs:fontRef idx="minor">
+      <a:schemeClr val="tx1">
+        <a:lumMod val="65000"/>
+        <a:lumOff val="35000"/>
+      </a:schemeClr>
+    </cs:fontRef>
+    <cs:defRPr sz="1197" kern="1200"/>
+  </cs:legend>
+  <cs:plotArea>
+    <cs:lnRef idx="0"/>
+    <cs:fillRef idx="0"/>
+    <cs:effectRef idx="0"/>
+    <cs:fontRef idx="minor">
+      <a:schemeClr val="lt1"/>
+    </cs:fontRef>
+  </cs:plotArea>
+  <cs:plotArea3D>
+    <cs:lnRef idx="0"/>
+    <cs:fillRef idx="0"/>
+    <cs:effectRef idx="0"/>
+    <cs:fontRef idx="minor">
+      <a:schemeClr val="lt1"/>
+    </cs:fontRef>
+  </cs:plotArea3D>
+  <cs:seriesAxis>
+    <cs:lnRef idx="0"/>
+    <cs:fillRef idx="0"/>
+    <cs:effectRef idx="0"/>
+    <cs:fontRef idx="minor">
+      <a:schemeClr val="tx1">
+        <a:lumMod val="65000"/>
+        <a:lumOff val="35000"/>
+      </a:schemeClr>
+    </cs:fontRef>
+    <cs:spPr>
+      <a:ln w="12700" cap="flat" cmpd="sng" algn="ctr">
+        <a:solidFill>
+          <a:schemeClr val="tx1">
+            <a:lumMod val="15000"/>
+            <a:lumOff val="85000"/>
+          </a:schemeClr>
+        </a:solidFill>
+        <a:round/>
+      </a:ln>
+    </cs:spPr>
+    <cs:defRPr sz="1197" kern="1200"/>
+  </cs:seriesAxis>
+  <cs:seriesLine>
+    <cs:lnRef idx="0"/>
+    <cs:fillRef idx="0"/>
+    <cs:effectRef idx="0"/>
+    <cs:fontRef idx="minor">
+      <a:schemeClr val="tx1"/>
+    </cs:fontRef>
+    <cs:spPr>
+      <a:ln w="9525" cap="flat" cmpd="sng" algn="ctr">
+        <a:solidFill>
+          <a:schemeClr val="tx1">
+            <a:lumMod val="35000"/>
+            <a:lumOff val="65000"/>
+          </a:schemeClr>
+        </a:solidFill>
+        <a:round/>
+      </a:ln>
+    </cs:spPr>
+  </cs:seriesLine>
+  <cs:title>
+    <cs:lnRef idx="0"/>
+    <cs:fillRef idx="0"/>
+    <cs:effectRef idx="0"/>
+    <cs:fontRef idx="minor">
+      <a:schemeClr val="tx1">
+        <a:lumMod val="65000"/>
+        <a:lumOff val="35000"/>
+      </a:schemeClr>
+    </cs:fontRef>
+    <cs:defRPr sz="2128" b="1" kern="1200" baseline="0"/>
+  </cs:title>
+  <cs:trendline>
+    <cs:lnRef idx="0">
+      <cs:styleClr val="auto"/>
+    </cs:lnRef>
+    <cs:fillRef idx="0"/>
+    <cs:effectRef idx="0"/>
+    <cs:fontRef idx="minor">
+      <a:schemeClr val="lt1"/>
+    </cs:fontRef>
+    <cs:spPr>
+      <a:ln w="19050" cap="rnd">
+        <a:solidFill>
+          <a:schemeClr val="phClr"/>
+        </a:solidFill>
+      </a:ln>
+    </cs:spPr>
+  </cs:trendline>
+  <cs:trendlineLabel>
+    <cs:lnRef idx="0"/>
+    <cs:fillRef idx="0"/>
+    <cs:effectRef idx="0"/>
+    <cs:fontRef idx="minor">
+      <a:schemeClr val="tx1">
+        <a:lumMod val="65000"/>
+        <a:lumOff val="35000"/>
+      </a:schemeClr>
+    </cs:fontRef>
+    <cs:defRPr sz="1197" kern="1200"/>
+  </cs:trendlineLabel>
+  <cs:upBar>
+    <cs:lnRef idx="0"/>
+    <cs:fillRef idx="0"/>
+    <cs:effectRef idx="0"/>
+    <cs:fontRef idx="minor">
+      <a:schemeClr val="dk1"/>
+    </cs:fontRef>
+    <cs:spPr>
+      <a:solidFill>
+        <a:schemeClr val="lt1"/>
+      </a:solidFill>
+      <a:ln w="9525">
+        <a:solidFill>
+          <a:schemeClr val="tx1">
+            <a:lumMod val="15000"/>
+            <a:lumOff val="85000"/>
+          </a:schemeClr>
+        </a:solidFill>
+      </a:ln>
+    </cs:spPr>
+  </cs:upBar>
+  <cs:valueAxis>
+    <cs:lnRef idx="0"/>
+    <cs:fillRef idx="0"/>
+    <cs:effectRef idx="0"/>
+    <cs:fontRef idx="minor">
+      <a:schemeClr val="tx1">
+        <a:lumMod val="65000"/>
+        <a:lumOff val="35000"/>
+      </a:schemeClr>
+    </cs:fontRef>
+    <cs:defRPr sz="1197" kern="1200"/>
+  </cs:valueAxis>
+  <cs:wall>
+    <cs:lnRef idx="0"/>
+    <cs:fillRef idx="0"/>
+    <cs:effectRef idx="0"/>
+    <cs:fontRef idx="minor">
+      <a:schemeClr val="lt1"/>
+    </cs:fontRef>
+  </cs:wall>
+</cs:chartStyle>
+</file>
+
 <file path=ppt/slideLayouts/slideLayout1.xml><?xml version="1.0" encoding="utf-8"?>
 <p:sldLayout xmlns:a="http://schemas.openxmlformats.org/drawingml/2006/main" xmlns:r="http://schemas.openxmlformats.org/officeDocument/2006/relationships" xmlns:p="http://schemas.openxmlformats.org/presentationml/2006/main" type="title" preserve="1">
   <p:cSld name="Title Slide">
@@ -13470,351 +14680,6 @@
           <a:chExt cx="0" cy="0"/>
         </a:xfrm>
       </p:grpSpPr>
-      <p:sp>
-        <p:nvSpPr>
-          <p:cNvPr id="4" name="TextBox 3">
-            <a:extLst>
-              <a:ext uri="{FF2B5EF4-FFF2-40B4-BE49-F238E27FC236}">
-                <a16:creationId xmlns:a16="http://schemas.microsoft.com/office/drawing/2014/main" id="{5B533428-C0D0-B007-B518-9749E36EE0D0}"/>
-              </a:ext>
-            </a:extLst>
-          </p:cNvPr>
-          <p:cNvSpPr txBox="1"/>
-          <p:nvPr/>
-        </p:nvSpPr>
-        <p:spPr>
-          <a:xfrm>
-            <a:off x="491613" y="259782"/>
-            <a:ext cx="4503174" cy="369332"/>
-          </a:xfrm>
-          <a:prstGeom prst="rect">
-            <a:avLst/>
-          </a:prstGeom>
-          <a:solidFill>
-            <a:schemeClr val="bg1"/>
-          </a:solidFill>
-        </p:spPr>
-        <p:txBody>
-          <a:bodyPr wrap="square" rtlCol="0">
-            <a:spAutoFit/>
-          </a:bodyPr>
-          <a:lstStyle/>
-          <a:p>
-            <a:r>
-              <a:rPr lang="en-US" dirty="0"/>
-              <a:t>Who is interacting with the items</a:t>
-            </a:r>
-          </a:p>
-        </p:txBody>
-      </p:sp>
-      <p:graphicFrame>
-        <p:nvGraphicFramePr>
-          <p:cNvPr id="5" name="Chart 4"/>
-          <p:cNvGraphicFramePr>
-            <a:graphicFrameLocks noGrp="1"/>
-          </p:cNvGraphicFramePr>
-          <p:nvPr/>
-        </p:nvGraphicFramePr>
-        <p:xfrm>
-          <a:off x="491613" y="1690688"/>
-          <a:ext cx="4837471" cy="3957484"/>
-        </p:xfrm>
-        <a:graphic>
-          <a:graphicData uri="http://schemas.openxmlformats.org/drawingml/2006/chart">
-            <c:chart xmlns:c="http://schemas.openxmlformats.org/drawingml/2006/chart" xmlns:r="http://schemas.openxmlformats.org/officeDocument/2006/relationships" r:id="rId4"/>
-          </a:graphicData>
-        </a:graphic>
-      </p:graphicFrame>
-      <p:graphicFrame>
-        <p:nvGraphicFramePr>
-          <p:cNvPr id="2" name="Chart 1">
-            <a:extLst>
-              <a:ext uri="{FF2B5EF4-FFF2-40B4-BE49-F238E27FC236}">
-                <a16:creationId xmlns:a16="http://schemas.microsoft.com/office/drawing/2014/main" id="{BF1D1235-F569-096C-1DDC-5D3A86A6C553}"/>
-              </a:ext>
-            </a:extLst>
-          </p:cNvPr>
-          <p:cNvGraphicFramePr>
-            <a:graphicFrameLocks noGrp="1"/>
-          </p:cNvGraphicFramePr>
-          <p:nvPr>
-            <p:extLst>
-              <p:ext uri="{D42A27DB-BD31-4B8C-83A1-F6EECF244321}">
-                <p14:modId xmlns:p14="http://schemas.microsoft.com/office/powerpoint/2010/main" val="3656655146"/>
-              </p:ext>
-            </p:extLst>
-          </p:nvPr>
-        </p:nvGraphicFramePr>
-        <p:xfrm>
-          <a:off x="816078" y="964023"/>
-          <a:ext cx="3456039" cy="2885156"/>
-        </p:xfrm>
-        <a:graphic>
-          <a:graphicData uri="http://schemas.openxmlformats.org/drawingml/2006/chart">
-            <c:chart xmlns:c="http://schemas.openxmlformats.org/drawingml/2006/chart" xmlns:r="http://schemas.openxmlformats.org/officeDocument/2006/relationships" r:id="rId5"/>
-          </a:graphicData>
-        </a:graphic>
-      </p:graphicFrame>
-      <p:graphicFrame>
-        <p:nvGraphicFramePr>
-          <p:cNvPr id="3" name="Chart 2"/>
-          <p:cNvGraphicFramePr>
-            <a:graphicFrameLocks noGrp="1"/>
-          </p:cNvGraphicFramePr>
-          <p:nvPr>
-            <p:extLst>
-              <p:ext uri="{D42A27DB-BD31-4B8C-83A1-F6EECF244321}">
-                <p14:modId xmlns:p14="http://schemas.microsoft.com/office/powerpoint/2010/main" val="284385382"/>
-              </p:ext>
-            </p:extLst>
-          </p:nvPr>
-        </p:nvGraphicFramePr>
-        <p:xfrm>
-          <a:off x="4345858" y="1235946"/>
-          <a:ext cx="3569110" cy="2433484"/>
-        </p:xfrm>
-        <a:graphic>
-          <a:graphicData uri="http://schemas.openxmlformats.org/drawingml/2006/chart">
-            <c:chart xmlns:c="http://schemas.openxmlformats.org/drawingml/2006/chart" xmlns:r="http://schemas.openxmlformats.org/officeDocument/2006/relationships" r:id="rId6"/>
-          </a:graphicData>
-        </a:graphic>
-      </p:graphicFrame>
-      <p:graphicFrame>
-        <p:nvGraphicFramePr>
-          <p:cNvPr id="11" name="Chart 10"/>
-          <p:cNvGraphicFramePr>
-            <a:graphicFrameLocks noGrp="1"/>
-          </p:cNvGraphicFramePr>
-          <p:nvPr>
-            <p:extLst>
-              <p:ext uri="{D42A27DB-BD31-4B8C-83A1-F6EECF244321}">
-                <p14:modId xmlns:p14="http://schemas.microsoft.com/office/powerpoint/2010/main" val="672805545"/>
-              </p:ext>
-            </p:extLst>
-          </p:nvPr>
-        </p:nvGraphicFramePr>
-        <p:xfrm>
-          <a:off x="8200104" y="1235946"/>
-          <a:ext cx="3569110" cy="2433484"/>
-        </p:xfrm>
-        <a:graphic>
-          <a:graphicData uri="http://schemas.openxmlformats.org/drawingml/2006/chart">
-            <c:chart xmlns:c="http://schemas.openxmlformats.org/drawingml/2006/chart" xmlns:r="http://schemas.openxmlformats.org/officeDocument/2006/relationships" r:id="rId7"/>
-          </a:graphicData>
-        </a:graphic>
-      </p:graphicFrame>
-      <p:graphicFrame>
-        <p:nvGraphicFramePr>
-          <p:cNvPr id="12" name="Chart 11"/>
-          <p:cNvGraphicFramePr>
-            <a:graphicFrameLocks noGrp="1"/>
-          </p:cNvGraphicFramePr>
-          <p:nvPr>
-            <p:extLst>
-              <p:ext uri="{D42A27DB-BD31-4B8C-83A1-F6EECF244321}">
-                <p14:modId xmlns:p14="http://schemas.microsoft.com/office/powerpoint/2010/main" val="382283792"/>
-              </p:ext>
-            </p:extLst>
-          </p:nvPr>
-        </p:nvGraphicFramePr>
-        <p:xfrm>
-          <a:off x="4345858" y="4131094"/>
-          <a:ext cx="3569110" cy="2433484"/>
-        </p:xfrm>
-        <a:graphic>
-          <a:graphicData uri="http://schemas.openxmlformats.org/drawingml/2006/chart">
-            <c:chart xmlns:c="http://schemas.openxmlformats.org/drawingml/2006/chart" xmlns:r="http://schemas.openxmlformats.org/officeDocument/2006/relationships" r:id="rId8"/>
-          </a:graphicData>
-        </a:graphic>
-      </p:graphicFrame>
-      <p:graphicFrame>
-        <p:nvGraphicFramePr>
-          <p:cNvPr id="13" name="Chart 12"/>
-          <p:cNvGraphicFramePr>
-            <a:graphicFrameLocks noGrp="1"/>
-          </p:cNvGraphicFramePr>
-          <p:nvPr>
-            <p:extLst>
-              <p:ext uri="{D42A27DB-BD31-4B8C-83A1-F6EECF244321}">
-                <p14:modId xmlns:p14="http://schemas.microsoft.com/office/powerpoint/2010/main" val="1828987983"/>
-              </p:ext>
-            </p:extLst>
-          </p:nvPr>
-        </p:nvGraphicFramePr>
-        <p:xfrm>
-          <a:off x="8200104" y="4164734"/>
-          <a:ext cx="3569110" cy="2433484"/>
-        </p:xfrm>
-        <a:graphic>
-          <a:graphicData uri="http://schemas.openxmlformats.org/drawingml/2006/chart">
-            <c:chart xmlns:c="http://schemas.openxmlformats.org/drawingml/2006/chart" xmlns:r="http://schemas.openxmlformats.org/officeDocument/2006/relationships" r:id="rId9"/>
-          </a:graphicData>
-        </a:graphic>
-      </p:graphicFrame>
-      <p:graphicFrame>
-        <p:nvGraphicFramePr>
-          <p:cNvPr id="14" name="Chart 13"/>
-          <p:cNvGraphicFramePr>
-            <a:graphicFrameLocks noGrp="1"/>
-          </p:cNvGraphicFramePr>
-          <p:nvPr>
-            <p:extLst>
-              <p:ext uri="{D42A27DB-BD31-4B8C-83A1-F6EECF244321}">
-                <p14:modId xmlns:p14="http://schemas.microsoft.com/office/powerpoint/2010/main" val="2364391053"/>
-              </p:ext>
-            </p:extLst>
-          </p:nvPr>
-        </p:nvGraphicFramePr>
-        <p:xfrm>
-          <a:off x="491613" y="4164734"/>
-          <a:ext cx="3569110" cy="2433484"/>
-        </p:xfrm>
-        <a:graphic>
-          <a:graphicData uri="http://schemas.openxmlformats.org/drawingml/2006/chart">
-            <c:chart xmlns:c="http://schemas.openxmlformats.org/drawingml/2006/chart" xmlns:r="http://schemas.openxmlformats.org/officeDocument/2006/relationships" r:id="rId10"/>
-          </a:graphicData>
-        </a:graphic>
-      </p:graphicFrame>
-    </p:spTree>
-    <p:extLst>
-      <p:ext uri="{BB962C8B-B14F-4D97-AF65-F5344CB8AC3E}">
-        <p14:creationId xmlns:p14="http://schemas.microsoft.com/office/powerpoint/2010/main" val="3023820534"/>
-      </p:ext>
-    </p:extLst>
-  </p:cSld>
-  <p:clrMapOvr>
-    <a:masterClrMapping/>
-  </p:clrMapOvr>
-  <p:timing>
-    <p:tnLst>
-      <p:par>
-        <p:cTn id="1" dur="indefinite" restart="never" nodeType="tmRoot">
-          <p:childTnLst>
-            <p:seq concurrent="1" nextAc="seek">
-              <p:cTn id="2" dur="indefinite" nodeType="mainSeq">
-                <p:childTnLst>
-                  <p:par>
-                    <p:cTn id="3" fill="hold">
-                      <p:stCondLst>
-                        <p:cond delay="indefinite"/>
-                      </p:stCondLst>
-                      <p:childTnLst>
-                        <p:par>
-                          <p:cTn id="4" fill="hold">
-                            <p:stCondLst>
-                              <p:cond delay="0"/>
-                            </p:stCondLst>
-                            <p:childTnLst>
-                              <p:par>
-                                <p:cTn id="5" presetID="1" presetClass="entr" presetSubtype="0" fill="hold" grpId="0" nodeType="clickEffect">
-                                  <p:stCondLst>
-                                    <p:cond delay="0"/>
-                                  </p:stCondLst>
-                                  <p:childTnLst>
-                                    <p:set>
-                                      <p:cBhvr>
-                                        <p:cTn id="6" dur="1" fill="hold">
-                                          <p:stCondLst>
-                                            <p:cond delay="0"/>
-                                          </p:stCondLst>
-                                        </p:cTn>
-                                        <p:tgtEl>
-                                          <p:spTgt spid="5">
-                                            <p:graphicEl>
-                                              <a:chart seriesIdx="-3" categoryIdx="-3" bldStep="gridLegend"/>
-                                            </p:graphicEl>
-                                          </p:spTgt>
-                                        </p:tgtEl>
-                                        <p:attrNameLst>
-                                          <p:attrName>style.visibility</p:attrName>
-                                        </p:attrNameLst>
-                                      </p:cBhvr>
-                                      <p:to>
-                                        <p:strVal val="visible"/>
-                                      </p:to>
-                                    </p:set>
-                                  </p:childTnLst>
-                                </p:cTn>
-                              </p:par>
-                            </p:childTnLst>
-                          </p:cTn>
-                        </p:par>
-                      </p:childTnLst>
-                    </p:cTn>
-                  </p:par>
-                </p:childTnLst>
-              </p:cTn>
-              <p:prevCondLst>
-                <p:cond evt="onPrev" delay="0">
-                  <p:tgtEl>
-                    <p:sldTgt/>
-                  </p:tgtEl>
-                </p:cond>
-              </p:prevCondLst>
-              <p:nextCondLst>
-                <p:cond evt="onNext" delay="0">
-                  <p:tgtEl>
-                    <p:sldTgt/>
-                  </p:tgtEl>
-                </p:cond>
-              </p:nextCondLst>
-            </p:seq>
-          </p:childTnLst>
-        </p:cTn>
-      </p:par>
-    </p:tnLst>
-    <p:bldLst>
-      <p:bldGraphic spid="5" grpId="0">
-        <p:bldSub>
-          <a:bldChart bld="category"/>
-        </p:bldSub>
-      </p:bldGraphic>
-    </p:bldLst>
-  </p:timing>
-</p:sld>
-</file>
-
-<file path=ppt/slides/slide11.xml><?xml version="1.0" encoding="utf-8"?>
-<p:sld xmlns:a="http://schemas.openxmlformats.org/drawingml/2006/main" xmlns:r="http://schemas.openxmlformats.org/officeDocument/2006/relationships" xmlns:p="http://schemas.openxmlformats.org/presentationml/2006/main">
-  <p:cSld>
-    <p:bg>
-      <p:bgPr>
-        <a:blipFill dpi="0" rotWithShape="1">
-          <a:blip r:embed="rId2">
-            <a:extLst>
-              <a:ext uri="{BEBA8EAE-BF5A-486C-A8C5-ECC9F3942E4B}">
-                <a14:imgProps xmlns:a14="http://schemas.microsoft.com/office/drawing/2010/main">
-                  <a14:imgLayer r:embed="rId3">
-                    <a14:imgEffect>
-                      <a14:brightnessContrast bright="-20000"/>
-                    </a14:imgEffect>
-                  </a14:imgLayer>
-                </a14:imgProps>
-              </a:ext>
-            </a:extLst>
-          </a:blip>
-          <a:srcRect/>
-          <a:stretch>
-            <a:fillRect l="-9000" t="-39000" b="-11000"/>
-          </a:stretch>
-        </a:blipFill>
-        <a:effectLst/>
-      </p:bgPr>
-    </p:bg>
-    <p:spTree>
-      <p:nvGrpSpPr>
-        <p:cNvPr id="1" name=""/>
-        <p:cNvGrpSpPr/>
-        <p:nvPr/>
-      </p:nvGrpSpPr>
-      <p:grpSpPr>
-        <a:xfrm>
-          <a:off x="0" y="0"/>
-          <a:ext cx="0" cy="0"/>
-          <a:chOff x="0" y="0"/>
-          <a:chExt cx="0" cy="0"/>
-        </a:xfrm>
-      </p:grpSpPr>
       <p:graphicFrame>
         <p:nvGraphicFramePr>
           <p:cNvPr id="3" name="Chart 2"/>
@@ -14326,7 +15191,7 @@
 </p:sld>
 </file>
 
-<file path=ppt/slides/slide12.xml><?xml version="1.0" encoding="utf-8"?>
+<file path=ppt/slides/slide11.xml><?xml version="1.0" encoding="utf-8"?>
 <p:sld xmlns:a="http://schemas.openxmlformats.org/drawingml/2006/main" xmlns:r="http://schemas.openxmlformats.org/officeDocument/2006/relationships" xmlns:p="http://schemas.openxmlformats.org/presentationml/2006/main">
   <p:cSld>
     <p:bg>
@@ -14516,6 +15381,105 @@
 </p:sld>
 </file>
 
+<file path=ppt/slides/slide12.xml><?xml version="1.0" encoding="utf-8"?>
+<p:sld xmlns:a="http://schemas.openxmlformats.org/drawingml/2006/main" xmlns:r="http://schemas.openxmlformats.org/officeDocument/2006/relationships" xmlns:p="http://schemas.openxmlformats.org/presentationml/2006/main">
+  <p:cSld>
+    <p:bg>
+      <p:bgPr>
+        <a:blipFill dpi="0" rotWithShape="1">
+          <a:blip r:embed="rId2">
+            <a:extLst>
+              <a:ext uri="{BEBA8EAE-BF5A-486C-A8C5-ECC9F3942E4B}">
+                <a14:imgProps xmlns:a14="http://schemas.microsoft.com/office/drawing/2010/main">
+                  <a14:imgLayer r:embed="rId3">
+                    <a14:imgEffect>
+                      <a14:brightnessContrast bright="-20000"/>
+                    </a14:imgEffect>
+                  </a14:imgLayer>
+                </a14:imgProps>
+              </a:ext>
+            </a:extLst>
+          </a:blip>
+          <a:srcRect/>
+          <a:stretch>
+            <a:fillRect l="-9000" t="-39000" b="-11000"/>
+          </a:stretch>
+        </a:blipFill>
+        <a:effectLst/>
+      </p:bgPr>
+    </p:bg>
+    <p:spTree>
+      <p:nvGrpSpPr>
+        <p:cNvPr id="1" name=""/>
+        <p:cNvGrpSpPr/>
+        <p:nvPr/>
+      </p:nvGrpSpPr>
+      <p:grpSpPr>
+        <a:xfrm>
+          <a:off x="0" y="0"/>
+          <a:ext cx="0" cy="0"/>
+          <a:chOff x="0" y="0"/>
+          <a:chExt cx="0" cy="0"/>
+        </a:xfrm>
+      </p:grpSpPr>
+      <p:sp>
+        <p:nvSpPr>
+          <p:cNvPr id="5" name="TextBox 4">
+            <a:extLst>
+              <a:ext uri="{FF2B5EF4-FFF2-40B4-BE49-F238E27FC236}">
+                <a16:creationId xmlns:a16="http://schemas.microsoft.com/office/drawing/2014/main" id="{2441AE20-AE4A-96C7-F52E-0A3A4F564BA6}"/>
+              </a:ext>
+            </a:extLst>
+          </p:cNvPr>
+          <p:cNvSpPr txBox="1"/>
+          <p:nvPr/>
+        </p:nvSpPr>
+        <p:spPr>
+          <a:xfrm>
+            <a:off x="3264309" y="2905780"/>
+            <a:ext cx="5663381" cy="954107"/>
+          </a:xfrm>
+          <a:prstGeom prst="rect">
+            <a:avLst/>
+          </a:prstGeom>
+          <a:noFill/>
+        </p:spPr>
+        <p:txBody>
+          <a:bodyPr wrap="square" rtlCol="0">
+            <a:spAutoFit/>
+          </a:bodyPr>
+          <a:lstStyle/>
+          <a:p>
+            <a:pPr algn="ctr"/>
+            <a:r>
+              <a:rPr lang="en-US" sz="2800" b="1" dirty="0">
+                <a:solidFill>
+                  <a:schemeClr val="bg1"/>
+                </a:solidFill>
+              </a:rPr>
+              <a:t>When are users interacting with our items? </a:t>
+            </a:r>
+            <a:endParaRPr lang="en-ZA" sz="2800" b="1" dirty="0">
+              <a:solidFill>
+                <a:schemeClr val="bg1"/>
+              </a:solidFill>
+            </a:endParaRPr>
+          </a:p>
+        </p:txBody>
+      </p:sp>
+    </p:spTree>
+    <p:extLst>
+      <p:ext uri="{BB962C8B-B14F-4D97-AF65-F5344CB8AC3E}">
+        <p14:creationId xmlns:p14="http://schemas.microsoft.com/office/powerpoint/2010/main" val="2862982725"/>
+      </p:ext>
+    </p:extLst>
+  </p:cSld>
+  <p:clrMapOvr>
+    <a:masterClrMapping/>
+  </p:clrMapOvr>
+</p:sld>
+</file>
+
 <file path=ppt/slides/slide13.xml><?xml version="1.0" encoding="utf-8"?>
 <p:sld xmlns:a="http://schemas.openxmlformats.org/drawingml/2006/main" xmlns:r="http://schemas.openxmlformats.org/officeDocument/2006/relationships" xmlns:p="http://schemas.openxmlformats.org/presentationml/2006/main">
   <p:cSld>
@@ -14559,21 +15523,21 @@
       </p:grpSpPr>
       <p:graphicFrame>
         <p:nvGraphicFramePr>
-          <p:cNvPr id="3" name="Chart 2"/>
+          <p:cNvPr id="2" name="Chart 1"/>
           <p:cNvGraphicFramePr>
             <a:graphicFrameLocks noGrp="1"/>
           </p:cNvGraphicFramePr>
           <p:nvPr>
             <p:extLst>
               <p:ext uri="{D42A27DB-BD31-4B8C-83A1-F6EECF244321}">
-                <p14:modId xmlns:p14="http://schemas.microsoft.com/office/powerpoint/2010/main" val="2111789073"/>
+                <p14:modId xmlns:p14="http://schemas.microsoft.com/office/powerpoint/2010/main" val="2069097846"/>
               </p:ext>
             </p:extLst>
           </p:nvPr>
         </p:nvGraphicFramePr>
         <p:xfrm>
-          <a:off x="698090" y="3453581"/>
-          <a:ext cx="4439265" cy="2782529"/>
+          <a:off x="467030" y="1557976"/>
+          <a:ext cx="3721512" cy="2667001"/>
         </p:xfrm>
         <a:graphic>
           <a:graphicData uri="http://schemas.openxmlformats.org/drawingml/2006/chart">
@@ -14583,21 +15547,21 @@
       </p:graphicFrame>
       <p:graphicFrame>
         <p:nvGraphicFramePr>
-          <p:cNvPr id="2" name="Chart 1"/>
+          <p:cNvPr id="4" name="Chart 3"/>
           <p:cNvGraphicFramePr>
             <a:graphicFrameLocks noGrp="1"/>
           </p:cNvGraphicFramePr>
           <p:nvPr>
             <p:extLst>
               <p:ext uri="{D42A27DB-BD31-4B8C-83A1-F6EECF244321}">
-                <p14:modId xmlns:p14="http://schemas.microsoft.com/office/powerpoint/2010/main" val="63472124"/>
+                <p14:modId xmlns:p14="http://schemas.microsoft.com/office/powerpoint/2010/main" val="410926732"/>
               </p:ext>
             </p:extLst>
           </p:nvPr>
         </p:nvGraphicFramePr>
         <p:xfrm>
-          <a:off x="6317225" y="634181"/>
-          <a:ext cx="4439265" cy="2782529"/>
+          <a:off x="4547412" y="240891"/>
+          <a:ext cx="3878828" cy="2136059"/>
         </p:xfrm>
         <a:graphic>
           <a:graphicData uri="http://schemas.openxmlformats.org/drawingml/2006/chart">
@@ -14614,14 +15578,14 @@
           <p:nvPr>
             <p:extLst>
               <p:ext uri="{D42A27DB-BD31-4B8C-83A1-F6EECF244321}">
-                <p14:modId xmlns:p14="http://schemas.microsoft.com/office/powerpoint/2010/main" val="2871685080"/>
+                <p14:modId xmlns:p14="http://schemas.microsoft.com/office/powerpoint/2010/main" val="2492065206"/>
               </p:ext>
             </p:extLst>
           </p:nvPr>
         </p:nvGraphicFramePr>
         <p:xfrm>
-          <a:off x="6449962" y="3593690"/>
-          <a:ext cx="4439265" cy="2782529"/>
+          <a:off x="8313172" y="271616"/>
+          <a:ext cx="3878828" cy="2136059"/>
         </p:xfrm>
         <a:graphic>
           <a:graphicData uri="http://schemas.openxmlformats.org/drawingml/2006/chart">
@@ -14638,14 +15602,14 @@
           <p:nvPr>
             <p:extLst>
               <p:ext uri="{D42A27DB-BD31-4B8C-83A1-F6EECF244321}">
-                <p14:modId xmlns:p14="http://schemas.microsoft.com/office/powerpoint/2010/main" val="2307524186"/>
+                <p14:modId xmlns:p14="http://schemas.microsoft.com/office/powerpoint/2010/main" val="895930994"/>
               </p:ext>
             </p:extLst>
           </p:nvPr>
         </p:nvGraphicFramePr>
         <p:xfrm>
-          <a:off x="614516" y="378541"/>
-          <a:ext cx="4439265" cy="2782529"/>
+          <a:off x="4355073" y="2439982"/>
+          <a:ext cx="3878828" cy="2136059"/>
         </p:xfrm>
         <a:graphic>
           <a:graphicData uri="http://schemas.openxmlformats.org/drawingml/2006/chart">
@@ -14653,10 +15617,150 @@
           </a:graphicData>
         </a:graphic>
       </p:graphicFrame>
+      <p:graphicFrame>
+        <p:nvGraphicFramePr>
+          <p:cNvPr id="7" name="Chart 6"/>
+          <p:cNvGraphicFramePr>
+            <a:graphicFrameLocks noGrp="1"/>
+          </p:cNvGraphicFramePr>
+          <p:nvPr>
+            <p:extLst>
+              <p:ext uri="{D42A27DB-BD31-4B8C-83A1-F6EECF244321}">
+                <p14:modId xmlns:p14="http://schemas.microsoft.com/office/powerpoint/2010/main" val="3225284278"/>
+              </p:ext>
+            </p:extLst>
+          </p:nvPr>
+        </p:nvGraphicFramePr>
+        <p:xfrm>
+          <a:off x="8313172" y="2498194"/>
+          <a:ext cx="3796484" cy="2108572"/>
+        </p:xfrm>
+        <a:graphic>
+          <a:graphicData uri="http://schemas.openxmlformats.org/drawingml/2006/chart">
+            <c:chart xmlns:c="http://schemas.openxmlformats.org/drawingml/2006/chart" xmlns:r="http://schemas.openxmlformats.org/officeDocument/2006/relationships" r:id="rId8"/>
+          </a:graphicData>
+        </a:graphic>
+      </p:graphicFrame>
+      <p:graphicFrame>
+        <p:nvGraphicFramePr>
+          <p:cNvPr id="8" name="Chart 7"/>
+          <p:cNvGraphicFramePr>
+            <a:graphicFrameLocks noGrp="1"/>
+          </p:cNvGraphicFramePr>
+          <p:nvPr>
+            <p:extLst>
+              <p:ext uri="{D42A27DB-BD31-4B8C-83A1-F6EECF244321}">
+                <p14:modId xmlns:p14="http://schemas.microsoft.com/office/powerpoint/2010/main" val="3830868265"/>
+              </p:ext>
+            </p:extLst>
+          </p:nvPr>
+        </p:nvGraphicFramePr>
+        <p:xfrm>
+          <a:off x="309714" y="4450324"/>
+          <a:ext cx="3878828" cy="2136059"/>
+        </p:xfrm>
+        <a:graphic>
+          <a:graphicData uri="http://schemas.openxmlformats.org/drawingml/2006/chart">
+            <c:chart xmlns:c="http://schemas.openxmlformats.org/drawingml/2006/chart" xmlns:r="http://schemas.openxmlformats.org/officeDocument/2006/relationships" r:id="rId9"/>
+          </a:graphicData>
+        </a:graphic>
+      </p:graphicFrame>
+      <p:graphicFrame>
+        <p:nvGraphicFramePr>
+          <p:cNvPr id="9" name="Chart 8"/>
+          <p:cNvGraphicFramePr>
+            <a:graphicFrameLocks noGrp="1"/>
+          </p:cNvGraphicFramePr>
+          <p:nvPr>
+            <p:extLst>
+              <p:ext uri="{D42A27DB-BD31-4B8C-83A1-F6EECF244321}">
+                <p14:modId xmlns:p14="http://schemas.microsoft.com/office/powerpoint/2010/main" val="800511375"/>
+              </p:ext>
+            </p:extLst>
+          </p:nvPr>
+        </p:nvGraphicFramePr>
+        <p:xfrm>
+          <a:off x="4124632" y="4548554"/>
+          <a:ext cx="3878828" cy="2136059"/>
+        </p:xfrm>
+        <a:graphic>
+          <a:graphicData uri="http://schemas.openxmlformats.org/drawingml/2006/chart">
+            <c:chart xmlns:c="http://schemas.openxmlformats.org/drawingml/2006/chart" xmlns:r="http://schemas.openxmlformats.org/officeDocument/2006/relationships" r:id="rId10"/>
+          </a:graphicData>
+        </a:graphic>
+      </p:graphicFrame>
+      <p:graphicFrame>
+        <p:nvGraphicFramePr>
+          <p:cNvPr id="10" name="Chart 9"/>
+          <p:cNvGraphicFramePr>
+            <a:graphicFrameLocks noGrp="1"/>
+          </p:cNvGraphicFramePr>
+          <p:nvPr>
+            <p:extLst>
+              <p:ext uri="{D42A27DB-BD31-4B8C-83A1-F6EECF244321}">
+                <p14:modId xmlns:p14="http://schemas.microsoft.com/office/powerpoint/2010/main" val="2026620941"/>
+              </p:ext>
+            </p:extLst>
+          </p:nvPr>
+        </p:nvGraphicFramePr>
+        <p:xfrm>
+          <a:off x="8047702" y="4576041"/>
+          <a:ext cx="4144298" cy="2108572"/>
+        </p:xfrm>
+        <a:graphic>
+          <a:graphicData uri="http://schemas.openxmlformats.org/drawingml/2006/chart">
+            <c:chart xmlns:c="http://schemas.openxmlformats.org/drawingml/2006/chart" xmlns:r="http://schemas.openxmlformats.org/officeDocument/2006/relationships" r:id="rId11"/>
+          </a:graphicData>
+        </a:graphic>
+      </p:graphicFrame>
+      <p:sp>
+        <p:nvSpPr>
+          <p:cNvPr id="11" name="TextBox 10">
+            <a:extLst>
+              <a:ext uri="{FF2B5EF4-FFF2-40B4-BE49-F238E27FC236}">
+                <a16:creationId xmlns:a16="http://schemas.microsoft.com/office/drawing/2014/main" id="{268E665C-2480-BFFA-BA75-DA13852E732F}"/>
+              </a:ext>
+            </a:extLst>
+          </p:cNvPr>
+          <p:cNvSpPr txBox="1"/>
+          <p:nvPr/>
+        </p:nvSpPr>
+        <p:spPr>
+          <a:xfrm>
+            <a:off x="467030" y="191645"/>
+            <a:ext cx="4045973" cy="1200329"/>
+          </a:xfrm>
+          <a:prstGeom prst="rect">
+            <a:avLst/>
+          </a:prstGeom>
+          <a:noFill/>
+        </p:spPr>
+        <p:txBody>
+          <a:bodyPr wrap="square">
+            <a:spAutoFit/>
+          </a:bodyPr>
+          <a:lstStyle/>
+          <a:p>
+            <a:r>
+              <a:rPr lang="en-US" sz="2400" b="1" dirty="0">
+                <a:solidFill>
+                  <a:schemeClr val="bg1"/>
+                </a:solidFill>
+              </a:rPr>
+              <a:t>Number of unique users that interact with items on different days of the week: </a:t>
+            </a:r>
+            <a:endParaRPr lang="en-ZA" sz="2400" b="1" dirty="0">
+              <a:solidFill>
+                <a:schemeClr val="bg1"/>
+              </a:solidFill>
+            </a:endParaRPr>
+          </a:p>
+        </p:txBody>
+      </p:sp>
     </p:spTree>
     <p:extLst>
       <p:ext uri="{BB962C8B-B14F-4D97-AF65-F5344CB8AC3E}">
-        <p14:creationId xmlns:p14="http://schemas.microsoft.com/office/powerpoint/2010/main" val="884986637"/>
+        <p14:creationId xmlns:p14="http://schemas.microsoft.com/office/powerpoint/2010/main" val="3156397344"/>
       </p:ext>
     </p:extLst>
   </p:cSld>
@@ -14709,21 +15813,21 @@
       </p:grpSpPr>
       <p:graphicFrame>
         <p:nvGraphicFramePr>
-          <p:cNvPr id="2" name="Chart 1"/>
+          <p:cNvPr id="3" name="Chart 2"/>
           <p:cNvGraphicFramePr>
             <a:graphicFrameLocks noGrp="1"/>
           </p:cNvGraphicFramePr>
           <p:nvPr>
             <p:extLst>
               <p:ext uri="{D42A27DB-BD31-4B8C-83A1-F6EECF244321}">
-                <p14:modId xmlns:p14="http://schemas.microsoft.com/office/powerpoint/2010/main" val="3486287764"/>
+                <p14:modId xmlns:p14="http://schemas.microsoft.com/office/powerpoint/2010/main" val="1557576191"/>
               </p:ext>
             </p:extLst>
           </p:nvPr>
         </p:nvGraphicFramePr>
         <p:xfrm>
-          <a:off x="373625" y="363793"/>
-          <a:ext cx="4522839" cy="3731342"/>
+          <a:off x="698090" y="3419168"/>
+          <a:ext cx="5260257" cy="2816942"/>
         </p:xfrm>
         <a:graphic>
           <a:graphicData uri="http://schemas.openxmlformats.org/drawingml/2006/chart">
@@ -14733,21 +15837,21 @@
       </p:graphicFrame>
       <p:graphicFrame>
         <p:nvGraphicFramePr>
-          <p:cNvPr id="4" name="Chart 3"/>
+          <p:cNvPr id="2" name="Chart 1"/>
           <p:cNvGraphicFramePr>
             <a:graphicFrameLocks noGrp="1"/>
           </p:cNvGraphicFramePr>
           <p:nvPr>
             <p:extLst>
               <p:ext uri="{D42A27DB-BD31-4B8C-83A1-F6EECF244321}">
-                <p14:modId xmlns:p14="http://schemas.microsoft.com/office/powerpoint/2010/main" val="469752174"/>
+                <p14:modId xmlns:p14="http://schemas.microsoft.com/office/powerpoint/2010/main" val="1459137053"/>
               </p:ext>
             </p:extLst>
           </p:nvPr>
         </p:nvGraphicFramePr>
         <p:xfrm>
-          <a:off x="4980037" y="668594"/>
-          <a:ext cx="3569111" cy="1971365"/>
+          <a:off x="6317225" y="599768"/>
+          <a:ext cx="5260257" cy="2816942"/>
         </p:xfrm>
         <a:graphic>
           <a:graphicData uri="http://schemas.openxmlformats.org/drawingml/2006/chart">
@@ -14764,14 +15868,14 @@
           <p:nvPr>
             <p:extLst>
               <p:ext uri="{D42A27DB-BD31-4B8C-83A1-F6EECF244321}">
-                <p14:modId xmlns:p14="http://schemas.microsoft.com/office/powerpoint/2010/main" val="2645334585"/>
+                <p14:modId xmlns:p14="http://schemas.microsoft.com/office/powerpoint/2010/main" val="353966581"/>
               </p:ext>
             </p:extLst>
           </p:nvPr>
         </p:nvGraphicFramePr>
         <p:xfrm>
-          <a:off x="8347586" y="668592"/>
-          <a:ext cx="3569111" cy="1971365"/>
+          <a:off x="6449962" y="3559277"/>
+          <a:ext cx="5260257" cy="2816942"/>
         </p:xfrm>
         <a:graphic>
           <a:graphicData uri="http://schemas.openxmlformats.org/drawingml/2006/chart">
@@ -14788,14 +15892,14 @@
           <p:nvPr>
             <p:extLst>
               <p:ext uri="{D42A27DB-BD31-4B8C-83A1-F6EECF244321}">
-                <p14:modId xmlns:p14="http://schemas.microsoft.com/office/powerpoint/2010/main" val="1359143944"/>
+                <p14:modId xmlns:p14="http://schemas.microsoft.com/office/powerpoint/2010/main" val="3725298111"/>
               </p:ext>
             </p:extLst>
           </p:nvPr>
         </p:nvGraphicFramePr>
         <p:xfrm>
-          <a:off x="4935792" y="2848898"/>
-          <a:ext cx="3569111" cy="1971365"/>
+          <a:off x="614516" y="344128"/>
+          <a:ext cx="5260257" cy="2816942"/>
         </p:xfrm>
         <a:graphic>
           <a:graphicData uri="http://schemas.openxmlformats.org/drawingml/2006/chart">
@@ -14803,106 +15907,10 @@
           </a:graphicData>
         </a:graphic>
       </p:graphicFrame>
-      <p:graphicFrame>
-        <p:nvGraphicFramePr>
-          <p:cNvPr id="7" name="Chart 6"/>
-          <p:cNvGraphicFramePr>
-            <a:graphicFrameLocks noGrp="1"/>
-          </p:cNvGraphicFramePr>
-          <p:nvPr>
-            <p:extLst>
-              <p:ext uri="{D42A27DB-BD31-4B8C-83A1-F6EECF244321}">
-                <p14:modId xmlns:p14="http://schemas.microsoft.com/office/powerpoint/2010/main" val="1977223138"/>
-              </p:ext>
-            </p:extLst>
-          </p:nvPr>
-        </p:nvGraphicFramePr>
-        <p:xfrm>
-          <a:off x="8308258" y="2910348"/>
-          <a:ext cx="3569111" cy="1971365"/>
-        </p:xfrm>
-        <a:graphic>
-          <a:graphicData uri="http://schemas.openxmlformats.org/drawingml/2006/chart">
-            <c:chart xmlns:c="http://schemas.openxmlformats.org/drawingml/2006/chart" xmlns:r="http://schemas.openxmlformats.org/officeDocument/2006/relationships" r:id="rId8"/>
-          </a:graphicData>
-        </a:graphic>
-      </p:graphicFrame>
-      <p:graphicFrame>
-        <p:nvGraphicFramePr>
-          <p:cNvPr id="8" name="Chart 7"/>
-          <p:cNvGraphicFramePr>
-            <a:graphicFrameLocks noGrp="1"/>
-          </p:cNvGraphicFramePr>
-          <p:nvPr>
-            <p:extLst>
-              <p:ext uri="{D42A27DB-BD31-4B8C-83A1-F6EECF244321}">
-                <p14:modId xmlns:p14="http://schemas.microsoft.com/office/powerpoint/2010/main" val="1191000766"/>
-              </p:ext>
-            </p:extLst>
-          </p:nvPr>
-        </p:nvGraphicFramePr>
-        <p:xfrm>
-          <a:off x="850488" y="4522842"/>
-          <a:ext cx="3569111" cy="1971365"/>
-        </p:xfrm>
-        <a:graphic>
-          <a:graphicData uri="http://schemas.openxmlformats.org/drawingml/2006/chart">
-            <c:chart xmlns:c="http://schemas.openxmlformats.org/drawingml/2006/chart" xmlns:r="http://schemas.openxmlformats.org/officeDocument/2006/relationships" r:id="rId9"/>
-          </a:graphicData>
-        </a:graphic>
-      </p:graphicFrame>
-      <p:graphicFrame>
-        <p:nvGraphicFramePr>
-          <p:cNvPr id="9" name="Chart 8"/>
-          <p:cNvGraphicFramePr>
-            <a:graphicFrameLocks noGrp="1"/>
-          </p:cNvGraphicFramePr>
-          <p:nvPr>
-            <p:extLst>
-              <p:ext uri="{D42A27DB-BD31-4B8C-83A1-F6EECF244321}">
-                <p14:modId xmlns:p14="http://schemas.microsoft.com/office/powerpoint/2010/main" val="3076197194"/>
-              </p:ext>
-            </p:extLst>
-          </p:nvPr>
-        </p:nvGraphicFramePr>
-        <p:xfrm>
-          <a:off x="4778475" y="4758814"/>
-          <a:ext cx="3569111" cy="1971365"/>
-        </p:xfrm>
-        <a:graphic>
-          <a:graphicData uri="http://schemas.openxmlformats.org/drawingml/2006/chart">
-            <c:chart xmlns:c="http://schemas.openxmlformats.org/drawingml/2006/chart" xmlns:r="http://schemas.openxmlformats.org/officeDocument/2006/relationships" r:id="rId10"/>
-          </a:graphicData>
-        </a:graphic>
-      </p:graphicFrame>
-      <p:graphicFrame>
-        <p:nvGraphicFramePr>
-          <p:cNvPr id="10" name="Chart 9"/>
-          <p:cNvGraphicFramePr>
-            <a:graphicFrameLocks noGrp="1"/>
-          </p:cNvGraphicFramePr>
-          <p:nvPr>
-            <p:extLst>
-              <p:ext uri="{D42A27DB-BD31-4B8C-83A1-F6EECF244321}">
-                <p14:modId xmlns:p14="http://schemas.microsoft.com/office/powerpoint/2010/main" val="2182173579"/>
-              </p:ext>
-            </p:extLst>
-          </p:nvPr>
-        </p:nvGraphicFramePr>
-        <p:xfrm>
-          <a:off x="8347586" y="4758815"/>
-          <a:ext cx="3569111" cy="1971365"/>
-        </p:xfrm>
-        <a:graphic>
-          <a:graphicData uri="http://schemas.openxmlformats.org/drawingml/2006/chart">
-            <c:chart xmlns:c="http://schemas.openxmlformats.org/drawingml/2006/chart" xmlns:r="http://schemas.openxmlformats.org/officeDocument/2006/relationships" r:id="rId11"/>
-          </a:graphicData>
-        </a:graphic>
-      </p:graphicFrame>
     </p:spTree>
     <p:extLst>
       <p:ext uri="{BB962C8B-B14F-4D97-AF65-F5344CB8AC3E}">
-        <p14:creationId xmlns:p14="http://schemas.microsoft.com/office/powerpoint/2010/main" val="3156397344"/>
+        <p14:creationId xmlns:p14="http://schemas.microsoft.com/office/powerpoint/2010/main" val="884986637"/>
       </p:ext>
     </p:extLst>
   </p:cSld>
@@ -29013,13 +30021,13 @@
   <p:clrMapOvr>
     <a:masterClrMapping/>
   </p:clrMapOvr>
-  <mc:AlternateContent xmlns:mc="http://schemas.openxmlformats.org/markup-compatibility/2006">
-    <mc:Choice xmlns:p14="http://schemas.microsoft.com/office/powerpoint/2010/main" Requires="p14">
+  <mc:AlternateContent xmlns:mc="http://schemas.openxmlformats.org/markup-compatibility/2006" xmlns:p14="http://schemas.microsoft.com/office/powerpoint/2010/main">
+    <mc:Choice Requires="p14">
       <p:transition p14:dur="100">
         <p:cut/>
       </p:transition>
     </mc:Choice>
-    <mc:Fallback>
+    <mc:Fallback xmlns="">
       <p:transition>
         <p:cut/>
       </p:transition>
@@ -29621,13 +30629,13 @@
   <p:clrMapOvr>
     <a:masterClrMapping/>
   </p:clrMapOvr>
-  <mc:AlternateContent xmlns:mc="http://schemas.openxmlformats.org/markup-compatibility/2006">
-    <mc:Choice xmlns:p14="http://schemas.microsoft.com/office/powerpoint/2010/main" Requires="p14">
+  <mc:AlternateContent xmlns:mc="http://schemas.openxmlformats.org/markup-compatibility/2006" xmlns:p14="http://schemas.microsoft.com/office/powerpoint/2010/main">
+    <mc:Choice Requires="p14">
       <p:transition p14:dur="100">
         <p:cut/>
       </p:transition>
     </mc:Choice>
-    <mc:Fallback>
+    <mc:Fallback xmlns="">
       <p:transition>
         <p:cut/>
       </p:transition>
@@ -30979,13 +31987,13 @@
   <p:clrMapOvr>
     <a:masterClrMapping/>
   </p:clrMapOvr>
-  <mc:AlternateContent xmlns:mc="http://schemas.openxmlformats.org/markup-compatibility/2006">
-    <mc:Choice xmlns:p159="http://schemas.microsoft.com/office/powerpoint/2015/09/main" Requires="p159">
+  <mc:AlternateContent xmlns:mc="http://schemas.openxmlformats.org/markup-compatibility/2006" xmlns:p159="http://schemas.microsoft.com/office/powerpoint/2015/09/main">
+    <mc:Choice Requires="p159">
       <p:transition xmlns:p14="http://schemas.microsoft.com/office/powerpoint/2010/main" spd="slow" p14:dur="2000">
         <p159:morph option="byObject"/>
       </p:transition>
     </mc:Choice>
-    <mc:Fallback>
+    <mc:Fallback xmlns="">
       <p:transition spd="slow">
         <p:fade/>
       </p:transition>
@@ -31540,13 +32548,13 @@
   <p:clrMapOvr>
     <a:masterClrMapping/>
   </p:clrMapOvr>
-  <mc:AlternateContent xmlns:mc="http://schemas.openxmlformats.org/markup-compatibility/2006">
-    <mc:Choice xmlns:p159="http://schemas.microsoft.com/office/powerpoint/2015/09/main" Requires="p159">
+  <mc:AlternateContent xmlns:mc="http://schemas.openxmlformats.org/markup-compatibility/2006" xmlns:p159="http://schemas.microsoft.com/office/powerpoint/2015/09/main">
+    <mc:Choice Requires="p159">
       <p:transition xmlns:p14="http://schemas.microsoft.com/office/powerpoint/2010/main" spd="slow" p14:dur="2000">
         <p159:morph option="byObject"/>
       </p:transition>
     </mc:Choice>
-    <mc:Fallback>
+    <mc:Fallback xmlns="">
       <p:transition spd="slow">
         <p:fade/>
       </p:transition>
@@ -32198,13 +33206,13 @@
   <p:clrMapOvr>
     <a:masterClrMapping/>
   </p:clrMapOvr>
-  <mc:AlternateContent xmlns:mc="http://schemas.openxmlformats.org/markup-compatibility/2006">
-    <mc:Choice xmlns:p159="http://schemas.microsoft.com/office/powerpoint/2015/09/main" Requires="p159">
+  <mc:AlternateContent xmlns:mc="http://schemas.openxmlformats.org/markup-compatibility/2006" xmlns:p159="http://schemas.microsoft.com/office/powerpoint/2015/09/main">
+    <mc:Choice Requires="p159">
       <p:transition xmlns:p14="http://schemas.microsoft.com/office/powerpoint/2010/main" spd="slow" p14:dur="2000">
         <p159:morph option="byObject"/>
       </p:transition>
     </mc:Choice>
-    <mc:Fallback>
+    <mc:Fallback xmlns="">
       <p:transition spd="slow">
         <p:fade/>
       </p:transition>
@@ -32612,13 +33620,13 @@
   <p:clrMapOvr>
     <a:masterClrMapping/>
   </p:clrMapOvr>
-  <mc:AlternateContent xmlns:mc="http://schemas.openxmlformats.org/markup-compatibility/2006">
-    <mc:Choice xmlns:p159="http://schemas.microsoft.com/office/powerpoint/2015/09/main" Requires="p159">
+  <mc:AlternateContent xmlns:mc="http://schemas.openxmlformats.org/markup-compatibility/2006" xmlns:p159="http://schemas.microsoft.com/office/powerpoint/2015/09/main">
+    <mc:Choice Requires="p159">
       <p:transition xmlns:p14="http://schemas.microsoft.com/office/powerpoint/2010/main" spd="slow" p14:dur="2000">
         <p159:morph option="byObject"/>
       </p:transition>
     </mc:Choice>
-    <mc:Fallback>
+    <mc:Fallback xmlns="">
       <p:transition spd="slow">
         <p:fade/>
       </p:transition>
@@ -32909,13 +33917,13 @@
   <p:clrMapOvr>
     <a:masterClrMapping/>
   </p:clrMapOvr>
-  <mc:AlternateContent xmlns:mc="http://schemas.openxmlformats.org/markup-compatibility/2006">
-    <mc:Choice xmlns:p159="http://schemas.microsoft.com/office/powerpoint/2015/09/main" Requires="p159">
+  <mc:AlternateContent xmlns:mc="http://schemas.openxmlformats.org/markup-compatibility/2006" xmlns:p159="http://schemas.microsoft.com/office/powerpoint/2015/09/main">
+    <mc:Choice Requires="p159">
       <p:transition xmlns:p14="http://schemas.microsoft.com/office/powerpoint/2010/main" spd="slow" p14:dur="2000">
         <p159:morph option="byObject"/>
       </p:transition>
     </mc:Choice>
-    <mc:Fallback>
+    <mc:Fallback xmlns="">
       <p:transition spd="slow">
         <p:fade/>
       </p:transition>
@@ -35827,8 +36835,8 @@
           </a:p>
         </p:txBody>
       </p:sp>
-      <mc:AlternateContent xmlns:mc="http://schemas.openxmlformats.org/markup-compatibility/2006">
-        <mc:Choice xmlns:a14="http://schemas.microsoft.com/office/drawing/2010/main" Requires="a14">
+      <mc:AlternateContent xmlns:mc="http://schemas.openxmlformats.org/markup-compatibility/2006" xmlns:a14="http://schemas.microsoft.com/office/drawing/2010/main">
+        <mc:Choice Requires="a14">
           <p:sp>
             <p:nvSpPr>
               <p:cNvPr id="5" name="TextBox 4">
@@ -36098,7 +37106,7 @@
             </p:txBody>
           </p:sp>
         </mc:Choice>
-        <mc:Fallback>
+        <mc:Fallback xmlns="">
           <p:sp>
             <p:nvSpPr>
               <p:cNvPr id="5" name="TextBox 4">
@@ -36820,13 +37828,13 @@
   <p:clrMapOvr>
     <a:masterClrMapping/>
   </p:clrMapOvr>
-  <mc:AlternateContent xmlns:mc="http://schemas.openxmlformats.org/markup-compatibility/2006">
-    <mc:Choice xmlns:p159="http://schemas.microsoft.com/office/powerpoint/2015/09/main" Requires="p159">
+  <mc:AlternateContent xmlns:mc="http://schemas.openxmlformats.org/markup-compatibility/2006" xmlns:p159="http://schemas.microsoft.com/office/powerpoint/2015/09/main">
+    <mc:Choice Requires="p159">
       <p:transition xmlns:p14="http://schemas.microsoft.com/office/powerpoint/2010/main" spd="slow" p14:dur="2000">
         <p159:morph option="byObject"/>
       </p:transition>
     </mc:Choice>
-    <mc:Fallback>
+    <mc:Fallback xmlns="">
       <p:transition spd="slow">
         <p:fade/>
       </p:transition>
@@ -37657,13 +38665,13 @@
   <p:clrMapOvr>
     <a:masterClrMapping/>
   </p:clrMapOvr>
-  <mc:AlternateContent xmlns:mc="http://schemas.openxmlformats.org/markup-compatibility/2006">
-    <mc:Choice xmlns:p159="http://schemas.microsoft.com/office/powerpoint/2015/09/main" Requires="p159">
+  <mc:AlternateContent xmlns:mc="http://schemas.openxmlformats.org/markup-compatibility/2006" xmlns:p159="http://schemas.microsoft.com/office/powerpoint/2015/09/main">
+    <mc:Choice Requires="p159">
       <p:transition xmlns:p14="http://schemas.microsoft.com/office/powerpoint/2010/main" spd="slow" p14:dur="2000">
         <p159:morph option="byObject"/>
       </p:transition>
     </mc:Choice>
-    <mc:Fallback>
+    <mc:Fallback xmlns="">
       <p:transition spd="slow">
         <p:fade/>
       </p:transition>
@@ -37815,13 +38823,13 @@
   <p:clrMapOvr>
     <a:masterClrMapping/>
   </p:clrMapOvr>
-  <mc:AlternateContent xmlns:mc="http://schemas.openxmlformats.org/markup-compatibility/2006">
-    <mc:Choice xmlns:p159="http://schemas.microsoft.com/office/powerpoint/2015/09/main" Requires="p159">
+  <mc:AlternateContent xmlns:mc="http://schemas.openxmlformats.org/markup-compatibility/2006" xmlns:p159="http://schemas.microsoft.com/office/powerpoint/2015/09/main">
+    <mc:Choice Requires="p159">
       <p:transition xmlns:p14="http://schemas.microsoft.com/office/powerpoint/2010/main" spd="slow" p14:dur="2000">
         <p159:morph option="byObject"/>
       </p:transition>
     </mc:Choice>
-    <mc:Fallback>
+    <mc:Fallback xmlns="">
       <p:transition spd="slow">
         <p:fade/>
       </p:transition>
@@ -38106,13 +39114,13 @@
   <p:clrMapOvr>
     <a:masterClrMapping/>
   </p:clrMapOvr>
-  <mc:AlternateContent xmlns:mc="http://schemas.openxmlformats.org/markup-compatibility/2006">
-    <mc:Choice xmlns:p159="http://schemas.microsoft.com/office/powerpoint/2015/09/main" Requires="p159">
+  <mc:AlternateContent xmlns:mc="http://schemas.openxmlformats.org/markup-compatibility/2006" xmlns:p159="http://schemas.microsoft.com/office/powerpoint/2015/09/main">
+    <mc:Choice Requires="p159">
       <p:transition xmlns:p14="http://schemas.microsoft.com/office/powerpoint/2010/main" spd="slow" p14:dur="2000">
         <p159:morph option="byObject"/>
       </p:transition>
     </mc:Choice>
-    <mc:Fallback>
+    <mc:Fallback xmlns="">
       <p:transition spd="slow">
         <p:fade/>
       </p:transition>
@@ -38337,13 +39345,13 @@
   <p:clrMapOvr>
     <a:masterClrMapping/>
   </p:clrMapOvr>
-  <mc:AlternateContent xmlns:mc="http://schemas.openxmlformats.org/markup-compatibility/2006">
-    <mc:Choice xmlns:p159="http://schemas.microsoft.com/office/powerpoint/2015/09/main" Requires="p159">
+  <mc:AlternateContent xmlns:mc="http://schemas.openxmlformats.org/markup-compatibility/2006" xmlns:p159="http://schemas.microsoft.com/office/powerpoint/2015/09/main">
+    <mc:Choice Requires="p159">
       <p:transition xmlns:p14="http://schemas.microsoft.com/office/powerpoint/2010/main" spd="slow" p14:dur="2000">
         <p159:morph option="byObject"/>
       </p:transition>
     </mc:Choice>
-    <mc:Fallback>
+    <mc:Fallback xmlns="">
       <p:transition spd="slow">
         <p:fade/>
       </p:transition>
@@ -39381,12 +40389,60 @@
           <a:chExt cx="0" cy="0"/>
         </a:xfrm>
       </p:grpSpPr>
+      <p:graphicFrame>
+        <p:nvGraphicFramePr>
+          <p:cNvPr id="5" name="Chart 4"/>
+          <p:cNvGraphicFramePr>
+            <a:graphicFrameLocks noGrp="1"/>
+          </p:cNvGraphicFramePr>
+          <p:nvPr/>
+        </p:nvGraphicFramePr>
+        <p:xfrm>
+          <a:off x="491613" y="1690688"/>
+          <a:ext cx="4837471" cy="3957484"/>
+        </p:xfrm>
+        <a:graphic>
+          <a:graphicData uri="http://schemas.openxmlformats.org/drawingml/2006/chart">
+            <c:chart xmlns:c="http://schemas.openxmlformats.org/drawingml/2006/chart" xmlns:r="http://schemas.openxmlformats.org/officeDocument/2006/relationships" r:id="rId4"/>
+          </a:graphicData>
+        </a:graphic>
+      </p:graphicFrame>
+      <p:graphicFrame>
+        <p:nvGraphicFramePr>
+          <p:cNvPr id="2" name="Chart 1">
+            <a:extLst>
+              <a:ext uri="{FF2B5EF4-FFF2-40B4-BE49-F238E27FC236}">
+                <a16:creationId xmlns:a16="http://schemas.microsoft.com/office/drawing/2014/main" id="{BF1D1235-F569-096C-1DDC-5D3A86A6C553}"/>
+              </a:ext>
+            </a:extLst>
+          </p:cNvPr>
+          <p:cNvGraphicFramePr>
+            <a:graphicFrameLocks noGrp="1"/>
+          </p:cNvGraphicFramePr>
+          <p:nvPr>
+            <p:extLst>
+              <p:ext uri="{D42A27DB-BD31-4B8C-83A1-F6EECF244321}">
+                <p14:modId xmlns:p14="http://schemas.microsoft.com/office/powerpoint/2010/main" val="2578555608"/>
+              </p:ext>
+            </p:extLst>
+          </p:nvPr>
+        </p:nvGraphicFramePr>
+        <p:xfrm>
+          <a:off x="510904" y="1435261"/>
+          <a:ext cx="6672744" cy="4965039"/>
+        </p:xfrm>
+        <a:graphic>
+          <a:graphicData uri="http://schemas.openxmlformats.org/drawingml/2006/chart">
+            <c:chart xmlns:c="http://schemas.openxmlformats.org/drawingml/2006/chart" xmlns:r="http://schemas.openxmlformats.org/officeDocument/2006/relationships" r:id="rId5"/>
+          </a:graphicData>
+        </a:graphic>
+      </p:graphicFrame>
       <p:sp>
         <p:nvSpPr>
-          <p:cNvPr id="5" name="TextBox 4">
+          <p:cNvPr id="6" name="TextBox 5">
             <a:extLst>
               <a:ext uri="{FF2B5EF4-FFF2-40B4-BE49-F238E27FC236}">
-                <a16:creationId xmlns:a16="http://schemas.microsoft.com/office/drawing/2014/main" id="{2441AE20-AE4A-96C7-F52E-0A3A4F564BA6}"/>
+                <a16:creationId xmlns:a16="http://schemas.microsoft.com/office/drawing/2014/main" id="{FE59E9D2-BDA5-98AB-3346-092C6CA15971}"/>
               </a:ext>
             </a:extLst>
           </p:cNvPr>
@@ -39395,8 +40451,8 @@
         </p:nvSpPr>
         <p:spPr>
           <a:xfrm>
-            <a:off x="2963368" y="2905780"/>
-            <a:ext cx="5663381" cy="523220"/>
+            <a:off x="7262304" y="2479471"/>
+            <a:ext cx="3392130" cy="1323439"/>
           </a:xfrm>
           <a:prstGeom prst="rect">
             <a:avLst/>
@@ -39409,24 +40465,104 @@
           </a:bodyPr>
           <a:lstStyle/>
           <a:p>
-            <a:pPr algn="ctr"/>
-            <a:r>
-              <a:rPr lang="en-US" sz="2800" b="1" dirty="0" err="1">
+            <a:pPr marL="285750" indent="-285750">
+              <a:buFont typeface="Arial" panose="020B0604020202020204" pitchFamily="34" charset="0"/>
+              <a:buChar char="•"/>
+            </a:pPr>
+            <a:r>
+              <a:rPr lang="en-US" sz="2000" dirty="0">
                 <a:solidFill>
                   <a:schemeClr val="bg1"/>
                 </a:solidFill>
               </a:rPr>
-              <a:t>sdfd</a:t>
-            </a:r>
-            <a:r>
-              <a:rPr lang="en-US" sz="2800" b="1" dirty="0">
+              <a:t>50 detailed customers segments.</a:t>
+            </a:r>
+          </a:p>
+          <a:p>
+            <a:pPr marL="285750" indent="-285750">
+              <a:buFont typeface="Arial" panose="020B0604020202020204" pitchFamily="34" charset="0"/>
+              <a:buChar char="•"/>
+            </a:pPr>
+            <a:endParaRPr lang="en-US" sz="2000" dirty="0">
+              <a:solidFill>
+                <a:schemeClr val="bg1"/>
+              </a:solidFill>
+            </a:endParaRPr>
+          </a:p>
+          <a:p>
+            <a:pPr marL="285750" indent="-285750">
+              <a:buFont typeface="Arial" panose="020B0604020202020204" pitchFamily="34" charset="0"/>
+              <a:buChar char="•"/>
+            </a:pPr>
+            <a:r>
+              <a:rPr lang="en-US" sz="2000" dirty="0">
                 <a:solidFill>
                   <a:schemeClr val="bg1"/>
                 </a:solidFill>
               </a:rPr>
-              <a:t> </a:t>
-            </a:r>
-            <a:endParaRPr lang="en-ZA" sz="2800" b="1" dirty="0">
+              <a:t>Criteria unknown.</a:t>
+            </a:r>
+            <a:endParaRPr lang="en-ZA" sz="2000" dirty="0">
+              <a:solidFill>
+                <a:schemeClr val="bg1"/>
+              </a:solidFill>
+            </a:endParaRPr>
+          </a:p>
+        </p:txBody>
+      </p:sp>
+      <p:sp>
+        <p:nvSpPr>
+          <p:cNvPr id="7" name="TextBox 6">
+            <a:extLst>
+              <a:ext uri="{FF2B5EF4-FFF2-40B4-BE49-F238E27FC236}">
+                <a16:creationId xmlns:a16="http://schemas.microsoft.com/office/drawing/2014/main" id="{193DCF9D-773A-7D32-0852-C01DB9D96EC0}"/>
+              </a:ext>
+            </a:extLst>
+          </p:cNvPr>
+          <p:cNvSpPr txBox="1"/>
+          <p:nvPr/>
+        </p:nvSpPr>
+        <p:spPr>
+          <a:xfrm>
+            <a:off x="334297" y="500390"/>
+            <a:ext cx="9729019" cy="646331"/>
+          </a:xfrm>
+          <a:prstGeom prst="rect">
+            <a:avLst/>
+          </a:prstGeom>
+          <a:noFill/>
+        </p:spPr>
+        <p:txBody>
+          <a:bodyPr wrap="square" rtlCol="0">
+            <a:spAutoFit/>
+          </a:bodyPr>
+          <a:lstStyle/>
+          <a:p>
+            <a:r>
+              <a:rPr lang="en-US" sz="3600" b="1" dirty="0">
+                <a:solidFill>
+                  <a:schemeClr val="bg1"/>
+                </a:solidFill>
+              </a:rPr>
+              <a:t>User </a:t>
+            </a:r>
+            <a:r>
+              <a:rPr lang="en-US" sz="3600" b="1" dirty="0" err="1">
+                <a:solidFill>
+                  <a:schemeClr val="bg1"/>
+                </a:solidFill>
+              </a:rPr>
+              <a:t>behavioural</a:t>
+            </a:r>
+            <a:r>
+              <a:rPr lang="en-US" sz="3600" b="1" dirty="0">
+                <a:solidFill>
+                  <a:schemeClr val="bg1"/>
+                </a:solidFill>
+              </a:rPr>
+              <a:t> segments: </a:t>
+            </a:r>
+            <a:endParaRPr lang="en-ZA" sz="3600" b="1" dirty="0">
               <a:solidFill>
                 <a:schemeClr val="bg1"/>
               </a:solidFill>
@@ -39437,13 +40573,99 @@
     </p:spTree>
     <p:extLst>
       <p:ext uri="{BB962C8B-B14F-4D97-AF65-F5344CB8AC3E}">
-        <p14:creationId xmlns:p14="http://schemas.microsoft.com/office/powerpoint/2010/main" val="2017182538"/>
+        <p14:creationId xmlns:p14="http://schemas.microsoft.com/office/powerpoint/2010/main" val="567490533"/>
       </p:ext>
     </p:extLst>
   </p:cSld>
   <p:clrMapOvr>
     <a:masterClrMapping/>
   </p:clrMapOvr>
+  <p:timing>
+    <p:tnLst>
+      <p:par>
+        <p:cTn id="1" dur="indefinite" restart="never" nodeType="tmRoot">
+          <p:childTnLst>
+            <p:seq concurrent="1" nextAc="seek">
+              <p:cTn id="2" dur="indefinite" nodeType="mainSeq">
+                <p:childTnLst>
+                  <p:par>
+                    <p:cTn id="3" fill="hold">
+                      <p:stCondLst>
+                        <p:cond delay="indefinite"/>
+                      </p:stCondLst>
+                      <p:childTnLst>
+                        <p:par>
+                          <p:cTn id="4" fill="hold">
+                            <p:stCondLst>
+                              <p:cond delay="0"/>
+                            </p:stCondLst>
+                            <p:childTnLst>
+                              <p:par>
+                                <p:cTn id="5" presetID="1" presetClass="entr" presetSubtype="0" fill="hold" grpId="0" nodeType="clickEffect">
+                                  <p:stCondLst>
+                                    <p:cond delay="0"/>
+                                  </p:stCondLst>
+                                  <p:childTnLst>
+                                    <p:set>
+                                      <p:cBhvr>
+                                        <p:cTn id="6" dur="1" fill="hold">
+                                          <p:stCondLst>
+                                            <p:cond delay="0"/>
+                                          </p:stCondLst>
+                                        </p:cTn>
+                                        <p:tgtEl>
+                                          <p:spTgt spid="5">
+                                            <p:graphicEl>
+                                              <a:chart seriesIdx="-3" categoryIdx="-3" bldStep="gridLegend"/>
+                                            </p:graphicEl>
+                                          </p:spTgt>
+                                        </p:tgtEl>
+                                        <p:attrNameLst>
+                                          <p:attrName>style.visibility</p:attrName>
+                                        </p:attrNameLst>
+                                      </p:cBhvr>
+                                      <p:to>
+                                        <p:strVal val="visible"/>
+                                      </p:to>
+                                    </p:set>
+                                  </p:childTnLst>
+                                </p:cTn>
+                              </p:par>
+                            </p:childTnLst>
+                          </p:cTn>
+                        </p:par>
+                      </p:childTnLst>
+                    </p:cTn>
+                  </p:par>
+                </p:childTnLst>
+              </p:cTn>
+              <p:prevCondLst>
+                <p:cond evt="onPrev" delay="0">
+                  <p:tgtEl>
+                    <p:sldTgt/>
+                  </p:tgtEl>
+                </p:cond>
+              </p:prevCondLst>
+              <p:nextCondLst>
+                <p:cond evt="onNext" delay="0">
+                  <p:tgtEl>
+                    <p:sldTgt/>
+                  </p:tgtEl>
+                </p:cond>
+              </p:nextCondLst>
+            </p:seq>
+          </p:childTnLst>
+        </p:cTn>
+      </p:par>
+    </p:tnLst>
+    <p:bldLst>
+      <p:bldGraphic spid="5" grpId="0">
+        <p:bldSub>
+          <a:bldChart bld="category"/>
+        </p:bldSub>
+      </p:bldGraphic>
+    </p:bldLst>
+  </p:timing>
 </p:sld>
 </file>
 
@@ -39521,14 +40743,14 @@
           <p:nvPr>
             <p:extLst>
               <p:ext uri="{D42A27DB-BD31-4B8C-83A1-F6EECF244321}">
-                <p14:modId xmlns:p14="http://schemas.microsoft.com/office/powerpoint/2010/main" val="2578555608"/>
+                <p14:modId xmlns:p14="http://schemas.microsoft.com/office/powerpoint/2010/main" val="2574324870"/>
               </p:ext>
             </p:extLst>
           </p:nvPr>
         </p:nvGraphicFramePr>
         <p:xfrm>
-          <a:off x="510904" y="1435261"/>
-          <a:ext cx="6672744" cy="4965039"/>
+          <a:off x="884904" y="1517861"/>
+          <a:ext cx="3244644" cy="2613233"/>
         </p:xfrm>
         <a:graphic>
           <a:graphicData uri="http://schemas.openxmlformats.org/drawingml/2006/chart">
@@ -39536,12 +40758,132 @@
           </a:graphicData>
         </a:graphic>
       </p:graphicFrame>
+      <p:graphicFrame>
+        <p:nvGraphicFramePr>
+          <p:cNvPr id="3" name="Chart 2"/>
+          <p:cNvGraphicFramePr>
+            <a:graphicFrameLocks noGrp="1"/>
+          </p:cNvGraphicFramePr>
+          <p:nvPr>
+            <p:extLst>
+              <p:ext uri="{D42A27DB-BD31-4B8C-83A1-F6EECF244321}">
+                <p14:modId xmlns:p14="http://schemas.microsoft.com/office/powerpoint/2010/main" val="1975250081"/>
+              </p:ext>
+            </p:extLst>
+          </p:nvPr>
+        </p:nvGraphicFramePr>
+        <p:xfrm>
+          <a:off x="4345858" y="1235946"/>
+          <a:ext cx="3569110" cy="2433484"/>
+        </p:xfrm>
+        <a:graphic>
+          <a:graphicData uri="http://schemas.openxmlformats.org/drawingml/2006/chart">
+            <c:chart xmlns:c="http://schemas.openxmlformats.org/drawingml/2006/chart" xmlns:r="http://schemas.openxmlformats.org/officeDocument/2006/relationships" r:id="rId6"/>
+          </a:graphicData>
+        </a:graphic>
+      </p:graphicFrame>
+      <p:graphicFrame>
+        <p:nvGraphicFramePr>
+          <p:cNvPr id="11" name="Chart 10"/>
+          <p:cNvGraphicFramePr>
+            <a:graphicFrameLocks noGrp="1"/>
+          </p:cNvGraphicFramePr>
+          <p:nvPr>
+            <p:extLst>
+              <p:ext uri="{D42A27DB-BD31-4B8C-83A1-F6EECF244321}">
+                <p14:modId xmlns:p14="http://schemas.microsoft.com/office/powerpoint/2010/main" val="1799614383"/>
+              </p:ext>
+            </p:extLst>
+          </p:nvPr>
+        </p:nvGraphicFramePr>
+        <p:xfrm>
+          <a:off x="8200104" y="1235946"/>
+          <a:ext cx="3569110" cy="2433484"/>
+        </p:xfrm>
+        <a:graphic>
+          <a:graphicData uri="http://schemas.openxmlformats.org/drawingml/2006/chart">
+            <c:chart xmlns:c="http://schemas.openxmlformats.org/drawingml/2006/chart" xmlns:r="http://schemas.openxmlformats.org/officeDocument/2006/relationships" r:id="rId7"/>
+          </a:graphicData>
+        </a:graphic>
+      </p:graphicFrame>
+      <p:graphicFrame>
+        <p:nvGraphicFramePr>
+          <p:cNvPr id="12" name="Chart 11"/>
+          <p:cNvGraphicFramePr>
+            <a:graphicFrameLocks noGrp="1"/>
+          </p:cNvGraphicFramePr>
+          <p:nvPr>
+            <p:extLst>
+              <p:ext uri="{D42A27DB-BD31-4B8C-83A1-F6EECF244321}">
+                <p14:modId xmlns:p14="http://schemas.microsoft.com/office/powerpoint/2010/main" val="14777290"/>
+              </p:ext>
+            </p:extLst>
+          </p:nvPr>
+        </p:nvGraphicFramePr>
+        <p:xfrm>
+          <a:off x="4345858" y="4131094"/>
+          <a:ext cx="3569110" cy="2433484"/>
+        </p:xfrm>
+        <a:graphic>
+          <a:graphicData uri="http://schemas.openxmlformats.org/drawingml/2006/chart">
+            <c:chart xmlns:c="http://schemas.openxmlformats.org/drawingml/2006/chart" xmlns:r="http://schemas.openxmlformats.org/officeDocument/2006/relationships" r:id="rId8"/>
+          </a:graphicData>
+        </a:graphic>
+      </p:graphicFrame>
+      <p:graphicFrame>
+        <p:nvGraphicFramePr>
+          <p:cNvPr id="13" name="Chart 12"/>
+          <p:cNvGraphicFramePr>
+            <a:graphicFrameLocks noGrp="1"/>
+          </p:cNvGraphicFramePr>
+          <p:nvPr>
+            <p:extLst>
+              <p:ext uri="{D42A27DB-BD31-4B8C-83A1-F6EECF244321}">
+                <p14:modId xmlns:p14="http://schemas.microsoft.com/office/powerpoint/2010/main" val="3104550073"/>
+              </p:ext>
+            </p:extLst>
+          </p:nvPr>
+        </p:nvGraphicFramePr>
+        <p:xfrm>
+          <a:off x="8200104" y="4164734"/>
+          <a:ext cx="3569110" cy="2433484"/>
+        </p:xfrm>
+        <a:graphic>
+          <a:graphicData uri="http://schemas.openxmlformats.org/drawingml/2006/chart">
+            <c:chart xmlns:c="http://schemas.openxmlformats.org/drawingml/2006/chart" xmlns:r="http://schemas.openxmlformats.org/officeDocument/2006/relationships" r:id="rId9"/>
+          </a:graphicData>
+        </a:graphic>
+      </p:graphicFrame>
+      <p:graphicFrame>
+        <p:nvGraphicFramePr>
+          <p:cNvPr id="14" name="Chart 13"/>
+          <p:cNvGraphicFramePr>
+            <a:graphicFrameLocks noGrp="1"/>
+          </p:cNvGraphicFramePr>
+          <p:nvPr>
+            <p:extLst>
+              <p:ext uri="{D42A27DB-BD31-4B8C-83A1-F6EECF244321}">
+                <p14:modId xmlns:p14="http://schemas.microsoft.com/office/powerpoint/2010/main" val="3283000694"/>
+              </p:ext>
+            </p:extLst>
+          </p:nvPr>
+        </p:nvGraphicFramePr>
+        <p:xfrm>
+          <a:off x="491613" y="4164734"/>
+          <a:ext cx="3569110" cy="2433484"/>
+        </p:xfrm>
+        <a:graphic>
+          <a:graphicData uri="http://schemas.openxmlformats.org/drawingml/2006/chart">
+            <c:chart xmlns:c="http://schemas.openxmlformats.org/drawingml/2006/chart" xmlns:r="http://schemas.openxmlformats.org/officeDocument/2006/relationships" r:id="rId10"/>
+          </a:graphicData>
+        </a:graphic>
+      </p:graphicFrame>
       <p:sp>
         <p:nvSpPr>
-          <p:cNvPr id="6" name="TextBox 5">
+          <p:cNvPr id="7" name="TextBox 6">
             <a:extLst>
               <a:ext uri="{FF2B5EF4-FFF2-40B4-BE49-F238E27FC236}">
-                <a16:creationId xmlns:a16="http://schemas.microsoft.com/office/drawing/2014/main" id="{FE59E9D2-BDA5-98AB-3346-092C6CA15971}"/>
+                <a16:creationId xmlns:a16="http://schemas.microsoft.com/office/drawing/2014/main" id="{C0663FB4-0511-534F-CC48-243B1EF777DE}"/>
               </a:ext>
             </a:extLst>
           </p:cNvPr>
@@ -39550,8 +40892,8 @@
         </p:nvSpPr>
         <p:spPr>
           <a:xfrm>
-            <a:off x="7262304" y="2479471"/>
-            <a:ext cx="3392130" cy="1323439"/>
+            <a:off x="491613" y="255721"/>
+            <a:ext cx="9035844" cy="954107"/>
           </a:xfrm>
           <a:prstGeom prst="rect">
             <a:avLst/>
@@ -39559,94 +40901,21 @@
           <a:noFill/>
         </p:spPr>
         <p:txBody>
-          <a:bodyPr wrap="square" rtlCol="0">
+          <a:bodyPr wrap="square">
             <a:spAutoFit/>
           </a:bodyPr>
           <a:lstStyle/>
           <a:p>
-            <a:pPr marL="285750" indent="-285750">
-              <a:buFont typeface="Arial" panose="020B0604020202020204" pitchFamily="34" charset="0"/>
-              <a:buChar char="•"/>
-            </a:pPr>
-            <a:r>
-              <a:rPr lang="en-US" sz="2000" dirty="0">
+            <a:r>
+              <a:rPr lang="en-US" sz="2800" b="1" dirty="0">
                 <a:solidFill>
                   <a:schemeClr val="bg1"/>
                 </a:solidFill>
               </a:rPr>
-              <a:t>50 detailed customers segments.</a:t>
-            </a:r>
-          </a:p>
-          <a:p>
-            <a:pPr marL="285750" indent="-285750">
-              <a:buFont typeface="Arial" panose="020B0604020202020204" pitchFamily="34" charset="0"/>
-              <a:buChar char="•"/>
-            </a:pPr>
-            <a:endParaRPr lang="en-US" sz="2000" dirty="0">
-              <a:solidFill>
-                <a:schemeClr val="bg1"/>
-              </a:solidFill>
-            </a:endParaRPr>
-          </a:p>
-          <a:p>
-            <a:pPr marL="285750" indent="-285750">
-              <a:buFont typeface="Arial" panose="020B0604020202020204" pitchFamily="34" charset="0"/>
-              <a:buChar char="•"/>
-            </a:pPr>
-            <a:r>
-              <a:rPr lang="en-US" sz="2000" dirty="0">
-                <a:solidFill>
-                  <a:schemeClr val="bg1"/>
-                </a:solidFill>
-              </a:rPr>
-              <a:t>Criteria unknown.</a:t>
-            </a:r>
-            <a:endParaRPr lang="en-ZA" sz="2000" dirty="0">
-              <a:solidFill>
-                <a:schemeClr val="bg1"/>
-              </a:solidFill>
-            </a:endParaRPr>
-          </a:p>
-        </p:txBody>
-      </p:sp>
-      <p:sp>
-        <p:nvSpPr>
-          <p:cNvPr id="7" name="TextBox 6">
-            <a:extLst>
-              <a:ext uri="{FF2B5EF4-FFF2-40B4-BE49-F238E27FC236}">
-                <a16:creationId xmlns:a16="http://schemas.microsoft.com/office/drawing/2014/main" id="{193DCF9D-773A-7D32-0852-C01DB9D96EC0}"/>
-              </a:ext>
-            </a:extLst>
-          </p:cNvPr>
-          <p:cNvSpPr txBox="1"/>
-          <p:nvPr/>
-        </p:nvSpPr>
-        <p:spPr>
-          <a:xfrm>
-            <a:off x="334297" y="500390"/>
-            <a:ext cx="9729019" cy="646331"/>
-          </a:xfrm>
-          <a:prstGeom prst="rect">
-            <a:avLst/>
-          </a:prstGeom>
-          <a:noFill/>
-        </p:spPr>
-        <p:txBody>
-          <a:bodyPr wrap="square" rtlCol="0">
-            <a:spAutoFit/>
-          </a:bodyPr>
-          <a:lstStyle/>
-          <a:p>
-            <a:r>
-              <a:rPr lang="en-US" sz="3600" b="1" dirty="0">
-                <a:solidFill>
-                  <a:schemeClr val="bg1"/>
-                </a:solidFill>
-              </a:rPr>
-              <a:t>User </a:t>
-            </a:r>
-            <a:r>
-              <a:rPr lang="en-US" sz="3600" b="1" dirty="0" err="1">
+              <a:t>Normalized number of item interactions per </a:t>
+            </a:r>
+            <a:r>
+              <a:rPr lang="en-US" sz="2800" b="1" dirty="0" err="1">
                 <a:solidFill>
                   <a:schemeClr val="bg1"/>
                 </a:solidFill>
@@ -39654,25 +40923,21 @@
               <a:t>behavioural</a:t>
             </a:r>
             <a:r>
-              <a:rPr lang="en-US" sz="3600" b="1" dirty="0">
+              <a:rPr lang="en-US" sz="2800" b="1" dirty="0">
                 <a:solidFill>
                   <a:schemeClr val="bg1"/>
                 </a:solidFill>
               </a:rPr>
-              <a:t> segments: </a:t>
-            </a:r>
-            <a:endParaRPr lang="en-ZA" sz="3600" b="1" dirty="0">
-              <a:solidFill>
-                <a:schemeClr val="bg1"/>
-              </a:solidFill>
-            </a:endParaRPr>
+              <a:t> segment:</a:t>
+            </a:r>
+            <a:endParaRPr lang="en-ZA" sz="2800" dirty="0"/>
           </a:p>
         </p:txBody>
       </p:sp>
     </p:spTree>
     <p:extLst>
       <p:ext uri="{BB962C8B-B14F-4D97-AF65-F5344CB8AC3E}">
-        <p14:creationId xmlns:p14="http://schemas.microsoft.com/office/powerpoint/2010/main" val="567490533"/>
+        <p14:creationId xmlns:p14="http://schemas.microsoft.com/office/powerpoint/2010/main" val="3023820534"/>
       </p:ext>
     </p:extLst>
   </p:cSld>
